--- a/EnPro_ALF_Poster_2.pptx
+++ b/EnPro_ALF_Poster_2.pptx
@@ -6065,6 +6065,60 @@
       </p:grpSpPr>
       <p:sp>
         <p:nvSpPr>
+          <p:cNvPr id="15" name="Rechteck 14">
+            <a:extLst>
+              <a:ext uri="{FF2B5EF4-FFF2-40B4-BE49-F238E27FC236}">
+                <a16:creationId xmlns:a16="http://schemas.microsoft.com/office/drawing/2014/main" id="{B1CF91B7-822E-4E82-A06B-652BA8FCB896}"/>
+              </a:ext>
+            </a:extLst>
+          </p:cNvPr>
+          <p:cNvSpPr/>
+          <p:nvPr/>
+        </p:nvSpPr>
+        <p:spPr>
+          <a:xfrm>
+            <a:off x="16372114" y="32165272"/>
+            <a:ext cx="11277600" cy="4062386"/>
+          </a:xfrm>
+          <a:prstGeom prst="rect">
+            <a:avLst/>
+          </a:prstGeom>
+          <a:solidFill>
+            <a:schemeClr val="bg1"/>
+          </a:solidFill>
+          <a:ln w="12700">
+            <a:solidFill>
+              <a:schemeClr val="tx1"/>
+            </a:solidFill>
+          </a:ln>
+        </p:spPr>
+        <p:style>
+          <a:lnRef idx="2">
+            <a:schemeClr val="accent1">
+              <a:shade val="50000"/>
+            </a:schemeClr>
+          </a:lnRef>
+          <a:fillRef idx="1">
+            <a:schemeClr val="accent1"/>
+          </a:fillRef>
+          <a:effectRef idx="0">
+            <a:schemeClr val="accent1"/>
+          </a:effectRef>
+          <a:fontRef idx="minor">
+            <a:schemeClr val="lt1"/>
+          </a:fontRef>
+        </p:style>
+        <p:txBody>
+          <a:bodyPr rtlCol="0" anchor="ctr"/>
+          <a:lstStyle/>
+          <a:p>
+            <a:pPr algn="ctr"/>
+            <a:endParaRPr lang="de-DE"/>
+          </a:p>
+        </p:txBody>
+      </p:sp>
+      <p:sp>
+        <p:nvSpPr>
           <p:cNvPr id="121" name="CustomShape 1"/>
           <p:cNvSpPr/>
           <p:nvPr/>
@@ -6532,8 +6586,8 @@
         </p:blipFill>
         <p:spPr>
           <a:xfrm>
-            <a:off x="24264000" y="39096000"/>
-            <a:ext cx="4061160" cy="2375640"/>
+            <a:off x="24768000" y="39948386"/>
+            <a:ext cx="3698942" cy="1796422"/>
           </a:xfrm>
           <a:prstGeom prst="rect">
             <a:avLst/>
@@ -6558,7 +6612,7 @@
         <p:spPr>
           <a:xfrm>
             <a:off x="2037598" y="12415715"/>
-            <a:ext cx="12707281" cy="11968286"/>
+            <a:ext cx="12707281" cy="11187235"/>
           </a:xfrm>
           <a:prstGeom prst="rect">
             <a:avLst/>
@@ -6610,7 +6664,7 @@
         </p:nvSpPr>
         <p:spPr>
           <a:xfrm>
-            <a:off x="2037598" y="24756666"/>
+            <a:off x="2053285" y="23902865"/>
             <a:ext cx="12707280" cy="645172"/>
           </a:xfrm>
           <a:prstGeom prst="rect">
@@ -6679,13 +6733,13 @@
         </p:nvSpPr>
         <p:spPr>
           <a:xfrm>
-            <a:off x="2049465" y="25774503"/>
-            <a:ext cx="12707281" cy="13074022"/>
-          </a:xfrm>
-          <a:prstGeom prst="rect">
-            <a:avLst/>
-          </a:prstGeom>
-          <a:ln/>
+            <a:off x="2065152" y="24920702"/>
+            <a:ext cx="12707281" cy="9538114"/>
+          </a:xfrm>
+          <a:prstGeom prst="rect">
+            <a:avLst/>
+          </a:prstGeom>
+          <a:ln w="12700"/>
         </p:spPr>
         <p:style>
           <a:lnRef idx="2">
@@ -6736,113 +6790,6 @@
           </a:p>
           <a:p>
             <a:endParaRPr lang="de-DE" sz="2800" b="1" dirty="0"/>
-          </a:p>
-          <a:p>
-            <a:r>
-              <a:rPr lang="de-DE" sz="2400" b="1" dirty="0"/>
-              <a:t>Trump-client</a:t>
-            </a:r>
-            <a:r>
-              <a:rPr lang="de-DE" sz="2400" dirty="0"/>
-              <a:t>: Fordert Daten für einen gegebenen Kartenausschnitt an</a:t>
-            </a:r>
-          </a:p>
-          <a:p>
-            <a:endParaRPr lang="de-DE" sz="2400" dirty="0"/>
-          </a:p>
-          <a:p>
-            <a:r>
-              <a:rPr lang="de-DE" sz="2400" b="1" dirty="0"/>
-              <a:t>Trump-</a:t>
-            </a:r>
-            <a:r>
-              <a:rPr lang="de-DE" sz="2400" b="1" dirty="0" err="1"/>
-              <a:t>mapnik</a:t>
-            </a:r>
-            <a:r>
-              <a:rPr lang="de-DE" sz="2400" dirty="0"/>
-              <a:t>: Stellt dem Client vor-gerenderte </a:t>
-            </a:r>
-            <a:r>
-              <a:rPr lang="de-DE" sz="2400" dirty="0" err="1"/>
-              <a:t>Tiles</a:t>
-            </a:r>
-            <a:r>
-              <a:rPr lang="de-DE" sz="2400" dirty="0"/>
-              <a:t> bereit, sofern dies </a:t>
-            </a:r>
-            <a:r>
-              <a:rPr lang="de-DE" sz="2400" dirty="0" err="1"/>
-              <a:t>gewüscht</a:t>
-            </a:r>
-            <a:r>
-              <a:rPr lang="de-DE" sz="2400" dirty="0"/>
-              <a:t> ist</a:t>
-            </a:r>
-          </a:p>
-          <a:p>
-            <a:endParaRPr lang="de-DE" sz="2400" dirty="0"/>
-          </a:p>
-          <a:p>
-            <a:r>
-              <a:rPr lang="de-DE" sz="2400" b="1" dirty="0"/>
-              <a:t>Trump-area</a:t>
-            </a:r>
-            <a:r>
-              <a:rPr lang="de-DE" sz="2400" dirty="0"/>
-              <a:t>: Stellt dem Client Grenzen und gebogene Label bereit, liest diese aus der Datenbank</a:t>
-            </a:r>
-          </a:p>
-          <a:p>
-            <a:endParaRPr lang="de-DE" sz="2400" dirty="0"/>
-          </a:p>
-          <a:p>
-            <a:r>
-              <a:rPr lang="de-DE" sz="2400" b="1" dirty="0"/>
-              <a:t>Trump-label</a:t>
-            </a:r>
-            <a:r>
-              <a:rPr lang="de-DE" sz="2400" dirty="0"/>
-              <a:t>: Stellt überschneidungsfreie Punktlabel bereit</a:t>
-            </a:r>
-          </a:p>
-          <a:p>
-            <a:endParaRPr lang="de-DE" sz="2400" dirty="0"/>
-          </a:p>
-          <a:p>
-            <a:r>
-              <a:rPr lang="de-DE" sz="2400" b="1" dirty="0"/>
-              <a:t>Trump-</a:t>
-            </a:r>
-            <a:r>
-              <a:rPr lang="de-DE" sz="2400" b="1" dirty="0" err="1"/>
-              <a:t>preprocessing</a:t>
-            </a:r>
-            <a:r>
-              <a:rPr lang="de-DE" sz="2400" dirty="0"/>
-              <a:t>: Grenzen werden für verschiedene Zoomstufen vereinfacht und Position der gebogenen Label wird je Grenze</a:t>
-            </a:r>
-          </a:p>
-          <a:p>
-            <a:endParaRPr lang="de-DE" sz="2400" dirty="0"/>
-          </a:p>
-          <a:p>
-            <a:r>
-              <a:rPr lang="de-DE" sz="2400" b="1" dirty="0"/>
-              <a:t>Trump-</a:t>
-            </a:r>
-            <a:r>
-              <a:rPr lang="de-DE" sz="2400" b="1" dirty="0" err="1"/>
-              <a:t>postgis</a:t>
-            </a:r>
-            <a:r>
-              <a:rPr lang="de-DE" sz="2400" b="1" dirty="0"/>
-              <a:t>: </a:t>
-            </a:r>
-            <a:r>
-              <a:rPr lang="de-DE" sz="2400" dirty="0"/>
-              <a:t>Datenbank enthält die vorverarbeiteten Daten</a:t>
-            </a:r>
           </a:p>
         </p:txBody>
       </p:sp>
@@ -6874,8 +6821,8 @@
         </p:blipFill>
         <p:spPr>
           <a:xfrm>
-            <a:off x="3111515" y="26170327"/>
-            <a:ext cx="10964183" cy="5473526"/>
+            <a:off x="2523133" y="25316525"/>
+            <a:ext cx="12008653" cy="5994945"/>
           </a:xfrm>
           <a:prstGeom prst="rect">
             <a:avLst/>
@@ -6910,7 +6857,7 @@
         </p:blipFill>
         <p:spPr>
           <a:xfrm>
-            <a:off x="5328939" y="18498066"/>
+            <a:off x="2507446" y="17909192"/>
             <a:ext cx="6124598" cy="5363057"/>
           </a:xfrm>
           <a:prstGeom prst="rect">
@@ -7150,7 +7097,7 @@
         </p:blipFill>
         <p:spPr>
           <a:xfrm>
-            <a:off x="20360100" y="21879679"/>
+            <a:off x="16318849" y="22284645"/>
             <a:ext cx="3307080" cy="3177540"/>
           </a:xfrm>
           <a:prstGeom prst="rect">
@@ -7173,7 +7120,7 @@
         <p:spPr>
           <a:xfrm>
             <a:off x="15660001" y="12415715"/>
-            <a:ext cx="12707280" cy="6759858"/>
+            <a:ext cx="12707280" cy="5959912"/>
           </a:xfrm>
           <a:prstGeom prst="rect">
             <a:avLst/>
@@ -7213,10 +7160,10 @@
       </p:sp>
       <p:pic>
         <p:nvPicPr>
-          <p:cNvPr id="13" name="Grafik 12" descr="Ein Bild, das Karte, Text enthält.&#10;&#10;Automatisch generierte Beschreibung">
+          <p:cNvPr id="16" name="Grafik 15" descr="Ein Bild, das Karte, Text enthält.&#10;&#10;Automatisch generierte Beschreibung">
             <a:extLst>
               <a:ext uri="{FF2B5EF4-FFF2-40B4-BE49-F238E27FC236}">
-                <a16:creationId xmlns:a16="http://schemas.microsoft.com/office/drawing/2014/main" id="{E25C7A53-898F-4E97-8AAF-24573BF75F03}"/>
+                <a16:creationId xmlns:a16="http://schemas.microsoft.com/office/drawing/2014/main" id="{9E6D4B23-3118-4A9A-BB11-FB872B8200B3}"/>
               </a:ext>
             </a:extLst>
           </p:cNvPr>
@@ -7239,8 +7186,8 @@
         </p:blipFill>
         <p:spPr>
           <a:xfrm>
-            <a:off x="21361134" y="15220633"/>
-            <a:ext cx="7006146" cy="3503073"/>
+            <a:off x="21046962" y="21413194"/>
+            <a:ext cx="6330858" cy="4513860"/>
           </a:xfrm>
           <a:prstGeom prst="rect">
             <a:avLst/>
@@ -7249,10 +7196,10 @@
       </p:pic>
       <p:pic>
         <p:nvPicPr>
-          <p:cNvPr id="16" name="Grafik 15" descr="Ein Bild, das Karte, Text enthält.&#10;&#10;Automatisch generierte Beschreibung">
+          <p:cNvPr id="20" name="Grafik 19" descr="Ein Bild, das Text, Karte enthält.&#10;&#10;Automatisch generierte Beschreibung">
             <a:extLst>
               <a:ext uri="{FF2B5EF4-FFF2-40B4-BE49-F238E27FC236}">
-                <a16:creationId xmlns:a16="http://schemas.microsoft.com/office/drawing/2014/main" id="{9E6D4B23-3118-4A9A-BB11-FB872B8200B3}"/>
+                <a16:creationId xmlns:a16="http://schemas.microsoft.com/office/drawing/2014/main" id="{895326BB-6F5B-43D0-80EB-F4C17FC92C11}"/>
               </a:ext>
             </a:extLst>
           </p:cNvPr>
@@ -7275,20 +7222,460 @@
         </p:blipFill>
         <p:spPr>
           <a:xfrm>
-            <a:off x="17138211" y="13601774"/>
-            <a:ext cx="6330858" cy="4513860"/>
+            <a:off x="8815843" y="18182081"/>
+            <a:ext cx="5745237" cy="4482100"/>
           </a:xfrm>
           <a:prstGeom prst="rect">
             <a:avLst/>
           </a:prstGeom>
         </p:spPr>
       </p:pic>
+      <p:sp>
+        <p:nvSpPr>
+          <p:cNvPr id="46" name="Rechteck 45">
+            <a:extLst>
+              <a:ext uri="{FF2B5EF4-FFF2-40B4-BE49-F238E27FC236}">
+                <a16:creationId xmlns:a16="http://schemas.microsoft.com/office/drawing/2014/main" id="{79D89F41-A573-40AB-9321-22C4357C86CA}"/>
+              </a:ext>
+            </a:extLst>
+          </p:cNvPr>
+          <p:cNvSpPr/>
+          <p:nvPr/>
+        </p:nvSpPr>
+        <p:spPr>
+          <a:xfrm>
+            <a:off x="15660000" y="27564076"/>
+            <a:ext cx="12707281" cy="11284449"/>
+          </a:xfrm>
+          <a:prstGeom prst="rect">
+            <a:avLst/>
+          </a:prstGeom>
+          <a:noFill/>
+          <a:ln w="9525" cap="flat" cmpd="sng" algn="ctr">
+            <a:solidFill>
+              <a:schemeClr val="accent3"/>
+            </a:solidFill>
+            <a:prstDash val="solid"/>
+            <a:round/>
+            <a:headEnd type="none" w="med" len="med"/>
+            <a:tailEnd type="none" w="med" len="med"/>
+          </a:ln>
+        </p:spPr>
+        <p:style>
+          <a:lnRef idx="0">
+            <a:scrgbClr r="0" g="0" b="0"/>
+          </a:lnRef>
+          <a:fillRef idx="0">
+            <a:scrgbClr r="0" g="0" b="0"/>
+          </a:fillRef>
+          <a:effectRef idx="0">
+            <a:scrgbClr r="0" g="0" b="0"/>
+          </a:effectRef>
+          <a:fontRef idx="minor">
+            <a:schemeClr val="accent3"/>
+          </a:fontRef>
+        </p:style>
+        <p:txBody>
+          <a:bodyPr rtlCol="0" anchor="ctr"/>
+          <a:lstStyle/>
+          <a:p>
+            <a:endParaRPr lang="de-DE" sz="2800" dirty="0"/>
+          </a:p>
+        </p:txBody>
+      </p:sp>
+      <p:sp>
+        <p:nvSpPr>
+          <p:cNvPr id="47" name="CustomShape 5">
+            <a:extLst>
+              <a:ext uri="{FF2B5EF4-FFF2-40B4-BE49-F238E27FC236}">
+                <a16:creationId xmlns:a16="http://schemas.microsoft.com/office/drawing/2014/main" id="{2FA407D0-9ACF-4C18-9E62-C84866F27E87}"/>
+              </a:ext>
+            </a:extLst>
+          </p:cNvPr>
+          <p:cNvSpPr/>
+          <p:nvPr/>
+        </p:nvSpPr>
+        <p:spPr>
+          <a:xfrm>
+            <a:off x="15660000" y="18627650"/>
+            <a:ext cx="12707280" cy="645172"/>
+          </a:xfrm>
+          <a:prstGeom prst="rect">
+            <a:avLst/>
+          </a:prstGeom>
+          <a:solidFill>
+            <a:srgbClr val="00B0F0"/>
+          </a:solidFill>
+          <a:ln>
+            <a:noFill/>
+          </a:ln>
+          <a:effectLst>
+            <a:outerShdw blurRad="50800" dist="38100" dir="2700000" algn="tl" rotWithShape="0">
+              <a:prstClr val="black">
+                <a:alpha val="40000"/>
+              </a:prstClr>
+            </a:outerShdw>
+          </a:effectLst>
+        </p:spPr>
+        <p:style>
+          <a:lnRef idx="0">
+            <a:scrgbClr r="0" g="0" b="0"/>
+          </a:lnRef>
+          <a:fillRef idx="0">
+            <a:scrgbClr r="0" g="0" b="0"/>
+          </a:fillRef>
+          <a:effectRef idx="0">
+            <a:scrgbClr r="0" g="0" b="0"/>
+          </a:effectRef>
+          <a:fontRef idx="minor"/>
+        </p:style>
+        <p:txBody>
+          <a:bodyPr lIns="129240" tIns="64800" rIns="129240" bIns="64800">
+            <a:noAutofit/>
+          </a:bodyPr>
+          <a:lstStyle/>
+          <a:p>
+            <a:r>
+              <a:rPr lang="de-DE" sz="2800" b="0" strike="noStrike" spc="-1" dirty="0">
+                <a:solidFill>
+                  <a:schemeClr val="bg1"/>
+                </a:solidFill>
+                <a:latin typeface="Arial"/>
+              </a:rPr>
+              <a:t>                                                     Gebogene Label</a:t>
+            </a:r>
+          </a:p>
+          <a:p>
+            <a:endParaRPr lang="de-DE" sz="1800" b="0" strike="noStrike" spc="-1" dirty="0">
+              <a:latin typeface="Arial"/>
+            </a:endParaRPr>
+          </a:p>
+        </p:txBody>
+      </p:sp>
+      <p:sp>
+        <p:nvSpPr>
+          <p:cNvPr id="48" name="CustomShape 5">
+            <a:extLst>
+              <a:ext uri="{FF2B5EF4-FFF2-40B4-BE49-F238E27FC236}">
+                <a16:creationId xmlns:a16="http://schemas.microsoft.com/office/drawing/2014/main" id="{5AF86716-B013-4DCF-8BAC-3FD0A42C70EC}"/>
+              </a:ext>
+            </a:extLst>
+          </p:cNvPr>
+          <p:cNvSpPr/>
+          <p:nvPr/>
+        </p:nvSpPr>
+        <p:spPr>
+          <a:xfrm>
+            <a:off x="15660000" y="26665627"/>
+            <a:ext cx="12707280" cy="645172"/>
+          </a:xfrm>
+          <a:prstGeom prst="rect">
+            <a:avLst/>
+          </a:prstGeom>
+          <a:solidFill>
+            <a:srgbClr val="00B0F0"/>
+          </a:solidFill>
+          <a:ln>
+            <a:noFill/>
+          </a:ln>
+          <a:effectLst>
+            <a:outerShdw blurRad="50800" dist="38100" dir="2700000" algn="tl" rotWithShape="0">
+              <a:prstClr val="black">
+                <a:alpha val="40000"/>
+              </a:prstClr>
+            </a:outerShdw>
+          </a:effectLst>
+        </p:spPr>
+        <p:style>
+          <a:lnRef idx="0">
+            <a:scrgbClr r="0" g="0" b="0"/>
+          </a:lnRef>
+          <a:fillRef idx="0">
+            <a:scrgbClr r="0" g="0" b="0"/>
+          </a:fillRef>
+          <a:effectRef idx="0">
+            <a:scrgbClr r="0" g="0" b="0"/>
+          </a:effectRef>
+          <a:fontRef idx="minor"/>
+        </p:style>
+        <p:txBody>
+          <a:bodyPr lIns="129240" tIns="64800" rIns="129240" bIns="64800">
+            <a:noAutofit/>
+          </a:bodyPr>
+          <a:lstStyle/>
+          <a:p>
+            <a:r>
+              <a:rPr lang="de-DE" sz="2800" b="0" strike="noStrike" spc="-1" dirty="0">
+                <a:solidFill>
+                  <a:schemeClr val="bg1"/>
+                </a:solidFill>
+                <a:latin typeface="Arial"/>
+              </a:rPr>
+              <a:t>                                                    Grenzvereinfachung</a:t>
+            </a:r>
+          </a:p>
+          <a:p>
+            <a:endParaRPr lang="de-DE" sz="1800" b="0" strike="noStrike" spc="-1" dirty="0">
+              <a:latin typeface="Arial"/>
+            </a:endParaRPr>
+          </a:p>
+        </p:txBody>
+      </p:sp>
+      <p:sp>
+        <p:nvSpPr>
+          <p:cNvPr id="49" name="Rechteck 48">
+            <a:extLst>
+              <a:ext uri="{FF2B5EF4-FFF2-40B4-BE49-F238E27FC236}">
+                <a16:creationId xmlns:a16="http://schemas.microsoft.com/office/drawing/2014/main" id="{951C67C6-9131-4D72-83E1-85A07D74004C}"/>
+              </a:ext>
+            </a:extLst>
+          </p:cNvPr>
+          <p:cNvSpPr/>
+          <p:nvPr/>
+        </p:nvSpPr>
+        <p:spPr>
+          <a:xfrm>
+            <a:off x="15660000" y="19546184"/>
+            <a:ext cx="12707281" cy="6918032"/>
+          </a:xfrm>
+          <a:prstGeom prst="rect">
+            <a:avLst/>
+          </a:prstGeom>
+          <a:noFill/>
+          <a:ln w="9525" cap="flat" cmpd="sng" algn="ctr">
+            <a:solidFill>
+              <a:schemeClr val="accent3"/>
+            </a:solidFill>
+            <a:prstDash val="solid"/>
+            <a:round/>
+            <a:headEnd type="none" w="med" len="med"/>
+            <a:tailEnd type="none" w="med" len="med"/>
+          </a:ln>
+        </p:spPr>
+        <p:style>
+          <a:lnRef idx="0">
+            <a:scrgbClr r="0" g="0" b="0"/>
+          </a:lnRef>
+          <a:fillRef idx="0">
+            <a:scrgbClr r="0" g="0" b="0"/>
+          </a:fillRef>
+          <a:effectRef idx="0">
+            <a:scrgbClr r="0" g="0" b="0"/>
+          </a:effectRef>
+          <a:fontRef idx="minor">
+            <a:schemeClr val="accent3"/>
+          </a:fontRef>
+        </p:style>
+        <p:txBody>
+          <a:bodyPr rtlCol="0" anchor="ctr"/>
+          <a:lstStyle/>
+          <a:p>
+            <a:endParaRPr lang="de-DE" sz="2800" dirty="0"/>
+          </a:p>
+        </p:txBody>
+      </p:sp>
+      <p:sp>
+        <p:nvSpPr>
+          <p:cNvPr id="4" name="Textfeld 3">
+            <a:extLst>
+              <a:ext uri="{FF2B5EF4-FFF2-40B4-BE49-F238E27FC236}">
+                <a16:creationId xmlns:a16="http://schemas.microsoft.com/office/drawing/2014/main" id="{0B90FA7B-1142-4599-8AA3-16CFA8705347}"/>
+              </a:ext>
+            </a:extLst>
+          </p:cNvPr>
+          <p:cNvSpPr txBox="1"/>
+          <p:nvPr/>
+        </p:nvSpPr>
+        <p:spPr>
+          <a:xfrm>
+            <a:off x="15961182" y="27979373"/>
+            <a:ext cx="12104915" cy="4893647"/>
+          </a:xfrm>
+          <a:prstGeom prst="rect">
+            <a:avLst/>
+          </a:prstGeom>
+          <a:noFill/>
+        </p:spPr>
+        <p:txBody>
+          <a:bodyPr wrap="square" rtlCol="0">
+            <a:spAutoFit/>
+          </a:bodyPr>
+          <a:lstStyle/>
+          <a:p>
+            <a:r>
+              <a:rPr lang="de-DE" sz="2400" dirty="0"/>
+              <a:t>Zunächst werden anhand der zu vereinfachenden Grenzen überscheidungsfreie Linienzüge berechnet. Teilgrenzen, die mehreren benachbarten Gebieten angehören, werden somit später nur einmal vereinfacht. Dies verhindert, dass besagtes Teilstück für beide Grenzen unterschiedlich vereinfacht wird, und beide vereinfachten Grenzen somit überlappen oder Lücken zwischen diesen entstehen.</a:t>
+            </a:r>
+          </a:p>
+          <a:p>
+            <a:endParaRPr lang="de-DE" sz="2400" dirty="0"/>
+          </a:p>
+          <a:p>
+            <a:r>
+              <a:rPr lang="de-DE" sz="2400" dirty="0"/>
+              <a:t>Vereinfachung dann je nach Zoomstufe, Vereinfachungsgrad linear zu Kartenmaßstab anhand des </a:t>
+            </a:r>
+            <a:r>
+              <a:rPr lang="de-DE" sz="2400" dirty="0" err="1"/>
+              <a:t>Algorithmuses</a:t>
+            </a:r>
+            <a:r>
+              <a:rPr lang="de-DE" sz="2400" dirty="0"/>
+              <a:t> in [1].</a:t>
+            </a:r>
+          </a:p>
+          <a:p>
+            <a:r>
+              <a:rPr lang="de-DE" sz="2400" dirty="0"/>
+              <a:t>Mit sinkender Zoomstufe ( Herauszoomen ) deutlich weniger Punkte pro Grenze. Möglichkeit </a:t>
+            </a:r>
+            <a:r>
+              <a:rPr lang="de-DE" sz="2400" dirty="0" err="1"/>
+              <a:t>Constraint</a:t>
+            </a:r>
+            <a:r>
+              <a:rPr lang="de-DE" sz="2400" dirty="0"/>
+              <a:t> Punkte, die immer im Gebiet liegen müssen.</a:t>
+            </a:r>
+          </a:p>
+          <a:p>
+            <a:endParaRPr lang="de-DE" sz="2400" dirty="0"/>
+          </a:p>
+          <a:p>
+            <a:endParaRPr lang="de-DE" sz="2400" dirty="0"/>
+          </a:p>
+          <a:p>
+            <a:endParaRPr lang="de-DE" sz="2400" dirty="0"/>
+          </a:p>
+        </p:txBody>
+      </p:sp>
+      <p:sp>
+        <p:nvSpPr>
+          <p:cNvPr id="6" name="Textfeld 5">
+            <a:extLst>
+              <a:ext uri="{FF2B5EF4-FFF2-40B4-BE49-F238E27FC236}">
+                <a16:creationId xmlns:a16="http://schemas.microsoft.com/office/drawing/2014/main" id="{DC134236-1DF1-4FF5-9E26-73263D402BBA}"/>
+              </a:ext>
+            </a:extLst>
+          </p:cNvPr>
+          <p:cNvSpPr txBox="1"/>
+          <p:nvPr/>
+        </p:nvSpPr>
+        <p:spPr>
+          <a:xfrm>
+            <a:off x="2229565" y="31411828"/>
+            <a:ext cx="12302221" cy="3046988"/>
+          </a:xfrm>
+          <a:prstGeom prst="rect">
+            <a:avLst/>
+          </a:prstGeom>
+          <a:noFill/>
+        </p:spPr>
+        <p:txBody>
+          <a:bodyPr wrap="square" rtlCol="0">
+            <a:spAutoFit/>
+          </a:bodyPr>
+          <a:lstStyle/>
+          <a:p>
+            <a:r>
+              <a:rPr lang="de-DE" sz="2400" b="1" dirty="0"/>
+              <a:t>Trump-client</a:t>
+            </a:r>
+            <a:r>
+              <a:rPr lang="de-DE" sz="2400" dirty="0"/>
+              <a:t>: Fordert Daten für einen gegebenen Kartenausschnitt an</a:t>
+            </a:r>
+          </a:p>
+          <a:p>
+            <a:r>
+              <a:rPr lang="de-DE" sz="2400" b="1" dirty="0"/>
+              <a:t>Trump-</a:t>
+            </a:r>
+            <a:r>
+              <a:rPr lang="de-DE" sz="2400" b="1" dirty="0" err="1"/>
+              <a:t>mapnik</a:t>
+            </a:r>
+            <a:r>
+              <a:rPr lang="de-DE" sz="2400" dirty="0"/>
+              <a:t>: Stellt dem Client vor-gerenderte </a:t>
+            </a:r>
+            <a:r>
+              <a:rPr lang="de-DE" sz="2400" dirty="0" err="1"/>
+              <a:t>Tiles</a:t>
+            </a:r>
+            <a:r>
+              <a:rPr lang="de-DE" sz="2400" dirty="0"/>
+              <a:t> bereit, sofern dies </a:t>
+            </a:r>
+            <a:r>
+              <a:rPr lang="de-DE" sz="2400" dirty="0" err="1"/>
+              <a:t>gewüscht</a:t>
+            </a:r>
+            <a:r>
+              <a:rPr lang="de-DE" sz="2400" dirty="0"/>
+              <a:t> ist</a:t>
+            </a:r>
+          </a:p>
+          <a:p>
+            <a:r>
+              <a:rPr lang="de-DE" sz="2400" b="1" dirty="0"/>
+              <a:t>Trump-area</a:t>
+            </a:r>
+            <a:r>
+              <a:rPr lang="de-DE" sz="2400" dirty="0"/>
+              <a:t>: Stellt dem Client Grenzen und gebogene Label bereit, liest diese aus der Datenbank</a:t>
+            </a:r>
+          </a:p>
+          <a:p>
+            <a:r>
+              <a:rPr lang="de-DE" sz="2400" b="1" dirty="0"/>
+              <a:t>Trump-label</a:t>
+            </a:r>
+            <a:r>
+              <a:rPr lang="de-DE" sz="2400" dirty="0"/>
+              <a:t>: Stellt überschneidungsfreie Punktlabel bereit</a:t>
+            </a:r>
+          </a:p>
+          <a:p>
+            <a:r>
+              <a:rPr lang="de-DE" sz="2400" b="1" dirty="0"/>
+              <a:t>Trump-</a:t>
+            </a:r>
+            <a:r>
+              <a:rPr lang="de-DE" sz="2400" b="1" dirty="0" err="1"/>
+              <a:t>preprocessing</a:t>
+            </a:r>
+            <a:r>
+              <a:rPr lang="de-DE" sz="2400" dirty="0"/>
+              <a:t>: Grenzen werden für verschiedene Zoomstufen vereinfacht und Position der gebogenen Label wird je Grenze</a:t>
+            </a:r>
+          </a:p>
+          <a:p>
+            <a:r>
+              <a:rPr lang="de-DE" sz="2400" b="1" dirty="0"/>
+              <a:t>Trump-</a:t>
+            </a:r>
+            <a:r>
+              <a:rPr lang="de-DE" sz="2400" b="1" dirty="0" err="1"/>
+              <a:t>postgis</a:t>
+            </a:r>
+            <a:r>
+              <a:rPr lang="de-DE" sz="2400" b="1" dirty="0"/>
+              <a:t>: </a:t>
+            </a:r>
+            <a:r>
+              <a:rPr lang="de-DE" sz="2400" dirty="0"/>
+              <a:t>Datenbank enthält die vorverarbeiteten Daten</a:t>
+            </a:r>
+          </a:p>
+        </p:txBody>
+      </p:sp>
       <p:pic>
         <p:nvPicPr>
-          <p:cNvPr id="20" name="Grafik 19" descr="Ein Bild, das Text, Karte enthält.&#10;&#10;Automatisch generierte Beschreibung">
+          <p:cNvPr id="9" name="Grafik 8" descr="Ein Bild, das Text, Karte enthält.&#10;&#10;Automatisch generierte Beschreibung">
             <a:extLst>
               <a:ext uri="{FF2B5EF4-FFF2-40B4-BE49-F238E27FC236}">
-                <a16:creationId xmlns:a16="http://schemas.microsoft.com/office/drawing/2014/main" id="{895326BB-6F5B-43D0-80EB-F4C17FC92C11}"/>
+                <a16:creationId xmlns:a16="http://schemas.microsoft.com/office/drawing/2014/main" id="{1CA0F08C-4482-462A-AA33-9D65AFFE04B6}"/>
               </a:ext>
             </a:extLst>
           </p:cNvPr>
@@ -7311,8 +7698,8 @@
         </p:blipFill>
         <p:spPr>
           <a:xfrm>
-            <a:off x="19209603" y="28390769"/>
-            <a:ext cx="5745237" cy="4482100"/>
+            <a:off x="16860617" y="32318135"/>
+            <a:ext cx="4620270" cy="3419952"/>
           </a:xfrm>
           <a:prstGeom prst="rect">
             <a:avLst/>
@@ -7321,10 +7708,10 @@
       </p:pic>
       <p:pic>
         <p:nvPicPr>
-          <p:cNvPr id="22" name="Grafik 21" descr="Ein Bild, das Text, Karte enthält.&#10;&#10;Automatisch generierte Beschreibung">
+          <p:cNvPr id="11" name="Grafik 10" descr="Ein Bild, das Text, Karte enthält.&#10;&#10;Automatisch generierte Beschreibung">
             <a:extLst>
               <a:ext uri="{FF2B5EF4-FFF2-40B4-BE49-F238E27FC236}">
-                <a16:creationId xmlns:a16="http://schemas.microsoft.com/office/drawing/2014/main" id="{EA3FCB4D-6A6F-48FA-9683-E24E83FF2EC8}"/>
+                <a16:creationId xmlns:a16="http://schemas.microsoft.com/office/drawing/2014/main" id="{9CCC7382-5DE0-4B08-9D86-4FE6190169C2}"/>
               </a:ext>
             </a:extLst>
           </p:cNvPr>
@@ -7347,8 +7734,8 @@
         </p:blipFill>
         <p:spPr>
           <a:xfrm>
-            <a:off x="17799435" y="33284143"/>
-            <a:ext cx="8824770" cy="5136292"/>
+            <a:off x="22380322" y="32438633"/>
+            <a:ext cx="4610743" cy="3410426"/>
           </a:xfrm>
           <a:prstGeom prst="rect">
             <a:avLst/>
@@ -7357,10 +7744,129 @@
       </p:pic>
       <p:sp>
         <p:nvSpPr>
-          <p:cNvPr id="46" name="Rechteck 45">
+          <p:cNvPr id="17" name="Textfeld 16">
             <a:extLst>
               <a:ext uri="{FF2B5EF4-FFF2-40B4-BE49-F238E27FC236}">
-                <a16:creationId xmlns:a16="http://schemas.microsoft.com/office/drawing/2014/main" id="{79D89F41-A573-40AB-9321-22C4357C86CA}"/>
+                <a16:creationId xmlns:a16="http://schemas.microsoft.com/office/drawing/2014/main" id="{E45FC380-B875-423F-AD11-B6D1C8292793}"/>
+              </a:ext>
+            </a:extLst>
+          </p:cNvPr>
+          <p:cNvSpPr txBox="1"/>
+          <p:nvPr/>
+        </p:nvSpPr>
+        <p:spPr>
+          <a:xfrm>
+            <a:off x="15961181" y="36782038"/>
+            <a:ext cx="12104915" cy="1200329"/>
+          </a:xfrm>
+          <a:prstGeom prst="rect">
+            <a:avLst/>
+          </a:prstGeom>
+          <a:noFill/>
+        </p:spPr>
+        <p:txBody>
+          <a:bodyPr wrap="square" rtlCol="0">
+            <a:spAutoFit/>
+          </a:bodyPr>
+          <a:lstStyle/>
+          <a:p>
+            <a:r>
+              <a:rPr lang="de-DE" sz="2400" dirty="0"/>
+              <a:t>In der Abbildung sind die Gebiete Waiblingen, Kernen im Remstal und Fellbach ohne Vereinfachung (links), sowie mit Vereinfachung für Zoomstufe 11 (rechts) zu betrachten.</a:t>
+            </a:r>
+          </a:p>
+          <a:p>
+            <a:r>
+              <a:rPr lang="de-DE" sz="2400" dirty="0"/>
+              <a:t>ANZAHL PUNKTE NOCH REIN</a:t>
+            </a:r>
+          </a:p>
+        </p:txBody>
+      </p:sp>
+      <p:sp>
+        <p:nvSpPr>
+          <p:cNvPr id="18" name="Textfeld 17">
+            <a:extLst>
+              <a:ext uri="{FF2B5EF4-FFF2-40B4-BE49-F238E27FC236}">
+                <a16:creationId xmlns:a16="http://schemas.microsoft.com/office/drawing/2014/main" id="{EE49365E-1307-48C4-8920-B8D9D7550CA4}"/>
+              </a:ext>
+            </a:extLst>
+          </p:cNvPr>
+          <p:cNvSpPr txBox="1"/>
+          <p:nvPr/>
+        </p:nvSpPr>
+        <p:spPr>
+          <a:xfrm>
+            <a:off x="16147755" y="19851669"/>
+            <a:ext cx="11624774" cy="461665"/>
+          </a:xfrm>
+          <a:prstGeom prst="rect">
+            <a:avLst/>
+          </a:prstGeom>
+          <a:noFill/>
+        </p:spPr>
+        <p:txBody>
+          <a:bodyPr wrap="square" rtlCol="0">
+            <a:spAutoFit/>
+          </a:bodyPr>
+          <a:lstStyle/>
+          <a:p>
+            <a:r>
+              <a:rPr lang="de-DE" sz="2400" dirty="0"/>
+              <a:t>Kurzer Text zur Labelberechnung</a:t>
+            </a:r>
+          </a:p>
+        </p:txBody>
+      </p:sp>
+      <p:sp>
+        <p:nvSpPr>
+          <p:cNvPr id="24" name="Textfeld 23">
+            <a:extLst>
+              <a:ext uri="{FF2B5EF4-FFF2-40B4-BE49-F238E27FC236}">
+                <a16:creationId xmlns:a16="http://schemas.microsoft.com/office/drawing/2014/main" id="{4E93CC46-C714-48DF-8044-A43D555CF233}"/>
+              </a:ext>
+            </a:extLst>
+          </p:cNvPr>
+          <p:cNvSpPr txBox="1"/>
+          <p:nvPr/>
+        </p:nvSpPr>
+        <p:spPr>
+          <a:xfrm>
+            <a:off x="16147755" y="12939328"/>
+            <a:ext cx="11624774" cy="461665"/>
+          </a:xfrm>
+          <a:prstGeom prst="rect">
+            <a:avLst/>
+          </a:prstGeom>
+          <a:noFill/>
+        </p:spPr>
+        <p:txBody>
+          <a:bodyPr wrap="square" rtlCol="0">
+            <a:spAutoFit/>
+          </a:bodyPr>
+          <a:lstStyle/>
+          <a:p>
+            <a:r>
+              <a:rPr lang="de-DE" sz="2400" dirty="0"/>
+              <a:t>Text zu </a:t>
+            </a:r>
+            <a:r>
+              <a:rPr lang="de-DE" sz="2400" dirty="0" err="1"/>
+              <a:t>Preprocessing</a:t>
+            </a:r>
+            <a:r>
+              <a:rPr lang="de-DE" sz="2400" dirty="0"/>
+              <a:t> allgemein</a:t>
+            </a:r>
+          </a:p>
+        </p:txBody>
+      </p:sp>
+      <p:sp>
+        <p:nvSpPr>
+          <p:cNvPr id="25" name="Rechteck 24">
+            <a:extLst>
+              <a:ext uri="{FF2B5EF4-FFF2-40B4-BE49-F238E27FC236}">
+                <a16:creationId xmlns:a16="http://schemas.microsoft.com/office/drawing/2014/main" id="{9836A975-0C31-46F1-A463-432862EF2293}"/>
               </a:ext>
             </a:extLst>
           </p:cNvPr>
@@ -7369,233 +7875,78 @@
         </p:nvSpPr>
         <p:spPr>
           <a:xfrm>
-            <a:off x="15660000" y="27564076"/>
-            <a:ext cx="12707281" cy="11284449"/>
-          </a:xfrm>
-          <a:prstGeom prst="rect">
-            <a:avLst/>
-          </a:prstGeom>
-          <a:noFill/>
-          <a:ln w="9525" cap="flat" cmpd="sng" algn="ctr">
+            <a:off x="2065152" y="34865187"/>
+            <a:ext cx="12707281" cy="3982125"/>
+          </a:xfrm>
+          <a:prstGeom prst="rect">
+            <a:avLst/>
+          </a:prstGeom>
+          <a:solidFill>
+            <a:schemeClr val="bg1"/>
+          </a:solidFill>
+          <a:ln>
             <a:solidFill>
-              <a:schemeClr val="accent3"/>
+              <a:schemeClr val="tx1"/>
             </a:solidFill>
-            <a:prstDash val="solid"/>
-            <a:round/>
-            <a:headEnd type="none" w="med" len="med"/>
-            <a:tailEnd type="none" w="med" len="med"/>
           </a:ln>
         </p:spPr>
         <p:style>
-          <a:lnRef idx="0">
-            <a:scrgbClr r="0" g="0" b="0"/>
+          <a:lnRef idx="2">
+            <a:schemeClr val="accent1">
+              <a:shade val="50000"/>
+            </a:schemeClr>
           </a:lnRef>
-          <a:fillRef idx="0">
-            <a:scrgbClr r="0" g="0" b="0"/>
+          <a:fillRef idx="1">
+            <a:schemeClr val="accent1"/>
           </a:fillRef>
           <a:effectRef idx="0">
-            <a:scrgbClr r="0" g="0" b="0"/>
+            <a:schemeClr val="accent1"/>
           </a:effectRef>
           <a:fontRef idx="minor">
-            <a:schemeClr val="accent3"/>
+            <a:schemeClr val="lt1"/>
           </a:fontRef>
         </p:style>
         <p:txBody>
           <a:bodyPr rtlCol="0" anchor="ctr"/>
           <a:lstStyle/>
           <a:p>
-            <a:endParaRPr lang="de-DE" sz="2800" dirty="0"/>
-          </a:p>
-        </p:txBody>
-      </p:sp>
-      <p:sp>
-        <p:nvSpPr>
-          <p:cNvPr id="47" name="CustomShape 5">
+            <a:pPr algn="ctr"/>
+            <a:endParaRPr lang="de-DE"/>
+          </a:p>
+        </p:txBody>
+      </p:sp>
+      <p:sp>
+        <p:nvSpPr>
+          <p:cNvPr id="26" name="Textfeld 25">
             <a:extLst>
               <a:ext uri="{FF2B5EF4-FFF2-40B4-BE49-F238E27FC236}">
-                <a16:creationId xmlns:a16="http://schemas.microsoft.com/office/drawing/2014/main" id="{2FA407D0-9ACF-4C18-9E62-C84866F27E87}"/>
+                <a16:creationId xmlns:a16="http://schemas.microsoft.com/office/drawing/2014/main" id="{FC6F0725-6BCC-404D-8EAF-11CC84FBC0CF}"/>
               </a:ext>
             </a:extLst>
           </p:cNvPr>
-          <p:cNvSpPr/>
+          <p:cNvSpPr txBox="1"/>
           <p:nvPr/>
         </p:nvSpPr>
         <p:spPr>
           <a:xfrm>
-            <a:off x="15660000" y="19475488"/>
-            <a:ext cx="12707280" cy="645172"/>
-          </a:xfrm>
-          <a:prstGeom prst="rect">
-            <a:avLst/>
-          </a:prstGeom>
-          <a:solidFill>
-            <a:srgbClr val="00B0F0"/>
-          </a:solidFill>
-          <a:ln>
-            <a:noFill/>
-          </a:ln>
-          <a:effectLst>
-            <a:outerShdw blurRad="50800" dist="38100" dir="2700000" algn="tl" rotWithShape="0">
-              <a:prstClr val="black">
-                <a:alpha val="40000"/>
-              </a:prstClr>
-            </a:outerShdw>
-          </a:effectLst>
-        </p:spPr>
-        <p:style>
-          <a:lnRef idx="0">
-            <a:scrgbClr r="0" g="0" b="0"/>
-          </a:lnRef>
-          <a:fillRef idx="0">
-            <a:scrgbClr r="0" g="0" b="0"/>
-          </a:fillRef>
-          <a:effectRef idx="0">
-            <a:scrgbClr r="0" g="0" b="0"/>
-          </a:effectRef>
-          <a:fontRef idx="minor"/>
-        </p:style>
-        <p:txBody>
-          <a:bodyPr lIns="129240" tIns="64800" rIns="129240" bIns="64800">
-            <a:noAutofit/>
+            <a:off x="4914900" y="36080700"/>
+            <a:ext cx="7105650" cy="461665"/>
+          </a:xfrm>
+          <a:prstGeom prst="rect">
+            <a:avLst/>
+          </a:prstGeom>
+          <a:noFill/>
+        </p:spPr>
+        <p:txBody>
+          <a:bodyPr wrap="square" rtlCol="0">
+            <a:spAutoFit/>
           </a:bodyPr>
           <a:lstStyle/>
           <a:p>
             <a:r>
-              <a:rPr lang="de-DE" sz="2800" b="0" strike="noStrike" spc="-1" dirty="0">
-                <a:solidFill>
-                  <a:schemeClr val="bg1"/>
-                </a:solidFill>
-                <a:latin typeface="Arial"/>
-              </a:rPr>
-              <a:t>                                                     Gebogene Label</a:t>
+              <a:rPr lang="de-DE" sz="2400" dirty="0"/>
+              <a:t>VLLT NOCH EIN BILD</a:t>
             </a:r>
-          </a:p>
-          <a:p>
-            <a:endParaRPr lang="de-DE" sz="1800" b="0" strike="noStrike" spc="-1" dirty="0">
-              <a:latin typeface="Arial"/>
-            </a:endParaRPr>
-          </a:p>
-        </p:txBody>
-      </p:sp>
-      <p:sp>
-        <p:nvSpPr>
-          <p:cNvPr id="48" name="CustomShape 5">
-            <a:extLst>
-              <a:ext uri="{FF2B5EF4-FFF2-40B4-BE49-F238E27FC236}">
-                <a16:creationId xmlns:a16="http://schemas.microsoft.com/office/drawing/2014/main" id="{5AF86716-B013-4DCF-8BAC-3FD0A42C70EC}"/>
-              </a:ext>
-            </a:extLst>
-          </p:cNvPr>
-          <p:cNvSpPr/>
-          <p:nvPr/>
-        </p:nvSpPr>
-        <p:spPr>
-          <a:xfrm>
-            <a:off x="15660000" y="26665627"/>
-            <a:ext cx="12707280" cy="645172"/>
-          </a:xfrm>
-          <a:prstGeom prst="rect">
-            <a:avLst/>
-          </a:prstGeom>
-          <a:solidFill>
-            <a:srgbClr val="00B0F0"/>
-          </a:solidFill>
-          <a:ln>
-            <a:noFill/>
-          </a:ln>
-          <a:effectLst>
-            <a:outerShdw blurRad="50800" dist="38100" dir="2700000" algn="tl" rotWithShape="0">
-              <a:prstClr val="black">
-                <a:alpha val="40000"/>
-              </a:prstClr>
-            </a:outerShdw>
-          </a:effectLst>
-        </p:spPr>
-        <p:style>
-          <a:lnRef idx="0">
-            <a:scrgbClr r="0" g="0" b="0"/>
-          </a:lnRef>
-          <a:fillRef idx="0">
-            <a:scrgbClr r="0" g="0" b="0"/>
-          </a:fillRef>
-          <a:effectRef idx="0">
-            <a:scrgbClr r="0" g="0" b="0"/>
-          </a:effectRef>
-          <a:fontRef idx="minor"/>
-        </p:style>
-        <p:txBody>
-          <a:bodyPr lIns="129240" tIns="64800" rIns="129240" bIns="64800">
-            <a:noAutofit/>
-          </a:bodyPr>
-          <a:lstStyle/>
-          <a:p>
-            <a:r>
-              <a:rPr lang="de-DE" sz="2800" b="0" strike="noStrike" spc="-1" dirty="0">
-                <a:solidFill>
-                  <a:schemeClr val="bg1"/>
-                </a:solidFill>
-                <a:latin typeface="Arial"/>
-              </a:rPr>
-              <a:t>                                                    Grenzvereinfachung</a:t>
-            </a:r>
-          </a:p>
-          <a:p>
-            <a:endParaRPr lang="de-DE" sz="1800" b="0" strike="noStrike" spc="-1" dirty="0">
-              <a:latin typeface="Arial"/>
-            </a:endParaRPr>
-          </a:p>
-        </p:txBody>
-      </p:sp>
-      <p:sp>
-        <p:nvSpPr>
-          <p:cNvPr id="49" name="Rechteck 48">
-            <a:extLst>
-              <a:ext uri="{FF2B5EF4-FFF2-40B4-BE49-F238E27FC236}">
-                <a16:creationId xmlns:a16="http://schemas.microsoft.com/office/drawing/2014/main" id="{951C67C6-9131-4D72-83E1-85A07D74004C}"/>
-              </a:ext>
-            </a:extLst>
-          </p:cNvPr>
-          <p:cNvSpPr/>
-          <p:nvPr/>
-        </p:nvSpPr>
-        <p:spPr>
-          <a:xfrm>
-            <a:off x="15660000" y="20322072"/>
-            <a:ext cx="12707281" cy="6142143"/>
-          </a:xfrm>
-          <a:prstGeom prst="rect">
-            <a:avLst/>
-          </a:prstGeom>
-          <a:noFill/>
-          <a:ln w="9525" cap="flat" cmpd="sng" algn="ctr">
-            <a:solidFill>
-              <a:schemeClr val="accent3"/>
-            </a:solidFill>
-            <a:prstDash val="solid"/>
-            <a:round/>
-            <a:headEnd type="none" w="med" len="med"/>
-            <a:tailEnd type="none" w="med" len="med"/>
-          </a:ln>
-        </p:spPr>
-        <p:style>
-          <a:lnRef idx="0">
-            <a:scrgbClr r="0" g="0" b="0"/>
-          </a:lnRef>
-          <a:fillRef idx="0">
-            <a:scrgbClr r="0" g="0" b="0"/>
-          </a:fillRef>
-          <a:effectRef idx="0">
-            <a:scrgbClr r="0" g="0" b="0"/>
-          </a:effectRef>
-          <a:fontRef idx="minor">
-            <a:schemeClr val="accent3"/>
-          </a:fontRef>
-        </p:style>
-        <p:txBody>
-          <a:bodyPr rtlCol="0" anchor="ctr"/>
-          <a:lstStyle/>
-          <a:p>
-            <a:endParaRPr lang="de-DE" sz="2800" dirty="0"/>
           </a:p>
         </p:txBody>
       </p:sp>

--- a/EnPro_ALF_Poster_2.pptx
+++ b/EnPro_ALF_Poster_2.pptx
@@ -7950,6 +7950,42 @@
           </a:p>
         </p:txBody>
       </p:sp>
+      <p:pic>
+        <p:nvPicPr>
+          <p:cNvPr id="10" name="Grafik 9" descr="Ein Bild, das Screenshot enthält.&#10;&#10;Automatisch generierte Beschreibung">
+            <a:extLst>
+              <a:ext uri="{FF2B5EF4-FFF2-40B4-BE49-F238E27FC236}">
+                <a16:creationId xmlns:a16="http://schemas.microsoft.com/office/drawing/2014/main" id="{55520038-4290-4D59-A0A0-D45577F0345F}"/>
+              </a:ext>
+            </a:extLst>
+          </p:cNvPr>
+          <p:cNvPicPr>
+            <a:picLocks noChangeAspect="1"/>
+          </p:cNvPicPr>
+          <p:nvPr/>
+        </p:nvPicPr>
+        <p:blipFill>
+          <a:blip r:embed="rId10">
+            <a:extLst>
+              <a:ext uri="{28A0092B-C50C-407E-A947-70E740481C1C}">
+                <a14:useLocalDpi xmlns:a14="http://schemas.microsoft.com/office/drawing/2010/main" val="0"/>
+              </a:ext>
+            </a:extLst>
+          </a:blip>
+          <a:stretch>
+            <a:fillRect/>
+          </a:stretch>
+        </p:blipFill>
+        <p:spPr>
+          <a:xfrm>
+            <a:off x="16092742" y="14379939"/>
+            <a:ext cx="11734800" cy="3171825"/>
+          </a:xfrm>
+          <a:prstGeom prst="rect">
+            <a:avLst/>
+          </a:prstGeom>
+        </p:spPr>
+      </p:pic>
     </p:spTree>
   </p:cSld>
   <p:clrMapOvr>

--- a/EnPro_ALF_Poster_2.pptx
+++ b/EnPro_ALF_Poster_2.pptx
@@ -6078,7 +6078,7 @@
         <p:spPr>
           <a:xfrm>
             <a:off x="16372114" y="32165272"/>
-            <a:ext cx="11277600" cy="4062386"/>
+            <a:ext cx="11277600" cy="3915428"/>
           </a:xfrm>
           <a:prstGeom prst="rect">
             <a:avLst/>
@@ -7980,6 +7980,42 @@
           <a:xfrm>
             <a:off x="16092742" y="14379939"/>
             <a:ext cx="11734800" cy="3171825"/>
+          </a:xfrm>
+          <a:prstGeom prst="rect">
+            <a:avLst/>
+          </a:prstGeom>
+        </p:spPr>
+      </p:pic>
+      <p:pic>
+        <p:nvPicPr>
+          <p:cNvPr id="34" name="Grafik 33" descr="Ein Bild, das Text, Karte enthält.&#10;&#10;Automatisch generierte Beschreibung">
+            <a:extLst>
+              <a:ext uri="{FF2B5EF4-FFF2-40B4-BE49-F238E27FC236}">
+                <a16:creationId xmlns:a16="http://schemas.microsoft.com/office/drawing/2014/main" id="{C38CA9F5-936F-4047-8FB9-8C78DB8627CC}"/>
+              </a:ext>
+            </a:extLst>
+          </p:cNvPr>
+          <p:cNvPicPr>
+            <a:picLocks noChangeAspect="1"/>
+          </p:cNvPicPr>
+          <p:nvPr/>
+        </p:nvPicPr>
+        <p:blipFill>
+          <a:blip r:embed="rId8">
+            <a:extLst>
+              <a:ext uri="{28A0092B-C50C-407E-A947-70E740481C1C}">
+                <a14:useLocalDpi xmlns:a14="http://schemas.microsoft.com/office/drawing/2010/main" val="0"/>
+              </a:ext>
+            </a:extLst>
+          </a:blip>
+          <a:stretch>
+            <a:fillRect/>
+          </a:stretch>
+        </p:blipFill>
+        <p:spPr>
+          <a:xfrm>
+            <a:off x="17013017" y="32470535"/>
+            <a:ext cx="4620270" cy="3419952"/>
           </a:xfrm>
           <a:prstGeom prst="rect">
             <a:avLst/>

--- a/EnPro_ALF_Poster_2.pptx
+++ b/EnPro_ALF_Poster_2.pptx
@@ -1,19 +1,119 @@
 
 <file path=ppt/presentation.xml><?xml version="1.0" encoding="utf-8"?>
-<p:presentation xmlns:a="http://schemas.openxmlformats.org/drawingml/2006/main" xmlns:p="http://schemas.openxmlformats.org/presentationml/2006/main" xmlns:r="http://schemas.openxmlformats.org/officeDocument/2006/relationships" xmlns:p14="http://schemas.microsoft.com/office/powerpoint/2010/main" xmlns:p15="http://schemas.microsoft.com/office/powerpoint/2012/main" xmlns:mc="http://schemas.openxmlformats.org/markup-compatibility/2006">
+<p:presentation xmlns:a="http://schemas.openxmlformats.org/drawingml/2006/main" xmlns:r="http://schemas.openxmlformats.org/officeDocument/2006/relationships" xmlns:p="http://schemas.openxmlformats.org/presentationml/2006/main">
   <p:sldMasterIdLst>
-    <p:sldMasterId id="2147483648" r:id="rId2"/>
+    <p:sldMasterId id="2147483648" r:id="rId1"/>
   </p:sldMasterIdLst>
   <p:sldIdLst>
-    <p:sldId id="256" r:id="rId3"/>
+    <p:sldId id="256" r:id="rId2"/>
   </p:sldIdLst>
   <p:sldSz cx="30279975" cy="42808525"/>
-  <p:notesSz cx="7559675" cy="10691812"/>
+  <p:notesSz cx="7559675" cy="10691813"/>
+  <p:defaultTextStyle>
+    <a:defPPr>
+      <a:defRPr lang="de-DE"/>
+    </a:defPPr>
+    <a:lvl1pPr marL="0" algn="l" defTabSz="914400" rtl="0" eaLnBrk="1" latinLnBrk="0" hangingPunct="1">
+      <a:defRPr sz="1800" kern="1200">
+        <a:solidFill>
+          <a:schemeClr val="tx1"/>
+        </a:solidFill>
+        <a:latin typeface="+mn-lt"/>
+        <a:ea typeface="+mn-ea"/>
+        <a:cs typeface="+mn-cs"/>
+      </a:defRPr>
+    </a:lvl1pPr>
+    <a:lvl2pPr marL="457200" algn="l" defTabSz="914400" rtl="0" eaLnBrk="1" latinLnBrk="0" hangingPunct="1">
+      <a:defRPr sz="1800" kern="1200">
+        <a:solidFill>
+          <a:schemeClr val="tx1"/>
+        </a:solidFill>
+        <a:latin typeface="+mn-lt"/>
+        <a:ea typeface="+mn-ea"/>
+        <a:cs typeface="+mn-cs"/>
+      </a:defRPr>
+    </a:lvl2pPr>
+    <a:lvl3pPr marL="914400" algn="l" defTabSz="914400" rtl="0" eaLnBrk="1" latinLnBrk="0" hangingPunct="1">
+      <a:defRPr sz="1800" kern="1200">
+        <a:solidFill>
+          <a:schemeClr val="tx1"/>
+        </a:solidFill>
+        <a:latin typeface="+mn-lt"/>
+        <a:ea typeface="+mn-ea"/>
+        <a:cs typeface="+mn-cs"/>
+      </a:defRPr>
+    </a:lvl3pPr>
+    <a:lvl4pPr marL="1371600" algn="l" defTabSz="914400" rtl="0" eaLnBrk="1" latinLnBrk="0" hangingPunct="1">
+      <a:defRPr sz="1800" kern="1200">
+        <a:solidFill>
+          <a:schemeClr val="tx1"/>
+        </a:solidFill>
+        <a:latin typeface="+mn-lt"/>
+        <a:ea typeface="+mn-ea"/>
+        <a:cs typeface="+mn-cs"/>
+      </a:defRPr>
+    </a:lvl4pPr>
+    <a:lvl5pPr marL="1828800" algn="l" defTabSz="914400" rtl="0" eaLnBrk="1" latinLnBrk="0" hangingPunct="1">
+      <a:defRPr sz="1800" kern="1200">
+        <a:solidFill>
+          <a:schemeClr val="tx1"/>
+        </a:solidFill>
+        <a:latin typeface="+mn-lt"/>
+        <a:ea typeface="+mn-ea"/>
+        <a:cs typeface="+mn-cs"/>
+      </a:defRPr>
+    </a:lvl5pPr>
+    <a:lvl6pPr marL="2286000" algn="l" defTabSz="914400" rtl="0" eaLnBrk="1" latinLnBrk="0" hangingPunct="1">
+      <a:defRPr sz="1800" kern="1200">
+        <a:solidFill>
+          <a:schemeClr val="tx1"/>
+        </a:solidFill>
+        <a:latin typeface="+mn-lt"/>
+        <a:ea typeface="+mn-ea"/>
+        <a:cs typeface="+mn-cs"/>
+      </a:defRPr>
+    </a:lvl6pPr>
+    <a:lvl7pPr marL="2743200" algn="l" defTabSz="914400" rtl="0" eaLnBrk="1" latinLnBrk="0" hangingPunct="1">
+      <a:defRPr sz="1800" kern="1200">
+        <a:solidFill>
+          <a:schemeClr val="tx1"/>
+        </a:solidFill>
+        <a:latin typeface="+mn-lt"/>
+        <a:ea typeface="+mn-ea"/>
+        <a:cs typeface="+mn-cs"/>
+      </a:defRPr>
+    </a:lvl7pPr>
+    <a:lvl8pPr marL="3200400" algn="l" defTabSz="914400" rtl="0" eaLnBrk="1" latinLnBrk="0" hangingPunct="1">
+      <a:defRPr sz="1800" kern="1200">
+        <a:solidFill>
+          <a:schemeClr val="tx1"/>
+        </a:solidFill>
+        <a:latin typeface="+mn-lt"/>
+        <a:ea typeface="+mn-ea"/>
+        <a:cs typeface="+mn-cs"/>
+      </a:defRPr>
+    </a:lvl8pPr>
+    <a:lvl9pPr marL="3657600" algn="l" defTabSz="914400" rtl="0" eaLnBrk="1" latinLnBrk="0" hangingPunct="1">
+      <a:defRPr sz="1800" kern="1200">
+        <a:solidFill>
+          <a:schemeClr val="tx1"/>
+        </a:solidFill>
+        <a:latin typeface="+mn-lt"/>
+        <a:ea typeface="+mn-ea"/>
+        <a:cs typeface="+mn-cs"/>
+      </a:defRPr>
+    </a:lvl9pPr>
+  </p:defaultTextStyle>
+  <p:extLst>
+    <p:ext uri="{EFAFB233-063F-42B5-8137-9DF3F51BA10A}">
+      <p15:sldGuideLst xmlns:p15="http://schemas.microsoft.com/office/powerpoint/2012/main"/>
+    </p:ext>
+  </p:extLst>
 </p:presentation>
 </file>
 
 <file path=ppt/slideLayouts/slideLayout1.xml><?xml version="1.0" encoding="utf-8"?>
-<p:sldLayout xmlns:a="http://schemas.openxmlformats.org/drawingml/2006/main" xmlns:p="http://schemas.openxmlformats.org/presentationml/2006/main" xmlns:r="http://schemas.openxmlformats.org/officeDocument/2006/relationships" xmlns:p14="http://schemas.microsoft.com/office/powerpoint/2010/main" xmlns:p15="http://schemas.microsoft.com/office/powerpoint/2012/main" xmlns:mc="http://schemas.openxmlformats.org/markup-compatibility/2006" type="blank" preserve="1">
+<p:sldLayout xmlns:a="http://schemas.openxmlformats.org/drawingml/2006/main" xmlns:r="http://schemas.openxmlformats.org/officeDocument/2006/relationships" xmlns:p="http://schemas.openxmlformats.org/presentationml/2006/main" type="blank" preserve="1">
   <p:cSld name="Blank Slide">
     <p:spTree>
       <p:nvGrpSpPr>
@@ -31,11 +131,14 @@
       </p:grpSpPr>
     </p:spTree>
   </p:cSld>
+  <p:clrMapOvr>
+    <a:masterClrMapping/>
+  </p:clrMapOvr>
 </p:sldLayout>
 </file>
 
 <file path=ppt/slideLayouts/slideLayout10.xml><?xml version="1.0" encoding="utf-8"?>
-<p:sldLayout xmlns:a="http://schemas.openxmlformats.org/drawingml/2006/main" xmlns:p="http://schemas.openxmlformats.org/presentationml/2006/main" xmlns:r="http://schemas.openxmlformats.org/officeDocument/2006/relationships" xmlns:p14="http://schemas.microsoft.com/office/powerpoint/2010/main" xmlns:p15="http://schemas.microsoft.com/office/powerpoint/2012/main" xmlns:mc="http://schemas.openxmlformats.org/markup-compatibility/2006" type="objOverTx" preserve="1">
+<p:sldLayout xmlns:a="http://schemas.openxmlformats.org/drawingml/2006/main" xmlns:r="http://schemas.openxmlformats.org/officeDocument/2006/relationships" xmlns:p="http://schemas.openxmlformats.org/presentationml/2006/main" type="objOverTx" preserve="1">
   <p:cSld name="Title, Content over Content">
     <p:spTree>
       <p:nvGrpSpPr>
@@ -71,11 +174,12 @@
           </a:prstGeom>
         </p:spPr>
         <p:txBody>
-          <a:bodyPr lIns="0" rIns="0" tIns="0" bIns="0" anchor="ctr">
+          <a:bodyPr lIns="0" tIns="0" rIns="0" bIns="0" anchor="ctr">
             <a:spAutoFit/>
           </a:bodyPr>
-          <a:p>
-            <a:endParaRPr b="0" lang="de-DE" sz="1800" spc="-1" strike="noStrike">
+          <a:lstStyle/>
+          <a:p>
+            <a:endParaRPr lang="de-DE" sz="1800" b="0" strike="noStrike" spc="-1">
               <a:solidFill>
                 <a:srgbClr val="000000"/>
               </a:solidFill>
@@ -104,11 +208,12 @@
           </a:prstGeom>
         </p:spPr>
         <p:txBody>
-          <a:bodyPr lIns="0" rIns="0" tIns="0" bIns="0">
+          <a:bodyPr lIns="0" tIns="0" rIns="0" bIns="0">
             <a:normAutofit/>
           </a:bodyPr>
-          <a:p>
-            <a:endParaRPr b="0" lang="de-DE" sz="2800" spc="-1" strike="noStrike">
+          <a:lstStyle/>
+          <a:p>
+            <a:endParaRPr lang="de-DE" sz="2800" b="0" strike="noStrike" spc="-1">
               <a:solidFill>
                 <a:srgbClr val="000000"/>
               </a:solidFill>
@@ -137,11 +242,12 @@
           </a:prstGeom>
         </p:spPr>
         <p:txBody>
-          <a:bodyPr lIns="0" rIns="0" tIns="0" bIns="0">
+          <a:bodyPr lIns="0" tIns="0" rIns="0" bIns="0">
             <a:normAutofit/>
           </a:bodyPr>
-          <a:p>
-            <a:endParaRPr b="0" lang="de-DE" sz="2800" spc="-1" strike="noStrike">
+          <a:lstStyle/>
+          <a:p>
+            <a:endParaRPr lang="de-DE" sz="2800" b="0" strike="noStrike" spc="-1">
               <a:solidFill>
                 <a:srgbClr val="000000"/>
               </a:solidFill>
@@ -152,11 +258,14 @@
       </p:sp>
     </p:spTree>
   </p:cSld>
+  <p:clrMapOvr>
+    <a:masterClrMapping/>
+  </p:clrMapOvr>
 </p:sldLayout>
 </file>
 
 <file path=ppt/slideLayouts/slideLayout11.xml><?xml version="1.0" encoding="utf-8"?>
-<p:sldLayout xmlns:a="http://schemas.openxmlformats.org/drawingml/2006/main" xmlns:p="http://schemas.openxmlformats.org/presentationml/2006/main" xmlns:r="http://schemas.openxmlformats.org/officeDocument/2006/relationships" xmlns:p14="http://schemas.microsoft.com/office/powerpoint/2010/main" xmlns:p15="http://schemas.microsoft.com/office/powerpoint/2012/main" xmlns:mc="http://schemas.openxmlformats.org/markup-compatibility/2006" type="fourObj" preserve="1">
+<p:sldLayout xmlns:a="http://schemas.openxmlformats.org/drawingml/2006/main" xmlns:r="http://schemas.openxmlformats.org/officeDocument/2006/relationships" xmlns:p="http://schemas.openxmlformats.org/presentationml/2006/main" type="fourObj" preserve="1">
   <p:cSld name="Title, 4 Content">
     <p:spTree>
       <p:nvGrpSpPr>
@@ -192,11 +301,12 @@
           </a:prstGeom>
         </p:spPr>
         <p:txBody>
-          <a:bodyPr lIns="0" rIns="0" tIns="0" bIns="0" anchor="ctr">
+          <a:bodyPr lIns="0" tIns="0" rIns="0" bIns="0" anchor="ctr">
             <a:spAutoFit/>
           </a:bodyPr>
-          <a:p>
-            <a:endParaRPr b="0" lang="de-DE" sz="1800" spc="-1" strike="noStrike">
+          <a:lstStyle/>
+          <a:p>
+            <a:endParaRPr lang="de-DE" sz="1800" b="0" strike="noStrike" spc="-1">
               <a:solidFill>
                 <a:srgbClr val="000000"/>
               </a:solidFill>
@@ -225,11 +335,12 @@
           </a:prstGeom>
         </p:spPr>
         <p:txBody>
-          <a:bodyPr lIns="0" rIns="0" tIns="0" bIns="0">
+          <a:bodyPr lIns="0" tIns="0" rIns="0" bIns="0">
             <a:normAutofit/>
           </a:bodyPr>
-          <a:p>
-            <a:endParaRPr b="0" lang="de-DE" sz="2800" spc="-1" strike="noStrike">
+          <a:lstStyle/>
+          <a:p>
+            <a:endParaRPr lang="de-DE" sz="2800" b="0" strike="noStrike" spc="-1">
               <a:solidFill>
                 <a:srgbClr val="000000"/>
               </a:solidFill>
@@ -258,11 +369,12 @@
           </a:prstGeom>
         </p:spPr>
         <p:txBody>
-          <a:bodyPr lIns="0" rIns="0" tIns="0" bIns="0">
+          <a:bodyPr lIns="0" tIns="0" rIns="0" bIns="0">
             <a:normAutofit/>
           </a:bodyPr>
-          <a:p>
-            <a:endParaRPr b="0" lang="de-DE" sz="2800" spc="-1" strike="noStrike">
+          <a:lstStyle/>
+          <a:p>
+            <a:endParaRPr lang="de-DE" sz="2800" b="0" strike="noStrike" spc="-1">
               <a:solidFill>
                 <a:srgbClr val="000000"/>
               </a:solidFill>
@@ -291,11 +403,12 @@
           </a:prstGeom>
         </p:spPr>
         <p:txBody>
-          <a:bodyPr lIns="0" rIns="0" tIns="0" bIns="0">
+          <a:bodyPr lIns="0" tIns="0" rIns="0" bIns="0">
             <a:normAutofit/>
           </a:bodyPr>
-          <a:p>
-            <a:endParaRPr b="0" lang="de-DE" sz="2800" spc="-1" strike="noStrike">
+          <a:lstStyle/>
+          <a:p>
+            <a:endParaRPr lang="de-DE" sz="2800" b="0" strike="noStrike" spc="-1">
               <a:solidFill>
                 <a:srgbClr val="000000"/>
               </a:solidFill>
@@ -324,11 +437,12 @@
           </a:prstGeom>
         </p:spPr>
         <p:txBody>
-          <a:bodyPr lIns="0" rIns="0" tIns="0" bIns="0">
+          <a:bodyPr lIns="0" tIns="0" rIns="0" bIns="0">
             <a:normAutofit/>
           </a:bodyPr>
-          <a:p>
-            <a:endParaRPr b="0" lang="de-DE" sz="2800" spc="-1" strike="noStrike">
+          <a:lstStyle/>
+          <a:p>
+            <a:endParaRPr lang="de-DE" sz="2800" b="0" strike="noStrike" spc="-1">
               <a:solidFill>
                 <a:srgbClr val="000000"/>
               </a:solidFill>
@@ -339,11 +453,14 @@
       </p:sp>
     </p:spTree>
   </p:cSld>
+  <p:clrMapOvr>
+    <a:masterClrMapping/>
+  </p:clrMapOvr>
 </p:sldLayout>
 </file>
 
 <file path=ppt/slideLayouts/slideLayout12.xml><?xml version="1.0" encoding="utf-8"?>
-<p:sldLayout xmlns:a="http://schemas.openxmlformats.org/drawingml/2006/main" xmlns:p="http://schemas.openxmlformats.org/presentationml/2006/main" xmlns:r="http://schemas.openxmlformats.org/officeDocument/2006/relationships" xmlns:p14="http://schemas.microsoft.com/office/powerpoint/2010/main" xmlns:p15="http://schemas.microsoft.com/office/powerpoint/2012/main" xmlns:mc="http://schemas.openxmlformats.org/markup-compatibility/2006" type="blank" preserve="1">
+<p:sldLayout xmlns:a="http://schemas.openxmlformats.org/drawingml/2006/main" xmlns:r="http://schemas.openxmlformats.org/officeDocument/2006/relationships" xmlns:p="http://schemas.openxmlformats.org/presentationml/2006/main" type="blank" preserve="1">
   <p:cSld name="Title, 6 Content">
     <p:spTree>
       <p:nvGrpSpPr>
@@ -379,11 +496,12 @@
           </a:prstGeom>
         </p:spPr>
         <p:txBody>
-          <a:bodyPr lIns="0" rIns="0" tIns="0" bIns="0" anchor="ctr">
+          <a:bodyPr lIns="0" tIns="0" rIns="0" bIns="0" anchor="ctr">
             <a:spAutoFit/>
           </a:bodyPr>
-          <a:p>
-            <a:endParaRPr b="0" lang="de-DE" sz="1800" spc="-1" strike="noStrike">
+          <a:lstStyle/>
+          <a:p>
+            <a:endParaRPr lang="de-DE" sz="1800" b="0" strike="noStrike" spc="-1">
               <a:solidFill>
                 <a:srgbClr val="000000"/>
               </a:solidFill>
@@ -412,11 +530,12 @@
           </a:prstGeom>
         </p:spPr>
         <p:txBody>
-          <a:bodyPr lIns="0" rIns="0" tIns="0" bIns="0">
+          <a:bodyPr lIns="0" tIns="0" rIns="0" bIns="0">
             <a:normAutofit/>
           </a:bodyPr>
-          <a:p>
-            <a:endParaRPr b="0" lang="de-DE" sz="2800" spc="-1" strike="noStrike">
+          <a:lstStyle/>
+          <a:p>
+            <a:endParaRPr lang="de-DE" sz="2800" b="0" strike="noStrike" spc="-1">
               <a:solidFill>
                 <a:srgbClr val="000000"/>
               </a:solidFill>
@@ -445,11 +564,12 @@
           </a:prstGeom>
         </p:spPr>
         <p:txBody>
-          <a:bodyPr lIns="0" rIns="0" tIns="0" bIns="0">
+          <a:bodyPr lIns="0" tIns="0" rIns="0" bIns="0">
             <a:normAutofit/>
           </a:bodyPr>
-          <a:p>
-            <a:endParaRPr b="0" lang="de-DE" sz="2800" spc="-1" strike="noStrike">
+          <a:lstStyle/>
+          <a:p>
+            <a:endParaRPr lang="de-DE" sz="2800" b="0" strike="noStrike" spc="-1">
               <a:solidFill>
                 <a:srgbClr val="000000"/>
               </a:solidFill>
@@ -478,11 +598,12 @@
           </a:prstGeom>
         </p:spPr>
         <p:txBody>
-          <a:bodyPr lIns="0" rIns="0" tIns="0" bIns="0">
+          <a:bodyPr lIns="0" tIns="0" rIns="0" bIns="0">
             <a:normAutofit/>
           </a:bodyPr>
-          <a:p>
-            <a:endParaRPr b="0" lang="de-DE" sz="2800" spc="-1" strike="noStrike">
+          <a:lstStyle/>
+          <a:p>
+            <a:endParaRPr lang="de-DE" sz="2800" b="0" strike="noStrike" spc="-1">
               <a:solidFill>
                 <a:srgbClr val="000000"/>
               </a:solidFill>
@@ -511,11 +632,12 @@
           </a:prstGeom>
         </p:spPr>
         <p:txBody>
-          <a:bodyPr lIns="0" rIns="0" tIns="0" bIns="0">
+          <a:bodyPr lIns="0" tIns="0" rIns="0" bIns="0">
             <a:normAutofit/>
           </a:bodyPr>
-          <a:p>
-            <a:endParaRPr b="0" lang="de-DE" sz="2800" spc="-1" strike="noStrike">
+          <a:lstStyle/>
+          <a:p>
+            <a:endParaRPr lang="de-DE" sz="2800" b="0" strike="noStrike" spc="-1">
               <a:solidFill>
                 <a:srgbClr val="000000"/>
               </a:solidFill>
@@ -544,11 +666,12 @@
           </a:prstGeom>
         </p:spPr>
         <p:txBody>
-          <a:bodyPr lIns="0" rIns="0" tIns="0" bIns="0">
+          <a:bodyPr lIns="0" tIns="0" rIns="0" bIns="0">
             <a:normAutofit/>
           </a:bodyPr>
-          <a:p>
-            <a:endParaRPr b="0" lang="de-DE" sz="2800" spc="-1" strike="noStrike">
+          <a:lstStyle/>
+          <a:p>
+            <a:endParaRPr lang="de-DE" sz="2800" b="0" strike="noStrike" spc="-1">
               <a:solidFill>
                 <a:srgbClr val="000000"/>
               </a:solidFill>
@@ -577,11 +700,12 @@
           </a:prstGeom>
         </p:spPr>
         <p:txBody>
-          <a:bodyPr lIns="0" rIns="0" tIns="0" bIns="0">
+          <a:bodyPr lIns="0" tIns="0" rIns="0" bIns="0">
             <a:normAutofit/>
           </a:bodyPr>
-          <a:p>
-            <a:endParaRPr b="0" lang="de-DE" sz="2800" spc="-1" strike="noStrike">
+          <a:lstStyle/>
+          <a:p>
+            <a:endParaRPr lang="de-DE" sz="2800" b="0" strike="noStrike" spc="-1">
               <a:solidFill>
                 <a:srgbClr val="000000"/>
               </a:solidFill>
@@ -592,11 +716,14 @@
       </p:sp>
     </p:spTree>
   </p:cSld>
+  <p:clrMapOvr>
+    <a:masterClrMapping/>
+  </p:clrMapOvr>
 </p:sldLayout>
 </file>
 
 <file path=ppt/slideLayouts/slideLayout2.xml><?xml version="1.0" encoding="utf-8"?>
-<p:sldLayout xmlns:a="http://schemas.openxmlformats.org/drawingml/2006/main" xmlns:p="http://schemas.openxmlformats.org/presentationml/2006/main" xmlns:r="http://schemas.openxmlformats.org/officeDocument/2006/relationships" xmlns:p14="http://schemas.microsoft.com/office/powerpoint/2010/main" xmlns:p15="http://schemas.microsoft.com/office/powerpoint/2012/main" xmlns:mc="http://schemas.openxmlformats.org/markup-compatibility/2006" type="tx" preserve="1">
+<p:sldLayout xmlns:a="http://schemas.openxmlformats.org/drawingml/2006/main" xmlns:r="http://schemas.openxmlformats.org/officeDocument/2006/relationships" xmlns:p="http://schemas.openxmlformats.org/presentationml/2006/main" type="tx" preserve="1">
   <p:cSld name="Title Slide">
     <p:spTree>
       <p:nvGrpSpPr>
@@ -632,11 +759,12 @@
           </a:prstGeom>
         </p:spPr>
         <p:txBody>
-          <a:bodyPr lIns="0" rIns="0" tIns="0" bIns="0" anchor="ctr">
+          <a:bodyPr lIns="0" tIns="0" rIns="0" bIns="0" anchor="ctr">
             <a:spAutoFit/>
           </a:bodyPr>
-          <a:p>
-            <a:endParaRPr b="0" lang="de-DE" sz="1800" spc="-1" strike="noStrike">
+          <a:lstStyle/>
+          <a:p>
+            <a:endParaRPr lang="de-DE" sz="1800" b="0" strike="noStrike" spc="-1">
               <a:solidFill>
                 <a:srgbClr val="000000"/>
               </a:solidFill>
@@ -665,12 +793,13 @@
           </a:prstGeom>
         </p:spPr>
         <p:txBody>
-          <a:bodyPr lIns="0" rIns="0" tIns="0" bIns="0" anchor="ctr">
+          <a:bodyPr lIns="0" tIns="0" rIns="0" bIns="0" anchor="ctr">
             <a:spAutoFit/>
           </a:bodyPr>
+          <a:lstStyle/>
           <a:p>
             <a:pPr algn="ctr"/>
-            <a:endParaRPr b="0" lang="de-DE" sz="3200" spc="-1" strike="noStrike">
+            <a:endParaRPr lang="de-DE" sz="3200" b="0" strike="noStrike" spc="-1">
               <a:latin typeface="Arial"/>
             </a:endParaRPr>
           </a:p>
@@ -678,11 +807,14 @@
       </p:sp>
     </p:spTree>
   </p:cSld>
+  <p:clrMapOvr>
+    <a:masterClrMapping/>
+  </p:clrMapOvr>
 </p:sldLayout>
 </file>
 
 <file path=ppt/slideLayouts/slideLayout3.xml><?xml version="1.0" encoding="utf-8"?>
-<p:sldLayout xmlns:a="http://schemas.openxmlformats.org/drawingml/2006/main" xmlns:p="http://schemas.openxmlformats.org/presentationml/2006/main" xmlns:r="http://schemas.openxmlformats.org/officeDocument/2006/relationships" xmlns:p14="http://schemas.microsoft.com/office/powerpoint/2010/main" xmlns:p15="http://schemas.microsoft.com/office/powerpoint/2012/main" xmlns:mc="http://schemas.openxmlformats.org/markup-compatibility/2006" type="obj" preserve="1">
+<p:sldLayout xmlns:a="http://schemas.openxmlformats.org/drawingml/2006/main" xmlns:r="http://schemas.openxmlformats.org/officeDocument/2006/relationships" xmlns:p="http://schemas.openxmlformats.org/presentationml/2006/main" type="obj" preserve="1">
   <p:cSld name="Title, Content">
     <p:spTree>
       <p:nvGrpSpPr>
@@ -718,11 +850,12 @@
           </a:prstGeom>
         </p:spPr>
         <p:txBody>
-          <a:bodyPr lIns="0" rIns="0" tIns="0" bIns="0" anchor="ctr">
+          <a:bodyPr lIns="0" tIns="0" rIns="0" bIns="0" anchor="ctr">
             <a:spAutoFit/>
           </a:bodyPr>
-          <a:p>
-            <a:endParaRPr b="0" lang="de-DE" sz="1800" spc="-1" strike="noStrike">
+          <a:lstStyle/>
+          <a:p>
+            <a:endParaRPr lang="de-DE" sz="1800" b="0" strike="noStrike" spc="-1">
               <a:solidFill>
                 <a:srgbClr val="000000"/>
               </a:solidFill>
@@ -751,11 +884,12 @@
           </a:prstGeom>
         </p:spPr>
         <p:txBody>
-          <a:bodyPr lIns="0" rIns="0" tIns="0" bIns="0">
+          <a:bodyPr lIns="0" tIns="0" rIns="0" bIns="0">
             <a:normAutofit/>
           </a:bodyPr>
-          <a:p>
-            <a:endParaRPr b="0" lang="de-DE" sz="2800" spc="-1" strike="noStrike">
+          <a:lstStyle/>
+          <a:p>
+            <a:endParaRPr lang="de-DE" sz="2800" b="0" strike="noStrike" spc="-1">
               <a:solidFill>
                 <a:srgbClr val="000000"/>
               </a:solidFill>
@@ -766,11 +900,14 @@
       </p:sp>
     </p:spTree>
   </p:cSld>
+  <p:clrMapOvr>
+    <a:masterClrMapping/>
+  </p:clrMapOvr>
 </p:sldLayout>
 </file>
 
 <file path=ppt/slideLayouts/slideLayout4.xml><?xml version="1.0" encoding="utf-8"?>
-<p:sldLayout xmlns:a="http://schemas.openxmlformats.org/drawingml/2006/main" xmlns:p="http://schemas.openxmlformats.org/presentationml/2006/main" xmlns:r="http://schemas.openxmlformats.org/officeDocument/2006/relationships" xmlns:p14="http://schemas.microsoft.com/office/powerpoint/2010/main" xmlns:p15="http://schemas.microsoft.com/office/powerpoint/2012/main" xmlns:mc="http://schemas.openxmlformats.org/markup-compatibility/2006" type="twoObj" preserve="1">
+<p:sldLayout xmlns:a="http://schemas.openxmlformats.org/drawingml/2006/main" xmlns:r="http://schemas.openxmlformats.org/officeDocument/2006/relationships" xmlns:p="http://schemas.openxmlformats.org/presentationml/2006/main" type="twoObj" preserve="1">
   <p:cSld name="Title, 2 Content">
     <p:spTree>
       <p:nvGrpSpPr>
@@ -806,11 +943,12 @@
           </a:prstGeom>
         </p:spPr>
         <p:txBody>
-          <a:bodyPr lIns="0" rIns="0" tIns="0" bIns="0" anchor="ctr">
+          <a:bodyPr lIns="0" tIns="0" rIns="0" bIns="0" anchor="ctr">
             <a:spAutoFit/>
           </a:bodyPr>
-          <a:p>
-            <a:endParaRPr b="0" lang="de-DE" sz="1800" spc="-1" strike="noStrike">
+          <a:lstStyle/>
+          <a:p>
+            <a:endParaRPr lang="de-DE" sz="1800" b="0" strike="noStrike" spc="-1">
               <a:solidFill>
                 <a:srgbClr val="000000"/>
               </a:solidFill>
@@ -839,11 +977,12 @@
           </a:prstGeom>
         </p:spPr>
         <p:txBody>
-          <a:bodyPr lIns="0" rIns="0" tIns="0" bIns="0">
+          <a:bodyPr lIns="0" tIns="0" rIns="0" bIns="0">
             <a:normAutofit/>
           </a:bodyPr>
-          <a:p>
-            <a:endParaRPr b="0" lang="de-DE" sz="2800" spc="-1" strike="noStrike">
+          <a:lstStyle/>
+          <a:p>
+            <a:endParaRPr lang="de-DE" sz="2800" b="0" strike="noStrike" spc="-1">
               <a:solidFill>
                 <a:srgbClr val="000000"/>
               </a:solidFill>
@@ -872,11 +1011,12 @@
           </a:prstGeom>
         </p:spPr>
         <p:txBody>
-          <a:bodyPr lIns="0" rIns="0" tIns="0" bIns="0">
+          <a:bodyPr lIns="0" tIns="0" rIns="0" bIns="0">
             <a:normAutofit/>
           </a:bodyPr>
-          <a:p>
-            <a:endParaRPr b="0" lang="de-DE" sz="2800" spc="-1" strike="noStrike">
+          <a:lstStyle/>
+          <a:p>
+            <a:endParaRPr lang="de-DE" sz="2800" b="0" strike="noStrike" spc="-1">
               <a:solidFill>
                 <a:srgbClr val="000000"/>
               </a:solidFill>
@@ -887,11 +1027,14 @@
       </p:sp>
     </p:spTree>
   </p:cSld>
+  <p:clrMapOvr>
+    <a:masterClrMapping/>
+  </p:clrMapOvr>
 </p:sldLayout>
 </file>
 
 <file path=ppt/slideLayouts/slideLayout5.xml><?xml version="1.0" encoding="utf-8"?>
-<p:sldLayout xmlns:a="http://schemas.openxmlformats.org/drawingml/2006/main" xmlns:p="http://schemas.openxmlformats.org/presentationml/2006/main" xmlns:r="http://schemas.openxmlformats.org/officeDocument/2006/relationships" xmlns:p14="http://schemas.microsoft.com/office/powerpoint/2010/main" xmlns:p15="http://schemas.microsoft.com/office/powerpoint/2012/main" xmlns:mc="http://schemas.openxmlformats.org/markup-compatibility/2006" type="titleOnly" preserve="1">
+<p:sldLayout xmlns:a="http://schemas.openxmlformats.org/drawingml/2006/main" xmlns:r="http://schemas.openxmlformats.org/officeDocument/2006/relationships" xmlns:p="http://schemas.openxmlformats.org/presentationml/2006/main" type="titleOnly" preserve="1">
   <p:cSld name="Title Only">
     <p:spTree>
       <p:nvGrpSpPr>
@@ -927,11 +1070,12 @@
           </a:prstGeom>
         </p:spPr>
         <p:txBody>
-          <a:bodyPr lIns="0" rIns="0" tIns="0" bIns="0" anchor="ctr">
+          <a:bodyPr lIns="0" tIns="0" rIns="0" bIns="0" anchor="ctr">
             <a:spAutoFit/>
           </a:bodyPr>
-          <a:p>
-            <a:endParaRPr b="0" lang="de-DE" sz="1800" spc="-1" strike="noStrike">
+          <a:lstStyle/>
+          <a:p>
+            <a:endParaRPr lang="de-DE" sz="1800" b="0" strike="noStrike" spc="-1">
               <a:solidFill>
                 <a:srgbClr val="000000"/>
               </a:solidFill>
@@ -942,11 +1086,14 @@
       </p:sp>
     </p:spTree>
   </p:cSld>
+  <p:clrMapOvr>
+    <a:masterClrMapping/>
+  </p:clrMapOvr>
 </p:sldLayout>
 </file>
 
 <file path=ppt/slideLayouts/slideLayout6.xml><?xml version="1.0" encoding="utf-8"?>
-<p:sldLayout xmlns:a="http://schemas.openxmlformats.org/drawingml/2006/main" xmlns:p="http://schemas.openxmlformats.org/presentationml/2006/main" xmlns:r="http://schemas.openxmlformats.org/officeDocument/2006/relationships" xmlns:p14="http://schemas.microsoft.com/office/powerpoint/2010/main" xmlns:p15="http://schemas.microsoft.com/office/powerpoint/2012/main" xmlns:mc="http://schemas.openxmlformats.org/markup-compatibility/2006" type="objOnly" preserve="1">
+<p:sldLayout xmlns:a="http://schemas.openxmlformats.org/drawingml/2006/main" xmlns:r="http://schemas.openxmlformats.org/officeDocument/2006/relationships" xmlns:p="http://schemas.openxmlformats.org/presentationml/2006/main" type="objOnly" preserve="1">
   <p:cSld name="Centered Text">
     <p:spTree>
       <p:nvGrpSpPr>
@@ -982,12 +1129,13 @@
           </a:prstGeom>
         </p:spPr>
         <p:txBody>
-          <a:bodyPr lIns="0" rIns="0" tIns="0" bIns="0" anchor="ctr">
+          <a:bodyPr lIns="0" tIns="0" rIns="0" bIns="0" anchor="ctr">
             <a:spAutoFit/>
           </a:bodyPr>
+          <a:lstStyle/>
           <a:p>
             <a:pPr algn="ctr"/>
-            <a:endParaRPr b="0" lang="de-DE" sz="3200" spc="-1" strike="noStrike">
+            <a:endParaRPr lang="de-DE" sz="3200" b="0" strike="noStrike" spc="-1">
               <a:latin typeface="Arial"/>
             </a:endParaRPr>
           </a:p>
@@ -995,11 +1143,14 @@
       </p:sp>
     </p:spTree>
   </p:cSld>
+  <p:clrMapOvr>
+    <a:masterClrMapping/>
+  </p:clrMapOvr>
 </p:sldLayout>
 </file>
 
 <file path=ppt/slideLayouts/slideLayout7.xml><?xml version="1.0" encoding="utf-8"?>
-<p:sldLayout xmlns:a="http://schemas.openxmlformats.org/drawingml/2006/main" xmlns:p="http://schemas.openxmlformats.org/presentationml/2006/main" xmlns:r="http://schemas.openxmlformats.org/officeDocument/2006/relationships" xmlns:p14="http://schemas.microsoft.com/office/powerpoint/2010/main" xmlns:p15="http://schemas.microsoft.com/office/powerpoint/2012/main" xmlns:mc="http://schemas.openxmlformats.org/markup-compatibility/2006" type="twoObjAndObj" preserve="1">
+<p:sldLayout xmlns:a="http://schemas.openxmlformats.org/drawingml/2006/main" xmlns:r="http://schemas.openxmlformats.org/officeDocument/2006/relationships" xmlns:p="http://schemas.openxmlformats.org/presentationml/2006/main" type="twoObjAndObj" preserve="1">
   <p:cSld name="Title, 2 Content and Content">
     <p:spTree>
       <p:nvGrpSpPr>
@@ -1035,11 +1186,12 @@
           </a:prstGeom>
         </p:spPr>
         <p:txBody>
-          <a:bodyPr lIns="0" rIns="0" tIns="0" bIns="0" anchor="ctr">
+          <a:bodyPr lIns="0" tIns="0" rIns="0" bIns="0" anchor="ctr">
             <a:spAutoFit/>
           </a:bodyPr>
-          <a:p>
-            <a:endParaRPr b="0" lang="de-DE" sz="1800" spc="-1" strike="noStrike">
+          <a:lstStyle/>
+          <a:p>
+            <a:endParaRPr lang="de-DE" sz="1800" b="0" strike="noStrike" spc="-1">
               <a:solidFill>
                 <a:srgbClr val="000000"/>
               </a:solidFill>
@@ -1068,11 +1220,12 @@
           </a:prstGeom>
         </p:spPr>
         <p:txBody>
-          <a:bodyPr lIns="0" rIns="0" tIns="0" bIns="0">
+          <a:bodyPr lIns="0" tIns="0" rIns="0" bIns="0">
             <a:normAutofit/>
           </a:bodyPr>
-          <a:p>
-            <a:endParaRPr b="0" lang="de-DE" sz="2800" spc="-1" strike="noStrike">
+          <a:lstStyle/>
+          <a:p>
+            <a:endParaRPr lang="de-DE" sz="2800" b="0" strike="noStrike" spc="-1">
               <a:solidFill>
                 <a:srgbClr val="000000"/>
               </a:solidFill>
@@ -1101,11 +1254,12 @@
           </a:prstGeom>
         </p:spPr>
         <p:txBody>
-          <a:bodyPr lIns="0" rIns="0" tIns="0" bIns="0">
+          <a:bodyPr lIns="0" tIns="0" rIns="0" bIns="0">
             <a:normAutofit/>
           </a:bodyPr>
-          <a:p>
-            <a:endParaRPr b="0" lang="de-DE" sz="2800" spc="-1" strike="noStrike">
+          <a:lstStyle/>
+          <a:p>
+            <a:endParaRPr lang="de-DE" sz="2800" b="0" strike="noStrike" spc="-1">
               <a:solidFill>
                 <a:srgbClr val="000000"/>
               </a:solidFill>
@@ -1134,11 +1288,12 @@
           </a:prstGeom>
         </p:spPr>
         <p:txBody>
-          <a:bodyPr lIns="0" rIns="0" tIns="0" bIns="0">
+          <a:bodyPr lIns="0" tIns="0" rIns="0" bIns="0">
             <a:normAutofit/>
           </a:bodyPr>
-          <a:p>
-            <a:endParaRPr b="0" lang="de-DE" sz="2800" spc="-1" strike="noStrike">
+          <a:lstStyle/>
+          <a:p>
+            <a:endParaRPr lang="de-DE" sz="2800" b="0" strike="noStrike" spc="-1">
               <a:solidFill>
                 <a:srgbClr val="000000"/>
               </a:solidFill>
@@ -1149,11 +1304,14 @@
       </p:sp>
     </p:spTree>
   </p:cSld>
+  <p:clrMapOvr>
+    <a:masterClrMapping/>
+  </p:clrMapOvr>
 </p:sldLayout>
 </file>
 
 <file path=ppt/slideLayouts/slideLayout8.xml><?xml version="1.0" encoding="utf-8"?>
-<p:sldLayout xmlns:a="http://schemas.openxmlformats.org/drawingml/2006/main" xmlns:p="http://schemas.openxmlformats.org/presentationml/2006/main" xmlns:r="http://schemas.openxmlformats.org/officeDocument/2006/relationships" xmlns:p14="http://schemas.microsoft.com/office/powerpoint/2010/main" xmlns:p15="http://schemas.microsoft.com/office/powerpoint/2012/main" xmlns:mc="http://schemas.openxmlformats.org/markup-compatibility/2006" type="objAndTwoObj" preserve="1">
+<p:sldLayout xmlns:a="http://schemas.openxmlformats.org/drawingml/2006/main" xmlns:r="http://schemas.openxmlformats.org/officeDocument/2006/relationships" xmlns:p="http://schemas.openxmlformats.org/presentationml/2006/main" type="objAndTwoObj" preserve="1">
   <p:cSld name="Title Content and 2 Content">
     <p:spTree>
       <p:nvGrpSpPr>
@@ -1189,11 +1347,12 @@
           </a:prstGeom>
         </p:spPr>
         <p:txBody>
-          <a:bodyPr lIns="0" rIns="0" tIns="0" bIns="0" anchor="ctr">
+          <a:bodyPr lIns="0" tIns="0" rIns="0" bIns="0" anchor="ctr">
             <a:spAutoFit/>
           </a:bodyPr>
-          <a:p>
-            <a:endParaRPr b="0" lang="de-DE" sz="1800" spc="-1" strike="noStrike">
+          <a:lstStyle/>
+          <a:p>
+            <a:endParaRPr lang="de-DE" sz="1800" b="0" strike="noStrike" spc="-1">
               <a:solidFill>
                 <a:srgbClr val="000000"/>
               </a:solidFill>
@@ -1222,11 +1381,12 @@
           </a:prstGeom>
         </p:spPr>
         <p:txBody>
-          <a:bodyPr lIns="0" rIns="0" tIns="0" bIns="0">
+          <a:bodyPr lIns="0" tIns="0" rIns="0" bIns="0">
             <a:normAutofit/>
           </a:bodyPr>
-          <a:p>
-            <a:endParaRPr b="0" lang="de-DE" sz="2800" spc="-1" strike="noStrike">
+          <a:lstStyle/>
+          <a:p>
+            <a:endParaRPr lang="de-DE" sz="2800" b="0" strike="noStrike" spc="-1">
               <a:solidFill>
                 <a:srgbClr val="000000"/>
               </a:solidFill>
@@ -1255,11 +1415,12 @@
           </a:prstGeom>
         </p:spPr>
         <p:txBody>
-          <a:bodyPr lIns="0" rIns="0" tIns="0" bIns="0">
+          <a:bodyPr lIns="0" tIns="0" rIns="0" bIns="0">
             <a:normAutofit/>
           </a:bodyPr>
-          <a:p>
-            <a:endParaRPr b="0" lang="de-DE" sz="2800" spc="-1" strike="noStrike">
+          <a:lstStyle/>
+          <a:p>
+            <a:endParaRPr lang="de-DE" sz="2800" b="0" strike="noStrike" spc="-1">
               <a:solidFill>
                 <a:srgbClr val="000000"/>
               </a:solidFill>
@@ -1288,11 +1449,12 @@
           </a:prstGeom>
         </p:spPr>
         <p:txBody>
-          <a:bodyPr lIns="0" rIns="0" tIns="0" bIns="0">
+          <a:bodyPr lIns="0" tIns="0" rIns="0" bIns="0">
             <a:normAutofit/>
           </a:bodyPr>
-          <a:p>
-            <a:endParaRPr b="0" lang="de-DE" sz="2800" spc="-1" strike="noStrike">
+          <a:lstStyle/>
+          <a:p>
+            <a:endParaRPr lang="de-DE" sz="2800" b="0" strike="noStrike" spc="-1">
               <a:solidFill>
                 <a:srgbClr val="000000"/>
               </a:solidFill>
@@ -1303,11 +1465,14 @@
       </p:sp>
     </p:spTree>
   </p:cSld>
+  <p:clrMapOvr>
+    <a:masterClrMapping/>
+  </p:clrMapOvr>
 </p:sldLayout>
 </file>
 
 <file path=ppt/slideLayouts/slideLayout9.xml><?xml version="1.0" encoding="utf-8"?>
-<p:sldLayout xmlns:a="http://schemas.openxmlformats.org/drawingml/2006/main" xmlns:p="http://schemas.openxmlformats.org/presentationml/2006/main" xmlns:r="http://schemas.openxmlformats.org/officeDocument/2006/relationships" xmlns:p14="http://schemas.microsoft.com/office/powerpoint/2010/main" xmlns:p15="http://schemas.microsoft.com/office/powerpoint/2012/main" xmlns:mc="http://schemas.openxmlformats.org/markup-compatibility/2006" type="twoObjOverTx" preserve="1">
+<p:sldLayout xmlns:a="http://schemas.openxmlformats.org/drawingml/2006/main" xmlns:r="http://schemas.openxmlformats.org/officeDocument/2006/relationships" xmlns:p="http://schemas.openxmlformats.org/presentationml/2006/main" type="twoObjOverTx" preserve="1">
   <p:cSld name="Title, 2 Content over Content">
     <p:spTree>
       <p:nvGrpSpPr>
@@ -1343,11 +1508,12 @@
           </a:prstGeom>
         </p:spPr>
         <p:txBody>
-          <a:bodyPr lIns="0" rIns="0" tIns="0" bIns="0" anchor="ctr">
+          <a:bodyPr lIns="0" tIns="0" rIns="0" bIns="0" anchor="ctr">
             <a:spAutoFit/>
           </a:bodyPr>
-          <a:p>
-            <a:endParaRPr b="0" lang="de-DE" sz="1800" spc="-1" strike="noStrike">
+          <a:lstStyle/>
+          <a:p>
+            <a:endParaRPr lang="de-DE" sz="1800" b="0" strike="noStrike" spc="-1">
               <a:solidFill>
                 <a:srgbClr val="000000"/>
               </a:solidFill>
@@ -1376,11 +1542,12 @@
           </a:prstGeom>
         </p:spPr>
         <p:txBody>
-          <a:bodyPr lIns="0" rIns="0" tIns="0" bIns="0">
+          <a:bodyPr lIns="0" tIns="0" rIns="0" bIns="0">
             <a:normAutofit/>
           </a:bodyPr>
-          <a:p>
-            <a:endParaRPr b="0" lang="de-DE" sz="2800" spc="-1" strike="noStrike">
+          <a:lstStyle/>
+          <a:p>
+            <a:endParaRPr lang="de-DE" sz="2800" b="0" strike="noStrike" spc="-1">
               <a:solidFill>
                 <a:srgbClr val="000000"/>
               </a:solidFill>
@@ -1409,11 +1576,12 @@
           </a:prstGeom>
         </p:spPr>
         <p:txBody>
-          <a:bodyPr lIns="0" rIns="0" tIns="0" bIns="0">
+          <a:bodyPr lIns="0" tIns="0" rIns="0" bIns="0">
             <a:normAutofit/>
           </a:bodyPr>
-          <a:p>
-            <a:endParaRPr b="0" lang="de-DE" sz="2800" spc="-1" strike="noStrike">
+          <a:lstStyle/>
+          <a:p>
+            <a:endParaRPr lang="de-DE" sz="2800" b="0" strike="noStrike" spc="-1">
               <a:solidFill>
                 <a:srgbClr val="000000"/>
               </a:solidFill>
@@ -1442,11 +1610,12 @@
           </a:prstGeom>
         </p:spPr>
         <p:txBody>
-          <a:bodyPr lIns="0" rIns="0" tIns="0" bIns="0">
+          <a:bodyPr lIns="0" tIns="0" rIns="0" bIns="0">
             <a:normAutofit/>
           </a:bodyPr>
-          <a:p>
-            <a:endParaRPr b="0" lang="de-DE" sz="2800" spc="-1" strike="noStrike">
+          <a:lstStyle/>
+          <a:p>
+            <a:endParaRPr lang="de-DE" sz="2800" b="0" strike="noStrike" spc="-1">
               <a:solidFill>
                 <a:srgbClr val="000000"/>
               </a:solidFill>
@@ -1457,17 +1626,21 @@
       </p:sp>
     </p:spTree>
   </p:cSld>
+  <p:clrMapOvr>
+    <a:masterClrMapping/>
+  </p:clrMapOvr>
 </p:sldLayout>
 </file>
 
 <file path=ppt/slideMasters/slideMaster1.xml><?xml version="1.0" encoding="utf-8"?>
-<p:sldMaster xmlns:a="http://schemas.openxmlformats.org/drawingml/2006/main" xmlns:p="http://schemas.openxmlformats.org/presentationml/2006/main" xmlns:r="http://schemas.openxmlformats.org/officeDocument/2006/relationships" xmlns:p14="http://schemas.microsoft.com/office/powerpoint/2010/main" xmlns:p15="http://schemas.microsoft.com/office/powerpoint/2012/main" xmlns:mc="http://schemas.openxmlformats.org/markup-compatibility/2006">
+<p:sldMaster xmlns:a="http://schemas.openxmlformats.org/drawingml/2006/main" xmlns:r="http://schemas.openxmlformats.org/officeDocument/2006/relationships" xmlns:p="http://schemas.openxmlformats.org/presentationml/2006/main">
   <p:cSld>
     <p:bg>
       <p:bgPr>
         <a:solidFill>
-          <a:srgbClr val="ffffff"/>
+          <a:srgbClr val="FFFFFF"/>
         </a:solidFill>
+        <a:effectLst/>
       </p:bgPr>
     </p:bg>
     <p:spTree>
@@ -1486,12 +1659,12 @@
       </p:grpSpPr>
       <p:pic>
         <p:nvPicPr>
-          <p:cNvPr id="0" name="Grafik 4" descr=""/>
+          <p:cNvPr id="5" name="Grafik 4"/>
           <p:cNvPicPr/>
           <p:nvPr/>
         </p:nvPicPr>
         <p:blipFill>
-          <a:blip r:embed="rId2"/>
+          <a:blip r:embed="rId14"/>
           <a:stretch/>
         </p:blipFill>
         <p:spPr>
@@ -1509,7 +1682,7 @@
       </p:pic>
       <p:sp>
         <p:nvSpPr>
-          <p:cNvPr id="1" name="CustomShape 1"/>
+          <p:cNvPr id="6" name="CustomShape 1"/>
           <p:cNvSpPr/>
           <p:nvPr/>
         </p:nvSpPr>
@@ -1599,12 +1772,13 @@
           </a:prstGeom>
         </p:spPr>
         <p:txBody>
-          <a:bodyPr lIns="0" rIns="0" tIns="0" bIns="0" anchor="ctr">
+          <a:bodyPr lIns="0" tIns="0" rIns="0" bIns="0" anchor="ctr">
             <a:noAutofit/>
           </a:bodyPr>
-          <a:p>
-            <a:r>
-              <a:rPr b="0" lang="de-DE" sz="1800" spc="-1" strike="noStrike">
+          <a:lstStyle/>
+          <a:p>
+            <a:r>
+              <a:rPr lang="de-DE" sz="1800" b="0" strike="noStrike" spc="-1">
                 <a:solidFill>
                   <a:srgbClr val="000000"/>
                 </a:solidFill>
@@ -1612,12 +1786,6 @@
               </a:rPr>
               <a:t>Click to edit the title text format</a:t>
             </a:r>
-            <a:endParaRPr b="0" lang="de-DE" sz="1800" spc="-1" strike="noStrike">
-              <a:solidFill>
-                <a:srgbClr val="000000"/>
-              </a:solidFill>
-              <a:latin typeface="Arial"/>
-            </a:endParaRPr>
           </a:p>
         </p:txBody>
       </p:sp>
@@ -1641,9 +1809,10 @@
           </a:prstGeom>
         </p:spPr>
         <p:txBody>
-          <a:bodyPr lIns="0" rIns="0" tIns="0" bIns="0">
+          <a:bodyPr lIns="0" tIns="0" rIns="0" bIns="0">
             <a:normAutofit/>
           </a:bodyPr>
+          <a:lstStyle/>
           <a:p>
             <a:pPr marL="432000" indent="-324000">
               <a:spcBef>
@@ -1657,7 +1826,7 @@
               <a:buChar char=""/>
             </a:pPr>
             <a:r>
-              <a:rPr b="0" lang="de-DE" sz="2800" spc="-1" strike="noStrike">
+              <a:rPr lang="de-DE" sz="2800" b="0" strike="noStrike" spc="-1">
                 <a:solidFill>
                   <a:srgbClr val="000000"/>
                 </a:solidFill>
@@ -1665,15 +1834,9 @@
               </a:rPr>
               <a:t>Click to edit the outline text format</a:t>
             </a:r>
-            <a:endParaRPr b="0" lang="de-DE" sz="2800" spc="-1" strike="noStrike">
-              <a:solidFill>
-                <a:srgbClr val="000000"/>
-              </a:solidFill>
-              <a:latin typeface="Arial"/>
-            </a:endParaRPr>
-          </a:p>
-          <a:p>
-            <a:pPr lvl="1" marL="864000" indent="-324000">
+          </a:p>
+          <a:p>
+            <a:pPr marL="864000" lvl="1" indent="-324000">
               <a:spcBef>
                 <a:spcPts val="1134"/>
               </a:spcBef>
@@ -1685,7 +1848,7 @@
               <a:buChar char=""/>
             </a:pPr>
             <a:r>
-              <a:rPr b="0" lang="de-DE" sz="2000" spc="-1" strike="noStrike">
+              <a:rPr lang="de-DE" sz="2000" b="0" strike="noStrike" spc="-1">
                 <a:solidFill>
                   <a:srgbClr val="000000"/>
                 </a:solidFill>
@@ -1693,15 +1856,9 @@
               </a:rPr>
               <a:t>Second Outline Level</a:t>
             </a:r>
-            <a:endParaRPr b="0" lang="de-DE" sz="2000" spc="-1" strike="noStrike">
-              <a:solidFill>
-                <a:srgbClr val="000000"/>
-              </a:solidFill>
-              <a:latin typeface="Arial"/>
-            </a:endParaRPr>
-          </a:p>
-          <a:p>
-            <a:pPr lvl="2" marL="1296000" indent="-288000">
+          </a:p>
+          <a:p>
+            <a:pPr marL="1296000" lvl="2" indent="-288000">
               <a:spcBef>
                 <a:spcPts val="850"/>
               </a:spcBef>
@@ -1713,7 +1870,7 @@
               <a:buChar char=""/>
             </a:pPr>
             <a:r>
-              <a:rPr b="0" lang="de-DE" sz="1800" spc="-1" strike="noStrike">
+              <a:rPr lang="de-DE" sz="1800" b="0" strike="noStrike" spc="-1">
                 <a:solidFill>
                   <a:srgbClr val="000000"/>
                 </a:solidFill>
@@ -1721,15 +1878,9 @@
               </a:rPr>
               <a:t>Third Outline Level</a:t>
             </a:r>
-            <a:endParaRPr b="0" lang="de-DE" sz="1800" spc="-1" strike="noStrike">
-              <a:solidFill>
-                <a:srgbClr val="000000"/>
-              </a:solidFill>
-              <a:latin typeface="Arial"/>
-            </a:endParaRPr>
-          </a:p>
-          <a:p>
-            <a:pPr lvl="3" marL="1728000" indent="-216000">
+          </a:p>
+          <a:p>
+            <a:pPr marL="1728000" lvl="3" indent="-216000">
               <a:spcBef>
                 <a:spcPts val="567"/>
               </a:spcBef>
@@ -1741,7 +1892,7 @@
               <a:buChar char=""/>
             </a:pPr>
             <a:r>
-              <a:rPr b="0" lang="de-DE" sz="1800" spc="-1" strike="noStrike">
+              <a:rPr lang="de-DE" sz="1800" b="0" strike="noStrike" spc="-1">
                 <a:solidFill>
                   <a:srgbClr val="000000"/>
                 </a:solidFill>
@@ -1749,15 +1900,9 @@
               </a:rPr>
               <a:t>Fourth Outline Level</a:t>
             </a:r>
-            <a:endParaRPr b="0" lang="de-DE" sz="1800" spc="-1" strike="noStrike">
-              <a:solidFill>
-                <a:srgbClr val="000000"/>
-              </a:solidFill>
-              <a:latin typeface="Arial"/>
-            </a:endParaRPr>
-          </a:p>
-          <a:p>
-            <a:pPr lvl="4" marL="2160000" indent="-216000">
+          </a:p>
+          <a:p>
+            <a:pPr marL="2160000" lvl="4" indent="-216000">
               <a:spcBef>
                 <a:spcPts val="283"/>
               </a:spcBef>
@@ -1769,7 +1914,7 @@
               <a:buChar char=""/>
             </a:pPr>
             <a:r>
-              <a:rPr b="0" lang="de-DE" sz="2000" spc="-1" strike="noStrike">
+              <a:rPr lang="de-DE" sz="2000" b="0" strike="noStrike" spc="-1">
                 <a:solidFill>
                   <a:srgbClr val="000000"/>
                 </a:solidFill>
@@ -1777,15 +1922,9 @@
               </a:rPr>
               <a:t>Fifth Outline Level</a:t>
             </a:r>
-            <a:endParaRPr b="0" lang="de-DE" sz="2000" spc="-1" strike="noStrike">
-              <a:solidFill>
-                <a:srgbClr val="000000"/>
-              </a:solidFill>
-              <a:latin typeface="Arial"/>
-            </a:endParaRPr>
-          </a:p>
-          <a:p>
-            <a:pPr lvl="5" marL="2592000" indent="-216000">
+          </a:p>
+          <a:p>
+            <a:pPr marL="2592000" lvl="5" indent="-216000">
               <a:spcBef>
                 <a:spcPts val="283"/>
               </a:spcBef>
@@ -1797,7 +1936,7 @@
               <a:buChar char=""/>
             </a:pPr>
             <a:r>
-              <a:rPr b="0" lang="de-DE" sz="2000" spc="-1" strike="noStrike">
+              <a:rPr lang="de-DE" sz="2000" b="0" strike="noStrike" spc="-1">
                 <a:solidFill>
                   <a:srgbClr val="000000"/>
                 </a:solidFill>
@@ -1805,15 +1944,9 @@
               </a:rPr>
               <a:t>Sixth Outline Level</a:t>
             </a:r>
-            <a:endParaRPr b="0" lang="de-DE" sz="2000" spc="-1" strike="noStrike">
-              <a:solidFill>
-                <a:srgbClr val="000000"/>
-              </a:solidFill>
-              <a:latin typeface="Arial"/>
-            </a:endParaRPr>
-          </a:p>
-          <a:p>
-            <a:pPr lvl="6" marL="3024000" indent="-216000">
+          </a:p>
+          <a:p>
+            <a:pPr marL="3024000" lvl="6" indent="-216000">
               <a:spcBef>
                 <a:spcPts val="283"/>
               </a:spcBef>
@@ -1825,7 +1958,7 @@
               <a:buChar char=""/>
             </a:pPr>
             <a:r>
-              <a:rPr b="0" lang="de-DE" sz="2000" spc="-1" strike="noStrike">
+              <a:rPr lang="de-DE" sz="2000" b="0" strike="noStrike" spc="-1">
                 <a:solidFill>
                   <a:srgbClr val="000000"/>
                 </a:solidFill>
@@ -1833,37 +1966,311 @@
               </a:rPr>
               <a:t>Seventh Outline Level</a:t>
             </a:r>
-            <a:endParaRPr b="0" lang="de-DE" sz="2000" spc="-1" strike="noStrike">
-              <a:solidFill>
-                <a:srgbClr val="000000"/>
-              </a:solidFill>
-              <a:latin typeface="Arial"/>
-            </a:endParaRPr>
           </a:p>
         </p:txBody>
       </p:sp>
     </p:spTree>
   </p:cSld>
-  <p:clrMap bg1="lt1" bg2="lt2" tx1="dk1" tx2="dk2" accent1="accent1" accent2="accent2" accent3="accent3" accent4="accent4" accent5="accent5" accent6="accent6" hlink="hlink" folHlink="folHlink"/>
+  <p:clrMap bg1="lt1" tx1="dk1" bg2="lt2" tx2="dk2" accent1="accent1" accent2="accent2" accent3="accent3" accent4="accent4" accent5="accent5" accent6="accent6" hlink="hlink" folHlink="folHlink"/>
   <p:sldLayoutIdLst>
-    <p:sldLayoutId id="2147483649" r:id="rId3"/>
-    <p:sldLayoutId id="2147483650" r:id="rId4"/>
-    <p:sldLayoutId id="2147483651" r:id="rId5"/>
-    <p:sldLayoutId id="2147483652" r:id="rId6"/>
-    <p:sldLayoutId id="2147483653" r:id="rId7"/>
-    <p:sldLayoutId id="2147483654" r:id="rId8"/>
-    <p:sldLayoutId id="2147483655" r:id="rId9"/>
-    <p:sldLayoutId id="2147483656" r:id="rId10"/>
-    <p:sldLayoutId id="2147483657" r:id="rId11"/>
-    <p:sldLayoutId id="2147483658" r:id="rId12"/>
-    <p:sldLayoutId id="2147483659" r:id="rId13"/>
-    <p:sldLayoutId id="2147483660" r:id="rId14"/>
+    <p:sldLayoutId id="2147483649" r:id="rId1"/>
+    <p:sldLayoutId id="2147483650" r:id="rId2"/>
+    <p:sldLayoutId id="2147483651" r:id="rId3"/>
+    <p:sldLayoutId id="2147483652" r:id="rId4"/>
+    <p:sldLayoutId id="2147483653" r:id="rId5"/>
+    <p:sldLayoutId id="2147483654" r:id="rId6"/>
+    <p:sldLayoutId id="2147483655" r:id="rId7"/>
+    <p:sldLayoutId id="2147483656" r:id="rId8"/>
+    <p:sldLayoutId id="2147483657" r:id="rId9"/>
+    <p:sldLayoutId id="2147483658" r:id="rId10"/>
+    <p:sldLayoutId id="2147483659" r:id="rId11"/>
+    <p:sldLayoutId id="2147483660" r:id="rId12"/>
   </p:sldLayoutIdLst>
+  <p:txStyles>
+    <p:titleStyle>
+      <a:lvl1pPr algn="l" defTabSz="914400" rtl="0" eaLnBrk="1" latinLnBrk="0" hangingPunct="1">
+        <a:lnSpc>
+          <a:spcPct val="90000"/>
+        </a:lnSpc>
+        <a:spcBef>
+          <a:spcPct val="0"/>
+        </a:spcBef>
+        <a:buNone/>
+        <a:defRPr sz="4400" kern="1200">
+          <a:solidFill>
+            <a:schemeClr val="tx1"/>
+          </a:solidFill>
+          <a:latin typeface="+mj-lt"/>
+          <a:ea typeface="+mj-ea"/>
+          <a:cs typeface="+mj-cs"/>
+        </a:defRPr>
+      </a:lvl1pPr>
+    </p:titleStyle>
+    <p:bodyStyle>
+      <a:lvl1pPr marL="228600" indent="-228600" algn="l" defTabSz="914400" rtl="0" eaLnBrk="1" latinLnBrk="0" hangingPunct="1">
+        <a:lnSpc>
+          <a:spcPct val="90000"/>
+        </a:lnSpc>
+        <a:spcBef>
+          <a:spcPts val="1000"/>
+        </a:spcBef>
+        <a:buFont typeface="Arial" panose="020B0604020202020204" pitchFamily="34" charset="0"/>
+        <a:buChar char="•"/>
+        <a:defRPr sz="2800" kern="1200">
+          <a:solidFill>
+            <a:schemeClr val="tx1"/>
+          </a:solidFill>
+          <a:latin typeface="+mn-lt"/>
+          <a:ea typeface="+mn-ea"/>
+          <a:cs typeface="+mn-cs"/>
+        </a:defRPr>
+      </a:lvl1pPr>
+      <a:lvl2pPr marL="685800" indent="-228600" algn="l" defTabSz="914400" rtl="0" eaLnBrk="1" latinLnBrk="0" hangingPunct="1">
+        <a:lnSpc>
+          <a:spcPct val="90000"/>
+        </a:lnSpc>
+        <a:spcBef>
+          <a:spcPts val="500"/>
+        </a:spcBef>
+        <a:buFont typeface="Arial" panose="020B0604020202020204" pitchFamily="34" charset="0"/>
+        <a:buChar char="•"/>
+        <a:defRPr sz="2400" kern="1200">
+          <a:solidFill>
+            <a:schemeClr val="tx1"/>
+          </a:solidFill>
+          <a:latin typeface="+mn-lt"/>
+          <a:ea typeface="+mn-ea"/>
+          <a:cs typeface="+mn-cs"/>
+        </a:defRPr>
+      </a:lvl2pPr>
+      <a:lvl3pPr marL="1143000" indent="-228600" algn="l" defTabSz="914400" rtl="0" eaLnBrk="1" latinLnBrk="0" hangingPunct="1">
+        <a:lnSpc>
+          <a:spcPct val="90000"/>
+        </a:lnSpc>
+        <a:spcBef>
+          <a:spcPts val="500"/>
+        </a:spcBef>
+        <a:buFont typeface="Arial" panose="020B0604020202020204" pitchFamily="34" charset="0"/>
+        <a:buChar char="•"/>
+        <a:defRPr sz="2000" kern="1200">
+          <a:solidFill>
+            <a:schemeClr val="tx1"/>
+          </a:solidFill>
+          <a:latin typeface="+mn-lt"/>
+          <a:ea typeface="+mn-ea"/>
+          <a:cs typeface="+mn-cs"/>
+        </a:defRPr>
+      </a:lvl3pPr>
+      <a:lvl4pPr marL="1600200" indent="-228600" algn="l" defTabSz="914400" rtl="0" eaLnBrk="1" latinLnBrk="0" hangingPunct="1">
+        <a:lnSpc>
+          <a:spcPct val="90000"/>
+        </a:lnSpc>
+        <a:spcBef>
+          <a:spcPts val="500"/>
+        </a:spcBef>
+        <a:buFont typeface="Arial" panose="020B0604020202020204" pitchFamily="34" charset="0"/>
+        <a:buChar char="•"/>
+        <a:defRPr sz="1800" kern="1200">
+          <a:solidFill>
+            <a:schemeClr val="tx1"/>
+          </a:solidFill>
+          <a:latin typeface="+mn-lt"/>
+          <a:ea typeface="+mn-ea"/>
+          <a:cs typeface="+mn-cs"/>
+        </a:defRPr>
+      </a:lvl4pPr>
+      <a:lvl5pPr marL="2057400" indent="-228600" algn="l" defTabSz="914400" rtl="0" eaLnBrk="1" latinLnBrk="0" hangingPunct="1">
+        <a:lnSpc>
+          <a:spcPct val="90000"/>
+        </a:lnSpc>
+        <a:spcBef>
+          <a:spcPts val="500"/>
+        </a:spcBef>
+        <a:buFont typeface="Arial" panose="020B0604020202020204" pitchFamily="34" charset="0"/>
+        <a:buChar char="•"/>
+        <a:defRPr sz="1800" kern="1200">
+          <a:solidFill>
+            <a:schemeClr val="tx1"/>
+          </a:solidFill>
+          <a:latin typeface="+mn-lt"/>
+          <a:ea typeface="+mn-ea"/>
+          <a:cs typeface="+mn-cs"/>
+        </a:defRPr>
+      </a:lvl5pPr>
+      <a:lvl6pPr marL="2514600" indent="-228600" algn="l" defTabSz="914400" rtl="0" eaLnBrk="1" latinLnBrk="0" hangingPunct="1">
+        <a:lnSpc>
+          <a:spcPct val="90000"/>
+        </a:lnSpc>
+        <a:spcBef>
+          <a:spcPts val="500"/>
+        </a:spcBef>
+        <a:buFont typeface="Arial" panose="020B0604020202020204" pitchFamily="34" charset="0"/>
+        <a:buChar char="•"/>
+        <a:defRPr sz="1800" kern="1200">
+          <a:solidFill>
+            <a:schemeClr val="tx1"/>
+          </a:solidFill>
+          <a:latin typeface="+mn-lt"/>
+          <a:ea typeface="+mn-ea"/>
+          <a:cs typeface="+mn-cs"/>
+        </a:defRPr>
+      </a:lvl6pPr>
+      <a:lvl7pPr marL="2971800" indent="-228600" algn="l" defTabSz="914400" rtl="0" eaLnBrk="1" latinLnBrk="0" hangingPunct="1">
+        <a:lnSpc>
+          <a:spcPct val="90000"/>
+        </a:lnSpc>
+        <a:spcBef>
+          <a:spcPts val="500"/>
+        </a:spcBef>
+        <a:buFont typeface="Arial" panose="020B0604020202020204" pitchFamily="34" charset="0"/>
+        <a:buChar char="•"/>
+        <a:defRPr sz="1800" kern="1200">
+          <a:solidFill>
+            <a:schemeClr val="tx1"/>
+          </a:solidFill>
+          <a:latin typeface="+mn-lt"/>
+          <a:ea typeface="+mn-ea"/>
+          <a:cs typeface="+mn-cs"/>
+        </a:defRPr>
+      </a:lvl7pPr>
+      <a:lvl8pPr marL="3429000" indent="-228600" algn="l" defTabSz="914400" rtl="0" eaLnBrk="1" latinLnBrk="0" hangingPunct="1">
+        <a:lnSpc>
+          <a:spcPct val="90000"/>
+        </a:lnSpc>
+        <a:spcBef>
+          <a:spcPts val="500"/>
+        </a:spcBef>
+        <a:buFont typeface="Arial" panose="020B0604020202020204" pitchFamily="34" charset="0"/>
+        <a:buChar char="•"/>
+        <a:defRPr sz="1800" kern="1200">
+          <a:solidFill>
+            <a:schemeClr val="tx1"/>
+          </a:solidFill>
+          <a:latin typeface="+mn-lt"/>
+          <a:ea typeface="+mn-ea"/>
+          <a:cs typeface="+mn-cs"/>
+        </a:defRPr>
+      </a:lvl8pPr>
+      <a:lvl9pPr marL="3886200" indent="-228600" algn="l" defTabSz="914400" rtl="0" eaLnBrk="1" latinLnBrk="0" hangingPunct="1">
+        <a:lnSpc>
+          <a:spcPct val="90000"/>
+        </a:lnSpc>
+        <a:spcBef>
+          <a:spcPts val="500"/>
+        </a:spcBef>
+        <a:buFont typeface="Arial" panose="020B0604020202020204" pitchFamily="34" charset="0"/>
+        <a:buChar char="•"/>
+        <a:defRPr sz="1800" kern="1200">
+          <a:solidFill>
+            <a:schemeClr val="tx1"/>
+          </a:solidFill>
+          <a:latin typeface="+mn-lt"/>
+          <a:ea typeface="+mn-ea"/>
+          <a:cs typeface="+mn-cs"/>
+        </a:defRPr>
+      </a:lvl9pPr>
+    </p:bodyStyle>
+    <p:otherStyle>
+      <a:defPPr>
+        <a:defRPr lang="de-DE"/>
+      </a:defPPr>
+      <a:lvl1pPr marL="0" algn="l" defTabSz="914400" rtl="0" eaLnBrk="1" latinLnBrk="0" hangingPunct="1">
+        <a:defRPr sz="1800" kern="1200">
+          <a:solidFill>
+            <a:schemeClr val="tx1"/>
+          </a:solidFill>
+          <a:latin typeface="+mn-lt"/>
+          <a:ea typeface="+mn-ea"/>
+          <a:cs typeface="+mn-cs"/>
+        </a:defRPr>
+      </a:lvl1pPr>
+      <a:lvl2pPr marL="457200" algn="l" defTabSz="914400" rtl="0" eaLnBrk="1" latinLnBrk="0" hangingPunct="1">
+        <a:defRPr sz="1800" kern="1200">
+          <a:solidFill>
+            <a:schemeClr val="tx1"/>
+          </a:solidFill>
+          <a:latin typeface="+mn-lt"/>
+          <a:ea typeface="+mn-ea"/>
+          <a:cs typeface="+mn-cs"/>
+        </a:defRPr>
+      </a:lvl2pPr>
+      <a:lvl3pPr marL="914400" algn="l" defTabSz="914400" rtl="0" eaLnBrk="1" latinLnBrk="0" hangingPunct="1">
+        <a:defRPr sz="1800" kern="1200">
+          <a:solidFill>
+            <a:schemeClr val="tx1"/>
+          </a:solidFill>
+          <a:latin typeface="+mn-lt"/>
+          <a:ea typeface="+mn-ea"/>
+          <a:cs typeface="+mn-cs"/>
+        </a:defRPr>
+      </a:lvl3pPr>
+      <a:lvl4pPr marL="1371600" algn="l" defTabSz="914400" rtl="0" eaLnBrk="1" latinLnBrk="0" hangingPunct="1">
+        <a:defRPr sz="1800" kern="1200">
+          <a:solidFill>
+            <a:schemeClr val="tx1"/>
+          </a:solidFill>
+          <a:latin typeface="+mn-lt"/>
+          <a:ea typeface="+mn-ea"/>
+          <a:cs typeface="+mn-cs"/>
+        </a:defRPr>
+      </a:lvl4pPr>
+      <a:lvl5pPr marL="1828800" algn="l" defTabSz="914400" rtl="0" eaLnBrk="1" latinLnBrk="0" hangingPunct="1">
+        <a:defRPr sz="1800" kern="1200">
+          <a:solidFill>
+            <a:schemeClr val="tx1"/>
+          </a:solidFill>
+          <a:latin typeface="+mn-lt"/>
+          <a:ea typeface="+mn-ea"/>
+          <a:cs typeface="+mn-cs"/>
+        </a:defRPr>
+      </a:lvl5pPr>
+      <a:lvl6pPr marL="2286000" algn="l" defTabSz="914400" rtl="0" eaLnBrk="1" latinLnBrk="0" hangingPunct="1">
+        <a:defRPr sz="1800" kern="1200">
+          <a:solidFill>
+            <a:schemeClr val="tx1"/>
+          </a:solidFill>
+          <a:latin typeface="+mn-lt"/>
+          <a:ea typeface="+mn-ea"/>
+          <a:cs typeface="+mn-cs"/>
+        </a:defRPr>
+      </a:lvl6pPr>
+      <a:lvl7pPr marL="2743200" algn="l" defTabSz="914400" rtl="0" eaLnBrk="1" latinLnBrk="0" hangingPunct="1">
+        <a:defRPr sz="1800" kern="1200">
+          <a:solidFill>
+            <a:schemeClr val="tx1"/>
+          </a:solidFill>
+          <a:latin typeface="+mn-lt"/>
+          <a:ea typeface="+mn-ea"/>
+          <a:cs typeface="+mn-cs"/>
+        </a:defRPr>
+      </a:lvl7pPr>
+      <a:lvl8pPr marL="3200400" algn="l" defTabSz="914400" rtl="0" eaLnBrk="1" latinLnBrk="0" hangingPunct="1">
+        <a:defRPr sz="1800" kern="1200">
+          <a:solidFill>
+            <a:schemeClr val="tx1"/>
+          </a:solidFill>
+          <a:latin typeface="+mn-lt"/>
+          <a:ea typeface="+mn-ea"/>
+          <a:cs typeface="+mn-cs"/>
+        </a:defRPr>
+      </a:lvl8pPr>
+      <a:lvl9pPr marL="3657600" algn="l" defTabSz="914400" rtl="0" eaLnBrk="1" latinLnBrk="0" hangingPunct="1">
+        <a:defRPr sz="1800" kern="1200">
+          <a:solidFill>
+            <a:schemeClr val="tx1"/>
+          </a:solidFill>
+          <a:latin typeface="+mn-lt"/>
+          <a:ea typeface="+mn-ea"/>
+          <a:cs typeface="+mn-cs"/>
+        </a:defRPr>
+      </a:lvl9pPr>
+    </p:otherStyle>
+  </p:txStyles>
 </p:sldMaster>
 </file>
 
 <file path=ppt/slides/slide1.xml><?xml version="1.0" encoding="utf-8"?>
-<p:sld xmlns:a="http://schemas.openxmlformats.org/drawingml/2006/main" xmlns:p="http://schemas.openxmlformats.org/presentationml/2006/main" xmlns:r="http://schemas.openxmlformats.org/officeDocument/2006/relationships" xmlns:p14="http://schemas.microsoft.com/office/powerpoint/2010/main" xmlns:p15="http://schemas.microsoft.com/office/powerpoint/2012/main" xmlns:mc="http://schemas.openxmlformats.org/markup-compatibility/2006">
+<p:sld xmlns:a="http://schemas.openxmlformats.org/drawingml/2006/main" xmlns:r="http://schemas.openxmlformats.org/officeDocument/2006/relationships" xmlns:p="http://schemas.openxmlformats.org/presentationml/2006/main">
   <p:cSld>
     <p:spTree>
       <p:nvGrpSpPr>
@@ -1938,15 +2345,22 @@
           </a:ln>
         </p:spPr>
         <p:style>
-          <a:lnRef idx="0"/>
-          <a:fillRef idx="0"/>
-          <a:effectRef idx="0"/>
+          <a:lnRef idx="0">
+            <a:scrgbClr r="0" g="0" b="0"/>
+          </a:lnRef>
+          <a:fillRef idx="0">
+            <a:scrgbClr r="0" g="0" b="0"/>
+          </a:fillRef>
+          <a:effectRef idx="0">
+            <a:scrgbClr r="0" g="0" b="0"/>
+          </a:effectRef>
           <a:fontRef idx="minor"/>
         </p:style>
         <p:txBody>
-          <a:bodyPr lIns="129240" rIns="129240" tIns="64800" bIns="64800">
+          <a:bodyPr lIns="129240" tIns="64800" rIns="129240" bIns="64800">
             <a:noAutofit/>
           </a:bodyPr>
+          <a:lstStyle/>
           <a:p>
             <a:pPr>
               <a:lnSpc>
@@ -1957,9 +2371,9 @@
               </a:spcBef>
             </a:pPr>
             <a:r>
-              <a:rPr b="0" lang="de-DE" sz="3200" spc="-1" strike="noStrike">
-                <a:solidFill>
-                  <a:srgbClr val="3e444c"/>
+              <a:rPr lang="de-DE" sz="3200" b="0" strike="noStrike" spc="-1">
+                <a:solidFill>
+                  <a:srgbClr val="3E444C"/>
                 </a:solidFill>
                 <a:latin typeface="Univers for UniS 55 Roman Rg"/>
                 <a:ea typeface="DejaVu Sans"/>
@@ -1968,16 +2382,16 @@
             </a:r>
             <a:br/>
             <a:r>
-              <a:rPr b="0" lang="de-DE" sz="3200" spc="-1" strike="noStrike">
-                <a:solidFill>
-                  <a:srgbClr val="3e444c"/>
+              <a:rPr lang="de-DE" sz="3200" b="0" strike="noStrike" spc="-1">
+                <a:solidFill>
+                  <a:srgbClr val="3E444C"/>
                 </a:solidFill>
                 <a:latin typeface="Univers for UniS 55 Roman Rg"/>
                 <a:ea typeface="DejaVu Sans"/>
               </a:rPr>
               <a:t>Betreuer: Florian Barth M. Sc., Dipl-Inf. Filip Krumpe, Dipl-Inf. Thomas Mendel</a:t>
             </a:r>
-            <a:endParaRPr b="0" lang="de-DE" sz="3200" spc="-1" strike="noStrike">
+            <a:endParaRPr lang="de-DE" sz="3200" b="0" strike="noStrike" spc="-1">
               <a:latin typeface="Arial"/>
             </a:endParaRPr>
           </a:p>
@@ -2003,15 +2417,22 @@
           </a:ln>
         </p:spPr>
         <p:style>
-          <a:lnRef idx="0"/>
-          <a:fillRef idx="0"/>
-          <a:effectRef idx="0"/>
+          <a:lnRef idx="0">
+            <a:scrgbClr r="0" g="0" b="0"/>
+          </a:lnRef>
+          <a:fillRef idx="0">
+            <a:scrgbClr r="0" g="0" b="0"/>
+          </a:fillRef>
+          <a:effectRef idx="0">
+            <a:scrgbClr r="0" g="0" b="0"/>
+          </a:effectRef>
           <a:fontRef idx="minor"/>
         </p:style>
         <p:txBody>
-          <a:bodyPr lIns="129240" rIns="129240" tIns="64800" bIns="64800">
+          <a:bodyPr lIns="129240" tIns="64800" rIns="129240" bIns="64800">
             <a:noAutofit/>
           </a:bodyPr>
+          <a:lstStyle/>
           <a:p>
             <a:pPr>
               <a:lnSpc>
@@ -2022,16 +2443,16 @@
               </a:spcBef>
             </a:pPr>
             <a:r>
-              <a:rPr b="0" lang="de-DE" sz="5200" spc="-1" strike="noStrike">
-                <a:solidFill>
-                  <a:srgbClr val="ffffff"/>
+              <a:rPr lang="de-DE" sz="5200" b="0" strike="noStrike" spc="-1">
+                <a:solidFill>
+                  <a:srgbClr val="FFFFFF"/>
                 </a:solidFill>
                 <a:latin typeface="Univers for UniS 65 Bold Rg"/>
                 <a:ea typeface="DejaVu Sans"/>
               </a:rPr>
               <a:t>Institut für </a:t>
             </a:r>
-            <a:endParaRPr b="0" lang="de-DE" sz="5200" spc="-1" strike="noStrike">
+            <a:endParaRPr lang="de-DE" sz="5200" b="0" strike="noStrike" spc="-1">
               <a:latin typeface="Arial"/>
             </a:endParaRPr>
           </a:p>
@@ -2045,16 +2466,16 @@
               </a:spcBef>
             </a:pPr>
             <a:r>
-              <a:rPr b="0" lang="de-DE" sz="5200" spc="-1" strike="noStrike">
-                <a:solidFill>
-                  <a:srgbClr val="ffffff"/>
+              <a:rPr lang="de-DE" sz="5200" b="0" strike="noStrike" spc="-1">
+                <a:solidFill>
+                  <a:srgbClr val="FFFFFF"/>
                 </a:solidFill>
                 <a:latin typeface="Univers for UniS 65 Bold Rg"/>
                 <a:ea typeface="DejaVu Sans"/>
               </a:rPr>
               <a:t>Formale Methoden der Informatik (FMI)</a:t>
             </a:r>
-            <a:endParaRPr b="0" lang="de-DE" sz="5200" spc="-1" strike="noStrike">
+            <a:endParaRPr lang="de-DE" sz="5200" b="0" strike="noStrike" spc="-1">
               <a:latin typeface="Arial"/>
             </a:endParaRPr>
           </a:p>
@@ -2080,15 +2501,22 @@
           </a:ln>
         </p:spPr>
         <p:style>
-          <a:lnRef idx="0"/>
-          <a:fillRef idx="0"/>
-          <a:effectRef idx="0"/>
+          <a:lnRef idx="0">
+            <a:scrgbClr r="0" g="0" b="0"/>
+          </a:lnRef>
+          <a:fillRef idx="0">
+            <a:scrgbClr r="0" g="0" b="0"/>
+          </a:fillRef>
+          <a:effectRef idx="0">
+            <a:scrgbClr r="0" g="0" b="0"/>
+          </a:effectRef>
           <a:fontRef idx="minor"/>
         </p:style>
         <p:txBody>
-          <a:bodyPr lIns="129240" rIns="129240" tIns="64800" bIns="64800">
+          <a:bodyPr lIns="129240" tIns="64800" rIns="129240" bIns="64800">
             <a:noAutofit/>
           </a:bodyPr>
+          <a:lstStyle/>
           <a:p>
             <a:pPr>
               <a:lnSpc>
@@ -2099,9 +2527,9 @@
               </a:spcBef>
             </a:pPr>
             <a:r>
-              <a:rPr b="0" lang="de-DE" sz="9120" spc="-1" strike="noStrike">
-                <a:solidFill>
-                  <a:srgbClr val="7f7f7f"/>
+              <a:rPr lang="de-DE" sz="9120" b="0" strike="noStrike" spc="-1">
+                <a:solidFill>
+                  <a:srgbClr val="7F7F7F"/>
                 </a:solidFill>
                 <a:latin typeface="Calibri"/>
                 <a:ea typeface="DejaVu Sans"/>
@@ -2110,16 +2538,16 @@
             </a:r>
             <a:br/>
             <a:r>
-              <a:rPr b="0" lang="de-DE" sz="9120" spc="-1" strike="noStrike">
-                <a:solidFill>
-                  <a:srgbClr val="7f7f7f"/>
+              <a:rPr lang="de-DE" sz="9120" b="0" strike="noStrike" spc="-1">
+                <a:solidFill>
+                  <a:srgbClr val="7F7F7F"/>
                 </a:solidFill>
                 <a:latin typeface="Calibri"/>
                 <a:ea typeface="DejaVu Sans"/>
               </a:rPr>
               <a:t>Area Label Fitting in OSM</a:t>
             </a:r>
-            <a:endParaRPr b="0" lang="de-DE" sz="9120" spc="-1" strike="noStrike">
+            <a:endParaRPr lang="de-DE" sz="9120" b="0" strike="noStrike" spc="-1">
               <a:latin typeface="Arial"/>
             </a:endParaRPr>
           </a:p>
@@ -2140,13 +2568,13 @@
             <a:avLst/>
           </a:prstGeom>
           <a:solidFill>
-            <a:srgbClr val="00b0f0"/>
+            <a:srgbClr val="00B0F0"/>
           </a:solidFill>
           <a:ln>
             <a:noFill/>
           </a:ln>
           <a:effectLst>
-            <a:outerShdw algn="tl" blurRad="50800" dir="2700000" dist="37674" rotWithShape="0">
+            <a:outerShdw blurRad="50800" dist="37674" dir="2700000" algn="tl" rotWithShape="0">
               <a:srgbClr val="000000">
                 <a:alpha val="40000"/>
               </a:srgbClr>
@@ -2154,15 +2582,22 @@
           </a:effectLst>
         </p:spPr>
         <p:style>
-          <a:lnRef idx="0"/>
-          <a:fillRef idx="0"/>
-          <a:effectRef idx="0"/>
+          <a:lnRef idx="0">
+            <a:scrgbClr r="0" g="0" b="0"/>
+          </a:lnRef>
+          <a:fillRef idx="0">
+            <a:scrgbClr r="0" g="0" b="0"/>
+          </a:fillRef>
+          <a:effectRef idx="0">
+            <a:scrgbClr r="0" g="0" b="0"/>
+          </a:effectRef>
           <a:fontRef idx="minor"/>
         </p:style>
         <p:txBody>
-          <a:bodyPr lIns="129240" rIns="129240" tIns="64800" bIns="64800">
+          <a:bodyPr lIns="129240" tIns="64800" rIns="129240" bIns="64800">
             <a:noAutofit/>
           </a:bodyPr>
+          <a:lstStyle/>
           <a:p>
             <a:pPr>
               <a:lnSpc>
@@ -2170,26 +2605,16 @@
               </a:lnSpc>
             </a:pPr>
             <a:r>
-              <a:rPr b="0" lang="de-DE" sz="2800" spc="-1" strike="noStrike">
-                <a:solidFill>
-                  <a:srgbClr val="ffffff"/>
-                </a:solidFill>
-                <a:latin typeface="Arial"/>
-                <a:ea typeface="DejaVu Sans"/>
-              </a:rPr>
-              <a:t>                                                 </a:t>
-            </a:r>
-            <a:r>
-              <a:rPr b="0" lang="de-DE" sz="2800" spc="-1" strike="noStrike">
-                <a:solidFill>
-                  <a:srgbClr val="ffffff"/>
-                </a:solidFill>
-                <a:latin typeface="Arial"/>
-                <a:ea typeface="DejaVu Sans"/>
-              </a:rPr>
-              <a:t>Problemstellung</a:t>
-            </a:r>
-            <a:endParaRPr b="0" lang="de-DE" sz="2800" spc="-1" strike="noStrike">
+              <a:rPr lang="de-DE" sz="2800" b="0" strike="noStrike" spc="-1">
+                <a:solidFill>
+                  <a:srgbClr val="FFFFFF"/>
+                </a:solidFill>
+                <a:latin typeface="Arial"/>
+                <a:ea typeface="DejaVu Sans"/>
+              </a:rPr>
+              <a:t>                                                 Problemstellung</a:t>
+            </a:r>
+            <a:endParaRPr lang="de-DE" sz="2800" b="0" strike="noStrike" spc="-1">
               <a:latin typeface="Arial"/>
             </a:endParaRPr>
           </a:p>
@@ -2199,7 +2624,7 @@
                 <a:spcPct val="100000"/>
               </a:lnSpc>
             </a:pPr>
-            <a:endParaRPr b="0" lang="de-DE" sz="2800" spc="-1" strike="noStrike">
+            <a:endParaRPr lang="de-DE" sz="2800" b="0" strike="noStrike" spc="-1">
               <a:latin typeface="Arial"/>
             </a:endParaRPr>
           </a:p>
@@ -2225,15 +2650,22 @@
           </a:ln>
         </p:spPr>
         <p:style>
-          <a:lnRef idx="0"/>
-          <a:fillRef idx="0"/>
-          <a:effectRef idx="0"/>
+          <a:lnRef idx="0">
+            <a:scrgbClr r="0" g="0" b="0"/>
+          </a:lnRef>
+          <a:fillRef idx="0">
+            <a:scrgbClr r="0" g="0" b="0"/>
+          </a:fillRef>
+          <a:effectRef idx="0">
+            <a:scrgbClr r="0" g="0" b="0"/>
+          </a:effectRef>
           <a:fontRef idx="minor"/>
         </p:style>
         <p:txBody>
-          <a:bodyPr lIns="129240" rIns="129240" tIns="64800" bIns="64800">
+          <a:bodyPr lIns="129240" tIns="64800" rIns="129240" bIns="64800">
             <a:noAutofit/>
           </a:bodyPr>
+          <a:lstStyle/>
           <a:p>
             <a:pPr marL="108360">
               <a:lnSpc>
@@ -2244,9 +2676,9 @@
               </a:spcBef>
             </a:pPr>
             <a:r>
-              <a:rPr b="0" lang="de-DE" sz="3200" spc="-1" strike="noStrike">
-                <a:solidFill>
-                  <a:srgbClr val="ffffff"/>
+              <a:rPr lang="de-DE" sz="3200" b="0" strike="noStrike" spc="-1">
+                <a:solidFill>
+                  <a:srgbClr val="FFFFFF"/>
                 </a:solidFill>
                 <a:latin typeface="Calibri"/>
                 <a:ea typeface="DejaVu Sans"/>
@@ -2255,9 +2687,9 @@
             </a:r>
             <a:br/>
             <a:r>
-              <a:rPr b="0" lang="de-DE" sz="3200" spc="-1" strike="noStrike">
-                <a:solidFill>
-                  <a:srgbClr val="ffffff"/>
+              <a:rPr lang="de-DE" sz="3200" b="0" strike="noStrike" spc="-1">
+                <a:solidFill>
+                  <a:srgbClr val="FFFFFF"/>
                 </a:solidFill>
                 <a:latin typeface="Calibri"/>
                 <a:ea typeface="DejaVu Sans"/>
@@ -2266,9 +2698,9 @@
             </a:r>
             <a:br/>
             <a:r>
-              <a:rPr b="0" lang="de-DE" sz="3200" spc="-1" strike="noStrike">
-                <a:solidFill>
-                  <a:srgbClr val="ffffff"/>
+              <a:rPr lang="de-DE" sz="3200" b="0" strike="noStrike" spc="-1">
+                <a:solidFill>
+                  <a:srgbClr val="FFFFFF"/>
                 </a:solidFill>
                 <a:latin typeface="Calibri"/>
                 <a:ea typeface="DejaVu Sans"/>
@@ -2277,16 +2709,16 @@
             </a:r>
             <a:br/>
             <a:r>
-              <a:rPr b="0" lang="de-DE" sz="3200" spc="-1" strike="noStrike">
-                <a:solidFill>
-                  <a:srgbClr val="ffffff"/>
+              <a:rPr lang="de-DE" sz="3200" b="0" strike="noStrike" spc="-1">
+                <a:solidFill>
+                  <a:srgbClr val="FFFFFF"/>
                 </a:solidFill>
                 <a:latin typeface="Calibri"/>
                 <a:ea typeface="DejaVu Sans"/>
               </a:rPr>
               <a:t>Michel Weitbrecht</a:t>
             </a:r>
-            <a:endParaRPr b="0" lang="de-DE" sz="3200" spc="-1" strike="noStrike">
+            <a:endParaRPr lang="de-DE" sz="3200" b="0" strike="noStrike" spc="-1">
               <a:latin typeface="Arial"/>
             </a:endParaRPr>
           </a:p>
@@ -2294,12 +2726,12 @@
       </p:sp>
       <p:pic>
         <p:nvPicPr>
-          <p:cNvPr id="47" name="Grafik 126" descr=""/>
+          <p:cNvPr id="47" name="Grafik 126"/>
           <p:cNvPicPr/>
           <p:nvPr/>
         </p:nvPicPr>
         <p:blipFill>
-          <a:blip r:embed="rId1"/>
+          <a:blip r:embed="rId2"/>
           <a:stretch/>
         </p:blipFill>
         <p:spPr>
@@ -2338,9 +2770,15 @@
           </a:ln>
         </p:spPr>
         <p:style>
-          <a:lnRef idx="0"/>
-          <a:fillRef idx="0"/>
-          <a:effectRef idx="0"/>
+          <a:lnRef idx="0">
+            <a:scrgbClr r="0" g="0" b="0"/>
+          </a:lnRef>
+          <a:fillRef idx="0">
+            <a:scrgbClr r="0" g="0" b="0"/>
+          </a:fillRef>
+          <a:effectRef idx="0">
+            <a:scrgbClr r="0" g="0" b="0"/>
+          </a:effectRef>
           <a:fontRef idx="minor"/>
         </p:style>
       </p:sp>
@@ -2359,13 +2797,13 @@
             <a:avLst/>
           </a:prstGeom>
           <a:solidFill>
-            <a:srgbClr val="00b0f0"/>
+            <a:srgbClr val="00B0F0"/>
           </a:solidFill>
           <a:ln>
             <a:noFill/>
           </a:ln>
           <a:effectLst>
-            <a:outerShdw algn="tl" blurRad="50800" dir="2700000" dist="37674" rotWithShape="0">
+            <a:outerShdw blurRad="50800" dist="37674" dir="2700000" algn="tl" rotWithShape="0">
               <a:srgbClr val="000000">
                 <a:alpha val="40000"/>
               </a:srgbClr>
@@ -2373,15 +2811,22 @@
           </a:effectLst>
         </p:spPr>
         <p:style>
-          <a:lnRef idx="0"/>
-          <a:fillRef idx="0"/>
-          <a:effectRef idx="0"/>
+          <a:lnRef idx="0">
+            <a:scrgbClr r="0" g="0" b="0"/>
+          </a:lnRef>
+          <a:fillRef idx="0">
+            <a:scrgbClr r="0" g="0" b="0"/>
+          </a:fillRef>
+          <a:effectRef idx="0">
+            <a:scrgbClr r="0" g="0" b="0"/>
+          </a:effectRef>
           <a:fontRef idx="minor"/>
         </p:style>
         <p:txBody>
-          <a:bodyPr lIns="129240" rIns="129240" tIns="64800" bIns="64800">
+          <a:bodyPr lIns="129240" tIns="64800" rIns="129240" bIns="64800">
             <a:noAutofit/>
           </a:bodyPr>
+          <a:lstStyle/>
           <a:p>
             <a:pPr>
               <a:lnSpc>
@@ -2389,26 +2834,16 @@
               </a:lnSpc>
             </a:pPr>
             <a:r>
-              <a:rPr b="0" lang="de-DE" sz="2800" spc="-1" strike="noStrike">
-                <a:solidFill>
-                  <a:srgbClr val="ffffff"/>
-                </a:solidFill>
-                <a:latin typeface="Arial"/>
-                <a:ea typeface="DejaVu Sans"/>
-              </a:rPr>
-              <a:t>                                                     </a:t>
-            </a:r>
-            <a:r>
-              <a:rPr b="0" lang="de-DE" sz="2800" spc="-1" strike="noStrike">
-                <a:solidFill>
-                  <a:srgbClr val="ffffff"/>
-                </a:solidFill>
-                <a:latin typeface="Arial"/>
-                <a:ea typeface="DejaVu Sans"/>
-              </a:rPr>
-              <a:t>Architektur</a:t>
-            </a:r>
-            <a:endParaRPr b="0" lang="de-DE" sz="2800" spc="-1" strike="noStrike">
+              <a:rPr lang="de-DE" sz="2800" b="0" strike="noStrike" spc="-1">
+                <a:solidFill>
+                  <a:srgbClr val="FFFFFF"/>
+                </a:solidFill>
+                <a:latin typeface="Arial"/>
+                <a:ea typeface="DejaVu Sans"/>
+              </a:rPr>
+              <a:t>                                                     Architektur</a:t>
+            </a:r>
+            <a:endParaRPr lang="de-DE" sz="2800" b="0" strike="noStrike" spc="-1">
               <a:latin typeface="Arial"/>
             </a:endParaRPr>
           </a:p>
@@ -2418,7 +2853,7 @@
                 <a:spcPct val="100000"/>
               </a:lnSpc>
             </a:pPr>
-            <a:endParaRPr b="0" lang="de-DE" sz="2800" spc="-1" strike="noStrike">
+            <a:endParaRPr lang="de-DE" sz="2800" b="0" strike="noStrike" spc="-1">
               <a:latin typeface="Arial"/>
             </a:endParaRPr>
           </a:p>
@@ -2455,16 +2890,17 @@
           <a:fontRef idx="minor"/>
         </p:style>
         <p:txBody>
-          <a:bodyPr lIns="90000" rIns="90000" tIns="45000" bIns="45000" anchor="ctr">
+          <a:bodyPr lIns="90000" tIns="45000" rIns="90000" bIns="45000" anchor="ctr">
             <a:noAutofit/>
           </a:bodyPr>
+          <a:lstStyle/>
           <a:p>
             <a:pPr>
               <a:lnSpc>
                 <a:spcPct val="100000"/>
               </a:lnSpc>
             </a:pPr>
-            <a:endParaRPr b="0" lang="de-DE" sz="1800" spc="-1" strike="noStrike">
+            <a:endParaRPr lang="de-DE" sz="1800" b="0" strike="noStrike" spc="-1">
               <a:latin typeface="Arial"/>
             </a:endParaRPr>
           </a:p>
@@ -2474,7 +2910,7 @@
                 <a:spcPct val="100000"/>
               </a:lnSpc>
             </a:pPr>
-            <a:endParaRPr b="0" lang="de-DE" sz="1800" spc="-1" strike="noStrike">
+            <a:endParaRPr lang="de-DE" sz="1800" b="0" strike="noStrike" spc="-1">
               <a:latin typeface="Arial"/>
             </a:endParaRPr>
           </a:p>
@@ -2484,7 +2920,7 @@
                 <a:spcPct val="100000"/>
               </a:lnSpc>
             </a:pPr>
-            <a:endParaRPr b="0" lang="de-DE" sz="1800" spc="-1" strike="noStrike">
+            <a:endParaRPr lang="de-DE" sz="1800" b="0" strike="noStrike" spc="-1">
               <a:latin typeface="Arial"/>
             </a:endParaRPr>
           </a:p>
@@ -2494,7 +2930,7 @@
                 <a:spcPct val="100000"/>
               </a:lnSpc>
             </a:pPr>
-            <a:endParaRPr b="0" lang="de-DE" sz="1800" spc="-1" strike="noStrike">
+            <a:endParaRPr lang="de-DE" sz="1800" b="0" strike="noStrike" spc="-1">
               <a:latin typeface="Arial"/>
             </a:endParaRPr>
           </a:p>
@@ -2504,7 +2940,7 @@
                 <a:spcPct val="100000"/>
               </a:lnSpc>
             </a:pPr>
-            <a:endParaRPr b="0" lang="de-DE" sz="1800" spc="-1" strike="noStrike">
+            <a:endParaRPr lang="de-DE" sz="1800" b="0" strike="noStrike" spc="-1">
               <a:latin typeface="Arial"/>
             </a:endParaRPr>
           </a:p>
@@ -2514,7 +2950,7 @@
                 <a:spcPct val="100000"/>
               </a:lnSpc>
             </a:pPr>
-            <a:endParaRPr b="0" lang="de-DE" sz="1800" spc="-1" strike="noStrike">
+            <a:endParaRPr lang="de-DE" sz="1800" b="0" strike="noStrike" spc="-1">
               <a:latin typeface="Arial"/>
             </a:endParaRPr>
           </a:p>
@@ -2524,7 +2960,7 @@
                 <a:spcPct val="100000"/>
               </a:lnSpc>
             </a:pPr>
-            <a:endParaRPr b="0" lang="de-DE" sz="1800" spc="-1" strike="noStrike">
+            <a:endParaRPr lang="de-DE" sz="1800" b="0" strike="noStrike" spc="-1">
               <a:latin typeface="Arial"/>
             </a:endParaRPr>
           </a:p>
@@ -2534,7 +2970,7 @@
                 <a:spcPct val="100000"/>
               </a:lnSpc>
             </a:pPr>
-            <a:endParaRPr b="0" lang="de-DE" sz="1800" spc="-1" strike="noStrike">
+            <a:endParaRPr lang="de-DE" sz="1800" b="0" strike="noStrike" spc="-1">
               <a:latin typeface="Arial"/>
             </a:endParaRPr>
           </a:p>
@@ -2544,7 +2980,7 @@
                 <a:spcPct val="100000"/>
               </a:lnSpc>
             </a:pPr>
-            <a:endParaRPr b="0" lang="de-DE" sz="1800" spc="-1" strike="noStrike">
+            <a:endParaRPr lang="de-DE" sz="1800" b="0" strike="noStrike" spc="-1">
               <a:latin typeface="Arial"/>
             </a:endParaRPr>
           </a:p>
@@ -2554,7 +2990,7 @@
                 <a:spcPct val="100000"/>
               </a:lnSpc>
             </a:pPr>
-            <a:endParaRPr b="0" lang="de-DE" sz="1800" spc="-1" strike="noStrike">
+            <a:endParaRPr lang="de-DE" sz="1800" b="0" strike="noStrike" spc="-1">
               <a:latin typeface="Arial"/>
             </a:endParaRPr>
           </a:p>
@@ -2564,7 +3000,7 @@
                 <a:spcPct val="100000"/>
               </a:lnSpc>
             </a:pPr>
-            <a:endParaRPr b="0" lang="de-DE" sz="1800" spc="-1" strike="noStrike">
+            <a:endParaRPr lang="de-DE" sz="1800" b="0" strike="noStrike" spc="-1">
               <a:latin typeface="Arial"/>
             </a:endParaRPr>
           </a:p>
@@ -2572,30 +3008,7 @@
       </p:sp>
       <p:pic>
         <p:nvPicPr>
-          <p:cNvPr id="51" name="Grafik 2" descr=""/>
-          <p:cNvPicPr/>
-          <p:nvPr/>
-        </p:nvPicPr>
-        <p:blipFill>
-          <a:blip r:embed="rId2"/>
-          <a:stretch/>
-        </p:blipFill>
-        <p:spPr>
-          <a:xfrm>
-            <a:off x="2523240" y="25316640"/>
-            <a:ext cx="12008160" cy="5994720"/>
-          </a:xfrm>
-          <a:prstGeom prst="rect">
-            <a:avLst/>
-          </a:prstGeom>
-          <a:ln>
-            <a:noFill/>
-          </a:ln>
-        </p:spPr>
-      </p:pic>
-      <p:pic>
-        <p:nvPicPr>
-          <p:cNvPr id="52" name="Grafik 13" descr=""/>
+          <p:cNvPr id="51" name="Grafik 2"/>
           <p:cNvPicPr/>
           <p:nvPr/>
         </p:nvPicPr>
@@ -2605,8 +3018,32 @@
         </p:blipFill>
         <p:spPr>
           <a:xfrm>
-            <a:off x="2507400" y="17909280"/>
-            <a:ext cx="6124320" cy="5362560"/>
+            <a:off x="2523240" y="25316640"/>
+            <a:ext cx="12008160" cy="5994720"/>
+          </a:xfrm>
+          <a:prstGeom prst="rect">
+            <a:avLst/>
+          </a:prstGeom>
+          <a:ln>
+            <a:noFill/>
+          </a:ln>
+        </p:spPr>
+      </p:pic>
+      <p:pic>
+        <p:nvPicPr>
+          <p:cNvPr id="52" name="Grafik 13"/>
+          <p:cNvPicPr/>
+          <p:nvPr/>
+        </p:nvPicPr>
+        <p:blipFill rotWithShape="1">
+          <a:blip r:embed="rId4"/>
+          <a:srcRect t="5089"/>
+          <a:stretch/>
+        </p:blipFill>
+        <p:spPr>
+          <a:xfrm>
+            <a:off x="2507400" y="18182160"/>
+            <a:ext cx="6124320" cy="5089680"/>
           </a:xfrm>
           <a:prstGeom prst="rect">
             <a:avLst/>
@@ -2636,15 +3073,22 @@
           </a:ln>
         </p:spPr>
         <p:style>
-          <a:lnRef idx="0"/>
-          <a:fillRef idx="0"/>
-          <a:effectRef idx="0"/>
+          <a:lnRef idx="0">
+            <a:scrgbClr r="0" g="0" b="0"/>
+          </a:lnRef>
+          <a:fillRef idx="0">
+            <a:scrgbClr r="0" g="0" b="0"/>
+          </a:fillRef>
+          <a:effectRef idx="0">
+            <a:scrgbClr r="0" g="0" b="0"/>
+          </a:effectRef>
           <a:fontRef idx="minor"/>
         </p:style>
         <p:txBody>
-          <a:bodyPr lIns="90000" rIns="90000" tIns="45000" bIns="45000">
+          <a:bodyPr lIns="90000" tIns="45000" rIns="90000" bIns="45000">
             <a:spAutoFit/>
           </a:bodyPr>
+          <a:lstStyle/>
           <a:p>
             <a:pPr>
               <a:lnSpc>
@@ -2652,16 +3096,26 @@
               </a:lnSpc>
             </a:pPr>
             <a:r>
-              <a:rPr b="0" lang="de-DE" sz="2400" spc="-1" strike="noStrike">
-                <a:solidFill>
-                  <a:srgbClr val="000000"/>
-                </a:solidFill>
-                <a:latin typeface="Arial"/>
-                <a:ea typeface="DejaVu Sans"/>
-              </a:rPr>
-              <a:t>Herkömmliche Kartensysteme laden ihre Daten in Form vor-gerendeten</a:t>
-            </a:r>
-            <a:endParaRPr b="0" lang="de-DE" sz="2400" spc="-1" strike="noStrike">
+              <a:rPr lang="de-DE" sz="2400" b="0" strike="noStrike" spc="-1" dirty="0">
+                <a:solidFill>
+                  <a:srgbClr val="000000"/>
+                </a:solidFill>
+                <a:latin typeface="Arial"/>
+                <a:ea typeface="DejaVu Sans"/>
+              </a:rPr>
+              <a:t>Herkömmliche Kartensysteme laden ihre Daten in Form vor-</a:t>
+            </a:r>
+            <a:r>
+              <a:rPr lang="de-DE" sz="2400" b="0" strike="noStrike" spc="-1">
+                <a:solidFill>
+                  <a:srgbClr val="000000"/>
+                </a:solidFill>
+                <a:latin typeface="Arial"/>
+                <a:ea typeface="DejaVu Sans"/>
+              </a:rPr>
+              <a:t>gerendeter</a:t>
+            </a:r>
+            <a:endParaRPr lang="de-DE" sz="2400" b="0" strike="noStrike" spc="-1" dirty="0">
               <a:latin typeface="Arial"/>
             </a:endParaRPr>
           </a:p>
@@ -2672,16 +3126,36 @@
               </a:lnSpc>
             </a:pPr>
             <a:r>
-              <a:rPr b="0" lang="de-DE" sz="2400" spc="-1" strike="noStrike">
-                <a:solidFill>
-                  <a:srgbClr val="000000"/>
-                </a:solidFill>
-                <a:latin typeface="Arial"/>
-                <a:ea typeface="DejaVu Sans"/>
-              </a:rPr>
-              <a:t>Grafiken (Tiles).</a:t>
-            </a:r>
-            <a:endParaRPr b="0" lang="de-DE" sz="2400" spc="-1" strike="noStrike">
+              <a:rPr lang="de-DE" sz="2400" b="0" strike="noStrike" spc="-1" dirty="0">
+                <a:solidFill>
+                  <a:srgbClr val="000000"/>
+                </a:solidFill>
+                <a:latin typeface="Arial"/>
+                <a:ea typeface="DejaVu Sans"/>
+              </a:rPr>
+              <a:t>Grafiken (</a:t>
+            </a:r>
+            <a:r>
+              <a:rPr lang="de-DE" sz="2400" b="0" strike="noStrike" spc="-1" dirty="0" err="1">
+                <a:solidFill>
+                  <a:srgbClr val="000000"/>
+                </a:solidFill>
+                <a:latin typeface="Arial"/>
+                <a:ea typeface="DejaVu Sans"/>
+              </a:rPr>
+              <a:t>Tiles</a:t>
+            </a:r>
+            <a:r>
+              <a:rPr lang="de-DE" sz="2400" b="0" strike="noStrike" spc="-1" dirty="0">
+                <a:solidFill>
+                  <a:srgbClr val="000000"/>
+                </a:solidFill>
+                <a:latin typeface="Arial"/>
+                <a:ea typeface="DejaVu Sans"/>
+              </a:rPr>
+              <a:t>).</a:t>
+            </a:r>
+            <a:endParaRPr lang="de-DE" sz="2400" b="0" strike="noStrike" spc="-1" dirty="0">
               <a:latin typeface="Arial"/>
             </a:endParaRPr>
           </a:p>
@@ -2691,9 +3165,11 @@
                 <a:spcPct val="100000"/>
               </a:lnSpc>
             </a:pPr>
-            <a:br/>
-            <a:r>
-              <a:rPr b="0" i="1" lang="de-DE" sz="2400" spc="-1" strike="noStrike">
+            <a:br>
+              <a:rPr dirty="0"/>
+            </a:br>
+            <a:r>
+              <a:rPr lang="de-DE" sz="2400" b="0" i="1" strike="noStrike" spc="-1" dirty="0">
                 <a:solidFill>
                   <a:srgbClr val="000000"/>
                 </a:solidFill>
@@ -2702,9 +3178,11 @@
               </a:rPr>
               <a:t>Probleme: </a:t>
             </a:r>
-            <a:br/>
-            <a:r>
-              <a:rPr b="0" lang="de-DE" sz="2400" spc="-1" strike="noStrike">
+            <a:br>
+              <a:rPr dirty="0"/>
+            </a:br>
+            <a:r>
+              <a:rPr lang="de-DE" sz="2400" b="0" strike="noStrike" spc="-1" dirty="0">
                 <a:solidFill>
                   <a:srgbClr val="000000"/>
                 </a:solidFill>
@@ -2713,9 +3191,11 @@
               </a:rPr>
               <a:t>- Große Datenmengen durch binäre Grafikdateien</a:t>
             </a:r>
-            <a:br/>
-            <a:r>
-              <a:rPr b="0" lang="de-DE" sz="2400" spc="-1" strike="noStrike">
+            <a:br>
+              <a:rPr dirty="0"/>
+            </a:br>
+            <a:r>
+              <a:rPr lang="de-DE" sz="2400" b="0" strike="noStrike" spc="-1" dirty="0">
                 <a:solidFill>
                   <a:srgbClr val="000000"/>
                 </a:solidFill>
@@ -2724,9 +3204,11 @@
               </a:rPr>
               <a:t>- Keine Filterung von Kartenelementen zur Laufzeit möglich</a:t>
             </a:r>
-            <a:br/>
-            <a:r>
-              <a:rPr b="0" lang="de-DE" sz="2400" spc="-1" strike="noStrike">
+            <a:br>
+              <a:rPr dirty="0"/>
+            </a:br>
+            <a:r>
+              <a:rPr lang="de-DE" sz="2400" b="0" strike="noStrike" spc="-1" dirty="0">
                 <a:solidFill>
                   <a:srgbClr val="000000"/>
                 </a:solidFill>
@@ -2735,7 +3217,7 @@
               </a:rPr>
               <a:t>- Labels drehen sich bei Rotation der Karte mit</a:t>
             </a:r>
-            <a:endParaRPr b="0" lang="de-DE" sz="2400" spc="-1" strike="noStrike">
+            <a:endParaRPr lang="de-DE" sz="2400" b="0" strike="noStrike" spc="-1" dirty="0">
               <a:latin typeface="Arial"/>
             </a:endParaRPr>
           </a:p>
@@ -2745,7 +3227,7 @@
                 <a:spcPct val="100000"/>
               </a:lnSpc>
             </a:pPr>
-            <a:endParaRPr b="0" lang="de-DE" sz="2400" spc="-1" strike="noStrike">
+            <a:endParaRPr lang="de-DE" sz="2400" b="0" strike="noStrike" spc="-1" dirty="0">
               <a:latin typeface="Arial"/>
             </a:endParaRPr>
           </a:p>
@@ -2756,7 +3238,7 @@
               </a:lnSpc>
             </a:pPr>
             <a:r>
-              <a:rPr b="0" i="1" lang="de-DE" sz="2400" spc="-1" strike="noStrike">
+              <a:rPr lang="de-DE" sz="2400" b="0" i="1" strike="noStrike" spc="-1" dirty="0">
                 <a:solidFill>
                   <a:srgbClr val="000000"/>
                 </a:solidFill>
@@ -2765,9 +3247,11 @@
               </a:rPr>
               <a:t>Konzeptioneller Lösungsansatz:</a:t>
             </a:r>
-            <a:br/>
-            <a:r>
-              <a:rPr b="0" lang="de-DE" sz="2400" spc="-1" strike="noStrike">
+            <a:br>
+              <a:rPr dirty="0"/>
+            </a:br>
+            <a:r>
+              <a:rPr lang="de-DE" sz="2400" b="0" strike="noStrike" spc="-1" dirty="0">
                 <a:solidFill>
                   <a:srgbClr val="000000"/>
                 </a:solidFill>
@@ -2776,9 +3260,11 @@
               </a:rPr>
               <a:t>- Client (Browser) fragt benötigte Kartenausschnitte beim Server an</a:t>
             </a:r>
-            <a:br/>
-            <a:r>
-              <a:rPr b="0" lang="de-DE" sz="2400" spc="-1" strike="noStrike">
+            <a:br>
+              <a:rPr dirty="0"/>
+            </a:br>
+            <a:r>
+              <a:rPr lang="de-DE" sz="2400" b="0" strike="noStrike" spc="-1" dirty="0">
                 <a:solidFill>
                   <a:srgbClr val="000000"/>
                 </a:solidFill>
@@ -2787,9 +3273,11 @@
               </a:rPr>
               <a:t>- Übermittlung geografischer Daten statt Grafiken</a:t>
             </a:r>
-            <a:br/>
-            <a:r>
-              <a:rPr b="0" lang="de-DE" sz="2400" spc="-1" strike="noStrike">
+            <a:br>
+              <a:rPr dirty="0"/>
+            </a:br>
+            <a:r>
+              <a:rPr lang="de-DE" sz="2400" b="0" strike="noStrike" spc="-1" dirty="0">
                 <a:solidFill>
                   <a:srgbClr val="000000"/>
                 </a:solidFill>
@@ -2798,9 +3286,11 @@
               </a:rPr>
               <a:t>- Client übernimmt das Rendern der Karte</a:t>
             </a:r>
-            <a:br/>
-            <a:r>
-              <a:rPr b="0" lang="de-DE" sz="2400" spc="-1" strike="noStrike">
+            <a:br>
+              <a:rPr dirty="0"/>
+            </a:br>
+            <a:r>
+              <a:rPr lang="de-DE" sz="2400" b="0" strike="noStrike" spc="-1" dirty="0">
                 <a:solidFill>
                   <a:srgbClr val="000000"/>
                 </a:solidFill>
@@ -2809,7 +3299,7 @@
               </a:rPr>
               <a:t>- Vorverarbeitung der Daten für höhere Effizienz</a:t>
             </a:r>
-            <a:endParaRPr b="0" lang="de-DE" sz="2400" spc="-1" strike="noStrike">
+            <a:endParaRPr lang="de-DE" sz="2400" b="0" strike="noStrike" spc="-1" dirty="0">
               <a:latin typeface="Arial"/>
             </a:endParaRPr>
           </a:p>
@@ -2830,13 +3320,13 @@
             <a:avLst/>
           </a:prstGeom>
           <a:solidFill>
-            <a:srgbClr val="00b0f0"/>
+            <a:srgbClr val="00B0F0"/>
           </a:solidFill>
           <a:ln>
             <a:noFill/>
           </a:ln>
           <a:effectLst>
-            <a:outerShdw algn="tl" blurRad="50800" dir="2700000" dist="37674" rotWithShape="0">
+            <a:outerShdw blurRad="50800" dist="37674" dir="2700000" algn="tl" rotWithShape="0">
               <a:srgbClr val="000000">
                 <a:alpha val="40000"/>
               </a:srgbClr>
@@ -2844,15 +3334,22 @@
           </a:effectLst>
         </p:spPr>
         <p:style>
-          <a:lnRef idx="0"/>
-          <a:fillRef idx="0"/>
-          <a:effectRef idx="0"/>
+          <a:lnRef idx="0">
+            <a:scrgbClr r="0" g="0" b="0"/>
+          </a:lnRef>
+          <a:fillRef idx="0">
+            <a:scrgbClr r="0" g="0" b="0"/>
+          </a:fillRef>
+          <a:effectRef idx="0">
+            <a:scrgbClr r="0" g="0" b="0"/>
+          </a:effectRef>
           <a:fontRef idx="minor"/>
         </p:style>
         <p:txBody>
-          <a:bodyPr lIns="129240" rIns="129240" tIns="64800" bIns="64800">
+          <a:bodyPr lIns="129240" tIns="64800" rIns="129240" bIns="64800">
             <a:noAutofit/>
           </a:bodyPr>
+          <a:lstStyle/>
           <a:p>
             <a:pPr>
               <a:lnSpc>
@@ -2860,26 +3357,16 @@
               </a:lnSpc>
             </a:pPr>
             <a:r>
-              <a:rPr b="0" lang="de-DE" sz="2800" spc="-1" strike="noStrike">
-                <a:solidFill>
-                  <a:srgbClr val="ffffff"/>
-                </a:solidFill>
-                <a:latin typeface="Arial"/>
-                <a:ea typeface="DejaVu Sans"/>
-              </a:rPr>
-              <a:t>                                                 </a:t>
-            </a:r>
-            <a:r>
-              <a:rPr b="0" lang="de-DE" sz="2800" spc="-1" strike="noStrike">
-                <a:solidFill>
-                  <a:srgbClr val="ffffff"/>
-                </a:solidFill>
-                <a:latin typeface="Arial"/>
-                <a:ea typeface="DejaVu Sans"/>
-              </a:rPr>
-              <a:t>Preprocessing</a:t>
-            </a:r>
-            <a:endParaRPr b="0" lang="de-DE" sz="2800" spc="-1" strike="noStrike">
+              <a:rPr lang="de-DE" sz="2800" b="0" strike="noStrike" spc="-1" dirty="0">
+                <a:solidFill>
+                  <a:srgbClr val="FFFFFF"/>
+                </a:solidFill>
+                <a:latin typeface="Arial"/>
+                <a:ea typeface="DejaVu Sans"/>
+              </a:rPr>
+              <a:t>                                                 Vorverarbeitung</a:t>
+            </a:r>
+            <a:endParaRPr lang="de-DE" sz="2800" b="0" strike="noStrike" spc="-1" dirty="0">
               <a:latin typeface="Arial"/>
             </a:endParaRPr>
           </a:p>
@@ -2889,7 +3376,7 @@
                 <a:spcPct val="100000"/>
               </a:lnSpc>
             </a:pPr>
-            <a:endParaRPr b="0" lang="de-DE" sz="2800" spc="-1" strike="noStrike">
+            <a:endParaRPr lang="de-DE" sz="2800" b="0" strike="noStrike" spc="-1" dirty="0">
               <a:latin typeface="Arial"/>
             </a:endParaRPr>
           </a:p>
@@ -2897,12 +3384,12 @@
       </p:sp>
       <p:pic>
         <p:nvPicPr>
-          <p:cNvPr id="55" name="Grafik 4" descr=""/>
+          <p:cNvPr id="55" name="Grafik 4"/>
           <p:cNvPicPr/>
           <p:nvPr/>
         </p:nvPicPr>
         <p:blipFill>
-          <a:blip r:embed="rId4"/>
+          <a:blip r:embed="rId5"/>
           <a:stretch/>
         </p:blipFill>
         <p:spPr>
@@ -2941,38 +3428,21 @@
           </a:ln>
         </p:spPr>
         <p:style>
-          <a:lnRef idx="0"/>
-          <a:fillRef idx="0"/>
-          <a:effectRef idx="0"/>
+          <a:lnRef idx="0">
+            <a:scrgbClr r="0" g="0" b="0"/>
+          </a:lnRef>
+          <a:fillRef idx="0">
+            <a:scrgbClr r="0" g="0" b="0"/>
+          </a:fillRef>
+          <a:effectRef idx="0">
+            <a:scrgbClr r="0" g="0" b="0"/>
+          </a:effectRef>
           <a:fontRef idx="minor"/>
         </p:style>
       </p:sp>
       <p:pic>
         <p:nvPicPr>
-          <p:cNvPr id="57" name="Grafik 15" descr=""/>
-          <p:cNvPicPr/>
-          <p:nvPr/>
-        </p:nvPicPr>
-        <p:blipFill>
-          <a:blip r:embed="rId5"/>
-          <a:stretch/>
-        </p:blipFill>
-        <p:spPr>
-          <a:xfrm>
-            <a:off x="21047040" y="21413160"/>
-            <a:ext cx="6330600" cy="4513680"/>
-          </a:xfrm>
-          <a:prstGeom prst="rect">
-            <a:avLst/>
-          </a:prstGeom>
-          <a:ln>
-            <a:noFill/>
-          </a:ln>
-        </p:spPr>
-      </p:pic>
-      <p:pic>
-        <p:nvPicPr>
-          <p:cNvPr id="58" name="Grafik 19" descr=""/>
+          <p:cNvPr id="57" name="Grafik 15"/>
           <p:cNvPicPr/>
           <p:nvPr/>
         </p:nvPicPr>
@@ -2982,6 +3452,29 @@
         </p:blipFill>
         <p:spPr>
           <a:xfrm>
+            <a:off x="21047040" y="21413160"/>
+            <a:ext cx="6330600" cy="4513680"/>
+          </a:xfrm>
+          <a:prstGeom prst="rect">
+            <a:avLst/>
+          </a:prstGeom>
+          <a:ln>
+            <a:noFill/>
+          </a:ln>
+        </p:spPr>
+      </p:pic>
+      <p:pic>
+        <p:nvPicPr>
+          <p:cNvPr id="58" name="Grafik 19"/>
+          <p:cNvPicPr/>
+          <p:nvPr/>
+        </p:nvPicPr>
+        <p:blipFill>
+          <a:blip r:embed="rId7"/>
+          <a:stretch/>
+        </p:blipFill>
+        <p:spPr>
+          <a:xfrm>
             <a:off x="8815680" y="18182160"/>
             <a:ext cx="5744880" cy="4481640"/>
           </a:xfrm>
@@ -3016,9 +3509,15 @@
           </a:ln>
         </p:spPr>
         <p:style>
-          <a:lnRef idx="0"/>
-          <a:fillRef idx="0"/>
-          <a:effectRef idx="0"/>
+          <a:lnRef idx="0">
+            <a:scrgbClr r="0" g="0" b="0"/>
+          </a:lnRef>
+          <a:fillRef idx="0">
+            <a:scrgbClr r="0" g="0" b="0"/>
+          </a:fillRef>
+          <a:effectRef idx="0">
+            <a:scrgbClr r="0" g="0" b="0"/>
+          </a:effectRef>
           <a:fontRef idx="minor"/>
         </p:style>
       </p:sp>
@@ -3037,13 +3536,13 @@
             <a:avLst/>
           </a:prstGeom>
           <a:solidFill>
-            <a:srgbClr val="00b0f0"/>
+            <a:srgbClr val="00B0F0"/>
           </a:solidFill>
           <a:ln>
             <a:noFill/>
           </a:ln>
           <a:effectLst>
-            <a:outerShdw algn="tl" blurRad="50800" dir="2700000" dist="37674" rotWithShape="0">
+            <a:outerShdw blurRad="50800" dist="37674" dir="2700000" algn="tl" rotWithShape="0">
               <a:srgbClr val="000000">
                 <a:alpha val="40000"/>
               </a:srgbClr>
@@ -3051,15 +3550,22 @@
           </a:effectLst>
         </p:spPr>
         <p:style>
-          <a:lnRef idx="0"/>
-          <a:fillRef idx="0"/>
-          <a:effectRef idx="0"/>
+          <a:lnRef idx="0">
+            <a:scrgbClr r="0" g="0" b="0"/>
+          </a:lnRef>
+          <a:fillRef idx="0">
+            <a:scrgbClr r="0" g="0" b="0"/>
+          </a:fillRef>
+          <a:effectRef idx="0">
+            <a:scrgbClr r="0" g="0" b="0"/>
+          </a:effectRef>
           <a:fontRef idx="minor"/>
         </p:style>
         <p:txBody>
-          <a:bodyPr lIns="129240" rIns="129240" tIns="64800" bIns="64800">
+          <a:bodyPr lIns="129240" tIns="64800" rIns="129240" bIns="64800">
             <a:noAutofit/>
           </a:bodyPr>
+          <a:lstStyle/>
           <a:p>
             <a:pPr>
               <a:lnSpc>
@@ -3067,26 +3573,16 @@
               </a:lnSpc>
             </a:pPr>
             <a:r>
-              <a:rPr b="0" lang="de-DE" sz="2800" spc="-1" strike="noStrike">
-                <a:solidFill>
-                  <a:srgbClr val="ffffff"/>
-                </a:solidFill>
-                <a:latin typeface="Arial"/>
-                <a:ea typeface="DejaVu Sans"/>
-              </a:rPr>
-              <a:t>                                                     </a:t>
-            </a:r>
-            <a:r>
-              <a:rPr b="0" lang="de-DE" sz="2800" spc="-1" strike="noStrike">
-                <a:solidFill>
-                  <a:srgbClr val="ffffff"/>
-                </a:solidFill>
-                <a:latin typeface="Arial"/>
-                <a:ea typeface="DejaVu Sans"/>
-              </a:rPr>
-              <a:t>Gebogene Label</a:t>
-            </a:r>
-            <a:endParaRPr b="0" lang="de-DE" sz="2800" spc="-1" strike="noStrike">
+              <a:rPr lang="de-DE" sz="2800" b="0" strike="noStrike" spc="-1" dirty="0">
+                <a:solidFill>
+                  <a:srgbClr val="FFFFFF"/>
+                </a:solidFill>
+                <a:latin typeface="Arial"/>
+                <a:ea typeface="DejaVu Sans"/>
+              </a:rPr>
+              <a:t>                                                     Gebogene Beschriftungen</a:t>
+            </a:r>
+            <a:endParaRPr lang="de-DE" sz="2800" b="0" strike="noStrike" spc="-1" dirty="0">
               <a:latin typeface="Arial"/>
             </a:endParaRPr>
           </a:p>
@@ -3096,7 +3592,7 @@
                 <a:spcPct val="100000"/>
               </a:lnSpc>
             </a:pPr>
-            <a:endParaRPr b="0" lang="de-DE" sz="2800" spc="-1" strike="noStrike">
+            <a:endParaRPr lang="de-DE" sz="2800" b="0" strike="noStrike" spc="-1" dirty="0">
               <a:latin typeface="Arial"/>
             </a:endParaRPr>
           </a:p>
@@ -3117,13 +3613,13 @@
             <a:avLst/>
           </a:prstGeom>
           <a:solidFill>
-            <a:srgbClr val="00b0f0"/>
+            <a:srgbClr val="00B0F0"/>
           </a:solidFill>
           <a:ln>
             <a:noFill/>
           </a:ln>
           <a:effectLst>
-            <a:outerShdw algn="tl" blurRad="50800" dir="2700000" dist="37674" rotWithShape="0">
+            <a:outerShdw blurRad="50800" dist="37674" dir="2700000" algn="tl" rotWithShape="0">
               <a:srgbClr val="000000">
                 <a:alpha val="40000"/>
               </a:srgbClr>
@@ -3131,15 +3627,22 @@
           </a:effectLst>
         </p:spPr>
         <p:style>
-          <a:lnRef idx="0"/>
-          <a:fillRef idx="0"/>
-          <a:effectRef idx="0"/>
+          <a:lnRef idx="0">
+            <a:scrgbClr r="0" g="0" b="0"/>
+          </a:lnRef>
+          <a:fillRef idx="0">
+            <a:scrgbClr r="0" g="0" b="0"/>
+          </a:fillRef>
+          <a:effectRef idx="0">
+            <a:scrgbClr r="0" g="0" b="0"/>
+          </a:effectRef>
           <a:fontRef idx="minor"/>
         </p:style>
         <p:txBody>
-          <a:bodyPr lIns="129240" rIns="129240" tIns="64800" bIns="64800">
+          <a:bodyPr lIns="129240" tIns="64800" rIns="129240" bIns="64800">
             <a:noAutofit/>
           </a:bodyPr>
+          <a:lstStyle/>
           <a:p>
             <a:pPr>
               <a:lnSpc>
@@ -3147,26 +3650,16 @@
               </a:lnSpc>
             </a:pPr>
             <a:r>
-              <a:rPr b="0" lang="de-DE" sz="2800" spc="-1" strike="noStrike">
-                <a:solidFill>
-                  <a:srgbClr val="ffffff"/>
-                </a:solidFill>
-                <a:latin typeface="Arial"/>
-                <a:ea typeface="DejaVu Sans"/>
-              </a:rPr>
-              <a:t>                                                    </a:t>
-            </a:r>
-            <a:r>
-              <a:rPr b="0" lang="de-DE" sz="2800" spc="-1" strike="noStrike">
-                <a:solidFill>
-                  <a:srgbClr val="ffffff"/>
-                </a:solidFill>
-                <a:latin typeface="Arial"/>
-                <a:ea typeface="DejaVu Sans"/>
-              </a:rPr>
-              <a:t>Grenzvereinfachung</a:t>
-            </a:r>
-            <a:endParaRPr b="0" lang="de-DE" sz="2800" spc="-1" strike="noStrike">
+              <a:rPr lang="de-DE" sz="2800" b="0" strike="noStrike" spc="-1">
+                <a:solidFill>
+                  <a:srgbClr val="FFFFFF"/>
+                </a:solidFill>
+                <a:latin typeface="Arial"/>
+                <a:ea typeface="DejaVu Sans"/>
+              </a:rPr>
+              <a:t>                                                    Grenzvereinfachung</a:t>
+            </a:r>
+            <a:endParaRPr lang="de-DE" sz="2800" b="0" strike="noStrike" spc="-1">
               <a:latin typeface="Arial"/>
             </a:endParaRPr>
           </a:p>
@@ -3176,7 +3669,7 @@
                 <a:spcPct val="100000"/>
               </a:lnSpc>
             </a:pPr>
-            <a:endParaRPr b="0" lang="de-DE" sz="2800" spc="-1" strike="noStrike">
+            <a:endParaRPr lang="de-DE" sz="2800" b="0" strike="noStrike" spc="-1">
               <a:latin typeface="Arial"/>
             </a:endParaRPr>
           </a:p>
@@ -3205,9 +3698,15 @@
           </a:ln>
         </p:spPr>
         <p:style>
-          <a:lnRef idx="0"/>
-          <a:fillRef idx="0"/>
-          <a:effectRef idx="0"/>
+          <a:lnRef idx="0">
+            <a:scrgbClr r="0" g="0" b="0"/>
+          </a:lnRef>
+          <a:fillRef idx="0">
+            <a:scrgbClr r="0" g="0" b="0"/>
+          </a:fillRef>
+          <a:effectRef idx="0">
+            <a:scrgbClr r="0" g="0" b="0"/>
+          </a:effectRef>
           <a:fontRef idx="minor"/>
         </p:style>
       </p:sp>
@@ -3220,7 +3719,7 @@
         <p:spPr>
           <a:xfrm>
             <a:off x="15961320" y="27979200"/>
-            <a:ext cx="12104640" cy="4845240"/>
+            <a:ext cx="12104640" cy="4153530"/>
           </a:xfrm>
           <a:prstGeom prst="rect">
             <a:avLst/>
@@ -3231,15 +3730,22 @@
           </a:ln>
         </p:spPr>
         <p:style>
-          <a:lnRef idx="0"/>
-          <a:fillRef idx="0"/>
-          <a:effectRef idx="0"/>
+          <a:lnRef idx="0">
+            <a:scrgbClr r="0" g="0" b="0"/>
+          </a:lnRef>
+          <a:fillRef idx="0">
+            <a:scrgbClr r="0" g="0" b="0"/>
+          </a:fillRef>
+          <a:effectRef idx="0">
+            <a:scrgbClr r="0" g="0" b="0"/>
+          </a:effectRef>
           <a:fontRef idx="minor"/>
         </p:style>
         <p:txBody>
-          <a:bodyPr lIns="90000" rIns="90000" tIns="45000" bIns="45000">
+          <a:bodyPr lIns="90000" tIns="45000" rIns="90000" bIns="45000">
             <a:spAutoFit/>
           </a:bodyPr>
+          <a:lstStyle/>
           <a:p>
             <a:pPr>
               <a:lnSpc>
@@ -3247,18 +3753,15 @@
               </a:lnSpc>
             </a:pPr>
             <a:r>
-              <a:rPr b="0" lang="de-DE" sz="2400" spc="-1" strike="noStrike">
-                <a:solidFill>
-                  <a:srgbClr val="000000"/>
-                </a:solidFill>
-                <a:latin typeface="Arial"/>
-                <a:ea typeface="DejaVu Sans"/>
-              </a:rPr>
-              <a:t>Zunächst werden anhand der zu vereinfachenden Grenzen überscheidungsfreie Linienzüge berechnet. Teilgrenzen, die mehreren benachbarten Gebieten angehören, werden somit später nur einmal vereinfacht. Dies verhindert, dass besagtes Teilstück für beide Grenzen unterschiedlich vereinfacht wird, und beide vereinfachten Grenzen somit überlappen oder Lücken zwischen diesen entstehen.</a:t>
-            </a:r>
-            <a:endParaRPr b="0" lang="de-DE" sz="2400" spc="-1" strike="noStrike">
-              <a:latin typeface="Arial"/>
-            </a:endParaRPr>
+              <a:rPr lang="de-DE" sz="2400" b="0" strike="noStrike" spc="-1" dirty="0">
+                <a:solidFill>
+                  <a:srgbClr val="000000"/>
+                </a:solidFill>
+                <a:latin typeface="Arial"/>
+                <a:ea typeface="DejaVu Sans"/>
+              </a:rPr>
+              <a:t>Um den Netzwerkverkehr gering zu halten, werden die Gebiete in Abhängigkeit von der Zoomstufe der Karte mit unterschiedlichem Detailgrad ausgeliefert.</a:t>
+            </a:r>
           </a:p>
           <a:p>
             <a:pPr>
@@ -3266,8 +3769,12 @@
                 <a:spcPct val="100000"/>
               </a:lnSpc>
             </a:pPr>
-            <a:endParaRPr b="0" lang="de-DE" sz="2400" spc="-1" strike="noStrike">
-              <a:latin typeface="Arial"/>
+            <a:endParaRPr lang="de-DE" sz="2400" spc="-1" dirty="0">
+              <a:solidFill>
+                <a:srgbClr val="000000"/>
+              </a:solidFill>
+              <a:latin typeface="Arial"/>
+              <a:ea typeface="DejaVu Sans"/>
             </a:endParaRPr>
           </a:p>
           <a:p>
@@ -3277,16 +3784,36 @@
               </a:lnSpc>
             </a:pPr>
             <a:r>
-              <a:rPr b="0" lang="de-DE" sz="2400" spc="-1" strike="noStrike">
-                <a:solidFill>
-                  <a:srgbClr val="000000"/>
-                </a:solidFill>
-                <a:latin typeface="Arial"/>
-                <a:ea typeface="DejaVu Sans"/>
-              </a:rPr>
-              <a:t>Vereinfachung dann je nach Zoomstufe, Vereinfachungsgrad linear zu Kartenmaßstab anhand des Algorithmuses in [1].</a:t>
-            </a:r>
-            <a:endParaRPr b="0" lang="de-DE" sz="2400" spc="-1" strike="noStrike">
+              <a:rPr lang="de-DE" sz="2400" b="0" strike="noStrike" spc="-1" dirty="0">
+                <a:solidFill>
+                  <a:srgbClr val="000000"/>
+                </a:solidFill>
+                <a:latin typeface="Arial"/>
+                <a:ea typeface="DejaVu Sans"/>
+              </a:rPr>
+              <a:t>Dafür werden während der Vorverarbeitung zunächst überscheidungsfreie Linienzüge für die Grenzen berechnet. Dies verhindert, dass ein </a:t>
+            </a:r>
+            <a:r>
+              <a:rPr lang="de-DE" sz="2400" spc="-1" dirty="0">
+                <a:solidFill>
+                  <a:srgbClr val="000000"/>
+                </a:solidFill>
+                <a:latin typeface="Arial"/>
+                <a:ea typeface="DejaVu Sans"/>
+              </a:rPr>
+              <a:t>Teilstück, das zu zwei Gebieten gehört, für beide </a:t>
+            </a:r>
+            <a:r>
+              <a:rPr lang="de-DE" sz="2400" b="0" strike="noStrike" spc="-1" dirty="0">
+                <a:solidFill>
+                  <a:srgbClr val="000000"/>
+                </a:solidFill>
+                <a:latin typeface="Arial"/>
+                <a:ea typeface="DejaVu Sans"/>
+              </a:rPr>
+              <a:t>unterschiedlich vereinfacht wird und somit Überlappungen oder Lücken entstehen. Anschließend werden die Linienzüge unter Erhaltung der ursprünglichen Topologie für unterschiedliche Zoomstufen vereinfacht und in der Datenbank gespeichert.</a:t>
+            </a:r>
+            <a:endParaRPr lang="de-DE" sz="2400" b="0" strike="noStrike" spc="-1" dirty="0">
               <a:latin typeface="Arial"/>
             </a:endParaRPr>
           </a:p>
@@ -3296,17 +3823,7 @@
                 <a:spcPct val="100000"/>
               </a:lnSpc>
             </a:pPr>
-            <a:r>
-              <a:rPr b="0" lang="de-DE" sz="2400" spc="-1" strike="noStrike">
-                <a:solidFill>
-                  <a:srgbClr val="000000"/>
-                </a:solidFill>
-                <a:latin typeface="Arial"/>
-                <a:ea typeface="DejaVu Sans"/>
-              </a:rPr>
-              <a:t>Mit sinkender Zoomstufe ( Herauszoomen ) deutlich weniger Punkte pro Grenze. Möglichkeit: Constraint Punkte, die immer im Gebiet liegen müssen.</a:t>
-            </a:r>
-            <a:endParaRPr b="0" lang="de-DE" sz="2400" spc="-1" strike="noStrike">
+            <a:endParaRPr lang="de-DE" sz="2400" b="0" strike="noStrike" spc="-1" dirty="0">
               <a:latin typeface="Arial"/>
             </a:endParaRPr>
           </a:p>
@@ -3316,17 +3833,75 @@
                 <a:spcPct val="100000"/>
               </a:lnSpc>
             </a:pPr>
-            <a:endParaRPr b="0" lang="de-DE" sz="2400" spc="-1" strike="noStrike">
-              <a:latin typeface="Arial"/>
-            </a:endParaRPr>
-          </a:p>
+            <a:endParaRPr lang="de-DE" sz="2400" b="0" strike="noStrike" spc="-1" dirty="0">
+              <a:latin typeface="Arial"/>
+            </a:endParaRPr>
+          </a:p>
+        </p:txBody>
+      </p:sp>
+      <p:sp>
+        <p:nvSpPr>
+          <p:cNvPr id="64" name="CustomShape 18"/>
+          <p:cNvSpPr/>
+          <p:nvPr/>
+        </p:nvSpPr>
+        <p:spPr>
+          <a:xfrm>
+            <a:off x="2229480" y="31411800"/>
+            <a:ext cx="12301920" cy="2676202"/>
+          </a:xfrm>
+          <a:prstGeom prst="rect">
+            <a:avLst/>
+          </a:prstGeom>
+          <a:noFill/>
+          <a:ln>
+            <a:noFill/>
+          </a:ln>
+        </p:spPr>
+        <p:style>
+          <a:lnRef idx="0">
+            <a:scrgbClr r="0" g="0" b="0"/>
+          </a:lnRef>
+          <a:fillRef idx="0">
+            <a:scrgbClr r="0" g="0" b="0"/>
+          </a:fillRef>
+          <a:effectRef idx="0">
+            <a:scrgbClr r="0" g="0" b="0"/>
+          </a:effectRef>
+          <a:fontRef idx="minor"/>
+        </p:style>
+        <p:txBody>
+          <a:bodyPr lIns="90000" tIns="45000" rIns="90000" bIns="45000">
+            <a:spAutoFit/>
+          </a:bodyPr>
+          <a:lstStyle/>
           <a:p>
             <a:pPr>
               <a:lnSpc>
                 <a:spcPct val="100000"/>
               </a:lnSpc>
             </a:pPr>
-            <a:endParaRPr b="0" lang="de-DE" sz="2400" spc="-1" strike="noStrike">
+            <a:r>
+              <a:rPr lang="de-DE" sz="2400" b="1" strike="noStrike" spc="-1" dirty="0">
+                <a:solidFill>
+                  <a:srgbClr val="000000"/>
+                </a:solidFill>
+                <a:latin typeface="Arial"/>
+                <a:ea typeface="DejaVu Sans"/>
+              </a:rPr>
+              <a:t>Trump-client</a:t>
+            </a:r>
+            <a:r>
+              <a:rPr lang="de-DE" sz="2400" b="0" strike="noStrike" spc="-1" dirty="0">
+                <a:solidFill>
+                  <a:srgbClr val="000000"/>
+                </a:solidFill>
+                <a:latin typeface="Arial"/>
+                <a:ea typeface="DejaVu Sans"/>
+              </a:rPr>
+              <a:t>: Fordert Daten für einen gegebenen Kartenausschnitt an</a:t>
+            </a:r>
+            <a:endParaRPr lang="de-DE" sz="2400" b="0" strike="noStrike" spc="-1" dirty="0">
               <a:latin typeface="Arial"/>
             </a:endParaRPr>
           </a:p>
@@ -3336,41 +3911,60 @@
                 <a:spcPct val="100000"/>
               </a:lnSpc>
             </a:pPr>
-            <a:endParaRPr b="0" lang="de-DE" sz="2400" spc="-1" strike="noStrike">
-              <a:latin typeface="Arial"/>
-            </a:endParaRPr>
-          </a:p>
-        </p:txBody>
-      </p:sp>
-      <p:sp>
-        <p:nvSpPr>
-          <p:cNvPr id="64" name="CustomShape 18"/>
-          <p:cNvSpPr/>
-          <p:nvPr/>
-        </p:nvSpPr>
-        <p:spPr>
-          <a:xfrm>
-            <a:off x="2229480" y="31411800"/>
-            <a:ext cx="12301920" cy="3016440"/>
-          </a:xfrm>
-          <a:prstGeom prst="rect">
-            <a:avLst/>
-          </a:prstGeom>
-          <a:noFill/>
-          <a:ln>
-            <a:noFill/>
-          </a:ln>
-        </p:spPr>
-        <p:style>
-          <a:lnRef idx="0"/>
-          <a:fillRef idx="0"/>
-          <a:effectRef idx="0"/>
-          <a:fontRef idx="minor"/>
-        </p:style>
-        <p:txBody>
-          <a:bodyPr lIns="90000" rIns="90000" tIns="45000" bIns="45000">
-            <a:spAutoFit/>
-          </a:bodyPr>
+            <a:r>
+              <a:rPr lang="de-DE" sz="2400" b="1" strike="noStrike" spc="-1" dirty="0">
+                <a:solidFill>
+                  <a:srgbClr val="000000"/>
+                </a:solidFill>
+                <a:latin typeface="Arial"/>
+                <a:ea typeface="DejaVu Sans"/>
+              </a:rPr>
+              <a:t>Trump-</a:t>
+            </a:r>
+            <a:r>
+              <a:rPr lang="de-DE" sz="2400" b="1" strike="noStrike" spc="-1" dirty="0" err="1">
+                <a:solidFill>
+                  <a:srgbClr val="000000"/>
+                </a:solidFill>
+                <a:latin typeface="Arial"/>
+                <a:ea typeface="DejaVu Sans"/>
+              </a:rPr>
+              <a:t>mapnik</a:t>
+            </a:r>
+            <a:r>
+              <a:rPr lang="de-DE" sz="2400" b="0" strike="noStrike" spc="-1" dirty="0">
+                <a:solidFill>
+                  <a:srgbClr val="000000"/>
+                </a:solidFill>
+                <a:latin typeface="Arial"/>
+                <a:ea typeface="DejaVu Sans"/>
+              </a:rPr>
+              <a:t>: Stellt dem Client vor-gerenderte </a:t>
+            </a:r>
+            <a:r>
+              <a:rPr lang="de-DE" sz="2400" b="0" strike="noStrike" spc="-1" dirty="0" err="1">
+                <a:solidFill>
+                  <a:srgbClr val="000000"/>
+                </a:solidFill>
+                <a:latin typeface="Arial"/>
+                <a:ea typeface="DejaVu Sans"/>
+              </a:rPr>
+              <a:t>Tiles</a:t>
+            </a:r>
+            <a:r>
+              <a:rPr lang="de-DE" sz="2400" b="0" strike="noStrike" spc="-1" dirty="0">
+                <a:solidFill>
+                  <a:srgbClr val="000000"/>
+                </a:solidFill>
+                <a:latin typeface="Arial"/>
+                <a:ea typeface="DejaVu Sans"/>
+              </a:rPr>
+              <a:t> bereit, sofern gewünscht</a:t>
+            </a:r>
+            <a:endParaRPr lang="de-DE" sz="2400" b="0" strike="noStrike" spc="-1" dirty="0">
+              <a:latin typeface="Arial"/>
+            </a:endParaRPr>
+          </a:p>
           <a:p>
             <a:pPr>
               <a:lnSpc>
@@ -3378,26 +3972,26 @@
               </a:lnSpc>
             </a:pPr>
             <a:r>
-              <a:rPr b="1" lang="de-DE" sz="2400" spc="-1" strike="noStrike">
-                <a:solidFill>
-                  <a:srgbClr val="000000"/>
-                </a:solidFill>
-                <a:latin typeface="Arial"/>
-                <a:ea typeface="DejaVu Sans"/>
-              </a:rPr>
-              <a:t>Trump-client</a:t>
-            </a:r>
-            <a:r>
-              <a:rPr b="0" lang="de-DE" sz="2400" spc="-1" strike="noStrike">
-                <a:solidFill>
-                  <a:srgbClr val="000000"/>
-                </a:solidFill>
-                <a:latin typeface="Arial"/>
-                <a:ea typeface="DejaVu Sans"/>
-              </a:rPr>
-              <a:t>: Fordert Daten für einen gegebenen Kartenausschnitt an</a:t>
-            </a:r>
-            <a:endParaRPr b="0" lang="de-DE" sz="2400" spc="-1" strike="noStrike">
+              <a:rPr lang="de-DE" sz="2400" b="1" strike="noStrike" spc="-1" dirty="0">
+                <a:solidFill>
+                  <a:srgbClr val="000000"/>
+                </a:solidFill>
+                <a:latin typeface="Arial"/>
+                <a:ea typeface="DejaVu Sans"/>
+              </a:rPr>
+              <a:t>Trump-area</a:t>
+            </a:r>
+            <a:r>
+              <a:rPr lang="de-DE" sz="2400" b="0" strike="noStrike" spc="-1" dirty="0">
+                <a:solidFill>
+                  <a:srgbClr val="000000"/>
+                </a:solidFill>
+                <a:latin typeface="Arial"/>
+                <a:ea typeface="DejaVu Sans"/>
+              </a:rPr>
+              <a:t>: Server, der dem Client Grenzen und gebogene Beschriftungen bereitstellt</a:t>
+            </a:r>
+            <a:endParaRPr lang="de-DE" sz="2400" b="0" strike="noStrike" spc="-1" dirty="0">
               <a:latin typeface="Arial"/>
             </a:endParaRPr>
           </a:p>
@@ -3408,26 +4002,44 @@
               </a:lnSpc>
             </a:pPr>
             <a:r>
-              <a:rPr b="1" lang="de-DE" sz="2400" spc="-1" strike="noStrike">
-                <a:solidFill>
-                  <a:srgbClr val="000000"/>
-                </a:solidFill>
-                <a:latin typeface="Arial"/>
-                <a:ea typeface="DejaVu Sans"/>
-              </a:rPr>
-              <a:t>Trump-mapnik</a:t>
-            </a:r>
-            <a:r>
-              <a:rPr b="0" lang="de-DE" sz="2400" spc="-1" strike="noStrike">
-                <a:solidFill>
-                  <a:srgbClr val="000000"/>
-                </a:solidFill>
-                <a:latin typeface="Arial"/>
-                <a:ea typeface="DejaVu Sans"/>
-              </a:rPr>
-              <a:t>: Stellt dem Client vor-gerenderte Tiles bereit, sofern dies gewüscht ist</a:t>
-            </a:r>
-            <a:endParaRPr b="0" lang="de-DE" sz="2400" spc="-1" strike="noStrike">
+              <a:rPr lang="de-DE" sz="2400" b="1" strike="noStrike" spc="-1" dirty="0">
+                <a:solidFill>
+                  <a:srgbClr val="000000"/>
+                </a:solidFill>
+                <a:latin typeface="Arial"/>
+                <a:ea typeface="DejaVu Sans"/>
+              </a:rPr>
+              <a:t>Trump-label</a:t>
+            </a:r>
+            <a:r>
+              <a:rPr lang="de-DE" sz="2400" b="0" strike="noStrike" spc="-1" dirty="0">
+                <a:solidFill>
+                  <a:srgbClr val="000000"/>
+                </a:solidFill>
+                <a:latin typeface="Arial"/>
+                <a:ea typeface="DejaVu Sans"/>
+              </a:rPr>
+              <a:t>: Stellt überschneidungsfreie </a:t>
+            </a:r>
+            <a:r>
+              <a:rPr lang="de-DE" sz="2400" spc="-1" dirty="0">
+                <a:solidFill>
+                  <a:srgbClr val="000000"/>
+                </a:solidFill>
+              </a:rPr>
+              <a:t>Punktbeschriftungen </a:t>
+            </a:r>
+            <a:r>
+              <a:rPr lang="de-DE" sz="2400" b="0" strike="noStrike" spc="-1" dirty="0">
+                <a:solidFill>
+                  <a:srgbClr val="000000"/>
+                </a:solidFill>
+                <a:latin typeface="Arial"/>
+                <a:ea typeface="DejaVu Sans"/>
+              </a:rPr>
+              <a:t>bereit</a:t>
+            </a:r>
+            <a:endParaRPr lang="de-DE" sz="2400" b="0" strike="noStrike" spc="-1" dirty="0">
               <a:latin typeface="Arial"/>
             </a:endParaRPr>
           </a:p>
@@ -3438,26 +4050,56 @@
               </a:lnSpc>
             </a:pPr>
             <a:r>
-              <a:rPr b="1" lang="de-DE" sz="2400" spc="-1" strike="noStrike">
-                <a:solidFill>
-                  <a:srgbClr val="000000"/>
-                </a:solidFill>
-                <a:latin typeface="Arial"/>
-                <a:ea typeface="DejaVu Sans"/>
-              </a:rPr>
-              <a:t>Trump-area</a:t>
-            </a:r>
-            <a:r>
-              <a:rPr b="0" lang="de-DE" sz="2400" spc="-1" strike="noStrike">
-                <a:solidFill>
-                  <a:srgbClr val="000000"/>
-                </a:solidFill>
-                <a:latin typeface="Arial"/>
-                <a:ea typeface="DejaVu Sans"/>
-              </a:rPr>
-              <a:t>: Stellt dem Client Grenzen und gebogene Label bereit, liest diese aus der Datenbank</a:t>
-            </a:r>
-            <a:endParaRPr b="0" lang="de-DE" sz="2400" spc="-1" strike="noStrike">
+              <a:rPr lang="de-DE" sz="2400" b="1" strike="noStrike" spc="-1" dirty="0">
+                <a:solidFill>
+                  <a:srgbClr val="000000"/>
+                </a:solidFill>
+                <a:latin typeface="Arial"/>
+                <a:ea typeface="DejaVu Sans"/>
+              </a:rPr>
+              <a:t>Trump-</a:t>
+            </a:r>
+            <a:r>
+              <a:rPr lang="de-DE" sz="2400" b="1" strike="noStrike" spc="-1" dirty="0" err="1">
+                <a:solidFill>
+                  <a:srgbClr val="000000"/>
+                </a:solidFill>
+                <a:latin typeface="Arial"/>
+                <a:ea typeface="DejaVu Sans"/>
+              </a:rPr>
+              <a:t>preprocessing</a:t>
+            </a:r>
+            <a:r>
+              <a:rPr lang="de-DE" sz="2400" b="0" strike="noStrike" spc="-1" dirty="0">
+                <a:solidFill>
+                  <a:srgbClr val="000000"/>
+                </a:solidFill>
+                <a:latin typeface="Arial"/>
+                <a:ea typeface="DejaVu Sans"/>
+              </a:rPr>
+              <a:t>: </a:t>
+            </a:r>
+            <a:r>
+              <a:rPr lang="de-DE" sz="2400" spc="-1" dirty="0">
+                <a:solidFill>
+                  <a:srgbClr val="000000"/>
+                </a:solidFill>
+                <a:latin typeface="Arial"/>
+                <a:ea typeface="DejaVu Sans"/>
+              </a:rPr>
+              <a:t>Vereinfacht Grenzen für </a:t>
+            </a:r>
+            <a:r>
+              <a:rPr lang="de-DE" sz="2400" b="0" strike="noStrike" spc="-1" dirty="0">
+                <a:solidFill>
+                  <a:srgbClr val="000000"/>
+                </a:solidFill>
+                <a:latin typeface="Arial"/>
+                <a:ea typeface="DejaVu Sans"/>
+              </a:rPr>
+              <a:t>verschiedene Zoomstufen und berechnet die Position und Form der gebogenen Beschriftungen</a:t>
+            </a:r>
+            <a:endParaRPr lang="de-DE" sz="2400" b="0" strike="noStrike" spc="-1" dirty="0">
               <a:latin typeface="Arial"/>
             </a:endParaRPr>
           </a:p>
@@ -3468,86 +4110,46 @@
               </a:lnSpc>
             </a:pPr>
             <a:r>
-              <a:rPr b="1" lang="de-DE" sz="2400" spc="-1" strike="noStrike">
-                <a:solidFill>
-                  <a:srgbClr val="000000"/>
-                </a:solidFill>
-                <a:latin typeface="Arial"/>
-                <a:ea typeface="DejaVu Sans"/>
-              </a:rPr>
-              <a:t>Trump-label</a:t>
-            </a:r>
-            <a:r>
-              <a:rPr b="0" lang="de-DE" sz="2400" spc="-1" strike="noStrike">
-                <a:solidFill>
-                  <a:srgbClr val="000000"/>
-                </a:solidFill>
-                <a:latin typeface="Arial"/>
-                <a:ea typeface="DejaVu Sans"/>
-              </a:rPr>
-              <a:t>: Stellt überschneidungsfreie Punktlabel bereit</a:t>
-            </a:r>
-            <a:endParaRPr b="0" lang="de-DE" sz="2400" spc="-1" strike="noStrike">
-              <a:latin typeface="Arial"/>
-            </a:endParaRPr>
-          </a:p>
-          <a:p>
-            <a:pPr>
-              <a:lnSpc>
-                <a:spcPct val="100000"/>
-              </a:lnSpc>
-            </a:pPr>
-            <a:r>
-              <a:rPr b="1" lang="de-DE" sz="2400" spc="-1" strike="noStrike">
-                <a:solidFill>
-                  <a:srgbClr val="000000"/>
-                </a:solidFill>
-                <a:latin typeface="Arial"/>
-                <a:ea typeface="DejaVu Sans"/>
-              </a:rPr>
-              <a:t>Trump-preprocessing</a:t>
-            </a:r>
-            <a:r>
-              <a:rPr b="0" lang="de-DE" sz="2400" spc="-1" strike="noStrike">
-                <a:solidFill>
-                  <a:srgbClr val="000000"/>
-                </a:solidFill>
-                <a:latin typeface="Arial"/>
-                <a:ea typeface="DejaVu Sans"/>
-              </a:rPr>
-              <a:t>: Grenzen werden für verschiedene Zoomstufen vereinfacht und Position der gebogenen Label wird je Grenze berechnet</a:t>
-            </a:r>
-            <a:endParaRPr b="0" lang="de-DE" sz="2400" spc="-1" strike="noStrike">
-              <a:latin typeface="Arial"/>
-            </a:endParaRPr>
-          </a:p>
-          <a:p>
-            <a:pPr>
-              <a:lnSpc>
-                <a:spcPct val="100000"/>
-              </a:lnSpc>
-            </a:pPr>
-            <a:r>
-              <a:rPr b="1" lang="de-DE" sz="2400" spc="-1" strike="noStrike">
-                <a:solidFill>
-                  <a:srgbClr val="000000"/>
-                </a:solidFill>
-                <a:latin typeface="Arial"/>
-                <a:ea typeface="DejaVu Sans"/>
-              </a:rPr>
-              <a:t>Trump-postgis: </a:t>
-            </a:r>
-            <a:r>
-              <a:rPr b="0" lang="de-DE" sz="2400" spc="-1" strike="noStrike">
-                <a:solidFill>
-                  <a:srgbClr val="000000"/>
-                </a:solidFill>
-                <a:latin typeface="Arial"/>
-                <a:ea typeface="DejaVu Sans"/>
-              </a:rPr>
-              <a:t>Datenbank enthält die vorverarbeiteten Daten</a:t>
-            </a:r>
-            <a:endParaRPr b="0" lang="de-DE" sz="2400" spc="-1" strike="noStrike">
+              <a:rPr lang="de-DE" sz="2400" b="1" strike="noStrike" spc="-1" dirty="0">
+                <a:solidFill>
+                  <a:srgbClr val="000000"/>
+                </a:solidFill>
+                <a:latin typeface="Arial"/>
+                <a:ea typeface="DejaVu Sans"/>
+              </a:rPr>
+              <a:t>Trump-</a:t>
+            </a:r>
+            <a:r>
+              <a:rPr lang="de-DE" sz="2400" b="1" strike="noStrike" spc="-1" dirty="0" err="1">
+                <a:solidFill>
+                  <a:srgbClr val="000000"/>
+                </a:solidFill>
+                <a:latin typeface="Arial"/>
+                <a:ea typeface="DejaVu Sans"/>
+              </a:rPr>
+              <a:t>postgis</a:t>
+            </a:r>
+            <a:r>
+              <a:rPr lang="de-DE" sz="2400" b="1" strike="noStrike" spc="-1" dirty="0">
+                <a:solidFill>
+                  <a:srgbClr val="000000"/>
+                </a:solidFill>
+                <a:latin typeface="Arial"/>
+                <a:ea typeface="DejaVu Sans"/>
+              </a:rPr>
+              <a:t>: </a:t>
+            </a:r>
+            <a:r>
+              <a:rPr lang="de-DE" sz="2400" b="0" strike="noStrike" spc="-1" dirty="0">
+                <a:solidFill>
+                  <a:srgbClr val="000000"/>
+                </a:solidFill>
+                <a:latin typeface="Arial"/>
+                <a:ea typeface="DejaVu Sans"/>
+              </a:rPr>
+              <a:t>Datenbank, die die vorverarbeiteten Daten enthält</a:t>
+            </a:r>
+            <a:endParaRPr lang="de-DE" sz="2400" b="0" strike="noStrike" spc="-1" dirty="0">
               <a:latin typeface="Arial"/>
             </a:endParaRPr>
           </a:p>
@@ -3555,30 +4157,7 @@
       </p:sp>
       <p:pic>
         <p:nvPicPr>
-          <p:cNvPr id="65" name="Grafik 8" descr=""/>
-          <p:cNvPicPr/>
-          <p:nvPr/>
-        </p:nvPicPr>
-        <p:blipFill>
-          <a:blip r:embed="rId7"/>
-          <a:stretch/>
-        </p:blipFill>
-        <p:spPr>
-          <a:xfrm>
-            <a:off x="16860600" y="32318280"/>
-            <a:ext cx="4619880" cy="3419640"/>
-          </a:xfrm>
-          <a:prstGeom prst="rect">
-            <a:avLst/>
-          </a:prstGeom>
-          <a:ln>
-            <a:noFill/>
-          </a:ln>
-        </p:spPr>
-      </p:pic>
-      <p:pic>
-        <p:nvPicPr>
-          <p:cNvPr id="66" name="Grafik 10" descr=""/>
+          <p:cNvPr id="65" name="Grafik 8"/>
           <p:cNvPicPr/>
           <p:nvPr/>
         </p:nvPicPr>
@@ -3588,8 +4167,8 @@
         </p:blipFill>
         <p:spPr>
           <a:xfrm>
-            <a:off x="22380480" y="32438520"/>
-            <a:ext cx="4610520" cy="3409920"/>
+            <a:off x="16860600" y="32318280"/>
+            <a:ext cx="4619880" cy="3419640"/>
           </a:xfrm>
           <a:prstGeom prst="rect">
             <a:avLst/>
@@ -3599,6 +4178,29 @@
           </a:ln>
         </p:spPr>
       </p:pic>
+      <p:pic>
+        <p:nvPicPr>
+          <p:cNvPr id="66" name="Grafik 10"/>
+          <p:cNvPicPr/>
+          <p:nvPr/>
+        </p:nvPicPr>
+        <p:blipFill>
+          <a:blip r:embed="rId9"/>
+          <a:stretch/>
+        </p:blipFill>
+        <p:spPr>
+          <a:xfrm>
+            <a:off x="22380480" y="32438520"/>
+            <a:ext cx="4610520" cy="3409920"/>
+          </a:xfrm>
+          <a:prstGeom prst="rect">
+            <a:avLst/>
+          </a:prstGeom>
+          <a:ln>
+            <a:noFill/>
+          </a:ln>
+        </p:spPr>
+      </p:pic>
       <p:sp>
         <p:nvSpPr>
           <p:cNvPr id="67" name="CustomShape 19"/>
@@ -3608,7 +4210,7 @@
         <p:spPr>
           <a:xfrm>
             <a:off x="15961320" y="36781920"/>
-            <a:ext cx="12104640" cy="1187640"/>
+            <a:ext cx="12104640" cy="1198875"/>
           </a:xfrm>
           <a:prstGeom prst="rect">
             <a:avLst/>
@@ -3619,15 +4221,22 @@
           </a:ln>
         </p:spPr>
         <p:style>
-          <a:lnRef idx="0"/>
-          <a:fillRef idx="0"/>
-          <a:effectRef idx="0"/>
+          <a:lnRef idx="0">
+            <a:scrgbClr r="0" g="0" b="0"/>
+          </a:lnRef>
+          <a:fillRef idx="0">
+            <a:scrgbClr r="0" g="0" b="0"/>
+          </a:fillRef>
+          <a:effectRef idx="0">
+            <a:scrgbClr r="0" g="0" b="0"/>
+          </a:effectRef>
           <a:fontRef idx="minor"/>
         </p:style>
         <p:txBody>
-          <a:bodyPr lIns="90000" rIns="90000" tIns="45000" bIns="45000">
+          <a:bodyPr lIns="90000" tIns="45000" rIns="90000" bIns="45000">
             <a:spAutoFit/>
           </a:bodyPr>
+          <a:lstStyle/>
           <a:p>
             <a:pPr>
               <a:lnSpc>
@@ -3635,19 +4244,57 @@
               </a:lnSpc>
             </a:pPr>
             <a:r>
-              <a:rPr b="0" lang="de-DE" sz="2400" spc="-1" strike="noStrike">
-                <a:solidFill>
-                  <a:srgbClr val="000000"/>
-                </a:solidFill>
-                <a:latin typeface="Arial"/>
-                <a:ea typeface="DejaVu Sans"/>
-              </a:rPr>
-              <a:t>In der Abbildung sind die Gebiete Waiblingen, Kernen im Remstal und Fellbach ohne Vereinfachung (links), sowie mit Vereinfachung für Zoomstufe 11 (rechts) zu betrachten.</a:t>
-            </a:r>
-            <a:endParaRPr b="0" lang="de-DE" sz="2400" spc="-1" strike="noStrike">
-              <a:latin typeface="Arial"/>
-            </a:endParaRPr>
-          </a:p>
+              <a:rPr lang="de-DE" sz="2400" b="0" strike="noStrike" spc="-1" dirty="0">
+                <a:solidFill>
+                  <a:srgbClr val="000000"/>
+                </a:solidFill>
+                <a:latin typeface="Arial"/>
+                <a:ea typeface="DejaVu Sans"/>
+              </a:rPr>
+              <a:t>In der Abbildung sind die Gebiete Waiblingen, Kernen im Remstal und Fellbach ohne Vereinfachung (links), sowie mit Vereinfachung für Zoomstufe 11 (rechts) dargestellt. Der Detailgrad der vereinfachten Geometrien ist deutlich geringer.</a:t>
+            </a:r>
+            <a:endParaRPr lang="de-DE" sz="2400" b="0" strike="noStrike" spc="-1" dirty="0">
+              <a:latin typeface="Arial"/>
+            </a:endParaRPr>
+          </a:p>
+        </p:txBody>
+      </p:sp>
+      <p:sp>
+        <p:nvSpPr>
+          <p:cNvPr id="68" name="CustomShape 20"/>
+          <p:cNvSpPr/>
+          <p:nvPr/>
+        </p:nvSpPr>
+        <p:spPr>
+          <a:xfrm>
+            <a:off x="16147800" y="19851840"/>
+            <a:ext cx="11624400" cy="1198875"/>
+          </a:xfrm>
+          <a:prstGeom prst="rect">
+            <a:avLst/>
+          </a:prstGeom>
+          <a:noFill/>
+          <a:ln>
+            <a:noFill/>
+          </a:ln>
+        </p:spPr>
+        <p:style>
+          <a:lnRef idx="0">
+            <a:scrgbClr r="0" g="0" b="0"/>
+          </a:lnRef>
+          <a:fillRef idx="0">
+            <a:scrgbClr r="0" g="0" b="0"/>
+          </a:fillRef>
+          <a:effectRef idx="0">
+            <a:scrgbClr r="0" g="0" b="0"/>
+          </a:effectRef>
+          <a:fontRef idx="minor"/>
+        </p:style>
+        <p:txBody>
+          <a:bodyPr lIns="90000" tIns="45000" rIns="90000" bIns="45000">
+            <a:spAutoFit/>
+          </a:bodyPr>
+          <a:lstStyle/>
           <a:p>
             <a:pPr>
               <a:lnSpc>
@@ -3655,31 +4302,31 @@
               </a:lnSpc>
             </a:pPr>
             <a:r>
-              <a:rPr b="0" lang="de-DE" sz="2400" spc="-1" strike="noStrike">
-                <a:solidFill>
-                  <a:srgbClr val="000000"/>
-                </a:solidFill>
-                <a:latin typeface="Arial"/>
-                <a:ea typeface="DejaVu Sans"/>
-              </a:rPr>
-              <a:t>ANZAHL PUNKTE NOCH REIN</a:t>
-            </a:r>
-            <a:endParaRPr b="0" lang="de-DE" sz="2400" spc="-1" strike="noStrike">
-              <a:latin typeface="Arial"/>
-            </a:endParaRPr>
-          </a:p>
-        </p:txBody>
-      </p:sp>
-      <p:sp>
-        <p:nvSpPr>
-          <p:cNvPr id="68" name="CustomShape 20"/>
+              <a:rPr lang="de-DE" sz="2400" b="0" strike="noStrike" spc="-1" dirty="0">
+                <a:solidFill>
+                  <a:srgbClr val="000000"/>
+                </a:solidFill>
+                <a:latin typeface="Arial"/>
+                <a:ea typeface="DejaVu Sans"/>
+              </a:rPr>
+              <a:t>Damit Benutzer Beschriftungen einfach mit den betreffenden Gebieten in Verbindung bringen können, werden anhand der Grenzverläufe die Position und Form gebogener Beschriftungen berechnet, die in die Gebiete gelegt werden können.</a:t>
+            </a:r>
+            <a:endParaRPr lang="de-DE" sz="2400" b="0" strike="noStrike" spc="-1" dirty="0">
+              <a:latin typeface="Arial"/>
+            </a:endParaRPr>
+          </a:p>
+        </p:txBody>
+      </p:sp>
+      <p:sp>
+        <p:nvSpPr>
+          <p:cNvPr id="69" name="CustomShape 21"/>
           <p:cNvSpPr/>
           <p:nvPr/>
         </p:nvSpPr>
         <p:spPr>
           <a:xfrm>
-            <a:off x="16147800" y="19851840"/>
-            <a:ext cx="11624400" cy="456120"/>
+            <a:off x="16147800" y="12939480"/>
+            <a:ext cx="11624400" cy="1937538"/>
           </a:xfrm>
           <a:prstGeom prst="rect">
             <a:avLst/>
@@ -3690,15 +4337,22 @@
           </a:ln>
         </p:spPr>
         <p:style>
-          <a:lnRef idx="0"/>
-          <a:fillRef idx="0"/>
-          <a:effectRef idx="0"/>
+          <a:lnRef idx="0">
+            <a:scrgbClr r="0" g="0" b="0"/>
+          </a:lnRef>
+          <a:fillRef idx="0">
+            <a:scrgbClr r="0" g="0" b="0"/>
+          </a:fillRef>
+          <a:effectRef idx="0">
+            <a:scrgbClr r="0" g="0" b="0"/>
+          </a:effectRef>
           <a:fontRef idx="minor"/>
         </p:style>
         <p:txBody>
-          <a:bodyPr lIns="90000" rIns="90000" tIns="45000" bIns="45000">
+          <a:bodyPr lIns="90000" tIns="45000" rIns="90000" bIns="45000">
             <a:spAutoFit/>
           </a:bodyPr>
+          <a:lstStyle/>
           <a:p>
             <a:pPr>
               <a:lnSpc>
@@ -3706,67 +4360,36 @@
               </a:lnSpc>
             </a:pPr>
             <a:r>
-              <a:rPr b="0" lang="de-DE" sz="2400" spc="-1" strike="noStrike">
-                <a:solidFill>
-                  <a:srgbClr val="000000"/>
-                </a:solidFill>
-                <a:latin typeface="Arial"/>
-                <a:ea typeface="DejaVu Sans"/>
-              </a:rPr>
-              <a:t>Kurzer Text zur Labelberechnung</a:t>
-            </a:r>
-            <a:endParaRPr b="0" lang="de-DE" sz="2400" spc="-1" strike="noStrike">
-              <a:latin typeface="Arial"/>
-            </a:endParaRPr>
-          </a:p>
-        </p:txBody>
-      </p:sp>
-      <p:sp>
-        <p:nvSpPr>
-          <p:cNvPr id="69" name="CustomShape 21"/>
-          <p:cNvSpPr/>
-          <p:nvPr/>
-        </p:nvSpPr>
-        <p:spPr>
-          <a:xfrm>
-            <a:off x="16147800" y="12939480"/>
-            <a:ext cx="11624400" cy="1552680"/>
-          </a:xfrm>
-          <a:prstGeom prst="rect">
-            <a:avLst/>
-          </a:prstGeom>
-          <a:noFill/>
-          <a:ln>
-            <a:noFill/>
-          </a:ln>
-        </p:spPr>
-        <p:style>
-          <a:lnRef idx="0"/>
-          <a:fillRef idx="0"/>
-          <a:effectRef idx="0"/>
-          <a:fontRef idx="minor"/>
-        </p:style>
-        <p:txBody>
-          <a:bodyPr lIns="90000" rIns="90000" tIns="45000" bIns="45000">
-            <a:spAutoFit/>
-          </a:bodyPr>
-          <a:p>
-            <a:pPr>
-              <a:lnSpc>
-                <a:spcPct val="100000"/>
-              </a:lnSpc>
-            </a:pPr>
-            <a:r>
-              <a:rPr b="0" lang="de-DE" sz="2400" spc="-1" strike="noStrike">
-                <a:solidFill>
-                  <a:srgbClr val="000000"/>
-                </a:solidFill>
-                <a:latin typeface="Arial"/>
-                <a:ea typeface="DejaVu Sans"/>
-              </a:rPr>
-              <a:t>Das Preprocessing extrahiert die relevanten Daten aus den OSM-Quelldateien um die Grenzen und Flächen zu vereinfachen sowie die gebogenen Labels zu positionieren. Anschließend werden die Ergebnisse in die Datenbank geschrieben, sodass sie vom Area-Server direkt bereitgestellt werden können.</a:t>
-            </a:r>
-            <a:endParaRPr b="0" lang="de-DE" sz="2400" spc="-1" strike="noStrike">
+              <a:rPr lang="de-DE" sz="2400" b="0" strike="noStrike" spc="-1" dirty="0">
+                <a:solidFill>
+                  <a:srgbClr val="000000"/>
+                </a:solidFill>
+                <a:latin typeface="Arial"/>
+                <a:ea typeface="DejaVu Sans"/>
+              </a:rPr>
+              <a:t>Die Vorverarbeitung extrahiert geografische Daten aus den OSM-Quelldateien, vereinfacht deren Grenzen für verschiedene Zoomstufen und berechnet die Position und Form von gebogenen Beschriftungen. Die Ergebnisse werden anschließend in eine </a:t>
+            </a:r>
+            <a:r>
+              <a:rPr lang="de-DE" sz="2400" b="0" strike="noStrike" spc="-1" dirty="0" err="1">
+                <a:solidFill>
+                  <a:srgbClr val="000000"/>
+                </a:solidFill>
+                <a:latin typeface="Arial"/>
+                <a:ea typeface="DejaVu Sans"/>
+              </a:rPr>
+              <a:t>spatiale</a:t>
+            </a:r>
+            <a:r>
+              <a:rPr lang="de-DE" sz="2400" b="0" strike="noStrike" spc="-1" dirty="0">
+                <a:solidFill>
+                  <a:srgbClr val="000000"/>
+                </a:solidFill>
+                <a:latin typeface="Arial"/>
+                <a:ea typeface="DejaVu Sans"/>
+              </a:rPr>
+              <a:t> Datenbank geschrieben, sodass sie vom Gebietsserver auf Anfrage des Clients bereitgestellt werden können.</a:t>
+            </a:r>
+            <a:endParaRPr lang="de-DE" sz="2400" b="0" strike="noStrike" spc="-1" dirty="0">
               <a:latin typeface="Arial"/>
             </a:endParaRPr>
           </a:p>
@@ -3811,83 +4434,9 @@
           <a:fontRef idx="minor"/>
         </p:style>
       </p:sp>
-      <p:sp>
-        <p:nvSpPr>
-          <p:cNvPr id="71" name="CustomShape 23"/>
-          <p:cNvSpPr/>
-          <p:nvPr/>
-        </p:nvSpPr>
-        <p:spPr>
-          <a:xfrm>
-            <a:off x="4915080" y="36080640"/>
-            <a:ext cx="7105320" cy="456120"/>
-          </a:xfrm>
-          <a:prstGeom prst="rect">
-            <a:avLst/>
-          </a:prstGeom>
-          <a:noFill/>
-          <a:ln>
-            <a:noFill/>
-          </a:ln>
-        </p:spPr>
-        <p:style>
-          <a:lnRef idx="0"/>
-          <a:fillRef idx="0"/>
-          <a:effectRef idx="0"/>
-          <a:fontRef idx="minor"/>
-        </p:style>
-        <p:txBody>
-          <a:bodyPr lIns="90000" rIns="90000" tIns="45000" bIns="45000">
-            <a:spAutoFit/>
-          </a:bodyPr>
-          <a:p>
-            <a:pPr>
-              <a:lnSpc>
-                <a:spcPct val="100000"/>
-              </a:lnSpc>
-            </a:pPr>
-            <a:r>
-              <a:rPr b="0" lang="de-DE" sz="2400" spc="-1" strike="noStrike">
-                <a:solidFill>
-                  <a:srgbClr val="000000"/>
-                </a:solidFill>
-                <a:latin typeface="Arial"/>
-                <a:ea typeface="DejaVu Sans"/>
-              </a:rPr>
-              <a:t>VLLT NOCH EIN BILD</a:t>
-            </a:r>
-            <a:endParaRPr b="0" lang="de-DE" sz="2400" spc="-1" strike="noStrike">
-              <a:latin typeface="Arial"/>
-            </a:endParaRPr>
-          </a:p>
-        </p:txBody>
-      </p:sp>
       <p:pic>
         <p:nvPicPr>
-          <p:cNvPr id="72" name="Grafik 9" descr=""/>
-          <p:cNvPicPr/>
-          <p:nvPr/>
-        </p:nvPicPr>
-        <p:blipFill>
-          <a:blip r:embed="rId9"/>
-          <a:stretch/>
-        </p:blipFill>
-        <p:spPr>
-          <a:xfrm>
-            <a:off x="16092720" y="14883840"/>
-            <a:ext cx="11734560" cy="3171600"/>
-          </a:xfrm>
-          <a:prstGeom prst="rect">
-            <a:avLst/>
-          </a:prstGeom>
-          <a:ln>
-            <a:noFill/>
-          </a:ln>
-        </p:spPr>
-      </p:pic>
-      <p:pic>
-        <p:nvPicPr>
-          <p:cNvPr id="73" name="Grafik 33" descr=""/>
+          <p:cNvPr id="72" name="Grafik 9"/>
           <p:cNvPicPr/>
           <p:nvPr/>
         </p:nvPicPr>
@@ -3897,8 +4446,8 @@
         </p:blipFill>
         <p:spPr>
           <a:xfrm>
-            <a:off x="17012880" y="32470560"/>
-            <a:ext cx="4619880" cy="3419640"/>
+            <a:off x="16092720" y="14883840"/>
+            <a:ext cx="11734560" cy="3171600"/>
           </a:xfrm>
           <a:prstGeom prst="rect">
             <a:avLst/>
@@ -3908,16 +4457,63 @@
           </a:ln>
         </p:spPr>
       </p:pic>
+      <p:pic>
+        <p:nvPicPr>
+          <p:cNvPr id="73" name="Grafik 33"/>
+          <p:cNvPicPr/>
+          <p:nvPr/>
+        </p:nvPicPr>
+        <p:blipFill>
+          <a:blip r:embed="rId8"/>
+          <a:stretch/>
+        </p:blipFill>
+        <p:spPr>
+          <a:xfrm>
+            <a:off x="17012880" y="32470560"/>
+            <a:ext cx="4619880" cy="3419640"/>
+          </a:xfrm>
+          <a:prstGeom prst="rect">
+            <a:avLst/>
+          </a:prstGeom>
+          <a:ln>
+            <a:noFill/>
+          </a:ln>
+        </p:spPr>
+      </p:pic>
+      <p:pic>
+        <p:nvPicPr>
+          <p:cNvPr id="3" name="Grafik 2">
+            <a:extLst>
+              <a:ext uri="{FF2B5EF4-FFF2-40B4-BE49-F238E27FC236}">
+                <a16:creationId xmlns:a16="http://schemas.microsoft.com/office/drawing/2014/main" id="{E3F6BDF5-EC19-4F10-A961-E75A027F3267}"/>
+              </a:ext>
+            </a:extLst>
+          </p:cNvPr>
+          <p:cNvPicPr>
+            <a:picLocks noChangeAspect="1"/>
+          </p:cNvPicPr>
+          <p:nvPr/>
+        </p:nvPicPr>
+        <p:blipFill rotWithShape="1">
+          <a:blip r:embed="rId11"/>
+          <a:srcRect t="13479" b="22008"/>
+          <a:stretch/>
+        </p:blipFill>
+        <p:spPr>
+          <a:xfrm>
+            <a:off x="2169534" y="35006399"/>
+            <a:ext cx="12496162" cy="3672721"/>
+          </a:xfrm>
+          <a:prstGeom prst="rect">
+            <a:avLst/>
+          </a:prstGeom>
+        </p:spPr>
+      </p:pic>
     </p:spTree>
   </p:cSld>
-  <mc:AlternateContent>
-    <mc:Choice Requires="p14">
-      <p:transition spd="slow" p14:dur="2000"/>
-    </mc:Choice>
-    <mc:Fallback>
-      <p:transition spd="slow"/>
-    </mc:Fallback>
-  </mc:AlternateContent>
+  <p:clrMapOvr>
+    <a:masterClrMapping/>
+  </p:clrMapOvr>
 </p:sld>
 </file>
 
@@ -3932,31 +4528,31 @@
         <a:sysClr val="window" lastClr="FFFFFF"/>
       </a:lt1>
       <a:dk2>
-        <a:srgbClr val="7f7f7f"/>
+        <a:srgbClr val="7F7F7F"/>
       </a:dk2>
       <a:lt2>
-        <a:srgbClr val="ffffff"/>
+        <a:srgbClr val="FFFFFF"/>
       </a:lt2>
       <a:accent1>
-        <a:srgbClr val="1bbbe9"/>
+        <a:srgbClr val="1BBBE9"/>
       </a:accent1>
       <a:accent2>
-        <a:srgbClr val="00519e"/>
+        <a:srgbClr val="00519E"/>
       </a:accent2>
       <a:accent3>
-        <a:srgbClr val="3e444c"/>
+        <a:srgbClr val="3E444C"/>
       </a:accent3>
       <a:accent4>
-        <a:srgbClr val="bdddf2"/>
+        <a:srgbClr val="BDDDF2"/>
       </a:accent4>
       <a:accent5>
-        <a:srgbClr val="4bacc6"/>
+        <a:srgbClr val="4BACC6"/>
       </a:accent5>
       <a:accent6>
-        <a:srgbClr val="7f7f7f"/>
+        <a:srgbClr val="7F7F7F"/>
       </a:accent6>
       <a:hlink>
-        <a:srgbClr val="ffff00"/>
+        <a:srgbClr val="FFFF00"/>
       </a:hlink>
       <a:folHlink>
         <a:srgbClr val="800080"/>
@@ -4141,5 +4737,7 @@
       </a:bgFillStyleLst>
     </a:fmtScheme>
   </a:themeElements>
+  <a:objectDefaults/>
+  <a:extraClrSchemeLst/>
 </a:theme>
 </file>
--- a/EnPro_ALF_Poster_2.pptx
+++ b/EnPro_ALF_Poster_2.pptx
@@ -2443,39 +2443,16 @@
               </a:spcBef>
             </a:pPr>
             <a:r>
-              <a:rPr lang="de-DE" sz="5200" b="0" strike="noStrike" spc="-1">
+              <a:rPr lang="de-DE" sz="5200" b="0" strike="noStrike" spc="-1" dirty="0">
                 <a:solidFill>
                   <a:srgbClr val="FFFFFF"/>
                 </a:solidFill>
                 <a:latin typeface="Univers for UniS 65 Bold Rg"/>
                 <a:ea typeface="DejaVu Sans"/>
               </a:rPr>
-              <a:t>Institut für </a:t>
-            </a:r>
-            <a:endParaRPr lang="de-DE" sz="5200" b="0" strike="noStrike" spc="-1">
-              <a:latin typeface="Arial"/>
-            </a:endParaRPr>
-          </a:p>
-          <a:p>
-            <a:pPr>
-              <a:lnSpc>
-                <a:spcPct val="100000"/>
-              </a:lnSpc>
-              <a:spcBef>
-                <a:spcPts val="1040"/>
-              </a:spcBef>
-            </a:pPr>
-            <a:r>
-              <a:rPr lang="de-DE" sz="5200" b="0" strike="noStrike" spc="-1">
-                <a:solidFill>
-                  <a:srgbClr val="FFFFFF"/>
-                </a:solidFill>
-                <a:latin typeface="Univers for UniS 65 Bold Rg"/>
-                <a:ea typeface="DejaVu Sans"/>
-              </a:rPr>
-              <a:t>Formale Methoden der Informatik (FMI)</a:t>
-            </a:r>
-            <a:endParaRPr lang="de-DE" sz="5200" b="0" strike="noStrike" spc="-1">
+              <a:t>Institut für Formale Methoden der Informatik (FMI)</a:t>
+            </a:r>
+            <a:endParaRPr lang="de-DE" sz="5200" b="0" strike="noStrike" spc="-1" dirty="0">
               <a:latin typeface="Arial"/>
             </a:endParaRPr>
           </a:p>
@@ -3018,8 +2995,8 @@
         </p:blipFill>
         <p:spPr>
           <a:xfrm>
-            <a:off x="2523240" y="25316640"/>
-            <a:ext cx="12008160" cy="5994720"/>
+            <a:off x="2300400" y="25221235"/>
+            <a:ext cx="12231000" cy="6090125"/>
           </a:xfrm>
           <a:prstGeom prst="rect">
             <a:avLst/>
@@ -3042,7 +3019,7 @@
         </p:blipFill>
         <p:spPr>
           <a:xfrm>
-            <a:off x="2507400" y="18182160"/>
+            <a:off x="2300400" y="18182160"/>
             <a:ext cx="6124320" cy="5089680"/>
           </a:xfrm>
           <a:prstGeom prst="rect">
@@ -3061,8 +3038,8 @@
         </p:nvSpPr>
         <p:spPr>
           <a:xfrm>
-            <a:off x="2507400" y="12715560"/>
-            <a:ext cx="11874960" cy="4845240"/>
+            <a:off x="2299050" y="12715560"/>
+            <a:ext cx="12232350" cy="4430528"/>
           </a:xfrm>
           <a:prstGeom prst="rect">
             <a:avLst/>
@@ -3085,7 +3062,7 @@
           <a:fontRef idx="minor"/>
         </p:style>
         <p:txBody>
-          <a:bodyPr lIns="90000" tIns="45000" rIns="90000" bIns="45000">
+          <a:bodyPr wrap="square" lIns="90000" tIns="45000" rIns="90000" bIns="45000">
             <a:spAutoFit/>
           </a:bodyPr>
           <a:lstStyle/>
@@ -3103,28 +3080,24 @@
                 <a:latin typeface="Arial"/>
                 <a:ea typeface="DejaVu Sans"/>
               </a:rPr>
-              <a:t>Herkömmliche Kartensysteme laden ihre Daten in Form vor-</a:t>
-            </a:r>
-            <a:r>
-              <a:rPr lang="de-DE" sz="2400" b="0" strike="noStrike" spc="-1">
-                <a:solidFill>
-                  <a:srgbClr val="000000"/>
-                </a:solidFill>
-                <a:latin typeface="Arial"/>
-                <a:ea typeface="DejaVu Sans"/>
-              </a:rPr>
-              <a:t>gerendeter</a:t>
-            </a:r>
-            <a:endParaRPr lang="de-DE" sz="2400" b="0" strike="noStrike" spc="-1" dirty="0">
-              <a:latin typeface="Arial"/>
-            </a:endParaRPr>
-          </a:p>
-          <a:p>
-            <a:pPr>
-              <a:lnSpc>
-                <a:spcPct val="100000"/>
-              </a:lnSpc>
-            </a:pPr>
+              <a:t>Herkömmliche Kartensysteme laden ihre Daten in Form </a:t>
+            </a:r>
+            <a:r>
+              <a:rPr lang="de-DE" sz="2400" b="0" strike="noStrike" spc="-1" dirty="0" err="1">
+                <a:solidFill>
+                  <a:srgbClr val="000000"/>
+                </a:solidFill>
+                <a:latin typeface="Arial"/>
+                <a:ea typeface="DejaVu Sans"/>
+              </a:rPr>
+              <a:t>vorgerendeter</a:t>
+            </a:r>
+            <a:r>
+              <a:rPr lang="de-DE" sz="2400" spc="-1" dirty="0">
+                <a:latin typeface="Arial"/>
+              </a:rPr>
+              <a:t> </a:t>
+            </a:r>
             <a:r>
               <a:rPr lang="de-DE" sz="2400" b="0" strike="noStrike" spc="-1" dirty="0">
                 <a:solidFill>
@@ -3475,8 +3448,8 @@
         </p:blipFill>
         <p:spPr>
           <a:xfrm>
-            <a:off x="8815680" y="18182160"/>
-            <a:ext cx="5744880" cy="4481640"/>
+            <a:off x="8642056" y="18182159"/>
+            <a:ext cx="5877103" cy="4619967"/>
           </a:xfrm>
           <a:prstGeom prst="rect">
             <a:avLst/>
@@ -3718,7 +3691,7 @@
         </p:nvSpPr>
         <p:spPr>
           <a:xfrm>
-            <a:off x="15961320" y="27979200"/>
+            <a:off x="15940800" y="27979200"/>
             <a:ext cx="12104640" cy="4153530"/>
           </a:xfrm>
           <a:prstGeom prst="rect">
@@ -3847,7 +3820,7 @@
         </p:nvSpPr>
         <p:spPr>
           <a:xfrm>
-            <a:off x="2229480" y="31411800"/>
+            <a:off x="2300400" y="31411800"/>
             <a:ext cx="12301920" cy="2676202"/>
           </a:xfrm>
           <a:prstGeom prst="rect">
@@ -4209,7 +4182,7 @@
         </p:nvSpPr>
         <p:spPr>
           <a:xfrm>
-            <a:off x="15961320" y="36781920"/>
+            <a:off x="15940800" y="36781920"/>
             <a:ext cx="12104640" cy="1198875"/>
           </a:xfrm>
           <a:prstGeom prst="rect">
@@ -4267,8 +4240,8 @@
         </p:nvSpPr>
         <p:spPr>
           <a:xfrm>
-            <a:off x="16147800" y="19851840"/>
-            <a:ext cx="11624400" cy="1198875"/>
+            <a:off x="15940800" y="19851840"/>
+            <a:ext cx="12116280" cy="1198875"/>
           </a:xfrm>
           <a:prstGeom prst="rect">
             <a:avLst/>
@@ -4291,7 +4264,7 @@
           <a:fontRef idx="minor"/>
         </p:style>
         <p:txBody>
-          <a:bodyPr lIns="90000" tIns="45000" rIns="90000" bIns="45000">
+          <a:bodyPr wrap="square" lIns="90000" tIns="45000" rIns="90000" bIns="45000">
             <a:spAutoFit/>
           </a:bodyPr>
           <a:lstStyle/>
@@ -4325,7 +4298,7 @@
         </p:nvSpPr>
         <p:spPr>
           <a:xfrm>
-            <a:off x="16147800" y="12939480"/>
+            <a:off x="15939453" y="12939480"/>
             <a:ext cx="11624400" cy="1937538"/>
           </a:xfrm>
           <a:prstGeom prst="rect">

--- a/EnPro_ALF_Poster_2.pptx
+++ b/EnPro_ALF_Poster_2.pptx
@@ -1,119 +1,19 @@
 
 <file path=ppt/presentation.xml><?xml version="1.0" encoding="utf-8"?>
-<p:presentation xmlns:a="http://schemas.openxmlformats.org/drawingml/2006/main" xmlns:r="http://schemas.openxmlformats.org/officeDocument/2006/relationships" xmlns:p="http://schemas.openxmlformats.org/presentationml/2006/main">
+<p:presentation xmlns:a="http://schemas.openxmlformats.org/drawingml/2006/main" xmlns:p="http://schemas.openxmlformats.org/presentationml/2006/main" xmlns:r="http://schemas.openxmlformats.org/officeDocument/2006/relationships" xmlns:p14="http://schemas.microsoft.com/office/powerpoint/2010/main" xmlns:p15="http://schemas.microsoft.com/office/powerpoint/2012/main" xmlns:mc="http://schemas.openxmlformats.org/markup-compatibility/2006">
   <p:sldMasterIdLst>
-    <p:sldMasterId id="2147483648" r:id="rId1"/>
+    <p:sldMasterId id="2147483648" r:id="rId2"/>
   </p:sldMasterIdLst>
   <p:sldIdLst>
-    <p:sldId id="256" r:id="rId2"/>
+    <p:sldId id="256" r:id="rId3"/>
   </p:sldIdLst>
   <p:sldSz cx="30279975" cy="42808525"/>
-  <p:notesSz cx="7559675" cy="10691813"/>
-  <p:defaultTextStyle>
-    <a:defPPr>
-      <a:defRPr lang="de-DE"/>
-    </a:defPPr>
-    <a:lvl1pPr marL="0" algn="l" defTabSz="914400" rtl="0" eaLnBrk="1" latinLnBrk="0" hangingPunct="1">
-      <a:defRPr sz="1800" kern="1200">
-        <a:solidFill>
-          <a:schemeClr val="tx1"/>
-        </a:solidFill>
-        <a:latin typeface="+mn-lt"/>
-        <a:ea typeface="+mn-ea"/>
-        <a:cs typeface="+mn-cs"/>
-      </a:defRPr>
-    </a:lvl1pPr>
-    <a:lvl2pPr marL="457200" algn="l" defTabSz="914400" rtl="0" eaLnBrk="1" latinLnBrk="0" hangingPunct="1">
-      <a:defRPr sz="1800" kern="1200">
-        <a:solidFill>
-          <a:schemeClr val="tx1"/>
-        </a:solidFill>
-        <a:latin typeface="+mn-lt"/>
-        <a:ea typeface="+mn-ea"/>
-        <a:cs typeface="+mn-cs"/>
-      </a:defRPr>
-    </a:lvl2pPr>
-    <a:lvl3pPr marL="914400" algn="l" defTabSz="914400" rtl="0" eaLnBrk="1" latinLnBrk="0" hangingPunct="1">
-      <a:defRPr sz="1800" kern="1200">
-        <a:solidFill>
-          <a:schemeClr val="tx1"/>
-        </a:solidFill>
-        <a:latin typeface="+mn-lt"/>
-        <a:ea typeface="+mn-ea"/>
-        <a:cs typeface="+mn-cs"/>
-      </a:defRPr>
-    </a:lvl3pPr>
-    <a:lvl4pPr marL="1371600" algn="l" defTabSz="914400" rtl="0" eaLnBrk="1" latinLnBrk="0" hangingPunct="1">
-      <a:defRPr sz="1800" kern="1200">
-        <a:solidFill>
-          <a:schemeClr val="tx1"/>
-        </a:solidFill>
-        <a:latin typeface="+mn-lt"/>
-        <a:ea typeface="+mn-ea"/>
-        <a:cs typeface="+mn-cs"/>
-      </a:defRPr>
-    </a:lvl4pPr>
-    <a:lvl5pPr marL="1828800" algn="l" defTabSz="914400" rtl="0" eaLnBrk="1" latinLnBrk="0" hangingPunct="1">
-      <a:defRPr sz="1800" kern="1200">
-        <a:solidFill>
-          <a:schemeClr val="tx1"/>
-        </a:solidFill>
-        <a:latin typeface="+mn-lt"/>
-        <a:ea typeface="+mn-ea"/>
-        <a:cs typeface="+mn-cs"/>
-      </a:defRPr>
-    </a:lvl5pPr>
-    <a:lvl6pPr marL="2286000" algn="l" defTabSz="914400" rtl="0" eaLnBrk="1" latinLnBrk="0" hangingPunct="1">
-      <a:defRPr sz="1800" kern="1200">
-        <a:solidFill>
-          <a:schemeClr val="tx1"/>
-        </a:solidFill>
-        <a:latin typeface="+mn-lt"/>
-        <a:ea typeface="+mn-ea"/>
-        <a:cs typeface="+mn-cs"/>
-      </a:defRPr>
-    </a:lvl6pPr>
-    <a:lvl7pPr marL="2743200" algn="l" defTabSz="914400" rtl="0" eaLnBrk="1" latinLnBrk="0" hangingPunct="1">
-      <a:defRPr sz="1800" kern="1200">
-        <a:solidFill>
-          <a:schemeClr val="tx1"/>
-        </a:solidFill>
-        <a:latin typeface="+mn-lt"/>
-        <a:ea typeface="+mn-ea"/>
-        <a:cs typeface="+mn-cs"/>
-      </a:defRPr>
-    </a:lvl7pPr>
-    <a:lvl8pPr marL="3200400" algn="l" defTabSz="914400" rtl="0" eaLnBrk="1" latinLnBrk="0" hangingPunct="1">
-      <a:defRPr sz="1800" kern="1200">
-        <a:solidFill>
-          <a:schemeClr val="tx1"/>
-        </a:solidFill>
-        <a:latin typeface="+mn-lt"/>
-        <a:ea typeface="+mn-ea"/>
-        <a:cs typeface="+mn-cs"/>
-      </a:defRPr>
-    </a:lvl8pPr>
-    <a:lvl9pPr marL="3657600" algn="l" defTabSz="914400" rtl="0" eaLnBrk="1" latinLnBrk="0" hangingPunct="1">
-      <a:defRPr sz="1800" kern="1200">
-        <a:solidFill>
-          <a:schemeClr val="tx1"/>
-        </a:solidFill>
-        <a:latin typeface="+mn-lt"/>
-        <a:ea typeface="+mn-ea"/>
-        <a:cs typeface="+mn-cs"/>
-      </a:defRPr>
-    </a:lvl9pPr>
-  </p:defaultTextStyle>
-  <p:extLst>
-    <p:ext uri="{EFAFB233-063F-42B5-8137-9DF3F51BA10A}">
-      <p15:sldGuideLst xmlns:p15="http://schemas.microsoft.com/office/powerpoint/2012/main"/>
-    </p:ext>
-  </p:extLst>
+  <p:notesSz cx="7559675" cy="10691812"/>
 </p:presentation>
 </file>
 
 <file path=ppt/slideLayouts/slideLayout1.xml><?xml version="1.0" encoding="utf-8"?>
-<p:sldLayout xmlns:a="http://schemas.openxmlformats.org/drawingml/2006/main" xmlns:r="http://schemas.openxmlformats.org/officeDocument/2006/relationships" xmlns:p="http://schemas.openxmlformats.org/presentationml/2006/main" type="blank" preserve="1">
+<p:sldLayout xmlns:a="http://schemas.openxmlformats.org/drawingml/2006/main" xmlns:p="http://schemas.openxmlformats.org/presentationml/2006/main" xmlns:r="http://schemas.openxmlformats.org/officeDocument/2006/relationships" xmlns:p14="http://schemas.microsoft.com/office/powerpoint/2010/main" xmlns:p15="http://schemas.microsoft.com/office/powerpoint/2012/main" xmlns:mc="http://schemas.openxmlformats.org/markup-compatibility/2006" type="blank" preserve="1">
   <p:cSld name="Blank Slide">
     <p:spTree>
       <p:nvGrpSpPr>
@@ -131,14 +31,11 @@
       </p:grpSpPr>
     </p:spTree>
   </p:cSld>
-  <p:clrMapOvr>
-    <a:masterClrMapping/>
-  </p:clrMapOvr>
 </p:sldLayout>
 </file>
 
 <file path=ppt/slideLayouts/slideLayout10.xml><?xml version="1.0" encoding="utf-8"?>
-<p:sldLayout xmlns:a="http://schemas.openxmlformats.org/drawingml/2006/main" xmlns:r="http://schemas.openxmlformats.org/officeDocument/2006/relationships" xmlns:p="http://schemas.openxmlformats.org/presentationml/2006/main" type="objOverTx" preserve="1">
+<p:sldLayout xmlns:a="http://schemas.openxmlformats.org/drawingml/2006/main" xmlns:p="http://schemas.openxmlformats.org/presentationml/2006/main" xmlns:r="http://schemas.openxmlformats.org/officeDocument/2006/relationships" xmlns:p14="http://schemas.microsoft.com/office/powerpoint/2010/main" xmlns:p15="http://schemas.microsoft.com/office/powerpoint/2012/main" xmlns:mc="http://schemas.openxmlformats.org/markup-compatibility/2006" type="objOverTx" preserve="1">
   <p:cSld name="Title, Content over Content">
     <p:spTree>
       <p:nvGrpSpPr>
@@ -174,15 +71,12 @@
           </a:prstGeom>
         </p:spPr>
         <p:txBody>
-          <a:bodyPr lIns="0" tIns="0" rIns="0" bIns="0" anchor="ctr">
+          <a:bodyPr lIns="0" rIns="0" tIns="0" bIns="0" anchor="ctr">
             <a:spAutoFit/>
           </a:bodyPr>
-          <a:lstStyle/>
-          <a:p>
-            <a:endParaRPr lang="de-DE" sz="1800" b="0" strike="noStrike" spc="-1">
-              <a:solidFill>
-                <a:srgbClr val="000000"/>
-              </a:solidFill>
+          <a:p>
+            <a:pPr algn="ctr"/>
+            <a:endParaRPr b="0" lang="de-DE" sz="4400" spc="-1" strike="noStrike">
               <a:latin typeface="Arial"/>
             </a:endParaRPr>
           </a:p>
@@ -208,15 +102,11 @@
           </a:prstGeom>
         </p:spPr>
         <p:txBody>
-          <a:bodyPr lIns="0" tIns="0" rIns="0" bIns="0">
+          <a:bodyPr lIns="0" rIns="0" tIns="0" bIns="0">
             <a:normAutofit/>
           </a:bodyPr>
-          <a:lstStyle/>
-          <a:p>
-            <a:endParaRPr lang="de-DE" sz="2800" b="0" strike="noStrike" spc="-1">
-              <a:solidFill>
-                <a:srgbClr val="000000"/>
-              </a:solidFill>
+          <a:p>
+            <a:endParaRPr b="0" lang="de-DE" sz="3200" spc="-1" strike="noStrike">
               <a:latin typeface="Arial"/>
             </a:endParaRPr>
           </a:p>
@@ -242,15 +132,11 @@
           </a:prstGeom>
         </p:spPr>
         <p:txBody>
-          <a:bodyPr lIns="0" tIns="0" rIns="0" bIns="0">
+          <a:bodyPr lIns="0" rIns="0" tIns="0" bIns="0">
             <a:normAutofit/>
           </a:bodyPr>
-          <a:lstStyle/>
-          <a:p>
-            <a:endParaRPr lang="de-DE" sz="2800" b="0" strike="noStrike" spc="-1">
-              <a:solidFill>
-                <a:srgbClr val="000000"/>
-              </a:solidFill>
+          <a:p>
+            <a:endParaRPr b="0" lang="de-DE" sz="3200" spc="-1" strike="noStrike">
               <a:latin typeface="Arial"/>
             </a:endParaRPr>
           </a:p>
@@ -258,14 +144,11 @@
       </p:sp>
     </p:spTree>
   </p:cSld>
-  <p:clrMapOvr>
-    <a:masterClrMapping/>
-  </p:clrMapOvr>
 </p:sldLayout>
 </file>
 
 <file path=ppt/slideLayouts/slideLayout11.xml><?xml version="1.0" encoding="utf-8"?>
-<p:sldLayout xmlns:a="http://schemas.openxmlformats.org/drawingml/2006/main" xmlns:r="http://schemas.openxmlformats.org/officeDocument/2006/relationships" xmlns:p="http://schemas.openxmlformats.org/presentationml/2006/main" type="fourObj" preserve="1">
+<p:sldLayout xmlns:a="http://schemas.openxmlformats.org/drawingml/2006/main" xmlns:p="http://schemas.openxmlformats.org/presentationml/2006/main" xmlns:r="http://schemas.openxmlformats.org/officeDocument/2006/relationships" xmlns:p14="http://schemas.microsoft.com/office/powerpoint/2010/main" xmlns:p15="http://schemas.microsoft.com/office/powerpoint/2012/main" xmlns:mc="http://schemas.openxmlformats.org/markup-compatibility/2006" type="fourObj" preserve="1">
   <p:cSld name="Title, 4 Content">
     <p:spTree>
       <p:nvGrpSpPr>
@@ -301,15 +184,12 @@
           </a:prstGeom>
         </p:spPr>
         <p:txBody>
-          <a:bodyPr lIns="0" tIns="0" rIns="0" bIns="0" anchor="ctr">
+          <a:bodyPr lIns="0" rIns="0" tIns="0" bIns="0" anchor="ctr">
             <a:spAutoFit/>
           </a:bodyPr>
-          <a:lstStyle/>
-          <a:p>
-            <a:endParaRPr lang="de-DE" sz="1800" b="0" strike="noStrike" spc="-1">
-              <a:solidFill>
-                <a:srgbClr val="000000"/>
-              </a:solidFill>
+          <a:p>
+            <a:pPr algn="ctr"/>
+            <a:endParaRPr b="0" lang="de-DE" sz="4400" spc="-1" strike="noStrike">
               <a:latin typeface="Arial"/>
             </a:endParaRPr>
           </a:p>
@@ -335,15 +215,11 @@
           </a:prstGeom>
         </p:spPr>
         <p:txBody>
-          <a:bodyPr lIns="0" tIns="0" rIns="0" bIns="0">
+          <a:bodyPr lIns="0" rIns="0" tIns="0" bIns="0">
             <a:normAutofit/>
           </a:bodyPr>
-          <a:lstStyle/>
-          <a:p>
-            <a:endParaRPr lang="de-DE" sz="2800" b="0" strike="noStrike" spc="-1">
-              <a:solidFill>
-                <a:srgbClr val="000000"/>
-              </a:solidFill>
+          <a:p>
+            <a:endParaRPr b="0" lang="de-DE" sz="3200" spc="-1" strike="noStrike">
               <a:latin typeface="Arial"/>
             </a:endParaRPr>
           </a:p>
@@ -369,15 +245,11 @@
           </a:prstGeom>
         </p:spPr>
         <p:txBody>
-          <a:bodyPr lIns="0" tIns="0" rIns="0" bIns="0">
+          <a:bodyPr lIns="0" rIns="0" tIns="0" bIns="0">
             <a:normAutofit/>
           </a:bodyPr>
-          <a:lstStyle/>
-          <a:p>
-            <a:endParaRPr lang="de-DE" sz="2800" b="0" strike="noStrike" spc="-1">
-              <a:solidFill>
-                <a:srgbClr val="000000"/>
-              </a:solidFill>
+          <a:p>
+            <a:endParaRPr b="0" lang="de-DE" sz="3200" spc="-1" strike="noStrike">
               <a:latin typeface="Arial"/>
             </a:endParaRPr>
           </a:p>
@@ -403,15 +275,11 @@
           </a:prstGeom>
         </p:spPr>
         <p:txBody>
-          <a:bodyPr lIns="0" tIns="0" rIns="0" bIns="0">
+          <a:bodyPr lIns="0" rIns="0" tIns="0" bIns="0">
             <a:normAutofit/>
           </a:bodyPr>
-          <a:lstStyle/>
-          <a:p>
-            <a:endParaRPr lang="de-DE" sz="2800" b="0" strike="noStrike" spc="-1">
-              <a:solidFill>
-                <a:srgbClr val="000000"/>
-              </a:solidFill>
+          <a:p>
+            <a:endParaRPr b="0" lang="de-DE" sz="3200" spc="-1" strike="noStrike">
               <a:latin typeface="Arial"/>
             </a:endParaRPr>
           </a:p>
@@ -437,15 +305,11 @@
           </a:prstGeom>
         </p:spPr>
         <p:txBody>
-          <a:bodyPr lIns="0" tIns="0" rIns="0" bIns="0">
+          <a:bodyPr lIns="0" rIns="0" tIns="0" bIns="0">
             <a:normAutofit/>
           </a:bodyPr>
-          <a:lstStyle/>
-          <a:p>
-            <a:endParaRPr lang="de-DE" sz="2800" b="0" strike="noStrike" spc="-1">
-              <a:solidFill>
-                <a:srgbClr val="000000"/>
-              </a:solidFill>
+          <a:p>
+            <a:endParaRPr b="0" lang="de-DE" sz="3200" spc="-1" strike="noStrike">
               <a:latin typeface="Arial"/>
             </a:endParaRPr>
           </a:p>
@@ -453,14 +317,11 @@
       </p:sp>
     </p:spTree>
   </p:cSld>
-  <p:clrMapOvr>
-    <a:masterClrMapping/>
-  </p:clrMapOvr>
 </p:sldLayout>
 </file>
 
 <file path=ppt/slideLayouts/slideLayout12.xml><?xml version="1.0" encoding="utf-8"?>
-<p:sldLayout xmlns:a="http://schemas.openxmlformats.org/drawingml/2006/main" xmlns:r="http://schemas.openxmlformats.org/officeDocument/2006/relationships" xmlns:p="http://schemas.openxmlformats.org/presentationml/2006/main" type="blank" preserve="1">
+<p:sldLayout xmlns:a="http://schemas.openxmlformats.org/drawingml/2006/main" xmlns:p="http://schemas.openxmlformats.org/presentationml/2006/main" xmlns:r="http://schemas.openxmlformats.org/officeDocument/2006/relationships" xmlns:p14="http://schemas.microsoft.com/office/powerpoint/2010/main" xmlns:p15="http://schemas.microsoft.com/office/powerpoint/2012/main" xmlns:mc="http://schemas.openxmlformats.org/markup-compatibility/2006" type="blank" preserve="1">
   <p:cSld name="Title, 6 Content">
     <p:spTree>
       <p:nvGrpSpPr>
@@ -496,15 +357,12 @@
           </a:prstGeom>
         </p:spPr>
         <p:txBody>
-          <a:bodyPr lIns="0" tIns="0" rIns="0" bIns="0" anchor="ctr">
+          <a:bodyPr lIns="0" rIns="0" tIns="0" bIns="0" anchor="ctr">
             <a:spAutoFit/>
           </a:bodyPr>
-          <a:lstStyle/>
-          <a:p>
-            <a:endParaRPr lang="de-DE" sz="1800" b="0" strike="noStrike" spc="-1">
-              <a:solidFill>
-                <a:srgbClr val="000000"/>
-              </a:solidFill>
+          <a:p>
+            <a:pPr algn="ctr"/>
+            <a:endParaRPr b="0" lang="de-DE" sz="4400" spc="-1" strike="noStrike">
               <a:latin typeface="Arial"/>
             </a:endParaRPr>
           </a:p>
@@ -530,15 +388,11 @@
           </a:prstGeom>
         </p:spPr>
         <p:txBody>
-          <a:bodyPr lIns="0" tIns="0" rIns="0" bIns="0">
+          <a:bodyPr lIns="0" rIns="0" tIns="0" bIns="0">
             <a:normAutofit/>
           </a:bodyPr>
-          <a:lstStyle/>
-          <a:p>
-            <a:endParaRPr lang="de-DE" sz="2800" b="0" strike="noStrike" spc="-1">
-              <a:solidFill>
-                <a:srgbClr val="000000"/>
-              </a:solidFill>
+          <a:p>
+            <a:endParaRPr b="0" lang="de-DE" sz="3200" spc="-1" strike="noStrike">
               <a:latin typeface="Arial"/>
             </a:endParaRPr>
           </a:p>
@@ -564,15 +418,11 @@
           </a:prstGeom>
         </p:spPr>
         <p:txBody>
-          <a:bodyPr lIns="0" tIns="0" rIns="0" bIns="0">
+          <a:bodyPr lIns="0" rIns="0" tIns="0" bIns="0">
             <a:normAutofit/>
           </a:bodyPr>
-          <a:lstStyle/>
-          <a:p>
-            <a:endParaRPr lang="de-DE" sz="2800" b="0" strike="noStrike" spc="-1">
-              <a:solidFill>
-                <a:srgbClr val="000000"/>
-              </a:solidFill>
+          <a:p>
+            <a:endParaRPr b="0" lang="de-DE" sz="3200" spc="-1" strike="noStrike">
               <a:latin typeface="Arial"/>
             </a:endParaRPr>
           </a:p>
@@ -598,15 +448,11 @@
           </a:prstGeom>
         </p:spPr>
         <p:txBody>
-          <a:bodyPr lIns="0" tIns="0" rIns="0" bIns="0">
+          <a:bodyPr lIns="0" rIns="0" tIns="0" bIns="0">
             <a:normAutofit/>
           </a:bodyPr>
-          <a:lstStyle/>
-          <a:p>
-            <a:endParaRPr lang="de-DE" sz="2800" b="0" strike="noStrike" spc="-1">
-              <a:solidFill>
-                <a:srgbClr val="000000"/>
-              </a:solidFill>
+          <a:p>
+            <a:endParaRPr b="0" lang="de-DE" sz="3200" spc="-1" strike="noStrike">
               <a:latin typeface="Arial"/>
             </a:endParaRPr>
           </a:p>
@@ -632,15 +478,11 @@
           </a:prstGeom>
         </p:spPr>
         <p:txBody>
-          <a:bodyPr lIns="0" tIns="0" rIns="0" bIns="0">
+          <a:bodyPr lIns="0" rIns="0" tIns="0" bIns="0">
             <a:normAutofit/>
           </a:bodyPr>
-          <a:lstStyle/>
-          <a:p>
-            <a:endParaRPr lang="de-DE" sz="2800" b="0" strike="noStrike" spc="-1">
-              <a:solidFill>
-                <a:srgbClr val="000000"/>
-              </a:solidFill>
+          <a:p>
+            <a:endParaRPr b="0" lang="de-DE" sz="3200" spc="-1" strike="noStrike">
               <a:latin typeface="Arial"/>
             </a:endParaRPr>
           </a:p>
@@ -666,15 +508,11 @@
           </a:prstGeom>
         </p:spPr>
         <p:txBody>
-          <a:bodyPr lIns="0" tIns="0" rIns="0" bIns="0">
+          <a:bodyPr lIns="0" rIns="0" tIns="0" bIns="0">
             <a:normAutofit/>
           </a:bodyPr>
-          <a:lstStyle/>
-          <a:p>
-            <a:endParaRPr lang="de-DE" sz="2800" b="0" strike="noStrike" spc="-1">
-              <a:solidFill>
-                <a:srgbClr val="000000"/>
-              </a:solidFill>
+          <a:p>
+            <a:endParaRPr b="0" lang="de-DE" sz="3200" spc="-1" strike="noStrike">
               <a:latin typeface="Arial"/>
             </a:endParaRPr>
           </a:p>
@@ -700,15 +538,11 @@
           </a:prstGeom>
         </p:spPr>
         <p:txBody>
-          <a:bodyPr lIns="0" tIns="0" rIns="0" bIns="0">
+          <a:bodyPr lIns="0" rIns="0" tIns="0" bIns="0">
             <a:normAutofit/>
           </a:bodyPr>
-          <a:lstStyle/>
-          <a:p>
-            <a:endParaRPr lang="de-DE" sz="2800" b="0" strike="noStrike" spc="-1">
-              <a:solidFill>
-                <a:srgbClr val="000000"/>
-              </a:solidFill>
+          <a:p>
+            <a:endParaRPr b="0" lang="de-DE" sz="3200" spc="-1" strike="noStrike">
               <a:latin typeface="Arial"/>
             </a:endParaRPr>
           </a:p>
@@ -716,14 +550,11 @@
       </p:sp>
     </p:spTree>
   </p:cSld>
-  <p:clrMapOvr>
-    <a:masterClrMapping/>
-  </p:clrMapOvr>
 </p:sldLayout>
 </file>
 
 <file path=ppt/slideLayouts/slideLayout2.xml><?xml version="1.0" encoding="utf-8"?>
-<p:sldLayout xmlns:a="http://schemas.openxmlformats.org/drawingml/2006/main" xmlns:r="http://schemas.openxmlformats.org/officeDocument/2006/relationships" xmlns:p="http://schemas.openxmlformats.org/presentationml/2006/main" type="tx" preserve="1">
+<p:sldLayout xmlns:a="http://schemas.openxmlformats.org/drawingml/2006/main" xmlns:p="http://schemas.openxmlformats.org/presentationml/2006/main" xmlns:r="http://schemas.openxmlformats.org/officeDocument/2006/relationships" xmlns:p14="http://schemas.microsoft.com/office/powerpoint/2010/main" xmlns:p15="http://schemas.microsoft.com/office/powerpoint/2012/main" xmlns:mc="http://schemas.openxmlformats.org/markup-compatibility/2006" type="tx" preserve="1">
   <p:cSld name="Title Slide">
     <p:spTree>
       <p:nvGrpSpPr>
@@ -759,15 +590,12 @@
           </a:prstGeom>
         </p:spPr>
         <p:txBody>
-          <a:bodyPr lIns="0" tIns="0" rIns="0" bIns="0" anchor="ctr">
+          <a:bodyPr lIns="0" rIns="0" tIns="0" bIns="0" anchor="ctr">
             <a:spAutoFit/>
           </a:bodyPr>
-          <a:lstStyle/>
-          <a:p>
-            <a:endParaRPr lang="de-DE" sz="1800" b="0" strike="noStrike" spc="-1">
-              <a:solidFill>
-                <a:srgbClr val="000000"/>
-              </a:solidFill>
+          <a:p>
+            <a:pPr algn="ctr"/>
+            <a:endParaRPr b="0" lang="de-DE" sz="4400" spc="-1" strike="noStrike">
               <a:latin typeface="Arial"/>
             </a:endParaRPr>
           </a:p>
@@ -793,13 +621,12 @@
           </a:prstGeom>
         </p:spPr>
         <p:txBody>
-          <a:bodyPr lIns="0" tIns="0" rIns="0" bIns="0" anchor="ctr">
+          <a:bodyPr lIns="0" rIns="0" tIns="0" bIns="0" anchor="ctr">
             <a:spAutoFit/>
           </a:bodyPr>
-          <a:lstStyle/>
           <a:p>
             <a:pPr algn="ctr"/>
-            <a:endParaRPr lang="de-DE" sz="3200" b="0" strike="noStrike" spc="-1">
+            <a:endParaRPr b="0" lang="de-DE" sz="3200" spc="-1" strike="noStrike">
               <a:latin typeface="Arial"/>
             </a:endParaRPr>
           </a:p>
@@ -807,14 +634,11 @@
       </p:sp>
     </p:spTree>
   </p:cSld>
-  <p:clrMapOvr>
-    <a:masterClrMapping/>
-  </p:clrMapOvr>
 </p:sldLayout>
 </file>
 
 <file path=ppt/slideLayouts/slideLayout3.xml><?xml version="1.0" encoding="utf-8"?>
-<p:sldLayout xmlns:a="http://schemas.openxmlformats.org/drawingml/2006/main" xmlns:r="http://schemas.openxmlformats.org/officeDocument/2006/relationships" xmlns:p="http://schemas.openxmlformats.org/presentationml/2006/main" type="obj" preserve="1">
+<p:sldLayout xmlns:a="http://schemas.openxmlformats.org/drawingml/2006/main" xmlns:p="http://schemas.openxmlformats.org/presentationml/2006/main" xmlns:r="http://schemas.openxmlformats.org/officeDocument/2006/relationships" xmlns:p14="http://schemas.microsoft.com/office/powerpoint/2010/main" xmlns:p15="http://schemas.microsoft.com/office/powerpoint/2012/main" xmlns:mc="http://schemas.openxmlformats.org/markup-compatibility/2006" type="obj" preserve="1">
   <p:cSld name="Title, Content">
     <p:spTree>
       <p:nvGrpSpPr>
@@ -850,15 +674,12 @@
           </a:prstGeom>
         </p:spPr>
         <p:txBody>
-          <a:bodyPr lIns="0" tIns="0" rIns="0" bIns="0" anchor="ctr">
+          <a:bodyPr lIns="0" rIns="0" tIns="0" bIns="0" anchor="ctr">
             <a:spAutoFit/>
           </a:bodyPr>
-          <a:lstStyle/>
-          <a:p>
-            <a:endParaRPr lang="de-DE" sz="1800" b="0" strike="noStrike" spc="-1">
-              <a:solidFill>
-                <a:srgbClr val="000000"/>
-              </a:solidFill>
+          <a:p>
+            <a:pPr algn="ctr"/>
+            <a:endParaRPr b="0" lang="de-DE" sz="4400" spc="-1" strike="noStrike">
               <a:latin typeface="Arial"/>
             </a:endParaRPr>
           </a:p>
@@ -884,15 +705,11 @@
           </a:prstGeom>
         </p:spPr>
         <p:txBody>
-          <a:bodyPr lIns="0" tIns="0" rIns="0" bIns="0">
+          <a:bodyPr lIns="0" rIns="0" tIns="0" bIns="0">
             <a:normAutofit/>
           </a:bodyPr>
-          <a:lstStyle/>
-          <a:p>
-            <a:endParaRPr lang="de-DE" sz="2800" b="0" strike="noStrike" spc="-1">
-              <a:solidFill>
-                <a:srgbClr val="000000"/>
-              </a:solidFill>
+          <a:p>
+            <a:endParaRPr b="0" lang="de-DE" sz="3200" spc="-1" strike="noStrike">
               <a:latin typeface="Arial"/>
             </a:endParaRPr>
           </a:p>
@@ -900,14 +717,11 @@
       </p:sp>
     </p:spTree>
   </p:cSld>
-  <p:clrMapOvr>
-    <a:masterClrMapping/>
-  </p:clrMapOvr>
 </p:sldLayout>
 </file>
 
 <file path=ppt/slideLayouts/slideLayout4.xml><?xml version="1.0" encoding="utf-8"?>
-<p:sldLayout xmlns:a="http://schemas.openxmlformats.org/drawingml/2006/main" xmlns:r="http://schemas.openxmlformats.org/officeDocument/2006/relationships" xmlns:p="http://schemas.openxmlformats.org/presentationml/2006/main" type="twoObj" preserve="1">
+<p:sldLayout xmlns:a="http://schemas.openxmlformats.org/drawingml/2006/main" xmlns:p="http://schemas.openxmlformats.org/presentationml/2006/main" xmlns:r="http://schemas.openxmlformats.org/officeDocument/2006/relationships" xmlns:p14="http://schemas.microsoft.com/office/powerpoint/2010/main" xmlns:p15="http://schemas.microsoft.com/office/powerpoint/2012/main" xmlns:mc="http://schemas.openxmlformats.org/markup-compatibility/2006" type="twoObj" preserve="1">
   <p:cSld name="Title, 2 Content">
     <p:spTree>
       <p:nvGrpSpPr>
@@ -943,15 +757,12 @@
           </a:prstGeom>
         </p:spPr>
         <p:txBody>
-          <a:bodyPr lIns="0" tIns="0" rIns="0" bIns="0" anchor="ctr">
+          <a:bodyPr lIns="0" rIns="0" tIns="0" bIns="0" anchor="ctr">
             <a:spAutoFit/>
           </a:bodyPr>
-          <a:lstStyle/>
-          <a:p>
-            <a:endParaRPr lang="de-DE" sz="1800" b="0" strike="noStrike" spc="-1">
-              <a:solidFill>
-                <a:srgbClr val="000000"/>
-              </a:solidFill>
+          <a:p>
+            <a:pPr algn="ctr"/>
+            <a:endParaRPr b="0" lang="de-DE" sz="4400" spc="-1" strike="noStrike">
               <a:latin typeface="Arial"/>
             </a:endParaRPr>
           </a:p>
@@ -977,15 +788,11 @@
           </a:prstGeom>
         </p:spPr>
         <p:txBody>
-          <a:bodyPr lIns="0" tIns="0" rIns="0" bIns="0">
+          <a:bodyPr lIns="0" rIns="0" tIns="0" bIns="0">
             <a:normAutofit/>
           </a:bodyPr>
-          <a:lstStyle/>
-          <a:p>
-            <a:endParaRPr lang="de-DE" sz="2800" b="0" strike="noStrike" spc="-1">
-              <a:solidFill>
-                <a:srgbClr val="000000"/>
-              </a:solidFill>
+          <a:p>
+            <a:endParaRPr b="0" lang="de-DE" sz="3200" spc="-1" strike="noStrike">
               <a:latin typeface="Arial"/>
             </a:endParaRPr>
           </a:p>
@@ -1011,15 +818,11 @@
           </a:prstGeom>
         </p:spPr>
         <p:txBody>
-          <a:bodyPr lIns="0" tIns="0" rIns="0" bIns="0">
+          <a:bodyPr lIns="0" rIns="0" tIns="0" bIns="0">
             <a:normAutofit/>
           </a:bodyPr>
-          <a:lstStyle/>
-          <a:p>
-            <a:endParaRPr lang="de-DE" sz="2800" b="0" strike="noStrike" spc="-1">
-              <a:solidFill>
-                <a:srgbClr val="000000"/>
-              </a:solidFill>
+          <a:p>
+            <a:endParaRPr b="0" lang="de-DE" sz="3200" spc="-1" strike="noStrike">
               <a:latin typeface="Arial"/>
             </a:endParaRPr>
           </a:p>
@@ -1027,14 +830,11 @@
       </p:sp>
     </p:spTree>
   </p:cSld>
-  <p:clrMapOvr>
-    <a:masterClrMapping/>
-  </p:clrMapOvr>
 </p:sldLayout>
 </file>
 
 <file path=ppt/slideLayouts/slideLayout5.xml><?xml version="1.0" encoding="utf-8"?>
-<p:sldLayout xmlns:a="http://schemas.openxmlformats.org/drawingml/2006/main" xmlns:r="http://schemas.openxmlformats.org/officeDocument/2006/relationships" xmlns:p="http://schemas.openxmlformats.org/presentationml/2006/main" type="titleOnly" preserve="1">
+<p:sldLayout xmlns:a="http://schemas.openxmlformats.org/drawingml/2006/main" xmlns:p="http://schemas.openxmlformats.org/presentationml/2006/main" xmlns:r="http://schemas.openxmlformats.org/officeDocument/2006/relationships" xmlns:p14="http://schemas.microsoft.com/office/powerpoint/2010/main" xmlns:p15="http://schemas.microsoft.com/office/powerpoint/2012/main" xmlns:mc="http://schemas.openxmlformats.org/markup-compatibility/2006" type="titleOnly" preserve="1">
   <p:cSld name="Title Only">
     <p:spTree>
       <p:nvGrpSpPr>
@@ -1070,15 +870,12 @@
           </a:prstGeom>
         </p:spPr>
         <p:txBody>
-          <a:bodyPr lIns="0" tIns="0" rIns="0" bIns="0" anchor="ctr">
+          <a:bodyPr lIns="0" rIns="0" tIns="0" bIns="0" anchor="ctr">
             <a:spAutoFit/>
           </a:bodyPr>
-          <a:lstStyle/>
-          <a:p>
-            <a:endParaRPr lang="de-DE" sz="1800" b="0" strike="noStrike" spc="-1">
-              <a:solidFill>
-                <a:srgbClr val="000000"/>
-              </a:solidFill>
+          <a:p>
+            <a:pPr algn="ctr"/>
+            <a:endParaRPr b="0" lang="de-DE" sz="4400" spc="-1" strike="noStrike">
               <a:latin typeface="Arial"/>
             </a:endParaRPr>
           </a:p>
@@ -1086,14 +883,11 @@
       </p:sp>
     </p:spTree>
   </p:cSld>
-  <p:clrMapOvr>
-    <a:masterClrMapping/>
-  </p:clrMapOvr>
 </p:sldLayout>
 </file>
 
 <file path=ppt/slideLayouts/slideLayout6.xml><?xml version="1.0" encoding="utf-8"?>
-<p:sldLayout xmlns:a="http://schemas.openxmlformats.org/drawingml/2006/main" xmlns:r="http://schemas.openxmlformats.org/officeDocument/2006/relationships" xmlns:p="http://schemas.openxmlformats.org/presentationml/2006/main" type="objOnly" preserve="1">
+<p:sldLayout xmlns:a="http://schemas.openxmlformats.org/drawingml/2006/main" xmlns:p="http://schemas.openxmlformats.org/presentationml/2006/main" xmlns:r="http://schemas.openxmlformats.org/officeDocument/2006/relationships" xmlns:p14="http://schemas.microsoft.com/office/powerpoint/2010/main" xmlns:p15="http://schemas.microsoft.com/office/powerpoint/2012/main" xmlns:mc="http://schemas.openxmlformats.org/markup-compatibility/2006" type="objOnly" preserve="1">
   <p:cSld name="Centered Text">
     <p:spTree>
       <p:nvGrpSpPr>
@@ -1129,13 +923,12 @@
           </a:prstGeom>
         </p:spPr>
         <p:txBody>
-          <a:bodyPr lIns="0" tIns="0" rIns="0" bIns="0" anchor="ctr">
+          <a:bodyPr lIns="0" rIns="0" tIns="0" bIns="0" anchor="ctr">
             <a:spAutoFit/>
           </a:bodyPr>
-          <a:lstStyle/>
           <a:p>
             <a:pPr algn="ctr"/>
-            <a:endParaRPr lang="de-DE" sz="3200" b="0" strike="noStrike" spc="-1">
+            <a:endParaRPr b="0" lang="de-DE" sz="3200" spc="-1" strike="noStrike">
               <a:latin typeface="Arial"/>
             </a:endParaRPr>
           </a:p>
@@ -1143,14 +936,11 @@
       </p:sp>
     </p:spTree>
   </p:cSld>
-  <p:clrMapOvr>
-    <a:masterClrMapping/>
-  </p:clrMapOvr>
 </p:sldLayout>
 </file>
 
 <file path=ppt/slideLayouts/slideLayout7.xml><?xml version="1.0" encoding="utf-8"?>
-<p:sldLayout xmlns:a="http://schemas.openxmlformats.org/drawingml/2006/main" xmlns:r="http://schemas.openxmlformats.org/officeDocument/2006/relationships" xmlns:p="http://schemas.openxmlformats.org/presentationml/2006/main" type="twoObjAndObj" preserve="1">
+<p:sldLayout xmlns:a="http://schemas.openxmlformats.org/drawingml/2006/main" xmlns:p="http://schemas.openxmlformats.org/presentationml/2006/main" xmlns:r="http://schemas.openxmlformats.org/officeDocument/2006/relationships" xmlns:p14="http://schemas.microsoft.com/office/powerpoint/2010/main" xmlns:p15="http://schemas.microsoft.com/office/powerpoint/2012/main" xmlns:mc="http://schemas.openxmlformats.org/markup-compatibility/2006" type="twoObjAndObj" preserve="1">
   <p:cSld name="Title, 2 Content and Content">
     <p:spTree>
       <p:nvGrpSpPr>
@@ -1186,15 +976,12 @@
           </a:prstGeom>
         </p:spPr>
         <p:txBody>
-          <a:bodyPr lIns="0" tIns="0" rIns="0" bIns="0" anchor="ctr">
+          <a:bodyPr lIns="0" rIns="0" tIns="0" bIns="0" anchor="ctr">
             <a:spAutoFit/>
           </a:bodyPr>
-          <a:lstStyle/>
-          <a:p>
-            <a:endParaRPr lang="de-DE" sz="1800" b="0" strike="noStrike" spc="-1">
-              <a:solidFill>
-                <a:srgbClr val="000000"/>
-              </a:solidFill>
+          <a:p>
+            <a:pPr algn="ctr"/>
+            <a:endParaRPr b="0" lang="de-DE" sz="4400" spc="-1" strike="noStrike">
               <a:latin typeface="Arial"/>
             </a:endParaRPr>
           </a:p>
@@ -1220,15 +1007,11 @@
           </a:prstGeom>
         </p:spPr>
         <p:txBody>
-          <a:bodyPr lIns="0" tIns="0" rIns="0" bIns="0">
+          <a:bodyPr lIns="0" rIns="0" tIns="0" bIns="0">
             <a:normAutofit/>
           </a:bodyPr>
-          <a:lstStyle/>
-          <a:p>
-            <a:endParaRPr lang="de-DE" sz="2800" b="0" strike="noStrike" spc="-1">
-              <a:solidFill>
-                <a:srgbClr val="000000"/>
-              </a:solidFill>
+          <a:p>
+            <a:endParaRPr b="0" lang="de-DE" sz="3200" spc="-1" strike="noStrike">
               <a:latin typeface="Arial"/>
             </a:endParaRPr>
           </a:p>
@@ -1254,15 +1037,11 @@
           </a:prstGeom>
         </p:spPr>
         <p:txBody>
-          <a:bodyPr lIns="0" tIns="0" rIns="0" bIns="0">
+          <a:bodyPr lIns="0" rIns="0" tIns="0" bIns="0">
             <a:normAutofit/>
           </a:bodyPr>
-          <a:lstStyle/>
-          <a:p>
-            <a:endParaRPr lang="de-DE" sz="2800" b="0" strike="noStrike" spc="-1">
-              <a:solidFill>
-                <a:srgbClr val="000000"/>
-              </a:solidFill>
+          <a:p>
+            <a:endParaRPr b="0" lang="de-DE" sz="3200" spc="-1" strike="noStrike">
               <a:latin typeface="Arial"/>
             </a:endParaRPr>
           </a:p>
@@ -1288,15 +1067,11 @@
           </a:prstGeom>
         </p:spPr>
         <p:txBody>
-          <a:bodyPr lIns="0" tIns="0" rIns="0" bIns="0">
+          <a:bodyPr lIns="0" rIns="0" tIns="0" bIns="0">
             <a:normAutofit/>
           </a:bodyPr>
-          <a:lstStyle/>
-          <a:p>
-            <a:endParaRPr lang="de-DE" sz="2800" b="0" strike="noStrike" spc="-1">
-              <a:solidFill>
-                <a:srgbClr val="000000"/>
-              </a:solidFill>
+          <a:p>
+            <a:endParaRPr b="0" lang="de-DE" sz="3200" spc="-1" strike="noStrike">
               <a:latin typeface="Arial"/>
             </a:endParaRPr>
           </a:p>
@@ -1304,14 +1079,11 @@
       </p:sp>
     </p:spTree>
   </p:cSld>
-  <p:clrMapOvr>
-    <a:masterClrMapping/>
-  </p:clrMapOvr>
 </p:sldLayout>
 </file>
 
 <file path=ppt/slideLayouts/slideLayout8.xml><?xml version="1.0" encoding="utf-8"?>
-<p:sldLayout xmlns:a="http://schemas.openxmlformats.org/drawingml/2006/main" xmlns:r="http://schemas.openxmlformats.org/officeDocument/2006/relationships" xmlns:p="http://schemas.openxmlformats.org/presentationml/2006/main" type="objAndTwoObj" preserve="1">
+<p:sldLayout xmlns:a="http://schemas.openxmlformats.org/drawingml/2006/main" xmlns:p="http://schemas.openxmlformats.org/presentationml/2006/main" xmlns:r="http://schemas.openxmlformats.org/officeDocument/2006/relationships" xmlns:p14="http://schemas.microsoft.com/office/powerpoint/2010/main" xmlns:p15="http://schemas.microsoft.com/office/powerpoint/2012/main" xmlns:mc="http://schemas.openxmlformats.org/markup-compatibility/2006" type="objAndTwoObj" preserve="1">
   <p:cSld name="Title Content and 2 Content">
     <p:spTree>
       <p:nvGrpSpPr>
@@ -1347,15 +1119,12 @@
           </a:prstGeom>
         </p:spPr>
         <p:txBody>
-          <a:bodyPr lIns="0" tIns="0" rIns="0" bIns="0" anchor="ctr">
+          <a:bodyPr lIns="0" rIns="0" tIns="0" bIns="0" anchor="ctr">
             <a:spAutoFit/>
           </a:bodyPr>
-          <a:lstStyle/>
-          <a:p>
-            <a:endParaRPr lang="de-DE" sz="1800" b="0" strike="noStrike" spc="-1">
-              <a:solidFill>
-                <a:srgbClr val="000000"/>
-              </a:solidFill>
+          <a:p>
+            <a:pPr algn="ctr"/>
+            <a:endParaRPr b="0" lang="de-DE" sz="4400" spc="-1" strike="noStrike">
               <a:latin typeface="Arial"/>
             </a:endParaRPr>
           </a:p>
@@ -1381,15 +1150,11 @@
           </a:prstGeom>
         </p:spPr>
         <p:txBody>
-          <a:bodyPr lIns="0" tIns="0" rIns="0" bIns="0">
+          <a:bodyPr lIns="0" rIns="0" tIns="0" bIns="0">
             <a:normAutofit/>
           </a:bodyPr>
-          <a:lstStyle/>
-          <a:p>
-            <a:endParaRPr lang="de-DE" sz="2800" b="0" strike="noStrike" spc="-1">
-              <a:solidFill>
-                <a:srgbClr val="000000"/>
-              </a:solidFill>
+          <a:p>
+            <a:endParaRPr b="0" lang="de-DE" sz="3200" spc="-1" strike="noStrike">
               <a:latin typeface="Arial"/>
             </a:endParaRPr>
           </a:p>
@@ -1415,15 +1180,11 @@
           </a:prstGeom>
         </p:spPr>
         <p:txBody>
-          <a:bodyPr lIns="0" tIns="0" rIns="0" bIns="0">
+          <a:bodyPr lIns="0" rIns="0" tIns="0" bIns="0">
             <a:normAutofit/>
           </a:bodyPr>
-          <a:lstStyle/>
-          <a:p>
-            <a:endParaRPr lang="de-DE" sz="2800" b="0" strike="noStrike" spc="-1">
-              <a:solidFill>
-                <a:srgbClr val="000000"/>
-              </a:solidFill>
+          <a:p>
+            <a:endParaRPr b="0" lang="de-DE" sz="3200" spc="-1" strike="noStrike">
               <a:latin typeface="Arial"/>
             </a:endParaRPr>
           </a:p>
@@ -1449,15 +1210,11 @@
           </a:prstGeom>
         </p:spPr>
         <p:txBody>
-          <a:bodyPr lIns="0" tIns="0" rIns="0" bIns="0">
+          <a:bodyPr lIns="0" rIns="0" tIns="0" bIns="0">
             <a:normAutofit/>
           </a:bodyPr>
-          <a:lstStyle/>
-          <a:p>
-            <a:endParaRPr lang="de-DE" sz="2800" b="0" strike="noStrike" spc="-1">
-              <a:solidFill>
-                <a:srgbClr val="000000"/>
-              </a:solidFill>
+          <a:p>
+            <a:endParaRPr b="0" lang="de-DE" sz="3200" spc="-1" strike="noStrike">
               <a:latin typeface="Arial"/>
             </a:endParaRPr>
           </a:p>
@@ -1465,14 +1222,11 @@
       </p:sp>
     </p:spTree>
   </p:cSld>
-  <p:clrMapOvr>
-    <a:masterClrMapping/>
-  </p:clrMapOvr>
 </p:sldLayout>
 </file>
 
 <file path=ppt/slideLayouts/slideLayout9.xml><?xml version="1.0" encoding="utf-8"?>
-<p:sldLayout xmlns:a="http://schemas.openxmlformats.org/drawingml/2006/main" xmlns:r="http://schemas.openxmlformats.org/officeDocument/2006/relationships" xmlns:p="http://schemas.openxmlformats.org/presentationml/2006/main" type="twoObjOverTx" preserve="1">
+<p:sldLayout xmlns:a="http://schemas.openxmlformats.org/drawingml/2006/main" xmlns:p="http://schemas.openxmlformats.org/presentationml/2006/main" xmlns:r="http://schemas.openxmlformats.org/officeDocument/2006/relationships" xmlns:p14="http://schemas.microsoft.com/office/powerpoint/2010/main" xmlns:p15="http://schemas.microsoft.com/office/powerpoint/2012/main" xmlns:mc="http://schemas.openxmlformats.org/markup-compatibility/2006" type="twoObjOverTx" preserve="1">
   <p:cSld name="Title, 2 Content over Content">
     <p:spTree>
       <p:nvGrpSpPr>
@@ -1508,15 +1262,12 @@
           </a:prstGeom>
         </p:spPr>
         <p:txBody>
-          <a:bodyPr lIns="0" tIns="0" rIns="0" bIns="0" anchor="ctr">
+          <a:bodyPr lIns="0" rIns="0" tIns="0" bIns="0" anchor="ctr">
             <a:spAutoFit/>
           </a:bodyPr>
-          <a:lstStyle/>
-          <a:p>
-            <a:endParaRPr lang="de-DE" sz="1800" b="0" strike="noStrike" spc="-1">
-              <a:solidFill>
-                <a:srgbClr val="000000"/>
-              </a:solidFill>
+          <a:p>
+            <a:pPr algn="ctr"/>
+            <a:endParaRPr b="0" lang="de-DE" sz="4400" spc="-1" strike="noStrike">
               <a:latin typeface="Arial"/>
             </a:endParaRPr>
           </a:p>
@@ -1542,15 +1293,11 @@
           </a:prstGeom>
         </p:spPr>
         <p:txBody>
-          <a:bodyPr lIns="0" tIns="0" rIns="0" bIns="0">
+          <a:bodyPr lIns="0" rIns="0" tIns="0" bIns="0">
             <a:normAutofit/>
           </a:bodyPr>
-          <a:lstStyle/>
-          <a:p>
-            <a:endParaRPr lang="de-DE" sz="2800" b="0" strike="noStrike" spc="-1">
-              <a:solidFill>
-                <a:srgbClr val="000000"/>
-              </a:solidFill>
+          <a:p>
+            <a:endParaRPr b="0" lang="de-DE" sz="3200" spc="-1" strike="noStrike">
               <a:latin typeface="Arial"/>
             </a:endParaRPr>
           </a:p>
@@ -1576,15 +1323,11 @@
           </a:prstGeom>
         </p:spPr>
         <p:txBody>
-          <a:bodyPr lIns="0" tIns="0" rIns="0" bIns="0">
+          <a:bodyPr lIns="0" rIns="0" tIns="0" bIns="0">
             <a:normAutofit/>
           </a:bodyPr>
-          <a:lstStyle/>
-          <a:p>
-            <a:endParaRPr lang="de-DE" sz="2800" b="0" strike="noStrike" spc="-1">
-              <a:solidFill>
-                <a:srgbClr val="000000"/>
-              </a:solidFill>
+          <a:p>
+            <a:endParaRPr b="0" lang="de-DE" sz="3200" spc="-1" strike="noStrike">
               <a:latin typeface="Arial"/>
             </a:endParaRPr>
           </a:p>
@@ -1610,15 +1353,11 @@
           </a:prstGeom>
         </p:spPr>
         <p:txBody>
-          <a:bodyPr lIns="0" tIns="0" rIns="0" bIns="0">
+          <a:bodyPr lIns="0" rIns="0" tIns="0" bIns="0">
             <a:normAutofit/>
           </a:bodyPr>
-          <a:lstStyle/>
-          <a:p>
-            <a:endParaRPr lang="de-DE" sz="2800" b="0" strike="noStrike" spc="-1">
-              <a:solidFill>
-                <a:srgbClr val="000000"/>
-              </a:solidFill>
+          <a:p>
+            <a:endParaRPr b="0" lang="de-DE" sz="3200" spc="-1" strike="noStrike">
               <a:latin typeface="Arial"/>
             </a:endParaRPr>
           </a:p>
@@ -1626,21 +1365,17 @@
       </p:sp>
     </p:spTree>
   </p:cSld>
-  <p:clrMapOvr>
-    <a:masterClrMapping/>
-  </p:clrMapOvr>
 </p:sldLayout>
 </file>
 
 <file path=ppt/slideMasters/slideMaster1.xml><?xml version="1.0" encoding="utf-8"?>
-<p:sldMaster xmlns:a="http://schemas.openxmlformats.org/drawingml/2006/main" xmlns:r="http://schemas.openxmlformats.org/officeDocument/2006/relationships" xmlns:p="http://schemas.openxmlformats.org/presentationml/2006/main">
+<p:sldMaster xmlns:a="http://schemas.openxmlformats.org/drawingml/2006/main" xmlns:p="http://schemas.openxmlformats.org/presentationml/2006/main" xmlns:r="http://schemas.openxmlformats.org/officeDocument/2006/relationships" xmlns:p14="http://schemas.microsoft.com/office/powerpoint/2010/main" xmlns:p15="http://schemas.microsoft.com/office/powerpoint/2012/main" xmlns:mc="http://schemas.openxmlformats.org/markup-compatibility/2006">
   <p:cSld>
     <p:bg>
       <p:bgPr>
         <a:solidFill>
-          <a:srgbClr val="FFFFFF"/>
+          <a:srgbClr val="ffffff"/>
         </a:solidFill>
-        <a:effectLst/>
       </p:bgPr>
     </p:bg>
     <p:spTree>
@@ -1659,18 +1394,18 @@
       </p:grpSpPr>
       <p:pic>
         <p:nvPicPr>
-          <p:cNvPr id="5" name="Grafik 4"/>
+          <p:cNvPr id="0" name="Grafik 4" descr=""/>
           <p:cNvPicPr/>
           <p:nvPr/>
         </p:nvPicPr>
         <p:blipFill>
-          <a:blip r:embed="rId14"/>
+          <a:blip r:embed="rId2"/>
           <a:stretch/>
         </p:blipFill>
         <p:spPr>
           <a:xfrm>
             <a:off x="2071800" y="2037600"/>
-            <a:ext cx="9637920" cy="2034720"/>
+            <a:ext cx="9637200" cy="2034000"/>
           </a:xfrm>
           <a:prstGeom prst="rect">
             <a:avLst/>
@@ -1682,14 +1417,14 @@
       </p:pic>
       <p:sp>
         <p:nvSpPr>
-          <p:cNvPr id="6" name="CustomShape 1"/>
+          <p:cNvPr id="1" name="CustomShape 1"/>
           <p:cNvSpPr/>
           <p:nvPr/>
         </p:nvSpPr>
         <p:spPr>
           <a:xfrm>
             <a:off x="22860000" y="2016000"/>
-            <a:ext cx="7918920" cy="7918920"/>
+            <a:ext cx="7918200" cy="7918200"/>
           </a:xfrm>
           <a:prstGeom prst="ellipse">
             <a:avLst/>
@@ -1725,7 +1460,7 @@
         <p:spPr>
           <a:xfrm>
             <a:off x="19260000" y="2016000"/>
-            <a:ext cx="4858920" cy="4858920"/>
+            <a:ext cx="4858200" cy="4858200"/>
           </a:xfrm>
           <a:prstGeom prst="ellipse">
             <a:avLst/>
@@ -1772,20 +1507,20 @@
           </a:prstGeom>
         </p:spPr>
         <p:txBody>
-          <a:bodyPr lIns="0" tIns="0" rIns="0" bIns="0" anchor="ctr">
+          <a:bodyPr lIns="0" rIns="0" tIns="0" bIns="0" anchor="ctr">
             <a:noAutofit/>
           </a:bodyPr>
-          <a:lstStyle/>
-          <a:p>
-            <a:r>
-              <a:rPr lang="de-DE" sz="1800" b="0" strike="noStrike" spc="-1">
-                <a:solidFill>
-                  <a:srgbClr val="000000"/>
-                </a:solidFill>
+          <a:p>
+            <a:pPr algn="ctr"/>
+            <a:r>
+              <a:rPr b="0" lang="de-DE" sz="4400" spc="-1" strike="noStrike">
                 <a:latin typeface="Arial"/>
               </a:rPr>
               <a:t>Click to edit the title text format</a:t>
             </a:r>
+            <a:endParaRPr b="0" lang="de-DE" sz="4400" spc="-1" strike="noStrike">
+              <a:latin typeface="Arial"/>
+            </a:endParaRPr>
           </a:p>
         </p:txBody>
       </p:sp>
@@ -1809,10 +1544,9 @@
           </a:prstGeom>
         </p:spPr>
         <p:txBody>
-          <a:bodyPr lIns="0" tIns="0" rIns="0" bIns="0">
+          <a:bodyPr lIns="0" rIns="0" tIns="0" bIns="0">
             <a:normAutofit/>
           </a:bodyPr>
-          <a:lstStyle/>
           <a:p>
             <a:pPr marL="432000" indent="-324000">
               <a:spcBef>
@@ -1826,17 +1560,17 @@
               <a:buChar char=""/>
             </a:pPr>
             <a:r>
-              <a:rPr lang="de-DE" sz="2800" b="0" strike="noStrike" spc="-1">
-                <a:solidFill>
-                  <a:srgbClr val="000000"/>
-                </a:solidFill>
+              <a:rPr b="0" lang="de-DE" sz="3200" spc="-1" strike="noStrike">
                 <a:latin typeface="Arial"/>
               </a:rPr>
               <a:t>Click to edit the outline text format</a:t>
             </a:r>
-          </a:p>
-          <a:p>
-            <a:pPr marL="864000" lvl="1" indent="-324000">
+            <a:endParaRPr b="0" lang="de-DE" sz="3200" spc="-1" strike="noStrike">
+              <a:latin typeface="Arial"/>
+            </a:endParaRPr>
+          </a:p>
+          <a:p>
+            <a:pPr lvl="1" marL="864000" indent="-324000">
               <a:spcBef>
                 <a:spcPts val="1134"/>
               </a:spcBef>
@@ -1848,17 +1582,17 @@
               <a:buChar char=""/>
             </a:pPr>
             <a:r>
-              <a:rPr lang="de-DE" sz="2000" b="0" strike="noStrike" spc="-1">
-                <a:solidFill>
-                  <a:srgbClr val="000000"/>
-                </a:solidFill>
+              <a:rPr b="0" lang="de-DE" sz="2800" spc="-1" strike="noStrike">
                 <a:latin typeface="Arial"/>
               </a:rPr>
               <a:t>Second Outline Level</a:t>
             </a:r>
-          </a:p>
-          <a:p>
-            <a:pPr marL="1296000" lvl="2" indent="-288000">
+            <a:endParaRPr b="0" lang="de-DE" sz="2800" spc="-1" strike="noStrike">
+              <a:latin typeface="Arial"/>
+            </a:endParaRPr>
+          </a:p>
+          <a:p>
+            <a:pPr lvl="2" marL="1296000" indent="-288000">
               <a:spcBef>
                 <a:spcPts val="850"/>
               </a:spcBef>
@@ -1870,17 +1604,17 @@
               <a:buChar char=""/>
             </a:pPr>
             <a:r>
-              <a:rPr lang="de-DE" sz="1800" b="0" strike="noStrike" spc="-1">
-                <a:solidFill>
-                  <a:srgbClr val="000000"/>
-                </a:solidFill>
+              <a:rPr b="0" lang="de-DE" sz="2400" spc="-1" strike="noStrike">
                 <a:latin typeface="Arial"/>
               </a:rPr>
               <a:t>Third Outline Level</a:t>
             </a:r>
-          </a:p>
-          <a:p>
-            <a:pPr marL="1728000" lvl="3" indent="-216000">
+            <a:endParaRPr b="0" lang="de-DE" sz="2400" spc="-1" strike="noStrike">
+              <a:latin typeface="Arial"/>
+            </a:endParaRPr>
+          </a:p>
+          <a:p>
+            <a:pPr lvl="3" marL="1728000" indent="-216000">
               <a:spcBef>
                 <a:spcPts val="567"/>
               </a:spcBef>
@@ -1892,17 +1626,17 @@
               <a:buChar char=""/>
             </a:pPr>
             <a:r>
-              <a:rPr lang="de-DE" sz="1800" b="0" strike="noStrike" spc="-1">
-                <a:solidFill>
-                  <a:srgbClr val="000000"/>
-                </a:solidFill>
+              <a:rPr b="0" lang="de-DE" sz="2000" spc="-1" strike="noStrike">
                 <a:latin typeface="Arial"/>
               </a:rPr>
               <a:t>Fourth Outline Level</a:t>
             </a:r>
-          </a:p>
-          <a:p>
-            <a:pPr marL="2160000" lvl="4" indent="-216000">
+            <a:endParaRPr b="0" lang="de-DE" sz="2000" spc="-1" strike="noStrike">
+              <a:latin typeface="Arial"/>
+            </a:endParaRPr>
+          </a:p>
+          <a:p>
+            <a:pPr lvl="4" marL="2160000" indent="-216000">
               <a:spcBef>
                 <a:spcPts val="283"/>
               </a:spcBef>
@@ -1914,17 +1648,17 @@
               <a:buChar char=""/>
             </a:pPr>
             <a:r>
-              <a:rPr lang="de-DE" sz="2000" b="0" strike="noStrike" spc="-1">
-                <a:solidFill>
-                  <a:srgbClr val="000000"/>
-                </a:solidFill>
+              <a:rPr b="0" lang="de-DE" sz="2000" spc="-1" strike="noStrike">
                 <a:latin typeface="Arial"/>
               </a:rPr>
               <a:t>Fifth Outline Level</a:t>
             </a:r>
-          </a:p>
-          <a:p>
-            <a:pPr marL="2592000" lvl="5" indent="-216000">
+            <a:endParaRPr b="0" lang="de-DE" sz="2000" spc="-1" strike="noStrike">
+              <a:latin typeface="Arial"/>
+            </a:endParaRPr>
+          </a:p>
+          <a:p>
+            <a:pPr lvl="5" marL="2592000" indent="-216000">
               <a:spcBef>
                 <a:spcPts val="283"/>
               </a:spcBef>
@@ -1936,17 +1670,17 @@
               <a:buChar char=""/>
             </a:pPr>
             <a:r>
-              <a:rPr lang="de-DE" sz="2000" b="0" strike="noStrike" spc="-1">
-                <a:solidFill>
-                  <a:srgbClr val="000000"/>
-                </a:solidFill>
+              <a:rPr b="0" lang="de-DE" sz="2000" spc="-1" strike="noStrike">
                 <a:latin typeface="Arial"/>
               </a:rPr>
               <a:t>Sixth Outline Level</a:t>
             </a:r>
-          </a:p>
-          <a:p>
-            <a:pPr marL="3024000" lvl="6" indent="-216000">
+            <a:endParaRPr b="0" lang="de-DE" sz="2000" spc="-1" strike="noStrike">
+              <a:latin typeface="Arial"/>
+            </a:endParaRPr>
+          </a:p>
+          <a:p>
+            <a:pPr lvl="6" marL="3024000" indent="-216000">
               <a:spcBef>
                 <a:spcPts val="283"/>
               </a:spcBef>
@@ -1958,319 +1692,39 @@
               <a:buChar char=""/>
             </a:pPr>
             <a:r>
-              <a:rPr lang="de-DE" sz="2000" b="0" strike="noStrike" spc="-1">
-                <a:solidFill>
-                  <a:srgbClr val="000000"/>
-                </a:solidFill>
+              <a:rPr b="0" lang="de-DE" sz="2000" spc="-1" strike="noStrike">
                 <a:latin typeface="Arial"/>
               </a:rPr>
               <a:t>Seventh Outline Level</a:t>
             </a:r>
+            <a:endParaRPr b="0" lang="de-DE" sz="2000" spc="-1" strike="noStrike">
+              <a:latin typeface="Arial"/>
+            </a:endParaRPr>
           </a:p>
         </p:txBody>
       </p:sp>
     </p:spTree>
   </p:cSld>
-  <p:clrMap bg1="lt1" tx1="dk1" bg2="lt2" tx2="dk2" accent1="accent1" accent2="accent2" accent3="accent3" accent4="accent4" accent5="accent5" accent6="accent6" hlink="hlink" folHlink="folHlink"/>
+  <p:clrMap bg1="lt1" bg2="lt2" tx1="dk1" tx2="dk2" accent1="accent1" accent2="accent2" accent3="accent3" accent4="accent4" accent5="accent5" accent6="accent6" hlink="hlink" folHlink="folHlink"/>
   <p:sldLayoutIdLst>
-    <p:sldLayoutId id="2147483649" r:id="rId1"/>
-    <p:sldLayoutId id="2147483650" r:id="rId2"/>
-    <p:sldLayoutId id="2147483651" r:id="rId3"/>
-    <p:sldLayoutId id="2147483652" r:id="rId4"/>
-    <p:sldLayoutId id="2147483653" r:id="rId5"/>
-    <p:sldLayoutId id="2147483654" r:id="rId6"/>
-    <p:sldLayoutId id="2147483655" r:id="rId7"/>
-    <p:sldLayoutId id="2147483656" r:id="rId8"/>
-    <p:sldLayoutId id="2147483657" r:id="rId9"/>
-    <p:sldLayoutId id="2147483658" r:id="rId10"/>
-    <p:sldLayoutId id="2147483659" r:id="rId11"/>
-    <p:sldLayoutId id="2147483660" r:id="rId12"/>
+    <p:sldLayoutId id="2147483649" r:id="rId3"/>
+    <p:sldLayoutId id="2147483650" r:id="rId4"/>
+    <p:sldLayoutId id="2147483651" r:id="rId5"/>
+    <p:sldLayoutId id="2147483652" r:id="rId6"/>
+    <p:sldLayoutId id="2147483653" r:id="rId7"/>
+    <p:sldLayoutId id="2147483654" r:id="rId8"/>
+    <p:sldLayoutId id="2147483655" r:id="rId9"/>
+    <p:sldLayoutId id="2147483656" r:id="rId10"/>
+    <p:sldLayoutId id="2147483657" r:id="rId11"/>
+    <p:sldLayoutId id="2147483658" r:id="rId12"/>
+    <p:sldLayoutId id="2147483659" r:id="rId13"/>
+    <p:sldLayoutId id="2147483660" r:id="rId14"/>
   </p:sldLayoutIdLst>
-  <p:txStyles>
-    <p:titleStyle>
-      <a:lvl1pPr algn="l" defTabSz="914400" rtl="0" eaLnBrk="1" latinLnBrk="0" hangingPunct="1">
-        <a:lnSpc>
-          <a:spcPct val="90000"/>
-        </a:lnSpc>
-        <a:spcBef>
-          <a:spcPct val="0"/>
-        </a:spcBef>
-        <a:buNone/>
-        <a:defRPr sz="4400" kern="1200">
-          <a:solidFill>
-            <a:schemeClr val="tx1"/>
-          </a:solidFill>
-          <a:latin typeface="+mj-lt"/>
-          <a:ea typeface="+mj-ea"/>
-          <a:cs typeface="+mj-cs"/>
-        </a:defRPr>
-      </a:lvl1pPr>
-    </p:titleStyle>
-    <p:bodyStyle>
-      <a:lvl1pPr marL="228600" indent="-228600" algn="l" defTabSz="914400" rtl="0" eaLnBrk="1" latinLnBrk="0" hangingPunct="1">
-        <a:lnSpc>
-          <a:spcPct val="90000"/>
-        </a:lnSpc>
-        <a:spcBef>
-          <a:spcPts val="1000"/>
-        </a:spcBef>
-        <a:buFont typeface="Arial" panose="020B0604020202020204" pitchFamily="34" charset="0"/>
-        <a:buChar char="•"/>
-        <a:defRPr sz="2800" kern="1200">
-          <a:solidFill>
-            <a:schemeClr val="tx1"/>
-          </a:solidFill>
-          <a:latin typeface="+mn-lt"/>
-          <a:ea typeface="+mn-ea"/>
-          <a:cs typeface="+mn-cs"/>
-        </a:defRPr>
-      </a:lvl1pPr>
-      <a:lvl2pPr marL="685800" indent="-228600" algn="l" defTabSz="914400" rtl="0" eaLnBrk="1" latinLnBrk="0" hangingPunct="1">
-        <a:lnSpc>
-          <a:spcPct val="90000"/>
-        </a:lnSpc>
-        <a:spcBef>
-          <a:spcPts val="500"/>
-        </a:spcBef>
-        <a:buFont typeface="Arial" panose="020B0604020202020204" pitchFamily="34" charset="0"/>
-        <a:buChar char="•"/>
-        <a:defRPr sz="2400" kern="1200">
-          <a:solidFill>
-            <a:schemeClr val="tx1"/>
-          </a:solidFill>
-          <a:latin typeface="+mn-lt"/>
-          <a:ea typeface="+mn-ea"/>
-          <a:cs typeface="+mn-cs"/>
-        </a:defRPr>
-      </a:lvl2pPr>
-      <a:lvl3pPr marL="1143000" indent="-228600" algn="l" defTabSz="914400" rtl="0" eaLnBrk="1" latinLnBrk="0" hangingPunct="1">
-        <a:lnSpc>
-          <a:spcPct val="90000"/>
-        </a:lnSpc>
-        <a:spcBef>
-          <a:spcPts val="500"/>
-        </a:spcBef>
-        <a:buFont typeface="Arial" panose="020B0604020202020204" pitchFamily="34" charset="0"/>
-        <a:buChar char="•"/>
-        <a:defRPr sz="2000" kern="1200">
-          <a:solidFill>
-            <a:schemeClr val="tx1"/>
-          </a:solidFill>
-          <a:latin typeface="+mn-lt"/>
-          <a:ea typeface="+mn-ea"/>
-          <a:cs typeface="+mn-cs"/>
-        </a:defRPr>
-      </a:lvl3pPr>
-      <a:lvl4pPr marL="1600200" indent="-228600" algn="l" defTabSz="914400" rtl="0" eaLnBrk="1" latinLnBrk="0" hangingPunct="1">
-        <a:lnSpc>
-          <a:spcPct val="90000"/>
-        </a:lnSpc>
-        <a:spcBef>
-          <a:spcPts val="500"/>
-        </a:spcBef>
-        <a:buFont typeface="Arial" panose="020B0604020202020204" pitchFamily="34" charset="0"/>
-        <a:buChar char="•"/>
-        <a:defRPr sz="1800" kern="1200">
-          <a:solidFill>
-            <a:schemeClr val="tx1"/>
-          </a:solidFill>
-          <a:latin typeface="+mn-lt"/>
-          <a:ea typeface="+mn-ea"/>
-          <a:cs typeface="+mn-cs"/>
-        </a:defRPr>
-      </a:lvl4pPr>
-      <a:lvl5pPr marL="2057400" indent="-228600" algn="l" defTabSz="914400" rtl="0" eaLnBrk="1" latinLnBrk="0" hangingPunct="1">
-        <a:lnSpc>
-          <a:spcPct val="90000"/>
-        </a:lnSpc>
-        <a:spcBef>
-          <a:spcPts val="500"/>
-        </a:spcBef>
-        <a:buFont typeface="Arial" panose="020B0604020202020204" pitchFamily="34" charset="0"/>
-        <a:buChar char="•"/>
-        <a:defRPr sz="1800" kern="1200">
-          <a:solidFill>
-            <a:schemeClr val="tx1"/>
-          </a:solidFill>
-          <a:latin typeface="+mn-lt"/>
-          <a:ea typeface="+mn-ea"/>
-          <a:cs typeface="+mn-cs"/>
-        </a:defRPr>
-      </a:lvl5pPr>
-      <a:lvl6pPr marL="2514600" indent="-228600" algn="l" defTabSz="914400" rtl="0" eaLnBrk="1" latinLnBrk="0" hangingPunct="1">
-        <a:lnSpc>
-          <a:spcPct val="90000"/>
-        </a:lnSpc>
-        <a:spcBef>
-          <a:spcPts val="500"/>
-        </a:spcBef>
-        <a:buFont typeface="Arial" panose="020B0604020202020204" pitchFamily="34" charset="0"/>
-        <a:buChar char="•"/>
-        <a:defRPr sz="1800" kern="1200">
-          <a:solidFill>
-            <a:schemeClr val="tx1"/>
-          </a:solidFill>
-          <a:latin typeface="+mn-lt"/>
-          <a:ea typeface="+mn-ea"/>
-          <a:cs typeface="+mn-cs"/>
-        </a:defRPr>
-      </a:lvl6pPr>
-      <a:lvl7pPr marL="2971800" indent="-228600" algn="l" defTabSz="914400" rtl="0" eaLnBrk="1" latinLnBrk="0" hangingPunct="1">
-        <a:lnSpc>
-          <a:spcPct val="90000"/>
-        </a:lnSpc>
-        <a:spcBef>
-          <a:spcPts val="500"/>
-        </a:spcBef>
-        <a:buFont typeface="Arial" panose="020B0604020202020204" pitchFamily="34" charset="0"/>
-        <a:buChar char="•"/>
-        <a:defRPr sz="1800" kern="1200">
-          <a:solidFill>
-            <a:schemeClr val="tx1"/>
-          </a:solidFill>
-          <a:latin typeface="+mn-lt"/>
-          <a:ea typeface="+mn-ea"/>
-          <a:cs typeface="+mn-cs"/>
-        </a:defRPr>
-      </a:lvl7pPr>
-      <a:lvl8pPr marL="3429000" indent="-228600" algn="l" defTabSz="914400" rtl="0" eaLnBrk="1" latinLnBrk="0" hangingPunct="1">
-        <a:lnSpc>
-          <a:spcPct val="90000"/>
-        </a:lnSpc>
-        <a:spcBef>
-          <a:spcPts val="500"/>
-        </a:spcBef>
-        <a:buFont typeface="Arial" panose="020B0604020202020204" pitchFamily="34" charset="0"/>
-        <a:buChar char="•"/>
-        <a:defRPr sz="1800" kern="1200">
-          <a:solidFill>
-            <a:schemeClr val="tx1"/>
-          </a:solidFill>
-          <a:latin typeface="+mn-lt"/>
-          <a:ea typeface="+mn-ea"/>
-          <a:cs typeface="+mn-cs"/>
-        </a:defRPr>
-      </a:lvl8pPr>
-      <a:lvl9pPr marL="3886200" indent="-228600" algn="l" defTabSz="914400" rtl="0" eaLnBrk="1" latinLnBrk="0" hangingPunct="1">
-        <a:lnSpc>
-          <a:spcPct val="90000"/>
-        </a:lnSpc>
-        <a:spcBef>
-          <a:spcPts val="500"/>
-        </a:spcBef>
-        <a:buFont typeface="Arial" panose="020B0604020202020204" pitchFamily="34" charset="0"/>
-        <a:buChar char="•"/>
-        <a:defRPr sz="1800" kern="1200">
-          <a:solidFill>
-            <a:schemeClr val="tx1"/>
-          </a:solidFill>
-          <a:latin typeface="+mn-lt"/>
-          <a:ea typeface="+mn-ea"/>
-          <a:cs typeface="+mn-cs"/>
-        </a:defRPr>
-      </a:lvl9pPr>
-    </p:bodyStyle>
-    <p:otherStyle>
-      <a:defPPr>
-        <a:defRPr lang="de-DE"/>
-      </a:defPPr>
-      <a:lvl1pPr marL="0" algn="l" defTabSz="914400" rtl="0" eaLnBrk="1" latinLnBrk="0" hangingPunct="1">
-        <a:defRPr sz="1800" kern="1200">
-          <a:solidFill>
-            <a:schemeClr val="tx1"/>
-          </a:solidFill>
-          <a:latin typeface="+mn-lt"/>
-          <a:ea typeface="+mn-ea"/>
-          <a:cs typeface="+mn-cs"/>
-        </a:defRPr>
-      </a:lvl1pPr>
-      <a:lvl2pPr marL="457200" algn="l" defTabSz="914400" rtl="0" eaLnBrk="1" latinLnBrk="0" hangingPunct="1">
-        <a:defRPr sz="1800" kern="1200">
-          <a:solidFill>
-            <a:schemeClr val="tx1"/>
-          </a:solidFill>
-          <a:latin typeface="+mn-lt"/>
-          <a:ea typeface="+mn-ea"/>
-          <a:cs typeface="+mn-cs"/>
-        </a:defRPr>
-      </a:lvl2pPr>
-      <a:lvl3pPr marL="914400" algn="l" defTabSz="914400" rtl="0" eaLnBrk="1" latinLnBrk="0" hangingPunct="1">
-        <a:defRPr sz="1800" kern="1200">
-          <a:solidFill>
-            <a:schemeClr val="tx1"/>
-          </a:solidFill>
-          <a:latin typeface="+mn-lt"/>
-          <a:ea typeface="+mn-ea"/>
-          <a:cs typeface="+mn-cs"/>
-        </a:defRPr>
-      </a:lvl3pPr>
-      <a:lvl4pPr marL="1371600" algn="l" defTabSz="914400" rtl="0" eaLnBrk="1" latinLnBrk="0" hangingPunct="1">
-        <a:defRPr sz="1800" kern="1200">
-          <a:solidFill>
-            <a:schemeClr val="tx1"/>
-          </a:solidFill>
-          <a:latin typeface="+mn-lt"/>
-          <a:ea typeface="+mn-ea"/>
-          <a:cs typeface="+mn-cs"/>
-        </a:defRPr>
-      </a:lvl4pPr>
-      <a:lvl5pPr marL="1828800" algn="l" defTabSz="914400" rtl="0" eaLnBrk="1" latinLnBrk="0" hangingPunct="1">
-        <a:defRPr sz="1800" kern="1200">
-          <a:solidFill>
-            <a:schemeClr val="tx1"/>
-          </a:solidFill>
-          <a:latin typeface="+mn-lt"/>
-          <a:ea typeface="+mn-ea"/>
-          <a:cs typeface="+mn-cs"/>
-        </a:defRPr>
-      </a:lvl5pPr>
-      <a:lvl6pPr marL="2286000" algn="l" defTabSz="914400" rtl="0" eaLnBrk="1" latinLnBrk="0" hangingPunct="1">
-        <a:defRPr sz="1800" kern="1200">
-          <a:solidFill>
-            <a:schemeClr val="tx1"/>
-          </a:solidFill>
-          <a:latin typeface="+mn-lt"/>
-          <a:ea typeface="+mn-ea"/>
-          <a:cs typeface="+mn-cs"/>
-        </a:defRPr>
-      </a:lvl6pPr>
-      <a:lvl7pPr marL="2743200" algn="l" defTabSz="914400" rtl="0" eaLnBrk="1" latinLnBrk="0" hangingPunct="1">
-        <a:defRPr sz="1800" kern="1200">
-          <a:solidFill>
-            <a:schemeClr val="tx1"/>
-          </a:solidFill>
-          <a:latin typeface="+mn-lt"/>
-          <a:ea typeface="+mn-ea"/>
-          <a:cs typeface="+mn-cs"/>
-        </a:defRPr>
-      </a:lvl7pPr>
-      <a:lvl8pPr marL="3200400" algn="l" defTabSz="914400" rtl="0" eaLnBrk="1" latinLnBrk="0" hangingPunct="1">
-        <a:defRPr sz="1800" kern="1200">
-          <a:solidFill>
-            <a:schemeClr val="tx1"/>
-          </a:solidFill>
-          <a:latin typeface="+mn-lt"/>
-          <a:ea typeface="+mn-ea"/>
-          <a:cs typeface="+mn-cs"/>
-        </a:defRPr>
-      </a:lvl8pPr>
-      <a:lvl9pPr marL="3657600" algn="l" defTabSz="914400" rtl="0" eaLnBrk="1" latinLnBrk="0" hangingPunct="1">
-        <a:defRPr sz="1800" kern="1200">
-          <a:solidFill>
-            <a:schemeClr val="tx1"/>
-          </a:solidFill>
-          <a:latin typeface="+mn-lt"/>
-          <a:ea typeface="+mn-ea"/>
-          <a:cs typeface="+mn-cs"/>
-        </a:defRPr>
-      </a:lvl9pPr>
-    </p:otherStyle>
-  </p:txStyles>
 </p:sldMaster>
 </file>
 
 <file path=ppt/slides/slide1.xml><?xml version="1.0" encoding="utf-8"?>
-<p:sld xmlns:a="http://schemas.openxmlformats.org/drawingml/2006/main" xmlns:r="http://schemas.openxmlformats.org/officeDocument/2006/relationships" xmlns:p="http://schemas.openxmlformats.org/presentationml/2006/main">
+<p:sld xmlns:a="http://schemas.openxmlformats.org/drawingml/2006/main" xmlns:p="http://schemas.openxmlformats.org/presentationml/2006/main" xmlns:r="http://schemas.openxmlformats.org/officeDocument/2006/relationships" xmlns:p14="http://schemas.microsoft.com/office/powerpoint/2010/main" xmlns:p15="http://schemas.microsoft.com/office/powerpoint/2012/main" xmlns:mc="http://schemas.openxmlformats.org/markup-compatibility/2006">
   <p:cSld>
     <p:spTree>
       <p:nvGrpSpPr>
@@ -2295,7 +1749,7 @@
         <p:spPr>
           <a:xfrm>
             <a:off x="16372080" y="32165280"/>
-            <a:ext cx="11277360" cy="3915000"/>
+            <a:ext cx="11276640" cy="3914280"/>
           </a:xfrm>
           <a:prstGeom prst="rect">
             <a:avLst/>
@@ -2334,7 +1788,7 @@
         <p:spPr>
           <a:xfrm>
             <a:off x="4057200" y="7132320"/>
-            <a:ext cx="16246080" cy="2543760"/>
+            <a:ext cx="16245360" cy="2543040"/>
           </a:xfrm>
           <a:prstGeom prst="rect">
             <a:avLst/>
@@ -2345,22 +1799,15 @@
           </a:ln>
         </p:spPr>
         <p:style>
-          <a:lnRef idx="0">
-            <a:scrgbClr r="0" g="0" b="0"/>
-          </a:lnRef>
-          <a:fillRef idx="0">
-            <a:scrgbClr r="0" g="0" b="0"/>
-          </a:fillRef>
-          <a:effectRef idx="0">
-            <a:scrgbClr r="0" g="0" b="0"/>
-          </a:effectRef>
+          <a:lnRef idx="0"/>
+          <a:fillRef idx="0"/>
+          <a:effectRef idx="0"/>
           <a:fontRef idx="minor"/>
         </p:style>
         <p:txBody>
-          <a:bodyPr lIns="129240" tIns="64800" rIns="129240" bIns="64800">
+          <a:bodyPr lIns="129240" rIns="129240" tIns="64800" bIns="64800">
             <a:noAutofit/>
           </a:bodyPr>
-          <a:lstStyle/>
           <a:p>
             <a:pPr>
               <a:lnSpc>
@@ -2371,9 +1818,9 @@
               </a:spcBef>
             </a:pPr>
             <a:r>
-              <a:rPr lang="de-DE" sz="3200" b="0" strike="noStrike" spc="-1">
-                <a:solidFill>
-                  <a:srgbClr val="3E444C"/>
+              <a:rPr b="0" lang="de-DE" sz="3200" spc="-1" strike="noStrike">
+                <a:solidFill>
+                  <a:srgbClr val="3e444c"/>
                 </a:solidFill>
                 <a:latin typeface="Univers for UniS 55 Roman Rg"/>
                 <a:ea typeface="DejaVu Sans"/>
@@ -2382,16 +1829,16 @@
             </a:r>
             <a:br/>
             <a:r>
-              <a:rPr lang="de-DE" sz="3200" b="0" strike="noStrike" spc="-1">
-                <a:solidFill>
-                  <a:srgbClr val="3E444C"/>
+              <a:rPr b="0" lang="de-DE" sz="3200" spc="-1" strike="noStrike">
+                <a:solidFill>
+                  <a:srgbClr val="3e444c"/>
                 </a:solidFill>
                 <a:latin typeface="Univers for UniS 55 Roman Rg"/>
                 <a:ea typeface="DejaVu Sans"/>
               </a:rPr>
               <a:t>Betreuer: Florian Barth M. Sc., Dipl-Inf. Filip Krumpe, Dipl-Inf. Thomas Mendel</a:t>
             </a:r>
-            <a:endParaRPr lang="de-DE" sz="3200" b="0" strike="noStrike" spc="-1">
+            <a:endParaRPr b="0" lang="de-DE" sz="3200" spc="-1" strike="noStrike">
               <a:latin typeface="Arial"/>
             </a:endParaRPr>
           </a:p>
@@ -2406,7 +1853,7 @@
         <p:spPr>
           <a:xfrm>
             <a:off x="24768000" y="3960000"/>
-            <a:ext cx="5219280" cy="4247280"/>
+            <a:ext cx="5218560" cy="4246560"/>
           </a:xfrm>
           <a:prstGeom prst="rect">
             <a:avLst/>
@@ -2417,22 +1864,15 @@
           </a:ln>
         </p:spPr>
         <p:style>
-          <a:lnRef idx="0">
-            <a:scrgbClr r="0" g="0" b="0"/>
-          </a:lnRef>
-          <a:fillRef idx="0">
-            <a:scrgbClr r="0" g="0" b="0"/>
-          </a:fillRef>
-          <a:effectRef idx="0">
-            <a:scrgbClr r="0" g="0" b="0"/>
-          </a:effectRef>
+          <a:lnRef idx="0"/>
+          <a:fillRef idx="0"/>
+          <a:effectRef idx="0"/>
           <a:fontRef idx="minor"/>
         </p:style>
         <p:txBody>
-          <a:bodyPr lIns="129240" tIns="64800" rIns="129240" bIns="64800">
+          <a:bodyPr lIns="129240" rIns="129240" tIns="64800" bIns="64800">
             <a:noAutofit/>
           </a:bodyPr>
-          <a:lstStyle/>
           <a:p>
             <a:pPr>
               <a:lnSpc>
@@ -2443,16 +1883,16 @@
               </a:spcBef>
             </a:pPr>
             <a:r>
-              <a:rPr lang="de-DE" sz="5200" b="0" strike="noStrike" spc="-1" dirty="0">
-                <a:solidFill>
-                  <a:srgbClr val="FFFFFF"/>
+              <a:rPr b="0" lang="de-DE" sz="5200" spc="-1" strike="noStrike">
+                <a:solidFill>
+                  <a:srgbClr val="ffffff"/>
                 </a:solidFill>
                 <a:latin typeface="Univers for UniS 65 Bold Rg"/>
                 <a:ea typeface="DejaVu Sans"/>
               </a:rPr>
               <a:t>Institut für Formale Methoden der Informatik (FMI)</a:t>
             </a:r>
-            <a:endParaRPr lang="de-DE" sz="5200" b="0" strike="noStrike" spc="-1" dirty="0">
+            <a:endParaRPr b="0" lang="de-DE" sz="5200" spc="-1" strike="noStrike">
               <a:latin typeface="Arial"/>
             </a:endParaRPr>
           </a:p>
@@ -2467,7 +1907,7 @@
         <p:spPr>
           <a:xfrm>
             <a:off x="4057200" y="4021920"/>
-            <a:ext cx="15598080" cy="2543760"/>
+            <a:ext cx="15597360" cy="2543040"/>
           </a:xfrm>
           <a:prstGeom prst="rect">
             <a:avLst/>
@@ -2478,22 +1918,15 @@
           </a:ln>
         </p:spPr>
         <p:style>
-          <a:lnRef idx="0">
-            <a:scrgbClr r="0" g="0" b="0"/>
-          </a:lnRef>
-          <a:fillRef idx="0">
-            <a:scrgbClr r="0" g="0" b="0"/>
-          </a:fillRef>
-          <a:effectRef idx="0">
-            <a:scrgbClr r="0" g="0" b="0"/>
-          </a:effectRef>
+          <a:lnRef idx="0"/>
+          <a:fillRef idx="0"/>
+          <a:effectRef idx="0"/>
           <a:fontRef idx="minor"/>
         </p:style>
         <p:txBody>
-          <a:bodyPr lIns="129240" tIns="64800" rIns="129240" bIns="64800">
+          <a:bodyPr lIns="129240" rIns="129240" tIns="64800" bIns="64800">
             <a:noAutofit/>
           </a:bodyPr>
-          <a:lstStyle/>
           <a:p>
             <a:pPr>
               <a:lnSpc>
@@ -2504,9 +1937,9 @@
               </a:spcBef>
             </a:pPr>
             <a:r>
-              <a:rPr lang="de-DE" sz="9120" b="0" strike="noStrike" spc="-1">
-                <a:solidFill>
-                  <a:srgbClr val="7F7F7F"/>
+              <a:rPr b="0" lang="de-DE" sz="9120" spc="-1" strike="noStrike">
+                <a:solidFill>
+                  <a:srgbClr val="7f7f7f"/>
                 </a:solidFill>
                 <a:latin typeface="Calibri"/>
                 <a:ea typeface="DejaVu Sans"/>
@@ -2515,16 +1948,16 @@
             </a:r>
             <a:br/>
             <a:r>
-              <a:rPr lang="de-DE" sz="9120" b="0" strike="noStrike" spc="-1">
-                <a:solidFill>
-                  <a:srgbClr val="7F7F7F"/>
+              <a:rPr b="0" lang="de-DE" sz="9120" spc="-1" strike="noStrike">
+                <a:solidFill>
+                  <a:srgbClr val="7f7f7f"/>
                 </a:solidFill>
                 <a:latin typeface="Calibri"/>
                 <a:ea typeface="DejaVu Sans"/>
               </a:rPr>
               <a:t>Area Label Fitting in OSM</a:t>
             </a:r>
-            <a:endParaRPr lang="de-DE" sz="9120" b="0" strike="noStrike" spc="-1">
+            <a:endParaRPr b="0" lang="de-DE" sz="9120" spc="-1" strike="noStrike">
               <a:latin typeface="Arial"/>
             </a:endParaRPr>
           </a:p>
@@ -2539,19 +1972,19 @@
         <p:spPr>
           <a:xfrm>
             <a:off x="2037600" y="11470680"/>
-            <a:ext cx="12706920" cy="644760"/>
+            <a:ext cx="12706200" cy="644040"/>
           </a:xfrm>
           <a:prstGeom prst="rect">
             <a:avLst/>
           </a:prstGeom>
           <a:solidFill>
-            <a:srgbClr val="00B0F0"/>
+            <a:srgbClr val="00b0f0"/>
           </a:solidFill>
           <a:ln>
             <a:noFill/>
           </a:ln>
           <a:effectLst>
-            <a:outerShdw blurRad="50800" dist="37674" dir="2700000" algn="tl" rotWithShape="0">
+            <a:outerShdw algn="tl" blurRad="50800" dir="2700000" dist="37674" rotWithShape="0">
               <a:srgbClr val="000000">
                 <a:alpha val="40000"/>
               </a:srgbClr>
@@ -2559,49 +1992,52 @@
           </a:effectLst>
         </p:spPr>
         <p:style>
-          <a:lnRef idx="0">
-            <a:scrgbClr r="0" g="0" b="0"/>
-          </a:lnRef>
-          <a:fillRef idx="0">
-            <a:scrgbClr r="0" g="0" b="0"/>
-          </a:fillRef>
-          <a:effectRef idx="0">
-            <a:scrgbClr r="0" g="0" b="0"/>
-          </a:effectRef>
+          <a:lnRef idx="0"/>
+          <a:fillRef idx="0"/>
+          <a:effectRef idx="0"/>
           <a:fontRef idx="minor"/>
         </p:style>
         <p:txBody>
-          <a:bodyPr lIns="129240" tIns="64800" rIns="129240" bIns="64800">
+          <a:bodyPr lIns="129240" rIns="129240" tIns="64800" bIns="64800">
             <a:noAutofit/>
           </a:bodyPr>
-          <a:lstStyle/>
-          <a:p>
-            <a:pPr>
-              <a:lnSpc>
-                <a:spcPct val="100000"/>
-              </a:lnSpc>
-            </a:pPr>
-            <a:r>
-              <a:rPr lang="de-DE" sz="2800" b="0" strike="noStrike" spc="-1">
-                <a:solidFill>
-                  <a:srgbClr val="FFFFFF"/>
-                </a:solidFill>
-                <a:latin typeface="Arial"/>
-                <a:ea typeface="DejaVu Sans"/>
-              </a:rPr>
-              <a:t>                                                 Problemstellung</a:t>
-            </a:r>
-            <a:endParaRPr lang="de-DE" sz="2800" b="0" strike="noStrike" spc="-1">
-              <a:latin typeface="Arial"/>
-            </a:endParaRPr>
-          </a:p>
-          <a:p>
-            <a:pPr>
-              <a:lnSpc>
-                <a:spcPct val="100000"/>
-              </a:lnSpc>
-            </a:pPr>
-            <a:endParaRPr lang="de-DE" sz="2800" b="0" strike="noStrike" spc="-1">
+          <a:p>
+            <a:pPr>
+              <a:lnSpc>
+                <a:spcPct val="100000"/>
+              </a:lnSpc>
+            </a:pPr>
+            <a:r>
+              <a:rPr b="0" lang="de-DE" sz="2800" spc="-1" strike="noStrike">
+                <a:solidFill>
+                  <a:srgbClr val="ffffff"/>
+                </a:solidFill>
+                <a:latin typeface="Arial"/>
+                <a:ea typeface="DejaVu Sans"/>
+              </a:rPr>
+              <a:t>                                                 </a:t>
+            </a:r>
+            <a:r>
+              <a:rPr b="0" lang="de-DE" sz="2800" spc="-1" strike="noStrike">
+                <a:solidFill>
+                  <a:srgbClr val="ffffff"/>
+                </a:solidFill>
+                <a:latin typeface="Arial"/>
+                <a:ea typeface="DejaVu Sans"/>
+              </a:rPr>
+              <a:t>Problemstellung</a:t>
+            </a:r>
+            <a:endParaRPr b="0" lang="de-DE" sz="2800" spc="-1" strike="noStrike">
+              <a:latin typeface="Arial"/>
+            </a:endParaRPr>
+          </a:p>
+          <a:p>
+            <a:pPr>
+              <a:lnSpc>
+                <a:spcPct val="100000"/>
+              </a:lnSpc>
+            </a:pPr>
+            <a:endParaRPr b="0" lang="de-DE" sz="2800" spc="-1" strike="noStrike">
               <a:latin typeface="Arial"/>
             </a:endParaRPr>
           </a:p>
@@ -2616,7 +2052,7 @@
         <p:spPr>
           <a:xfrm>
             <a:off x="19579680" y="3389400"/>
-            <a:ext cx="4688280" cy="3311280"/>
+            <a:ext cx="4687560" cy="3310560"/>
           </a:xfrm>
           <a:prstGeom prst="rect">
             <a:avLst/>
@@ -2627,22 +2063,15 @@
           </a:ln>
         </p:spPr>
         <p:style>
-          <a:lnRef idx="0">
-            <a:scrgbClr r="0" g="0" b="0"/>
-          </a:lnRef>
-          <a:fillRef idx="0">
-            <a:scrgbClr r="0" g="0" b="0"/>
-          </a:fillRef>
-          <a:effectRef idx="0">
-            <a:scrgbClr r="0" g="0" b="0"/>
-          </a:effectRef>
+          <a:lnRef idx="0"/>
+          <a:fillRef idx="0"/>
+          <a:effectRef idx="0"/>
           <a:fontRef idx="minor"/>
         </p:style>
         <p:txBody>
-          <a:bodyPr lIns="129240" tIns="64800" rIns="129240" bIns="64800">
+          <a:bodyPr lIns="129240" rIns="129240" tIns="64800" bIns="64800">
             <a:noAutofit/>
           </a:bodyPr>
-          <a:lstStyle/>
           <a:p>
             <a:pPr marL="108360">
               <a:lnSpc>
@@ -2653,9 +2082,9 @@
               </a:spcBef>
             </a:pPr>
             <a:r>
-              <a:rPr lang="de-DE" sz="3200" b="0" strike="noStrike" spc="-1">
-                <a:solidFill>
-                  <a:srgbClr val="FFFFFF"/>
+              <a:rPr b="0" lang="de-DE" sz="3200" spc="-1" strike="noStrike">
+                <a:solidFill>
+                  <a:srgbClr val="ffffff"/>
                 </a:solidFill>
                 <a:latin typeface="Calibri"/>
                 <a:ea typeface="DejaVu Sans"/>
@@ -2664,9 +2093,9 @@
             </a:r>
             <a:br/>
             <a:r>
-              <a:rPr lang="de-DE" sz="3200" b="0" strike="noStrike" spc="-1">
-                <a:solidFill>
-                  <a:srgbClr val="FFFFFF"/>
+              <a:rPr b="0" lang="de-DE" sz="3200" spc="-1" strike="noStrike">
+                <a:solidFill>
+                  <a:srgbClr val="ffffff"/>
                 </a:solidFill>
                 <a:latin typeface="Calibri"/>
                 <a:ea typeface="DejaVu Sans"/>
@@ -2675,9 +2104,9 @@
             </a:r>
             <a:br/>
             <a:r>
-              <a:rPr lang="de-DE" sz="3200" b="0" strike="noStrike" spc="-1">
-                <a:solidFill>
-                  <a:srgbClr val="FFFFFF"/>
+              <a:rPr b="0" lang="de-DE" sz="3200" spc="-1" strike="noStrike">
+                <a:solidFill>
+                  <a:srgbClr val="ffffff"/>
                 </a:solidFill>
                 <a:latin typeface="Calibri"/>
                 <a:ea typeface="DejaVu Sans"/>
@@ -2686,16 +2115,16 @@
             </a:r>
             <a:br/>
             <a:r>
-              <a:rPr lang="de-DE" sz="3200" b="0" strike="noStrike" spc="-1">
-                <a:solidFill>
-                  <a:srgbClr val="FFFFFF"/>
+              <a:rPr b="0" lang="de-DE" sz="3200" spc="-1" strike="noStrike">
+                <a:solidFill>
+                  <a:srgbClr val="ffffff"/>
                 </a:solidFill>
                 <a:latin typeface="Calibri"/>
                 <a:ea typeface="DejaVu Sans"/>
               </a:rPr>
               <a:t>Michel Weitbrecht</a:t>
             </a:r>
-            <a:endParaRPr lang="de-DE" sz="3200" b="0" strike="noStrike" spc="-1">
+            <a:endParaRPr b="0" lang="de-DE" sz="3200" spc="-1" strike="noStrike">
               <a:latin typeface="Arial"/>
             </a:endParaRPr>
           </a:p>
@@ -2703,18 +2132,18 @@
       </p:sp>
       <p:pic>
         <p:nvPicPr>
-          <p:cNvPr id="47" name="Grafik 126"/>
+          <p:cNvPr id="47" name="Grafik 126" descr=""/>
           <p:cNvPicPr/>
           <p:nvPr/>
         </p:nvPicPr>
         <p:blipFill>
-          <a:blip r:embed="rId2"/>
+          <a:blip r:embed="rId1"/>
           <a:stretch/>
         </p:blipFill>
         <p:spPr>
           <a:xfrm>
             <a:off x="24768000" y="39948480"/>
-            <a:ext cx="3698640" cy="1796040"/>
+            <a:ext cx="3697920" cy="1795320"/>
           </a:xfrm>
           <a:prstGeom prst="rect">
             <a:avLst/>
@@ -2733,7 +2162,7 @@
         <p:spPr>
           <a:xfrm>
             <a:off x="2037600" y="12415680"/>
-            <a:ext cx="12706920" cy="11187000"/>
+            <a:ext cx="12706200" cy="11186280"/>
           </a:xfrm>
           <a:prstGeom prst="rect">
             <a:avLst/>
@@ -2747,15 +2176,9 @@
           </a:ln>
         </p:spPr>
         <p:style>
-          <a:lnRef idx="0">
-            <a:scrgbClr r="0" g="0" b="0"/>
-          </a:lnRef>
-          <a:fillRef idx="0">
-            <a:scrgbClr r="0" g="0" b="0"/>
-          </a:fillRef>
-          <a:effectRef idx="0">
-            <a:scrgbClr r="0" g="0" b="0"/>
-          </a:effectRef>
+          <a:lnRef idx="0"/>
+          <a:fillRef idx="0"/>
+          <a:effectRef idx="0"/>
           <a:fontRef idx="minor"/>
         </p:style>
       </p:sp>
@@ -2768,19 +2191,19 @@
         <p:spPr>
           <a:xfrm>
             <a:off x="2053440" y="23902920"/>
-            <a:ext cx="12706920" cy="644760"/>
+            <a:ext cx="12706200" cy="644040"/>
           </a:xfrm>
           <a:prstGeom prst="rect">
             <a:avLst/>
           </a:prstGeom>
           <a:solidFill>
-            <a:srgbClr val="00B0F0"/>
+            <a:srgbClr val="00b0f0"/>
           </a:solidFill>
           <a:ln>
             <a:noFill/>
           </a:ln>
           <a:effectLst>
-            <a:outerShdw blurRad="50800" dist="37674" dir="2700000" algn="tl" rotWithShape="0">
+            <a:outerShdw algn="tl" blurRad="50800" dir="2700000" dist="37674" rotWithShape="0">
               <a:srgbClr val="000000">
                 <a:alpha val="40000"/>
               </a:srgbClr>
@@ -2788,49 +2211,52 @@
           </a:effectLst>
         </p:spPr>
         <p:style>
-          <a:lnRef idx="0">
-            <a:scrgbClr r="0" g="0" b="0"/>
-          </a:lnRef>
-          <a:fillRef idx="0">
-            <a:scrgbClr r="0" g="0" b="0"/>
-          </a:fillRef>
-          <a:effectRef idx="0">
-            <a:scrgbClr r="0" g="0" b="0"/>
-          </a:effectRef>
+          <a:lnRef idx="0"/>
+          <a:fillRef idx="0"/>
+          <a:effectRef idx="0"/>
           <a:fontRef idx="minor"/>
         </p:style>
         <p:txBody>
-          <a:bodyPr lIns="129240" tIns="64800" rIns="129240" bIns="64800">
+          <a:bodyPr lIns="129240" rIns="129240" tIns="64800" bIns="64800">
             <a:noAutofit/>
           </a:bodyPr>
-          <a:lstStyle/>
-          <a:p>
-            <a:pPr>
-              <a:lnSpc>
-                <a:spcPct val="100000"/>
-              </a:lnSpc>
-            </a:pPr>
-            <a:r>
-              <a:rPr lang="de-DE" sz="2800" b="0" strike="noStrike" spc="-1">
-                <a:solidFill>
-                  <a:srgbClr val="FFFFFF"/>
-                </a:solidFill>
-                <a:latin typeface="Arial"/>
-                <a:ea typeface="DejaVu Sans"/>
-              </a:rPr>
-              <a:t>                                                     Architektur</a:t>
-            </a:r>
-            <a:endParaRPr lang="de-DE" sz="2800" b="0" strike="noStrike" spc="-1">
-              <a:latin typeface="Arial"/>
-            </a:endParaRPr>
-          </a:p>
-          <a:p>
-            <a:pPr>
-              <a:lnSpc>
-                <a:spcPct val="100000"/>
-              </a:lnSpc>
-            </a:pPr>
-            <a:endParaRPr lang="de-DE" sz="2800" b="0" strike="noStrike" spc="-1">
+          <a:p>
+            <a:pPr>
+              <a:lnSpc>
+                <a:spcPct val="100000"/>
+              </a:lnSpc>
+            </a:pPr>
+            <a:r>
+              <a:rPr b="0" lang="de-DE" sz="2800" spc="-1" strike="noStrike">
+                <a:solidFill>
+                  <a:srgbClr val="ffffff"/>
+                </a:solidFill>
+                <a:latin typeface="Arial"/>
+                <a:ea typeface="DejaVu Sans"/>
+              </a:rPr>
+              <a:t>                                                     </a:t>
+            </a:r>
+            <a:r>
+              <a:rPr b="0" lang="de-DE" sz="2800" spc="-1" strike="noStrike">
+                <a:solidFill>
+                  <a:srgbClr val="ffffff"/>
+                </a:solidFill>
+                <a:latin typeface="Arial"/>
+                <a:ea typeface="DejaVu Sans"/>
+              </a:rPr>
+              <a:t>Architektur</a:t>
+            </a:r>
+            <a:endParaRPr b="0" lang="de-DE" sz="2800" spc="-1" strike="noStrike">
+              <a:latin typeface="Arial"/>
+            </a:endParaRPr>
+          </a:p>
+          <a:p>
+            <a:pPr>
+              <a:lnSpc>
+                <a:spcPct val="100000"/>
+              </a:lnSpc>
+            </a:pPr>
+            <a:endParaRPr b="0" lang="de-DE" sz="2800" spc="-1" strike="noStrike">
               <a:latin typeface="Arial"/>
             </a:endParaRPr>
           </a:p>
@@ -2845,7 +2271,7 @@
         <p:spPr>
           <a:xfrm>
             <a:off x="2065320" y="24920640"/>
-            <a:ext cx="12706920" cy="9537840"/>
+            <a:ext cx="12706200" cy="9537120"/>
           </a:xfrm>
           <a:prstGeom prst="rect">
             <a:avLst/>
@@ -2867,117 +2293,116 @@
           <a:fontRef idx="minor"/>
         </p:style>
         <p:txBody>
-          <a:bodyPr lIns="90000" tIns="45000" rIns="90000" bIns="45000" anchor="ctr">
+          <a:bodyPr lIns="90000" rIns="90000" tIns="45000" bIns="45000" anchor="ctr">
             <a:noAutofit/>
           </a:bodyPr>
-          <a:lstStyle/>
-          <a:p>
-            <a:pPr>
-              <a:lnSpc>
-                <a:spcPct val="100000"/>
-              </a:lnSpc>
-            </a:pPr>
-            <a:endParaRPr lang="de-DE" sz="1800" b="0" strike="noStrike" spc="-1">
-              <a:latin typeface="Arial"/>
-            </a:endParaRPr>
-          </a:p>
-          <a:p>
-            <a:pPr>
-              <a:lnSpc>
-                <a:spcPct val="100000"/>
-              </a:lnSpc>
-            </a:pPr>
-            <a:endParaRPr lang="de-DE" sz="1800" b="0" strike="noStrike" spc="-1">
-              <a:latin typeface="Arial"/>
-            </a:endParaRPr>
-          </a:p>
-          <a:p>
-            <a:pPr>
-              <a:lnSpc>
-                <a:spcPct val="100000"/>
-              </a:lnSpc>
-            </a:pPr>
-            <a:endParaRPr lang="de-DE" sz="1800" b="0" strike="noStrike" spc="-1">
-              <a:latin typeface="Arial"/>
-            </a:endParaRPr>
-          </a:p>
-          <a:p>
-            <a:pPr>
-              <a:lnSpc>
-                <a:spcPct val="100000"/>
-              </a:lnSpc>
-            </a:pPr>
-            <a:endParaRPr lang="de-DE" sz="1800" b="0" strike="noStrike" spc="-1">
-              <a:latin typeface="Arial"/>
-            </a:endParaRPr>
-          </a:p>
-          <a:p>
-            <a:pPr>
-              <a:lnSpc>
-                <a:spcPct val="100000"/>
-              </a:lnSpc>
-            </a:pPr>
-            <a:endParaRPr lang="de-DE" sz="1800" b="0" strike="noStrike" spc="-1">
-              <a:latin typeface="Arial"/>
-            </a:endParaRPr>
-          </a:p>
-          <a:p>
-            <a:pPr>
-              <a:lnSpc>
-                <a:spcPct val="100000"/>
-              </a:lnSpc>
-            </a:pPr>
-            <a:endParaRPr lang="de-DE" sz="1800" b="0" strike="noStrike" spc="-1">
-              <a:latin typeface="Arial"/>
-            </a:endParaRPr>
-          </a:p>
-          <a:p>
-            <a:pPr>
-              <a:lnSpc>
-                <a:spcPct val="100000"/>
-              </a:lnSpc>
-            </a:pPr>
-            <a:endParaRPr lang="de-DE" sz="1800" b="0" strike="noStrike" spc="-1">
-              <a:latin typeface="Arial"/>
-            </a:endParaRPr>
-          </a:p>
-          <a:p>
-            <a:pPr>
-              <a:lnSpc>
-                <a:spcPct val="100000"/>
-              </a:lnSpc>
-            </a:pPr>
-            <a:endParaRPr lang="de-DE" sz="1800" b="0" strike="noStrike" spc="-1">
-              <a:latin typeface="Arial"/>
-            </a:endParaRPr>
-          </a:p>
-          <a:p>
-            <a:pPr>
-              <a:lnSpc>
-                <a:spcPct val="100000"/>
-              </a:lnSpc>
-            </a:pPr>
-            <a:endParaRPr lang="de-DE" sz="1800" b="0" strike="noStrike" spc="-1">
-              <a:latin typeface="Arial"/>
-            </a:endParaRPr>
-          </a:p>
-          <a:p>
-            <a:pPr>
-              <a:lnSpc>
-                <a:spcPct val="100000"/>
-              </a:lnSpc>
-            </a:pPr>
-            <a:endParaRPr lang="de-DE" sz="1800" b="0" strike="noStrike" spc="-1">
-              <a:latin typeface="Arial"/>
-            </a:endParaRPr>
-          </a:p>
-          <a:p>
-            <a:pPr>
-              <a:lnSpc>
-                <a:spcPct val="100000"/>
-              </a:lnSpc>
-            </a:pPr>
-            <a:endParaRPr lang="de-DE" sz="1800" b="0" strike="noStrike" spc="-1">
+          <a:p>
+            <a:pPr>
+              <a:lnSpc>
+                <a:spcPct val="100000"/>
+              </a:lnSpc>
+            </a:pPr>
+            <a:endParaRPr b="0" lang="de-DE" sz="1800" spc="-1" strike="noStrike">
+              <a:latin typeface="Arial"/>
+            </a:endParaRPr>
+          </a:p>
+          <a:p>
+            <a:pPr>
+              <a:lnSpc>
+                <a:spcPct val="100000"/>
+              </a:lnSpc>
+            </a:pPr>
+            <a:endParaRPr b="0" lang="de-DE" sz="1800" spc="-1" strike="noStrike">
+              <a:latin typeface="Arial"/>
+            </a:endParaRPr>
+          </a:p>
+          <a:p>
+            <a:pPr>
+              <a:lnSpc>
+                <a:spcPct val="100000"/>
+              </a:lnSpc>
+            </a:pPr>
+            <a:endParaRPr b="0" lang="de-DE" sz="1800" spc="-1" strike="noStrike">
+              <a:latin typeface="Arial"/>
+            </a:endParaRPr>
+          </a:p>
+          <a:p>
+            <a:pPr>
+              <a:lnSpc>
+                <a:spcPct val="100000"/>
+              </a:lnSpc>
+            </a:pPr>
+            <a:endParaRPr b="0" lang="de-DE" sz="1800" spc="-1" strike="noStrike">
+              <a:latin typeface="Arial"/>
+            </a:endParaRPr>
+          </a:p>
+          <a:p>
+            <a:pPr>
+              <a:lnSpc>
+                <a:spcPct val="100000"/>
+              </a:lnSpc>
+            </a:pPr>
+            <a:endParaRPr b="0" lang="de-DE" sz="1800" spc="-1" strike="noStrike">
+              <a:latin typeface="Arial"/>
+            </a:endParaRPr>
+          </a:p>
+          <a:p>
+            <a:pPr>
+              <a:lnSpc>
+                <a:spcPct val="100000"/>
+              </a:lnSpc>
+            </a:pPr>
+            <a:endParaRPr b="0" lang="de-DE" sz="1800" spc="-1" strike="noStrike">
+              <a:latin typeface="Arial"/>
+            </a:endParaRPr>
+          </a:p>
+          <a:p>
+            <a:pPr>
+              <a:lnSpc>
+                <a:spcPct val="100000"/>
+              </a:lnSpc>
+            </a:pPr>
+            <a:endParaRPr b="0" lang="de-DE" sz="1800" spc="-1" strike="noStrike">
+              <a:latin typeface="Arial"/>
+            </a:endParaRPr>
+          </a:p>
+          <a:p>
+            <a:pPr>
+              <a:lnSpc>
+                <a:spcPct val="100000"/>
+              </a:lnSpc>
+            </a:pPr>
+            <a:endParaRPr b="0" lang="de-DE" sz="1800" spc="-1" strike="noStrike">
+              <a:latin typeface="Arial"/>
+            </a:endParaRPr>
+          </a:p>
+          <a:p>
+            <a:pPr>
+              <a:lnSpc>
+                <a:spcPct val="100000"/>
+              </a:lnSpc>
+            </a:pPr>
+            <a:endParaRPr b="0" lang="de-DE" sz="1800" spc="-1" strike="noStrike">
+              <a:latin typeface="Arial"/>
+            </a:endParaRPr>
+          </a:p>
+          <a:p>
+            <a:pPr>
+              <a:lnSpc>
+                <a:spcPct val="100000"/>
+              </a:lnSpc>
+            </a:pPr>
+            <a:endParaRPr b="0" lang="de-DE" sz="1800" spc="-1" strike="noStrike">
+              <a:latin typeface="Arial"/>
+            </a:endParaRPr>
+          </a:p>
+          <a:p>
+            <a:pPr>
+              <a:lnSpc>
+                <a:spcPct val="100000"/>
+              </a:lnSpc>
+            </a:pPr>
+            <a:endParaRPr b="0" lang="de-DE" sz="1800" spc="-1" strike="noStrike">
               <a:latin typeface="Arial"/>
             </a:endParaRPr>
           </a:p>
@@ -2985,18 +2410,42 @@
       </p:sp>
       <p:pic>
         <p:nvPicPr>
-          <p:cNvPr id="51" name="Grafik 2"/>
+          <p:cNvPr id="51" name="Grafik 2" descr=""/>
+          <p:cNvPicPr/>
+          <p:nvPr/>
+        </p:nvPicPr>
+        <p:blipFill>
+          <a:blip r:embed="rId2"/>
+          <a:stretch/>
+        </p:blipFill>
+        <p:spPr>
+          <a:xfrm>
+            <a:off x="2300400" y="25221240"/>
+            <a:ext cx="12230280" cy="6089400"/>
+          </a:xfrm>
+          <a:prstGeom prst="rect">
+            <a:avLst/>
+          </a:prstGeom>
+          <a:ln>
+            <a:noFill/>
+          </a:ln>
+        </p:spPr>
+      </p:pic>
+      <p:pic>
+        <p:nvPicPr>
+          <p:cNvPr id="52" name="Grafik 13" descr=""/>
           <p:cNvPicPr/>
           <p:nvPr/>
         </p:nvPicPr>
         <p:blipFill>
           <a:blip r:embed="rId3"/>
+          <a:srcRect l="0" t="5088" r="0" b="0"/>
           <a:stretch/>
         </p:blipFill>
         <p:spPr>
           <a:xfrm>
-            <a:off x="2300400" y="25221235"/>
-            <a:ext cx="12231000" cy="6090125"/>
+            <a:off x="2300400" y="18182160"/>
+            <a:ext cx="6123600" cy="5088960"/>
           </a:xfrm>
           <a:prstGeom prst="rect">
             <a:avLst/>
@@ -3006,30 +2455,6 @@
           </a:ln>
         </p:spPr>
       </p:pic>
-      <p:pic>
-        <p:nvPicPr>
-          <p:cNvPr id="52" name="Grafik 13"/>
-          <p:cNvPicPr/>
-          <p:nvPr/>
-        </p:nvPicPr>
-        <p:blipFill rotWithShape="1">
-          <a:blip r:embed="rId4"/>
-          <a:srcRect t="5089"/>
-          <a:stretch/>
-        </p:blipFill>
-        <p:spPr>
-          <a:xfrm>
-            <a:off x="2300400" y="18182160"/>
-            <a:ext cx="6124320" cy="5089680"/>
-          </a:xfrm>
-          <a:prstGeom prst="rect">
-            <a:avLst/>
-          </a:prstGeom>
-          <a:ln>
-            <a:noFill/>
-          </a:ln>
-        </p:spPr>
-      </p:pic>
       <p:sp>
         <p:nvSpPr>
           <p:cNvPr id="53" name="CustomShape 10"/>
@@ -3038,8 +2463,8 @@
         </p:nvSpPr>
         <p:spPr>
           <a:xfrm>
-            <a:off x="2299050" y="12715560"/>
-            <a:ext cx="12232350" cy="4430528"/>
+            <a:off x="2298960" y="12715560"/>
+            <a:ext cx="12231720" cy="4387680"/>
           </a:xfrm>
           <a:prstGeom prst="rect">
             <a:avLst/>
@@ -3050,229 +2475,160 @@
           </a:ln>
         </p:spPr>
         <p:style>
-          <a:lnRef idx="0">
-            <a:scrgbClr r="0" g="0" b="0"/>
-          </a:lnRef>
-          <a:fillRef idx="0">
-            <a:scrgbClr r="0" g="0" b="0"/>
-          </a:fillRef>
-          <a:effectRef idx="0">
-            <a:scrgbClr r="0" g="0" b="0"/>
-          </a:effectRef>
+          <a:lnRef idx="0"/>
+          <a:fillRef idx="0"/>
+          <a:effectRef idx="0"/>
           <a:fontRef idx="minor"/>
         </p:style>
         <p:txBody>
-          <a:bodyPr wrap="square" lIns="90000" tIns="45000" rIns="90000" bIns="45000">
+          <a:bodyPr lIns="90000" rIns="90000" tIns="45000" bIns="45000">
             <a:spAutoFit/>
           </a:bodyPr>
-          <a:lstStyle/>
-          <a:p>
-            <a:pPr>
-              <a:lnSpc>
-                <a:spcPct val="100000"/>
-              </a:lnSpc>
-            </a:pPr>
-            <a:r>
-              <a:rPr lang="de-DE" sz="2400" b="0" strike="noStrike" spc="-1" dirty="0">
+          <a:p>
+            <a:pPr>
+              <a:lnSpc>
+                <a:spcPct val="100000"/>
+              </a:lnSpc>
+            </a:pPr>
+            <a:r>
+              <a:rPr b="0" lang="de-DE" sz="2400" spc="-1" strike="noStrike">
                 <a:solidFill>
                   <a:srgbClr val="000000"/>
                 </a:solidFill>
                 <a:latin typeface="Arial"/>
                 <a:ea typeface="DejaVu Sans"/>
               </a:rPr>
-              <a:t>Herkömmliche Kartensysteme laden ihre Daten in Form </a:t>
-            </a:r>
-            <a:r>
-              <a:rPr lang="de-DE" sz="2400" b="0" strike="noStrike" spc="-1" dirty="0" err="1">
+              <a:t>Herkömmliche Kartensysteme laden ihre Daten in Form vorgerendeter Grafiken (Tiles).</a:t>
+            </a:r>
+            <a:endParaRPr b="0" lang="de-DE" sz="2400" spc="-1" strike="noStrike">
+              <a:latin typeface="Arial"/>
+            </a:endParaRPr>
+          </a:p>
+          <a:p>
+            <a:pPr>
+              <a:lnSpc>
+                <a:spcPct val="100000"/>
+              </a:lnSpc>
+            </a:pPr>
+            <a:br/>
+            <a:r>
+              <a:rPr b="0" i="1" lang="de-DE" sz="2400" spc="-1" strike="noStrike">
                 <a:solidFill>
                   <a:srgbClr val="000000"/>
                 </a:solidFill>
                 <a:latin typeface="Arial"/>
                 <a:ea typeface="DejaVu Sans"/>
               </a:rPr>
-              <a:t>vorgerendeter</a:t>
-            </a:r>
-            <a:r>
-              <a:rPr lang="de-DE" sz="2400" spc="-1" dirty="0">
-                <a:latin typeface="Arial"/>
-              </a:rPr>
-              <a:t> </a:t>
-            </a:r>
-            <a:r>
-              <a:rPr lang="de-DE" sz="2400" b="0" strike="noStrike" spc="-1" dirty="0">
+              <a:t>Probleme: </a:t>
+            </a:r>
+            <a:br/>
+            <a:r>
+              <a:rPr b="0" lang="de-DE" sz="2400" spc="-1" strike="noStrike">
                 <a:solidFill>
                   <a:srgbClr val="000000"/>
                 </a:solidFill>
                 <a:latin typeface="Arial"/>
                 <a:ea typeface="DejaVu Sans"/>
               </a:rPr>
-              <a:t>Grafiken (</a:t>
-            </a:r>
-            <a:r>
-              <a:rPr lang="de-DE" sz="2400" b="0" strike="noStrike" spc="-1" dirty="0" err="1">
+              <a:t>- Große Datenmengen durch binäre Grafikdateien</a:t>
+            </a:r>
+            <a:br/>
+            <a:r>
+              <a:rPr b="0" lang="de-DE" sz="2400" spc="-1" strike="noStrike">
                 <a:solidFill>
                   <a:srgbClr val="000000"/>
                 </a:solidFill>
                 <a:latin typeface="Arial"/>
                 <a:ea typeface="DejaVu Sans"/>
               </a:rPr>
-              <a:t>Tiles</a:t>
-            </a:r>
-            <a:r>
-              <a:rPr lang="de-DE" sz="2400" b="0" strike="noStrike" spc="-1" dirty="0">
+              <a:t>- Keine Filterung von Kartenelementen zur Laufzeit möglich</a:t>
+            </a:r>
+            <a:br/>
+            <a:r>
+              <a:rPr b="0" lang="de-DE" sz="2400" spc="-1" strike="noStrike">
                 <a:solidFill>
                   <a:srgbClr val="000000"/>
                 </a:solidFill>
                 <a:latin typeface="Arial"/>
                 <a:ea typeface="DejaVu Sans"/>
               </a:rPr>
-              <a:t>).</a:t>
-            </a:r>
-            <a:endParaRPr lang="de-DE" sz="2400" b="0" strike="noStrike" spc="-1" dirty="0">
-              <a:latin typeface="Arial"/>
-            </a:endParaRPr>
-          </a:p>
-          <a:p>
-            <a:pPr>
-              <a:lnSpc>
-                <a:spcPct val="100000"/>
-              </a:lnSpc>
-            </a:pPr>
-            <a:br>
-              <a:rPr dirty="0"/>
-            </a:br>
-            <a:r>
-              <a:rPr lang="de-DE" sz="2400" b="0" i="1" strike="noStrike" spc="-1" dirty="0">
+              <a:t>- Labels drehen sich bei Rotation der Karte mit</a:t>
+            </a:r>
+            <a:endParaRPr b="0" lang="de-DE" sz="2400" spc="-1" strike="noStrike">
+              <a:latin typeface="Arial"/>
+            </a:endParaRPr>
+          </a:p>
+          <a:p>
+            <a:pPr>
+              <a:lnSpc>
+                <a:spcPct val="100000"/>
+              </a:lnSpc>
+            </a:pPr>
+            <a:endParaRPr b="0" lang="de-DE" sz="2400" spc="-1" strike="noStrike">
+              <a:latin typeface="Arial"/>
+            </a:endParaRPr>
+          </a:p>
+          <a:p>
+            <a:pPr>
+              <a:lnSpc>
+                <a:spcPct val="100000"/>
+              </a:lnSpc>
+            </a:pPr>
+            <a:r>
+              <a:rPr b="0" i="1" lang="de-DE" sz="2400" spc="-1" strike="noStrike">
                 <a:solidFill>
                   <a:srgbClr val="000000"/>
                 </a:solidFill>
                 <a:latin typeface="Arial"/>
                 <a:ea typeface="DejaVu Sans"/>
               </a:rPr>
-              <a:t>Probleme: </a:t>
-            </a:r>
-            <a:br>
-              <a:rPr dirty="0"/>
-            </a:br>
-            <a:r>
-              <a:rPr lang="de-DE" sz="2400" b="0" strike="noStrike" spc="-1" dirty="0">
+              <a:t>Konzeptioneller Lösungsansatz:</a:t>
+            </a:r>
+            <a:br/>
+            <a:r>
+              <a:rPr b="0" lang="de-DE" sz="2400" spc="-1" strike="noStrike">
                 <a:solidFill>
                   <a:srgbClr val="000000"/>
                 </a:solidFill>
                 <a:latin typeface="Arial"/>
                 <a:ea typeface="DejaVu Sans"/>
               </a:rPr>
-              <a:t>- Große Datenmengen durch binäre Grafikdateien</a:t>
-            </a:r>
-            <a:br>
-              <a:rPr dirty="0"/>
-            </a:br>
-            <a:r>
-              <a:rPr lang="de-DE" sz="2400" b="0" strike="noStrike" spc="-1" dirty="0">
+              <a:t>- Client (Browser) fragt benötigte Kartenausschnitte beim Server an</a:t>
+            </a:r>
+            <a:br/>
+            <a:r>
+              <a:rPr b="0" lang="de-DE" sz="2400" spc="-1" strike="noStrike">
                 <a:solidFill>
                   <a:srgbClr val="000000"/>
                 </a:solidFill>
                 <a:latin typeface="Arial"/>
                 <a:ea typeface="DejaVu Sans"/>
               </a:rPr>
-              <a:t>- Keine Filterung von Kartenelementen zur Laufzeit möglich</a:t>
-            </a:r>
-            <a:br>
-              <a:rPr dirty="0"/>
-            </a:br>
-            <a:r>
-              <a:rPr lang="de-DE" sz="2400" b="0" strike="noStrike" spc="-1" dirty="0">
+              <a:t>- Übermittlung geografischer Daten statt Grafiken</a:t>
+            </a:r>
+            <a:br/>
+            <a:r>
+              <a:rPr b="0" lang="de-DE" sz="2400" spc="-1" strike="noStrike">
                 <a:solidFill>
                   <a:srgbClr val="000000"/>
                 </a:solidFill>
                 <a:latin typeface="Arial"/>
                 <a:ea typeface="DejaVu Sans"/>
               </a:rPr>
-              <a:t>- Labels drehen sich bei Rotation der Karte mit</a:t>
-            </a:r>
-            <a:endParaRPr lang="de-DE" sz="2400" b="0" strike="noStrike" spc="-1" dirty="0">
-              <a:latin typeface="Arial"/>
-            </a:endParaRPr>
-          </a:p>
-          <a:p>
-            <a:pPr>
-              <a:lnSpc>
-                <a:spcPct val="100000"/>
-              </a:lnSpc>
-            </a:pPr>
-            <a:endParaRPr lang="de-DE" sz="2400" b="0" strike="noStrike" spc="-1" dirty="0">
-              <a:latin typeface="Arial"/>
-            </a:endParaRPr>
-          </a:p>
-          <a:p>
-            <a:pPr>
-              <a:lnSpc>
-                <a:spcPct val="100000"/>
-              </a:lnSpc>
-            </a:pPr>
-            <a:r>
-              <a:rPr lang="de-DE" sz="2400" b="0" i="1" strike="noStrike" spc="-1" dirty="0">
+              <a:t>- Client übernimmt das Rendern der Karte</a:t>
+            </a:r>
+            <a:br/>
+            <a:r>
+              <a:rPr b="0" lang="de-DE" sz="2400" spc="-1" strike="noStrike">
                 <a:solidFill>
                   <a:srgbClr val="000000"/>
                 </a:solidFill>
                 <a:latin typeface="Arial"/>
                 <a:ea typeface="DejaVu Sans"/>
               </a:rPr>
-              <a:t>Konzeptioneller Lösungsansatz:</a:t>
-            </a:r>
-            <a:br>
-              <a:rPr dirty="0"/>
-            </a:br>
-            <a:r>
-              <a:rPr lang="de-DE" sz="2400" b="0" strike="noStrike" spc="-1" dirty="0">
-                <a:solidFill>
-                  <a:srgbClr val="000000"/>
-                </a:solidFill>
-                <a:latin typeface="Arial"/>
-                <a:ea typeface="DejaVu Sans"/>
-              </a:rPr>
-              <a:t>- Client (Browser) fragt benötigte Kartenausschnitte beim Server an</a:t>
-            </a:r>
-            <a:br>
-              <a:rPr dirty="0"/>
-            </a:br>
-            <a:r>
-              <a:rPr lang="de-DE" sz="2400" b="0" strike="noStrike" spc="-1" dirty="0">
-                <a:solidFill>
-                  <a:srgbClr val="000000"/>
-                </a:solidFill>
-                <a:latin typeface="Arial"/>
-                <a:ea typeface="DejaVu Sans"/>
-              </a:rPr>
-              <a:t>- Übermittlung geografischer Daten statt Grafiken</a:t>
-            </a:r>
-            <a:br>
-              <a:rPr dirty="0"/>
-            </a:br>
-            <a:r>
-              <a:rPr lang="de-DE" sz="2400" b="0" strike="noStrike" spc="-1" dirty="0">
-                <a:solidFill>
-                  <a:srgbClr val="000000"/>
-                </a:solidFill>
-                <a:latin typeface="Arial"/>
-                <a:ea typeface="DejaVu Sans"/>
-              </a:rPr>
-              <a:t>- Client übernimmt das Rendern der Karte</a:t>
-            </a:r>
-            <a:br>
-              <a:rPr dirty="0"/>
-            </a:br>
-            <a:r>
-              <a:rPr lang="de-DE" sz="2400" b="0" strike="noStrike" spc="-1" dirty="0">
-                <a:solidFill>
-                  <a:srgbClr val="000000"/>
-                </a:solidFill>
-                <a:latin typeface="Arial"/>
-                <a:ea typeface="DejaVu Sans"/>
-              </a:rPr>
               <a:t>- Vorverarbeitung der Daten für höhere Effizienz</a:t>
             </a:r>
-            <a:endParaRPr lang="de-DE" sz="2400" b="0" strike="noStrike" spc="-1" dirty="0">
+            <a:endParaRPr b="0" lang="de-DE" sz="2400" spc="-1" strike="noStrike">
               <a:latin typeface="Arial"/>
             </a:endParaRPr>
           </a:p>
@@ -3287,19 +2643,19 @@
         <p:spPr>
           <a:xfrm>
             <a:off x="15660000" y="11470680"/>
-            <a:ext cx="12706920" cy="644760"/>
+            <a:ext cx="12706200" cy="644040"/>
           </a:xfrm>
           <a:prstGeom prst="rect">
             <a:avLst/>
           </a:prstGeom>
           <a:solidFill>
-            <a:srgbClr val="00B0F0"/>
+            <a:srgbClr val="00b0f0"/>
           </a:solidFill>
           <a:ln>
             <a:noFill/>
           </a:ln>
           <a:effectLst>
-            <a:outerShdw blurRad="50800" dist="37674" dir="2700000" algn="tl" rotWithShape="0">
+            <a:outerShdw algn="tl" blurRad="50800" dir="2700000" dist="37674" rotWithShape="0">
               <a:srgbClr val="000000">
                 <a:alpha val="40000"/>
               </a:srgbClr>
@@ -3307,49 +2663,52 @@
           </a:effectLst>
         </p:spPr>
         <p:style>
-          <a:lnRef idx="0">
-            <a:scrgbClr r="0" g="0" b="0"/>
-          </a:lnRef>
-          <a:fillRef idx="0">
-            <a:scrgbClr r="0" g="0" b="0"/>
-          </a:fillRef>
-          <a:effectRef idx="0">
-            <a:scrgbClr r="0" g="0" b="0"/>
-          </a:effectRef>
+          <a:lnRef idx="0"/>
+          <a:fillRef idx="0"/>
+          <a:effectRef idx="0"/>
           <a:fontRef idx="minor"/>
         </p:style>
         <p:txBody>
-          <a:bodyPr lIns="129240" tIns="64800" rIns="129240" bIns="64800">
+          <a:bodyPr lIns="129240" rIns="129240" tIns="64800" bIns="64800">
             <a:noAutofit/>
           </a:bodyPr>
-          <a:lstStyle/>
-          <a:p>
-            <a:pPr>
-              <a:lnSpc>
-                <a:spcPct val="100000"/>
-              </a:lnSpc>
-            </a:pPr>
-            <a:r>
-              <a:rPr lang="de-DE" sz="2800" b="0" strike="noStrike" spc="-1" dirty="0">
-                <a:solidFill>
-                  <a:srgbClr val="FFFFFF"/>
-                </a:solidFill>
-                <a:latin typeface="Arial"/>
-                <a:ea typeface="DejaVu Sans"/>
-              </a:rPr>
-              <a:t>                                                 Vorverarbeitung</a:t>
-            </a:r>
-            <a:endParaRPr lang="de-DE" sz="2800" b="0" strike="noStrike" spc="-1" dirty="0">
-              <a:latin typeface="Arial"/>
-            </a:endParaRPr>
-          </a:p>
-          <a:p>
-            <a:pPr>
-              <a:lnSpc>
-                <a:spcPct val="100000"/>
-              </a:lnSpc>
-            </a:pPr>
-            <a:endParaRPr lang="de-DE" sz="2800" b="0" strike="noStrike" spc="-1" dirty="0">
+          <a:p>
+            <a:pPr>
+              <a:lnSpc>
+                <a:spcPct val="100000"/>
+              </a:lnSpc>
+            </a:pPr>
+            <a:r>
+              <a:rPr b="0" lang="de-DE" sz="2800" spc="-1" strike="noStrike">
+                <a:solidFill>
+                  <a:srgbClr val="ffffff"/>
+                </a:solidFill>
+                <a:latin typeface="Arial"/>
+                <a:ea typeface="DejaVu Sans"/>
+              </a:rPr>
+              <a:t>                                                 </a:t>
+            </a:r>
+            <a:r>
+              <a:rPr b="0" lang="de-DE" sz="2800" spc="-1" strike="noStrike">
+                <a:solidFill>
+                  <a:srgbClr val="ffffff"/>
+                </a:solidFill>
+                <a:latin typeface="Arial"/>
+                <a:ea typeface="DejaVu Sans"/>
+              </a:rPr>
+              <a:t>Vorverarbeitung</a:t>
+            </a:r>
+            <a:endParaRPr b="0" lang="de-DE" sz="2800" spc="-1" strike="noStrike">
+              <a:latin typeface="Arial"/>
+            </a:endParaRPr>
+          </a:p>
+          <a:p>
+            <a:pPr>
+              <a:lnSpc>
+                <a:spcPct val="100000"/>
+              </a:lnSpc>
+            </a:pPr>
+            <a:endParaRPr b="0" lang="de-DE" sz="2800" spc="-1" strike="noStrike">
               <a:latin typeface="Arial"/>
             </a:endParaRPr>
           </a:p>
@@ -3357,7 +2716,59 @@
       </p:sp>
       <p:pic>
         <p:nvPicPr>
-          <p:cNvPr id="55" name="Grafik 4"/>
+          <p:cNvPr id="55" name="Grafik 4" descr=""/>
+          <p:cNvPicPr/>
+          <p:nvPr/>
+        </p:nvPicPr>
+        <p:blipFill>
+          <a:blip r:embed="rId4"/>
+          <a:stretch/>
+        </p:blipFill>
+        <p:spPr>
+          <a:xfrm>
+            <a:off x="16318800" y="22284720"/>
+            <a:ext cx="3305880" cy="3176640"/>
+          </a:xfrm>
+          <a:prstGeom prst="rect">
+            <a:avLst/>
+          </a:prstGeom>
+          <a:ln>
+            <a:noFill/>
+          </a:ln>
+        </p:spPr>
+      </p:pic>
+      <p:sp>
+        <p:nvSpPr>
+          <p:cNvPr id="56" name="CustomShape 12"/>
+          <p:cNvSpPr/>
+          <p:nvPr/>
+        </p:nvSpPr>
+        <p:spPr>
+          <a:xfrm>
+            <a:off x="15660000" y="12415680"/>
+            <a:ext cx="12706200" cy="5958720"/>
+          </a:xfrm>
+          <a:prstGeom prst="rect">
+            <a:avLst/>
+          </a:prstGeom>
+          <a:noFill/>
+          <a:ln w="9360">
+            <a:solidFill>
+              <a:schemeClr val="accent3"/>
+            </a:solidFill>
+            <a:round/>
+          </a:ln>
+        </p:spPr>
+        <p:style>
+          <a:lnRef idx="0"/>
+          <a:fillRef idx="0"/>
+          <a:effectRef idx="0"/>
+          <a:fontRef idx="minor"/>
+        </p:style>
+      </p:sp>
+      <p:pic>
+        <p:nvPicPr>
+          <p:cNvPr id="57" name="Grafik 15" descr=""/>
           <p:cNvPicPr/>
           <p:nvPr/>
         </p:nvPicPr>
@@ -3367,8 +2778,8 @@
         </p:blipFill>
         <p:spPr>
           <a:xfrm>
-            <a:off x="16318800" y="22284720"/>
-            <a:ext cx="3306600" cy="3177360"/>
+            <a:off x="21047040" y="21413160"/>
+            <a:ext cx="6329880" cy="4512960"/>
           </a:xfrm>
           <a:prstGeom prst="rect">
             <a:avLst/>
@@ -3378,16 +2789,39 @@
           </a:ln>
         </p:spPr>
       </p:pic>
-      <p:sp>
-        <p:nvSpPr>
-          <p:cNvPr id="56" name="CustomShape 12"/>
+      <p:pic>
+        <p:nvPicPr>
+          <p:cNvPr id="58" name="Grafik 19" descr=""/>
+          <p:cNvPicPr/>
+          <p:nvPr/>
+        </p:nvPicPr>
+        <p:blipFill>
+          <a:blip r:embed="rId6"/>
+          <a:stretch/>
+        </p:blipFill>
+        <p:spPr>
+          <a:xfrm>
+            <a:off x="8642160" y="18182160"/>
+            <a:ext cx="5876280" cy="4619160"/>
+          </a:xfrm>
+          <a:prstGeom prst="rect">
+            <a:avLst/>
+          </a:prstGeom>
+          <a:ln>
+            <a:noFill/>
+          </a:ln>
+        </p:spPr>
+      </p:pic>
+      <p:sp>
+        <p:nvSpPr>
+          <p:cNvPr id="59" name="CustomShape 13"/>
           <p:cNvSpPr/>
           <p:nvPr/>
         </p:nvSpPr>
         <p:spPr>
           <a:xfrm>
-            <a:off x="15660000" y="12415680"/>
-            <a:ext cx="12706920" cy="5959440"/>
+            <a:off x="15660000" y="27564120"/>
+            <a:ext cx="12706200" cy="11283480"/>
           </a:xfrm>
           <a:prstGeom prst="rect">
             <a:avLst/>
@@ -3401,44 +2835,516 @@
           </a:ln>
         </p:spPr>
         <p:style>
-          <a:lnRef idx="0">
-            <a:scrgbClr r="0" g="0" b="0"/>
-          </a:lnRef>
-          <a:fillRef idx="0">
-            <a:scrgbClr r="0" g="0" b="0"/>
-          </a:fillRef>
-          <a:effectRef idx="0">
-            <a:scrgbClr r="0" g="0" b="0"/>
-          </a:effectRef>
+          <a:lnRef idx="0"/>
+          <a:fillRef idx="0"/>
+          <a:effectRef idx="0"/>
           <a:fontRef idx="minor"/>
         </p:style>
       </p:sp>
-      <p:pic>
-        <p:nvPicPr>
-          <p:cNvPr id="57" name="Grafik 15"/>
-          <p:cNvPicPr/>
+      <p:sp>
+        <p:nvSpPr>
+          <p:cNvPr id="60" name="CustomShape 14"/>
+          <p:cNvSpPr/>
           <p:nvPr/>
-        </p:nvPicPr>
-        <p:blipFill>
-          <a:blip r:embed="rId6"/>
-          <a:stretch/>
-        </p:blipFill>
-        <p:spPr>
-          <a:xfrm>
-            <a:off x="21047040" y="21413160"/>
-            <a:ext cx="6330600" cy="4513680"/>
-          </a:xfrm>
-          <a:prstGeom prst="rect">
-            <a:avLst/>
-          </a:prstGeom>
+        </p:nvSpPr>
+        <p:spPr>
+          <a:xfrm>
+            <a:off x="15660000" y="18627480"/>
+            <a:ext cx="12706200" cy="644040"/>
+          </a:xfrm>
+          <a:prstGeom prst="rect">
+            <a:avLst/>
+          </a:prstGeom>
+          <a:solidFill>
+            <a:srgbClr val="00b0f0"/>
+          </a:solidFill>
           <a:ln>
             <a:noFill/>
           </a:ln>
-        </p:spPr>
-      </p:pic>
+          <a:effectLst>
+            <a:outerShdw algn="tl" blurRad="50800" dir="2700000" dist="37674" rotWithShape="0">
+              <a:srgbClr val="000000">
+                <a:alpha val="40000"/>
+              </a:srgbClr>
+            </a:outerShdw>
+          </a:effectLst>
+        </p:spPr>
+        <p:style>
+          <a:lnRef idx="0"/>
+          <a:fillRef idx="0"/>
+          <a:effectRef idx="0"/>
+          <a:fontRef idx="minor"/>
+        </p:style>
+        <p:txBody>
+          <a:bodyPr lIns="129240" rIns="129240" tIns="64800" bIns="64800">
+            <a:noAutofit/>
+          </a:bodyPr>
+          <a:p>
+            <a:pPr>
+              <a:lnSpc>
+                <a:spcPct val="100000"/>
+              </a:lnSpc>
+            </a:pPr>
+            <a:r>
+              <a:rPr b="0" lang="de-DE" sz="2800" spc="-1" strike="noStrike">
+                <a:solidFill>
+                  <a:srgbClr val="ffffff"/>
+                </a:solidFill>
+                <a:latin typeface="Arial"/>
+                <a:ea typeface="DejaVu Sans"/>
+              </a:rPr>
+              <a:t>                                                     </a:t>
+            </a:r>
+            <a:r>
+              <a:rPr b="0" lang="de-DE" sz="2800" spc="-1" strike="noStrike">
+                <a:solidFill>
+                  <a:srgbClr val="ffffff"/>
+                </a:solidFill>
+                <a:latin typeface="Arial"/>
+                <a:ea typeface="DejaVu Sans"/>
+              </a:rPr>
+              <a:t>Gebogene Beschriftungen</a:t>
+            </a:r>
+            <a:endParaRPr b="0" lang="de-DE" sz="2800" spc="-1" strike="noStrike">
+              <a:latin typeface="Arial"/>
+            </a:endParaRPr>
+          </a:p>
+          <a:p>
+            <a:pPr>
+              <a:lnSpc>
+                <a:spcPct val="100000"/>
+              </a:lnSpc>
+            </a:pPr>
+            <a:endParaRPr b="0" lang="de-DE" sz="2800" spc="-1" strike="noStrike">
+              <a:latin typeface="Arial"/>
+            </a:endParaRPr>
+          </a:p>
+        </p:txBody>
+      </p:sp>
+      <p:sp>
+        <p:nvSpPr>
+          <p:cNvPr id="61" name="CustomShape 15"/>
+          <p:cNvSpPr/>
+          <p:nvPr/>
+        </p:nvSpPr>
+        <p:spPr>
+          <a:xfrm>
+            <a:off x="15660000" y="26665560"/>
+            <a:ext cx="12706200" cy="644040"/>
+          </a:xfrm>
+          <a:prstGeom prst="rect">
+            <a:avLst/>
+          </a:prstGeom>
+          <a:solidFill>
+            <a:srgbClr val="00b0f0"/>
+          </a:solidFill>
+          <a:ln>
+            <a:noFill/>
+          </a:ln>
+          <a:effectLst>
+            <a:outerShdw algn="tl" blurRad="50800" dir="2700000" dist="37674" rotWithShape="0">
+              <a:srgbClr val="000000">
+                <a:alpha val="40000"/>
+              </a:srgbClr>
+            </a:outerShdw>
+          </a:effectLst>
+        </p:spPr>
+        <p:style>
+          <a:lnRef idx="0"/>
+          <a:fillRef idx="0"/>
+          <a:effectRef idx="0"/>
+          <a:fontRef idx="minor"/>
+        </p:style>
+        <p:txBody>
+          <a:bodyPr lIns="129240" rIns="129240" tIns="64800" bIns="64800">
+            <a:noAutofit/>
+          </a:bodyPr>
+          <a:p>
+            <a:pPr>
+              <a:lnSpc>
+                <a:spcPct val="100000"/>
+              </a:lnSpc>
+            </a:pPr>
+            <a:r>
+              <a:rPr b="0" lang="de-DE" sz="2800" spc="-1" strike="noStrike">
+                <a:solidFill>
+                  <a:srgbClr val="ffffff"/>
+                </a:solidFill>
+                <a:latin typeface="Arial"/>
+                <a:ea typeface="DejaVu Sans"/>
+              </a:rPr>
+              <a:t>                                                    </a:t>
+            </a:r>
+            <a:r>
+              <a:rPr b="0" lang="de-DE" sz="2800" spc="-1" strike="noStrike">
+                <a:solidFill>
+                  <a:srgbClr val="ffffff"/>
+                </a:solidFill>
+                <a:latin typeface="Arial"/>
+                <a:ea typeface="DejaVu Sans"/>
+              </a:rPr>
+              <a:t>Grenzvereinfachung</a:t>
+            </a:r>
+            <a:endParaRPr b="0" lang="de-DE" sz="2800" spc="-1" strike="noStrike">
+              <a:latin typeface="Arial"/>
+            </a:endParaRPr>
+          </a:p>
+          <a:p>
+            <a:pPr>
+              <a:lnSpc>
+                <a:spcPct val="100000"/>
+              </a:lnSpc>
+            </a:pPr>
+            <a:endParaRPr b="0" lang="de-DE" sz="2800" spc="-1" strike="noStrike">
+              <a:latin typeface="Arial"/>
+            </a:endParaRPr>
+          </a:p>
+        </p:txBody>
+      </p:sp>
+      <p:sp>
+        <p:nvSpPr>
+          <p:cNvPr id="62" name="CustomShape 16"/>
+          <p:cNvSpPr/>
+          <p:nvPr/>
+        </p:nvSpPr>
+        <p:spPr>
+          <a:xfrm>
+            <a:off x="15660000" y="19546200"/>
+            <a:ext cx="12706200" cy="6917040"/>
+          </a:xfrm>
+          <a:prstGeom prst="rect">
+            <a:avLst/>
+          </a:prstGeom>
+          <a:noFill/>
+          <a:ln w="9360">
+            <a:solidFill>
+              <a:schemeClr val="accent3"/>
+            </a:solidFill>
+            <a:round/>
+          </a:ln>
+        </p:spPr>
+        <p:style>
+          <a:lnRef idx="0"/>
+          <a:fillRef idx="0"/>
+          <a:effectRef idx="0"/>
+          <a:fontRef idx="minor"/>
+        </p:style>
+      </p:sp>
+      <p:sp>
+        <p:nvSpPr>
+          <p:cNvPr id="63" name="CustomShape 17"/>
+          <p:cNvSpPr/>
+          <p:nvPr/>
+        </p:nvSpPr>
+        <p:spPr>
+          <a:xfrm>
+            <a:off x="15940800" y="27979200"/>
+            <a:ext cx="12103920" cy="4478760"/>
+          </a:xfrm>
+          <a:prstGeom prst="rect">
+            <a:avLst/>
+          </a:prstGeom>
+          <a:noFill/>
+          <a:ln>
+            <a:noFill/>
+          </a:ln>
+        </p:spPr>
+        <p:style>
+          <a:lnRef idx="0"/>
+          <a:fillRef idx="0"/>
+          <a:effectRef idx="0"/>
+          <a:fontRef idx="minor"/>
+        </p:style>
+        <p:txBody>
+          <a:bodyPr lIns="90000" rIns="90000" tIns="45000" bIns="45000">
+            <a:spAutoFit/>
+          </a:bodyPr>
+          <a:p>
+            <a:pPr>
+              <a:lnSpc>
+                <a:spcPct val="100000"/>
+              </a:lnSpc>
+            </a:pPr>
+            <a:r>
+              <a:rPr b="0" lang="de-DE" sz="2400" spc="-1" strike="noStrike">
+                <a:solidFill>
+                  <a:srgbClr val="000000"/>
+                </a:solidFill>
+                <a:latin typeface="Arial"/>
+                <a:ea typeface="DejaVu Sans"/>
+              </a:rPr>
+              <a:t>Um den Netzwerkverkehr und die zum clientseitigen Rendering benötigte Rechenleistung gering zu halten, werden die Gebiete in Abhängigkeit von der Zoomstufe der Karte mit unterschiedlichem Detailgrad ausgeliefert.</a:t>
+            </a:r>
+            <a:endParaRPr b="0" lang="de-DE" sz="2400" spc="-1" strike="noStrike">
+              <a:latin typeface="Arial"/>
+            </a:endParaRPr>
+          </a:p>
+          <a:p>
+            <a:pPr>
+              <a:lnSpc>
+                <a:spcPct val="100000"/>
+              </a:lnSpc>
+            </a:pPr>
+            <a:endParaRPr b="0" lang="de-DE" sz="2400" spc="-1" strike="noStrike">
+              <a:latin typeface="Arial"/>
+            </a:endParaRPr>
+          </a:p>
+          <a:p>
+            <a:pPr>
+              <a:lnSpc>
+                <a:spcPct val="100000"/>
+              </a:lnSpc>
+            </a:pPr>
+            <a:r>
+              <a:rPr b="0" lang="de-DE" sz="2400" spc="-1" strike="noStrike">
+                <a:solidFill>
+                  <a:srgbClr val="000000"/>
+                </a:solidFill>
+                <a:latin typeface="Arial"/>
+                <a:ea typeface="DejaVu Sans"/>
+              </a:rPr>
+              <a:t>Dafür werden während der Vorverarbeitung zunächst überscheidungsfreie Linienzüge für die Grenzen berechnet. Dies verhindert, dass ein Teilstück, das zu zwei Gebieten gehört, für beide unterschiedlich vereinfacht wird und somit Überlappungen oder Lücken entstehen. Anschließend werden die Linienzüge unter Erhaltung der ursprünglichen Topologie für unterschiedliche Zoomstufen vereinfacht und in der Datenbank gespeichert.</a:t>
+            </a:r>
+            <a:endParaRPr b="0" lang="de-DE" sz="2400" spc="-1" strike="noStrike">
+              <a:latin typeface="Arial"/>
+            </a:endParaRPr>
+          </a:p>
+          <a:p>
+            <a:pPr>
+              <a:lnSpc>
+                <a:spcPct val="100000"/>
+              </a:lnSpc>
+            </a:pPr>
+            <a:endParaRPr b="0" lang="de-DE" sz="2400" spc="-1" strike="noStrike">
+              <a:latin typeface="Arial"/>
+            </a:endParaRPr>
+          </a:p>
+          <a:p>
+            <a:pPr>
+              <a:lnSpc>
+                <a:spcPct val="100000"/>
+              </a:lnSpc>
+            </a:pPr>
+            <a:endParaRPr b="0" lang="de-DE" sz="2400" spc="-1" strike="noStrike">
+              <a:latin typeface="Arial"/>
+            </a:endParaRPr>
+          </a:p>
+        </p:txBody>
+      </p:sp>
+      <p:sp>
+        <p:nvSpPr>
+          <p:cNvPr id="64" name="CustomShape 18"/>
+          <p:cNvSpPr/>
+          <p:nvPr/>
+        </p:nvSpPr>
+        <p:spPr>
+          <a:xfrm>
+            <a:off x="2300400" y="31411800"/>
+            <a:ext cx="12301200" cy="2650320"/>
+          </a:xfrm>
+          <a:prstGeom prst="rect">
+            <a:avLst/>
+          </a:prstGeom>
+          <a:noFill/>
+          <a:ln>
+            <a:noFill/>
+          </a:ln>
+        </p:spPr>
+        <p:style>
+          <a:lnRef idx="0"/>
+          <a:fillRef idx="0"/>
+          <a:effectRef idx="0"/>
+          <a:fontRef idx="minor"/>
+        </p:style>
+        <p:txBody>
+          <a:bodyPr lIns="90000" rIns="90000" tIns="45000" bIns="45000">
+            <a:spAutoFit/>
+          </a:bodyPr>
+          <a:p>
+            <a:pPr>
+              <a:lnSpc>
+                <a:spcPct val="100000"/>
+              </a:lnSpc>
+            </a:pPr>
+            <a:r>
+              <a:rPr b="1" lang="de-DE" sz="2400" spc="-1" strike="noStrike">
+                <a:solidFill>
+                  <a:srgbClr val="000000"/>
+                </a:solidFill>
+                <a:latin typeface="Arial"/>
+                <a:ea typeface="DejaVu Sans"/>
+              </a:rPr>
+              <a:t>Trump-client</a:t>
+            </a:r>
+            <a:r>
+              <a:rPr b="0" lang="de-DE" sz="2400" spc="-1" strike="noStrike">
+                <a:solidFill>
+                  <a:srgbClr val="000000"/>
+                </a:solidFill>
+                <a:latin typeface="Arial"/>
+                <a:ea typeface="DejaVu Sans"/>
+              </a:rPr>
+              <a:t>: Fordert Daten für einen gegebenen Kartenausschnitt an</a:t>
+            </a:r>
+            <a:endParaRPr b="0" lang="de-DE" sz="2400" spc="-1" strike="noStrike">
+              <a:latin typeface="Arial"/>
+            </a:endParaRPr>
+          </a:p>
+          <a:p>
+            <a:pPr>
+              <a:lnSpc>
+                <a:spcPct val="100000"/>
+              </a:lnSpc>
+            </a:pPr>
+            <a:r>
+              <a:rPr b="1" lang="de-DE" sz="2400" spc="-1" strike="noStrike">
+                <a:solidFill>
+                  <a:srgbClr val="000000"/>
+                </a:solidFill>
+                <a:latin typeface="Arial"/>
+                <a:ea typeface="DejaVu Sans"/>
+              </a:rPr>
+              <a:t>Trump-mapnik</a:t>
+            </a:r>
+            <a:r>
+              <a:rPr b="0" lang="de-DE" sz="2400" spc="-1" strike="noStrike">
+                <a:solidFill>
+                  <a:srgbClr val="000000"/>
+                </a:solidFill>
+                <a:latin typeface="Arial"/>
+                <a:ea typeface="DejaVu Sans"/>
+              </a:rPr>
+              <a:t>: Stellt dem Client vor-gerenderte Tiles bereit, sofern gewünscht</a:t>
+            </a:r>
+            <a:endParaRPr b="0" lang="de-DE" sz="2400" spc="-1" strike="noStrike">
+              <a:latin typeface="Arial"/>
+            </a:endParaRPr>
+          </a:p>
+          <a:p>
+            <a:pPr>
+              <a:lnSpc>
+                <a:spcPct val="100000"/>
+              </a:lnSpc>
+            </a:pPr>
+            <a:r>
+              <a:rPr b="1" lang="de-DE" sz="2400" spc="-1" strike="noStrike">
+                <a:solidFill>
+                  <a:srgbClr val="000000"/>
+                </a:solidFill>
+                <a:latin typeface="Arial"/>
+                <a:ea typeface="DejaVu Sans"/>
+              </a:rPr>
+              <a:t>Trump-area</a:t>
+            </a:r>
+            <a:r>
+              <a:rPr b="0" lang="de-DE" sz="2400" spc="-1" strike="noStrike">
+                <a:solidFill>
+                  <a:srgbClr val="000000"/>
+                </a:solidFill>
+                <a:latin typeface="Arial"/>
+                <a:ea typeface="DejaVu Sans"/>
+              </a:rPr>
+              <a:t>: Server, der dem Client Grenzen und gebogene Beschriftungen bereitstellt</a:t>
+            </a:r>
+            <a:endParaRPr b="0" lang="de-DE" sz="2400" spc="-1" strike="noStrike">
+              <a:latin typeface="Arial"/>
+            </a:endParaRPr>
+          </a:p>
+          <a:p>
+            <a:pPr>
+              <a:lnSpc>
+                <a:spcPct val="100000"/>
+              </a:lnSpc>
+            </a:pPr>
+            <a:r>
+              <a:rPr b="1" lang="de-DE" sz="2400" spc="-1" strike="noStrike">
+                <a:solidFill>
+                  <a:srgbClr val="000000"/>
+                </a:solidFill>
+                <a:latin typeface="Arial"/>
+                <a:ea typeface="DejaVu Sans"/>
+              </a:rPr>
+              <a:t>Trump-label</a:t>
+            </a:r>
+            <a:r>
+              <a:rPr b="0" lang="de-DE" sz="2400" spc="-1" strike="noStrike">
+                <a:solidFill>
+                  <a:srgbClr val="000000"/>
+                </a:solidFill>
+                <a:latin typeface="Arial"/>
+                <a:ea typeface="DejaVu Sans"/>
+              </a:rPr>
+              <a:t>: Stellt überschneidungsfreie Punktbeschriftungen bereit</a:t>
+            </a:r>
+            <a:endParaRPr b="0" lang="de-DE" sz="2400" spc="-1" strike="noStrike">
+              <a:latin typeface="Arial"/>
+            </a:endParaRPr>
+          </a:p>
+          <a:p>
+            <a:pPr>
+              <a:lnSpc>
+                <a:spcPct val="100000"/>
+              </a:lnSpc>
+            </a:pPr>
+            <a:r>
+              <a:rPr b="1" lang="de-DE" sz="2400" spc="-1" strike="noStrike">
+                <a:solidFill>
+                  <a:srgbClr val="000000"/>
+                </a:solidFill>
+                <a:latin typeface="Arial"/>
+                <a:ea typeface="DejaVu Sans"/>
+              </a:rPr>
+              <a:t>Trump-preprocessing</a:t>
+            </a:r>
+            <a:r>
+              <a:rPr b="0" lang="de-DE" sz="2400" spc="-1" strike="noStrike">
+                <a:solidFill>
+                  <a:srgbClr val="000000"/>
+                </a:solidFill>
+                <a:latin typeface="Arial"/>
+                <a:ea typeface="DejaVu Sans"/>
+              </a:rPr>
+              <a:t>: Vereinfacht Grenzen für verschiedene Zoomstufen und berechnet die Position und Form der gebogenen Beschriftungen</a:t>
+            </a:r>
+            <a:endParaRPr b="0" lang="de-DE" sz="2400" spc="-1" strike="noStrike">
+              <a:latin typeface="Arial"/>
+            </a:endParaRPr>
+          </a:p>
+          <a:p>
+            <a:pPr>
+              <a:lnSpc>
+                <a:spcPct val="100000"/>
+              </a:lnSpc>
+            </a:pPr>
+            <a:r>
+              <a:rPr b="1" lang="de-DE" sz="2400" spc="-1" strike="noStrike">
+                <a:solidFill>
+                  <a:srgbClr val="000000"/>
+                </a:solidFill>
+                <a:latin typeface="Arial"/>
+                <a:ea typeface="DejaVu Sans"/>
+              </a:rPr>
+              <a:t>Trump-postgis: </a:t>
+            </a:r>
+            <a:r>
+              <a:rPr b="0" lang="de-DE" sz="2400" spc="-1" strike="noStrike">
+                <a:solidFill>
+                  <a:srgbClr val="000000"/>
+                </a:solidFill>
+                <a:latin typeface="Arial"/>
+                <a:ea typeface="DejaVu Sans"/>
+              </a:rPr>
+              <a:t>Datenbank, die die vorverarbeiteten Daten enthält</a:t>
+            </a:r>
+            <a:endParaRPr b="0" lang="de-DE" sz="2400" spc="-1" strike="noStrike">
+              <a:latin typeface="Arial"/>
+            </a:endParaRPr>
+          </a:p>
+        </p:txBody>
+      </p:sp>
       <p:pic>
         <p:nvPicPr>
-          <p:cNvPr id="58" name="Grafik 19"/>
+          <p:cNvPr id="65" name="Grafik 10" descr=""/>
           <p:cNvPicPr/>
           <p:nvPr/>
         </p:nvPicPr>
@@ -3448,8 +3354,8 @@
         </p:blipFill>
         <p:spPr>
           <a:xfrm>
-            <a:off x="8642056" y="18182159"/>
-            <a:ext cx="5877103" cy="4619967"/>
+            <a:off x="22380480" y="32438520"/>
+            <a:ext cx="4609800" cy="3409200"/>
           </a:xfrm>
           <a:prstGeom prst="rect">
             <a:avLst/>
@@ -3461,238 +3367,14 @@
       </p:pic>
       <p:sp>
         <p:nvSpPr>
-          <p:cNvPr id="59" name="CustomShape 13"/>
+          <p:cNvPr id="66" name="CustomShape 19"/>
           <p:cNvSpPr/>
           <p:nvPr/>
         </p:nvSpPr>
         <p:spPr>
           <a:xfrm>
-            <a:off x="15660000" y="27564120"/>
-            <a:ext cx="12706920" cy="11284200"/>
-          </a:xfrm>
-          <a:prstGeom prst="rect">
-            <a:avLst/>
-          </a:prstGeom>
-          <a:noFill/>
-          <a:ln w="9360">
-            <a:solidFill>
-              <a:schemeClr val="accent3"/>
-            </a:solidFill>
-            <a:round/>
-          </a:ln>
-        </p:spPr>
-        <p:style>
-          <a:lnRef idx="0">
-            <a:scrgbClr r="0" g="0" b="0"/>
-          </a:lnRef>
-          <a:fillRef idx="0">
-            <a:scrgbClr r="0" g="0" b="0"/>
-          </a:fillRef>
-          <a:effectRef idx="0">
-            <a:scrgbClr r="0" g="0" b="0"/>
-          </a:effectRef>
-          <a:fontRef idx="minor"/>
-        </p:style>
-      </p:sp>
-      <p:sp>
-        <p:nvSpPr>
-          <p:cNvPr id="60" name="CustomShape 14"/>
-          <p:cNvSpPr/>
-          <p:nvPr/>
-        </p:nvSpPr>
-        <p:spPr>
-          <a:xfrm>
-            <a:off x="15660000" y="18627480"/>
-            <a:ext cx="12706920" cy="644760"/>
-          </a:xfrm>
-          <a:prstGeom prst="rect">
-            <a:avLst/>
-          </a:prstGeom>
-          <a:solidFill>
-            <a:srgbClr val="00B0F0"/>
-          </a:solidFill>
-          <a:ln>
-            <a:noFill/>
-          </a:ln>
-          <a:effectLst>
-            <a:outerShdw blurRad="50800" dist="37674" dir="2700000" algn="tl" rotWithShape="0">
-              <a:srgbClr val="000000">
-                <a:alpha val="40000"/>
-              </a:srgbClr>
-            </a:outerShdw>
-          </a:effectLst>
-        </p:spPr>
-        <p:style>
-          <a:lnRef idx="0">
-            <a:scrgbClr r="0" g="0" b="0"/>
-          </a:lnRef>
-          <a:fillRef idx="0">
-            <a:scrgbClr r="0" g="0" b="0"/>
-          </a:fillRef>
-          <a:effectRef idx="0">
-            <a:scrgbClr r="0" g="0" b="0"/>
-          </a:effectRef>
-          <a:fontRef idx="minor"/>
-        </p:style>
-        <p:txBody>
-          <a:bodyPr lIns="129240" tIns="64800" rIns="129240" bIns="64800">
-            <a:noAutofit/>
-          </a:bodyPr>
-          <a:lstStyle/>
-          <a:p>
-            <a:pPr>
-              <a:lnSpc>
-                <a:spcPct val="100000"/>
-              </a:lnSpc>
-            </a:pPr>
-            <a:r>
-              <a:rPr lang="de-DE" sz="2800" b="0" strike="noStrike" spc="-1" dirty="0">
-                <a:solidFill>
-                  <a:srgbClr val="FFFFFF"/>
-                </a:solidFill>
-                <a:latin typeface="Arial"/>
-                <a:ea typeface="DejaVu Sans"/>
-              </a:rPr>
-              <a:t>                                                     Gebogene Beschriftungen</a:t>
-            </a:r>
-            <a:endParaRPr lang="de-DE" sz="2800" b="0" strike="noStrike" spc="-1" dirty="0">
-              <a:latin typeface="Arial"/>
-            </a:endParaRPr>
-          </a:p>
-          <a:p>
-            <a:pPr>
-              <a:lnSpc>
-                <a:spcPct val="100000"/>
-              </a:lnSpc>
-            </a:pPr>
-            <a:endParaRPr lang="de-DE" sz="2800" b="0" strike="noStrike" spc="-1" dirty="0">
-              <a:latin typeface="Arial"/>
-            </a:endParaRPr>
-          </a:p>
-        </p:txBody>
-      </p:sp>
-      <p:sp>
-        <p:nvSpPr>
-          <p:cNvPr id="61" name="CustomShape 15"/>
-          <p:cNvSpPr/>
-          <p:nvPr/>
-        </p:nvSpPr>
-        <p:spPr>
-          <a:xfrm>
-            <a:off x="15660000" y="26665560"/>
-            <a:ext cx="12706920" cy="644760"/>
-          </a:xfrm>
-          <a:prstGeom prst="rect">
-            <a:avLst/>
-          </a:prstGeom>
-          <a:solidFill>
-            <a:srgbClr val="00B0F0"/>
-          </a:solidFill>
-          <a:ln>
-            <a:noFill/>
-          </a:ln>
-          <a:effectLst>
-            <a:outerShdw blurRad="50800" dist="37674" dir="2700000" algn="tl" rotWithShape="0">
-              <a:srgbClr val="000000">
-                <a:alpha val="40000"/>
-              </a:srgbClr>
-            </a:outerShdw>
-          </a:effectLst>
-        </p:spPr>
-        <p:style>
-          <a:lnRef idx="0">
-            <a:scrgbClr r="0" g="0" b="0"/>
-          </a:lnRef>
-          <a:fillRef idx="0">
-            <a:scrgbClr r="0" g="0" b="0"/>
-          </a:fillRef>
-          <a:effectRef idx="0">
-            <a:scrgbClr r="0" g="0" b="0"/>
-          </a:effectRef>
-          <a:fontRef idx="minor"/>
-        </p:style>
-        <p:txBody>
-          <a:bodyPr lIns="129240" tIns="64800" rIns="129240" bIns="64800">
-            <a:noAutofit/>
-          </a:bodyPr>
-          <a:lstStyle/>
-          <a:p>
-            <a:pPr>
-              <a:lnSpc>
-                <a:spcPct val="100000"/>
-              </a:lnSpc>
-            </a:pPr>
-            <a:r>
-              <a:rPr lang="de-DE" sz="2800" b="0" strike="noStrike" spc="-1">
-                <a:solidFill>
-                  <a:srgbClr val="FFFFFF"/>
-                </a:solidFill>
-                <a:latin typeface="Arial"/>
-                <a:ea typeface="DejaVu Sans"/>
-              </a:rPr>
-              <a:t>                                                    Grenzvereinfachung</a:t>
-            </a:r>
-            <a:endParaRPr lang="de-DE" sz="2800" b="0" strike="noStrike" spc="-1">
-              <a:latin typeface="Arial"/>
-            </a:endParaRPr>
-          </a:p>
-          <a:p>
-            <a:pPr>
-              <a:lnSpc>
-                <a:spcPct val="100000"/>
-              </a:lnSpc>
-            </a:pPr>
-            <a:endParaRPr lang="de-DE" sz="2800" b="0" strike="noStrike" spc="-1">
-              <a:latin typeface="Arial"/>
-            </a:endParaRPr>
-          </a:p>
-        </p:txBody>
-      </p:sp>
-      <p:sp>
-        <p:nvSpPr>
-          <p:cNvPr id="62" name="CustomShape 16"/>
-          <p:cNvSpPr/>
-          <p:nvPr/>
-        </p:nvSpPr>
-        <p:spPr>
-          <a:xfrm>
-            <a:off x="15660000" y="19546200"/>
-            <a:ext cx="12706920" cy="6917760"/>
-          </a:xfrm>
-          <a:prstGeom prst="rect">
-            <a:avLst/>
-          </a:prstGeom>
-          <a:noFill/>
-          <a:ln w="9360">
-            <a:solidFill>
-              <a:schemeClr val="accent3"/>
-            </a:solidFill>
-            <a:round/>
-          </a:ln>
-        </p:spPr>
-        <p:style>
-          <a:lnRef idx="0">
-            <a:scrgbClr r="0" g="0" b="0"/>
-          </a:lnRef>
-          <a:fillRef idx="0">
-            <a:scrgbClr r="0" g="0" b="0"/>
-          </a:fillRef>
-          <a:effectRef idx="0">
-            <a:scrgbClr r="0" g="0" b="0"/>
-          </a:effectRef>
-          <a:fontRef idx="minor"/>
-        </p:style>
-      </p:sp>
-      <p:sp>
-        <p:nvSpPr>
-          <p:cNvPr id="63" name="CustomShape 17"/>
-          <p:cNvSpPr/>
-          <p:nvPr/>
-        </p:nvSpPr>
-        <p:spPr>
-          <a:xfrm>
-            <a:off x="15940800" y="27979200"/>
-            <a:ext cx="12104640" cy="4153530"/>
+            <a:off x="15940800" y="36781920"/>
+            <a:ext cx="12103920" cy="1187280"/>
           </a:xfrm>
           <a:prstGeom prst="rect">
             <a:avLst/>
@@ -3703,125 +3385,47 @@
           </a:ln>
         </p:spPr>
         <p:style>
-          <a:lnRef idx="0">
-            <a:scrgbClr r="0" g="0" b="0"/>
-          </a:lnRef>
-          <a:fillRef idx="0">
-            <a:scrgbClr r="0" g="0" b="0"/>
-          </a:fillRef>
-          <a:effectRef idx="0">
-            <a:scrgbClr r="0" g="0" b="0"/>
-          </a:effectRef>
+          <a:lnRef idx="0"/>
+          <a:fillRef idx="0"/>
+          <a:effectRef idx="0"/>
           <a:fontRef idx="minor"/>
         </p:style>
         <p:txBody>
-          <a:bodyPr lIns="90000" tIns="45000" rIns="90000" bIns="45000">
+          <a:bodyPr lIns="90000" rIns="90000" tIns="45000" bIns="45000">
             <a:spAutoFit/>
           </a:bodyPr>
-          <a:lstStyle/>
-          <a:p>
-            <a:pPr>
-              <a:lnSpc>
-                <a:spcPct val="100000"/>
-              </a:lnSpc>
-            </a:pPr>
-            <a:r>
-              <a:rPr lang="de-DE" sz="2400" b="0" strike="noStrike" spc="-1" dirty="0">
+          <a:p>
+            <a:pPr>
+              <a:lnSpc>
+                <a:spcPct val="100000"/>
+              </a:lnSpc>
+            </a:pPr>
+            <a:r>
+              <a:rPr b="0" lang="de-DE" sz="2400" spc="-1" strike="noStrike">
                 <a:solidFill>
                   <a:srgbClr val="000000"/>
                 </a:solidFill>
                 <a:latin typeface="Arial"/>
                 <a:ea typeface="DejaVu Sans"/>
               </a:rPr>
-              <a:t>Um den Netzwerkverkehr gering zu halten, werden die Gebiete in Abhängigkeit von der Zoomstufe der Karte mit unterschiedlichem Detailgrad ausgeliefert.</a:t>
-            </a:r>
-          </a:p>
-          <a:p>
-            <a:pPr>
-              <a:lnSpc>
-                <a:spcPct val="100000"/>
-              </a:lnSpc>
-            </a:pPr>
-            <a:endParaRPr lang="de-DE" sz="2400" spc="-1" dirty="0">
-              <a:solidFill>
-                <a:srgbClr val="000000"/>
-              </a:solidFill>
-              <a:latin typeface="Arial"/>
-              <a:ea typeface="DejaVu Sans"/>
-            </a:endParaRPr>
-          </a:p>
-          <a:p>
-            <a:pPr>
-              <a:lnSpc>
-                <a:spcPct val="100000"/>
-              </a:lnSpc>
-            </a:pPr>
-            <a:r>
-              <a:rPr lang="de-DE" sz="2400" b="0" strike="noStrike" spc="-1" dirty="0">
-                <a:solidFill>
-                  <a:srgbClr val="000000"/>
-                </a:solidFill>
-                <a:latin typeface="Arial"/>
-                <a:ea typeface="DejaVu Sans"/>
-              </a:rPr>
-              <a:t>Dafür werden während der Vorverarbeitung zunächst überscheidungsfreie Linienzüge für die Grenzen berechnet. Dies verhindert, dass ein </a:t>
-            </a:r>
-            <a:r>
-              <a:rPr lang="de-DE" sz="2400" spc="-1" dirty="0">
-                <a:solidFill>
-                  <a:srgbClr val="000000"/>
-                </a:solidFill>
-                <a:latin typeface="Arial"/>
-                <a:ea typeface="DejaVu Sans"/>
-              </a:rPr>
-              <a:t>Teilstück, das zu zwei Gebieten gehört, für beide </a:t>
-            </a:r>
-            <a:r>
-              <a:rPr lang="de-DE" sz="2400" b="0" strike="noStrike" spc="-1" dirty="0">
-                <a:solidFill>
-                  <a:srgbClr val="000000"/>
-                </a:solidFill>
-                <a:latin typeface="Arial"/>
-                <a:ea typeface="DejaVu Sans"/>
-              </a:rPr>
-              <a:t>unterschiedlich vereinfacht wird und somit Überlappungen oder Lücken entstehen. Anschließend werden die Linienzüge unter Erhaltung der ursprünglichen Topologie für unterschiedliche Zoomstufen vereinfacht und in der Datenbank gespeichert.</a:t>
-            </a:r>
-            <a:endParaRPr lang="de-DE" sz="2400" b="0" strike="noStrike" spc="-1" dirty="0">
-              <a:latin typeface="Arial"/>
-            </a:endParaRPr>
-          </a:p>
-          <a:p>
-            <a:pPr>
-              <a:lnSpc>
-                <a:spcPct val="100000"/>
-              </a:lnSpc>
-            </a:pPr>
-            <a:endParaRPr lang="de-DE" sz="2400" b="0" strike="noStrike" spc="-1" dirty="0">
-              <a:latin typeface="Arial"/>
-            </a:endParaRPr>
-          </a:p>
-          <a:p>
-            <a:pPr>
-              <a:lnSpc>
-                <a:spcPct val="100000"/>
-              </a:lnSpc>
-            </a:pPr>
-            <a:endParaRPr lang="de-DE" sz="2400" b="0" strike="noStrike" spc="-1" dirty="0">
-              <a:latin typeface="Arial"/>
-            </a:endParaRPr>
-          </a:p>
-        </p:txBody>
-      </p:sp>
-      <p:sp>
-        <p:nvSpPr>
-          <p:cNvPr id="64" name="CustomShape 18"/>
+              <a:t>In der Abbildung sind die Gebiete Waiblingen, Kernen im Remstal und Fellbach ohne Vereinfachung (links), sowie mit Vereinfachung für Zoomstufe 11 (rechts) dargestellt. Der Detailgrad der vereinfachten Geometrien ist deutlich geringer.</a:t>
+            </a:r>
+            <a:endParaRPr b="0" lang="de-DE" sz="2400" spc="-1" strike="noStrike">
+              <a:latin typeface="Arial"/>
+            </a:endParaRPr>
+          </a:p>
+        </p:txBody>
+      </p:sp>
+      <p:sp>
+        <p:nvSpPr>
+          <p:cNvPr id="67" name="CustomShape 20"/>
           <p:cNvSpPr/>
           <p:nvPr/>
         </p:nvSpPr>
         <p:spPr>
           <a:xfrm>
-            <a:off x="2300400" y="31411800"/>
-            <a:ext cx="12301920" cy="2676202"/>
+            <a:off x="15940800" y="19851840"/>
+            <a:ext cx="12115440" cy="1187280"/>
           </a:xfrm>
           <a:prstGeom prst="rect">
             <a:avLst/>
@@ -3832,358 +3436,47 @@
           </a:ln>
         </p:spPr>
         <p:style>
-          <a:lnRef idx="0">
-            <a:scrgbClr r="0" g="0" b="0"/>
-          </a:lnRef>
-          <a:fillRef idx="0">
-            <a:scrgbClr r="0" g="0" b="0"/>
-          </a:fillRef>
-          <a:effectRef idx="0">
-            <a:scrgbClr r="0" g="0" b="0"/>
-          </a:effectRef>
+          <a:lnRef idx="0"/>
+          <a:fillRef idx="0"/>
+          <a:effectRef idx="0"/>
           <a:fontRef idx="minor"/>
         </p:style>
         <p:txBody>
-          <a:bodyPr lIns="90000" tIns="45000" rIns="90000" bIns="45000">
+          <a:bodyPr lIns="90000" rIns="90000" tIns="45000" bIns="45000">
             <a:spAutoFit/>
           </a:bodyPr>
-          <a:lstStyle/>
-          <a:p>
-            <a:pPr>
-              <a:lnSpc>
-                <a:spcPct val="100000"/>
-              </a:lnSpc>
-            </a:pPr>
-            <a:r>
-              <a:rPr lang="de-DE" sz="2400" b="1" strike="noStrike" spc="-1" dirty="0">
+          <a:p>
+            <a:pPr>
+              <a:lnSpc>
+                <a:spcPct val="100000"/>
+              </a:lnSpc>
+            </a:pPr>
+            <a:r>
+              <a:rPr b="0" lang="de-DE" sz="2400" spc="-1" strike="noStrike">
                 <a:solidFill>
                   <a:srgbClr val="000000"/>
                 </a:solidFill>
                 <a:latin typeface="Arial"/>
                 <a:ea typeface="DejaVu Sans"/>
               </a:rPr>
-              <a:t>Trump-client</a:t>
-            </a:r>
-            <a:r>
-              <a:rPr lang="de-DE" sz="2400" b="0" strike="noStrike" spc="-1" dirty="0">
-                <a:solidFill>
-                  <a:srgbClr val="000000"/>
-                </a:solidFill>
-                <a:latin typeface="Arial"/>
-                <a:ea typeface="DejaVu Sans"/>
-              </a:rPr>
-              <a:t>: Fordert Daten für einen gegebenen Kartenausschnitt an</a:t>
-            </a:r>
-            <a:endParaRPr lang="de-DE" sz="2400" b="0" strike="noStrike" spc="-1" dirty="0">
-              <a:latin typeface="Arial"/>
-            </a:endParaRPr>
-          </a:p>
-          <a:p>
-            <a:pPr>
-              <a:lnSpc>
-                <a:spcPct val="100000"/>
-              </a:lnSpc>
-            </a:pPr>
-            <a:r>
-              <a:rPr lang="de-DE" sz="2400" b="1" strike="noStrike" spc="-1" dirty="0">
-                <a:solidFill>
-                  <a:srgbClr val="000000"/>
-                </a:solidFill>
-                <a:latin typeface="Arial"/>
-                <a:ea typeface="DejaVu Sans"/>
-              </a:rPr>
-              <a:t>Trump-</a:t>
-            </a:r>
-            <a:r>
-              <a:rPr lang="de-DE" sz="2400" b="1" strike="noStrike" spc="-1" dirty="0" err="1">
-                <a:solidFill>
-                  <a:srgbClr val="000000"/>
-                </a:solidFill>
-                <a:latin typeface="Arial"/>
-                <a:ea typeface="DejaVu Sans"/>
-              </a:rPr>
-              <a:t>mapnik</a:t>
-            </a:r>
-            <a:r>
-              <a:rPr lang="de-DE" sz="2400" b="0" strike="noStrike" spc="-1" dirty="0">
-                <a:solidFill>
-                  <a:srgbClr val="000000"/>
-                </a:solidFill>
-                <a:latin typeface="Arial"/>
-                <a:ea typeface="DejaVu Sans"/>
-              </a:rPr>
-              <a:t>: Stellt dem Client vor-gerenderte </a:t>
-            </a:r>
-            <a:r>
-              <a:rPr lang="de-DE" sz="2400" b="0" strike="noStrike" spc="-1" dirty="0" err="1">
-                <a:solidFill>
-                  <a:srgbClr val="000000"/>
-                </a:solidFill>
-                <a:latin typeface="Arial"/>
-                <a:ea typeface="DejaVu Sans"/>
-              </a:rPr>
-              <a:t>Tiles</a:t>
-            </a:r>
-            <a:r>
-              <a:rPr lang="de-DE" sz="2400" b="0" strike="noStrike" spc="-1" dirty="0">
-                <a:solidFill>
-                  <a:srgbClr val="000000"/>
-                </a:solidFill>
-                <a:latin typeface="Arial"/>
-                <a:ea typeface="DejaVu Sans"/>
-              </a:rPr>
-              <a:t> bereit, sofern gewünscht</a:t>
-            </a:r>
-            <a:endParaRPr lang="de-DE" sz="2400" b="0" strike="noStrike" spc="-1" dirty="0">
-              <a:latin typeface="Arial"/>
-            </a:endParaRPr>
-          </a:p>
-          <a:p>
-            <a:pPr>
-              <a:lnSpc>
-                <a:spcPct val="100000"/>
-              </a:lnSpc>
-            </a:pPr>
-            <a:r>
-              <a:rPr lang="de-DE" sz="2400" b="1" strike="noStrike" spc="-1" dirty="0">
-                <a:solidFill>
-                  <a:srgbClr val="000000"/>
-                </a:solidFill>
-                <a:latin typeface="Arial"/>
-                <a:ea typeface="DejaVu Sans"/>
-              </a:rPr>
-              <a:t>Trump-area</a:t>
-            </a:r>
-            <a:r>
-              <a:rPr lang="de-DE" sz="2400" b="0" strike="noStrike" spc="-1" dirty="0">
-                <a:solidFill>
-                  <a:srgbClr val="000000"/>
-                </a:solidFill>
-                <a:latin typeface="Arial"/>
-                <a:ea typeface="DejaVu Sans"/>
-              </a:rPr>
-              <a:t>: Server, der dem Client Grenzen und gebogene Beschriftungen bereitstellt</a:t>
-            </a:r>
-            <a:endParaRPr lang="de-DE" sz="2400" b="0" strike="noStrike" spc="-1" dirty="0">
-              <a:latin typeface="Arial"/>
-            </a:endParaRPr>
-          </a:p>
-          <a:p>
-            <a:pPr>
-              <a:lnSpc>
-                <a:spcPct val="100000"/>
-              </a:lnSpc>
-            </a:pPr>
-            <a:r>
-              <a:rPr lang="de-DE" sz="2400" b="1" strike="noStrike" spc="-1" dirty="0">
-                <a:solidFill>
-                  <a:srgbClr val="000000"/>
-                </a:solidFill>
-                <a:latin typeface="Arial"/>
-                <a:ea typeface="DejaVu Sans"/>
-              </a:rPr>
-              <a:t>Trump-label</a:t>
-            </a:r>
-            <a:r>
-              <a:rPr lang="de-DE" sz="2400" b="0" strike="noStrike" spc="-1" dirty="0">
-                <a:solidFill>
-                  <a:srgbClr val="000000"/>
-                </a:solidFill>
-                <a:latin typeface="Arial"/>
-                <a:ea typeface="DejaVu Sans"/>
-              </a:rPr>
-              <a:t>: Stellt überschneidungsfreie </a:t>
-            </a:r>
-            <a:r>
-              <a:rPr lang="de-DE" sz="2400" spc="-1" dirty="0">
-                <a:solidFill>
-                  <a:srgbClr val="000000"/>
-                </a:solidFill>
-              </a:rPr>
-              <a:t>Punktbeschriftungen </a:t>
-            </a:r>
-            <a:r>
-              <a:rPr lang="de-DE" sz="2400" b="0" strike="noStrike" spc="-1" dirty="0">
-                <a:solidFill>
-                  <a:srgbClr val="000000"/>
-                </a:solidFill>
-                <a:latin typeface="Arial"/>
-                <a:ea typeface="DejaVu Sans"/>
-              </a:rPr>
-              <a:t>bereit</a:t>
-            </a:r>
-            <a:endParaRPr lang="de-DE" sz="2400" b="0" strike="noStrike" spc="-1" dirty="0">
-              <a:latin typeface="Arial"/>
-            </a:endParaRPr>
-          </a:p>
-          <a:p>
-            <a:pPr>
-              <a:lnSpc>
-                <a:spcPct val="100000"/>
-              </a:lnSpc>
-            </a:pPr>
-            <a:r>
-              <a:rPr lang="de-DE" sz="2400" b="1" strike="noStrike" spc="-1" dirty="0">
-                <a:solidFill>
-                  <a:srgbClr val="000000"/>
-                </a:solidFill>
-                <a:latin typeface="Arial"/>
-                <a:ea typeface="DejaVu Sans"/>
-              </a:rPr>
-              <a:t>Trump-</a:t>
-            </a:r>
-            <a:r>
-              <a:rPr lang="de-DE" sz="2400" b="1" strike="noStrike" spc="-1" dirty="0" err="1">
-                <a:solidFill>
-                  <a:srgbClr val="000000"/>
-                </a:solidFill>
-                <a:latin typeface="Arial"/>
-                <a:ea typeface="DejaVu Sans"/>
-              </a:rPr>
-              <a:t>preprocessing</a:t>
-            </a:r>
-            <a:r>
-              <a:rPr lang="de-DE" sz="2400" b="0" strike="noStrike" spc="-1" dirty="0">
-                <a:solidFill>
-                  <a:srgbClr val="000000"/>
-                </a:solidFill>
-                <a:latin typeface="Arial"/>
-                <a:ea typeface="DejaVu Sans"/>
-              </a:rPr>
-              <a:t>: </a:t>
-            </a:r>
-            <a:r>
-              <a:rPr lang="de-DE" sz="2400" spc="-1" dirty="0">
-                <a:solidFill>
-                  <a:srgbClr val="000000"/>
-                </a:solidFill>
-                <a:latin typeface="Arial"/>
-                <a:ea typeface="DejaVu Sans"/>
-              </a:rPr>
-              <a:t>Vereinfacht Grenzen für </a:t>
-            </a:r>
-            <a:r>
-              <a:rPr lang="de-DE" sz="2400" b="0" strike="noStrike" spc="-1" dirty="0">
-                <a:solidFill>
-                  <a:srgbClr val="000000"/>
-                </a:solidFill>
-                <a:latin typeface="Arial"/>
-                <a:ea typeface="DejaVu Sans"/>
-              </a:rPr>
-              <a:t>verschiedene Zoomstufen und berechnet die Position und Form der gebogenen Beschriftungen</a:t>
-            </a:r>
-            <a:endParaRPr lang="de-DE" sz="2400" b="0" strike="noStrike" spc="-1" dirty="0">
-              <a:latin typeface="Arial"/>
-            </a:endParaRPr>
-          </a:p>
-          <a:p>
-            <a:pPr>
-              <a:lnSpc>
-                <a:spcPct val="100000"/>
-              </a:lnSpc>
-            </a:pPr>
-            <a:r>
-              <a:rPr lang="de-DE" sz="2400" b="1" strike="noStrike" spc="-1" dirty="0">
-                <a:solidFill>
-                  <a:srgbClr val="000000"/>
-                </a:solidFill>
-                <a:latin typeface="Arial"/>
-                <a:ea typeface="DejaVu Sans"/>
-              </a:rPr>
-              <a:t>Trump-</a:t>
-            </a:r>
-            <a:r>
-              <a:rPr lang="de-DE" sz="2400" b="1" strike="noStrike" spc="-1" dirty="0" err="1">
-                <a:solidFill>
-                  <a:srgbClr val="000000"/>
-                </a:solidFill>
-                <a:latin typeface="Arial"/>
-                <a:ea typeface="DejaVu Sans"/>
-              </a:rPr>
-              <a:t>postgis</a:t>
-            </a:r>
-            <a:r>
-              <a:rPr lang="de-DE" sz="2400" b="1" strike="noStrike" spc="-1" dirty="0">
-                <a:solidFill>
-                  <a:srgbClr val="000000"/>
-                </a:solidFill>
-                <a:latin typeface="Arial"/>
-                <a:ea typeface="DejaVu Sans"/>
-              </a:rPr>
-              <a:t>: </a:t>
-            </a:r>
-            <a:r>
-              <a:rPr lang="de-DE" sz="2400" b="0" strike="noStrike" spc="-1" dirty="0">
-                <a:solidFill>
-                  <a:srgbClr val="000000"/>
-                </a:solidFill>
-                <a:latin typeface="Arial"/>
-                <a:ea typeface="DejaVu Sans"/>
-              </a:rPr>
-              <a:t>Datenbank, die die vorverarbeiteten Daten enthält</a:t>
-            </a:r>
-            <a:endParaRPr lang="de-DE" sz="2400" b="0" strike="noStrike" spc="-1" dirty="0">
-              <a:latin typeface="Arial"/>
-            </a:endParaRPr>
-          </a:p>
-        </p:txBody>
-      </p:sp>
-      <p:pic>
-        <p:nvPicPr>
-          <p:cNvPr id="65" name="Grafik 8"/>
-          <p:cNvPicPr/>
-          <p:nvPr/>
-        </p:nvPicPr>
-        <p:blipFill>
-          <a:blip r:embed="rId8"/>
-          <a:stretch/>
-        </p:blipFill>
-        <p:spPr>
-          <a:xfrm>
-            <a:off x="16860600" y="32318280"/>
-            <a:ext cx="4619880" cy="3419640"/>
-          </a:xfrm>
-          <a:prstGeom prst="rect">
-            <a:avLst/>
-          </a:prstGeom>
-          <a:ln>
-            <a:noFill/>
-          </a:ln>
-        </p:spPr>
-      </p:pic>
-      <p:pic>
-        <p:nvPicPr>
-          <p:cNvPr id="66" name="Grafik 10"/>
-          <p:cNvPicPr/>
-          <p:nvPr/>
-        </p:nvPicPr>
-        <p:blipFill>
-          <a:blip r:embed="rId9"/>
-          <a:stretch/>
-        </p:blipFill>
-        <p:spPr>
-          <a:xfrm>
-            <a:off x="22380480" y="32438520"/>
-            <a:ext cx="4610520" cy="3409920"/>
-          </a:xfrm>
-          <a:prstGeom prst="rect">
-            <a:avLst/>
-          </a:prstGeom>
-          <a:ln>
-            <a:noFill/>
-          </a:ln>
-        </p:spPr>
-      </p:pic>
-      <p:sp>
-        <p:nvSpPr>
-          <p:cNvPr id="67" name="CustomShape 19"/>
+              <a:t>Damit Benutzer Beschriftungen einfach mit den betreffenden Gebieten in Verbindung bringen können, werden anhand der Grenzverläufe die Position und Form gebogener Beschriftungen berechnet, die in die Gebiete gelegt werden können.</a:t>
+            </a:r>
+            <a:endParaRPr b="0" lang="de-DE" sz="2400" spc="-1" strike="noStrike">
+              <a:latin typeface="Arial"/>
+            </a:endParaRPr>
+          </a:p>
+        </p:txBody>
+      </p:sp>
+      <p:sp>
+        <p:nvSpPr>
+          <p:cNvPr id="68" name="CustomShape 21"/>
           <p:cNvSpPr/>
           <p:nvPr/>
         </p:nvSpPr>
         <p:spPr>
           <a:xfrm>
-            <a:off x="15940800" y="36781920"/>
-            <a:ext cx="12104640" cy="1198875"/>
+            <a:off x="15939360" y="12939480"/>
+            <a:ext cx="11623680" cy="1918800"/>
           </a:xfrm>
           <a:prstGeom prst="rect">
             <a:avLst/>
@@ -4194,190 +3487,47 @@
           </a:ln>
         </p:spPr>
         <p:style>
-          <a:lnRef idx="0">
-            <a:scrgbClr r="0" g="0" b="0"/>
-          </a:lnRef>
-          <a:fillRef idx="0">
-            <a:scrgbClr r="0" g="0" b="0"/>
-          </a:fillRef>
-          <a:effectRef idx="0">
-            <a:scrgbClr r="0" g="0" b="0"/>
-          </a:effectRef>
+          <a:lnRef idx="0"/>
+          <a:fillRef idx="0"/>
+          <a:effectRef idx="0"/>
           <a:fontRef idx="minor"/>
         </p:style>
         <p:txBody>
-          <a:bodyPr lIns="90000" tIns="45000" rIns="90000" bIns="45000">
+          <a:bodyPr lIns="90000" rIns="90000" tIns="45000" bIns="45000">
             <a:spAutoFit/>
           </a:bodyPr>
-          <a:lstStyle/>
-          <a:p>
-            <a:pPr>
-              <a:lnSpc>
-                <a:spcPct val="100000"/>
-              </a:lnSpc>
-            </a:pPr>
-            <a:r>
-              <a:rPr lang="de-DE" sz="2400" b="0" strike="noStrike" spc="-1" dirty="0">
+          <a:p>
+            <a:pPr>
+              <a:lnSpc>
+                <a:spcPct val="100000"/>
+              </a:lnSpc>
+            </a:pPr>
+            <a:r>
+              <a:rPr b="0" lang="de-DE" sz="2400" spc="-1" strike="noStrike">
                 <a:solidFill>
                   <a:srgbClr val="000000"/>
                 </a:solidFill>
                 <a:latin typeface="Arial"/>
                 <a:ea typeface="DejaVu Sans"/>
               </a:rPr>
-              <a:t>In der Abbildung sind die Gebiete Waiblingen, Kernen im Remstal und Fellbach ohne Vereinfachung (links), sowie mit Vereinfachung für Zoomstufe 11 (rechts) dargestellt. Der Detailgrad der vereinfachten Geometrien ist deutlich geringer.</a:t>
-            </a:r>
-            <a:endParaRPr lang="de-DE" sz="2400" b="0" strike="noStrike" spc="-1" dirty="0">
-              <a:latin typeface="Arial"/>
-            </a:endParaRPr>
-          </a:p>
-        </p:txBody>
-      </p:sp>
-      <p:sp>
-        <p:nvSpPr>
-          <p:cNvPr id="68" name="CustomShape 20"/>
+              <a:t>Die Vorverarbeitung extrahiert geografische Daten aus den OSM-Quelldateien, vereinfacht deren Grenzen für verschiedene Zoomstufen und berechnet die Position und Form von gebogenen Beschriftungen. Die Ergebnisse werden anschließend in eine spatiale Datenbank geschrieben, sodass sie vom Gebietsserver auf Anfrage des Clients bereitgestellt werden können.</a:t>
+            </a:r>
+            <a:endParaRPr b="0" lang="de-DE" sz="2400" spc="-1" strike="noStrike">
+              <a:latin typeface="Arial"/>
+            </a:endParaRPr>
+          </a:p>
+        </p:txBody>
+      </p:sp>
+      <p:sp>
+        <p:nvSpPr>
+          <p:cNvPr id="69" name="CustomShape 22"/>
           <p:cNvSpPr/>
           <p:nvPr/>
         </p:nvSpPr>
         <p:spPr>
           <a:xfrm>
-            <a:off x="15940800" y="19851840"/>
-            <a:ext cx="12116280" cy="1198875"/>
-          </a:xfrm>
-          <a:prstGeom prst="rect">
-            <a:avLst/>
-          </a:prstGeom>
-          <a:noFill/>
-          <a:ln>
-            <a:noFill/>
-          </a:ln>
-        </p:spPr>
-        <p:style>
-          <a:lnRef idx="0">
-            <a:scrgbClr r="0" g="0" b="0"/>
-          </a:lnRef>
-          <a:fillRef idx="0">
-            <a:scrgbClr r="0" g="0" b="0"/>
-          </a:fillRef>
-          <a:effectRef idx="0">
-            <a:scrgbClr r="0" g="0" b="0"/>
-          </a:effectRef>
-          <a:fontRef idx="minor"/>
-        </p:style>
-        <p:txBody>
-          <a:bodyPr wrap="square" lIns="90000" tIns="45000" rIns="90000" bIns="45000">
-            <a:spAutoFit/>
-          </a:bodyPr>
-          <a:lstStyle/>
-          <a:p>
-            <a:pPr>
-              <a:lnSpc>
-                <a:spcPct val="100000"/>
-              </a:lnSpc>
-            </a:pPr>
-            <a:r>
-              <a:rPr lang="de-DE" sz="2400" b="0" strike="noStrike" spc="-1" dirty="0">
-                <a:solidFill>
-                  <a:srgbClr val="000000"/>
-                </a:solidFill>
-                <a:latin typeface="Arial"/>
-                <a:ea typeface="DejaVu Sans"/>
-              </a:rPr>
-              <a:t>Damit Benutzer Beschriftungen einfach mit den betreffenden Gebieten in Verbindung bringen können, werden anhand der Grenzverläufe die Position und Form gebogener Beschriftungen berechnet, die in die Gebiete gelegt werden können.</a:t>
-            </a:r>
-            <a:endParaRPr lang="de-DE" sz="2400" b="0" strike="noStrike" spc="-1" dirty="0">
-              <a:latin typeface="Arial"/>
-            </a:endParaRPr>
-          </a:p>
-        </p:txBody>
-      </p:sp>
-      <p:sp>
-        <p:nvSpPr>
-          <p:cNvPr id="69" name="CustomShape 21"/>
-          <p:cNvSpPr/>
-          <p:nvPr/>
-        </p:nvSpPr>
-        <p:spPr>
-          <a:xfrm>
-            <a:off x="15939453" y="12939480"/>
-            <a:ext cx="11624400" cy="1937538"/>
-          </a:xfrm>
-          <a:prstGeom prst="rect">
-            <a:avLst/>
-          </a:prstGeom>
-          <a:noFill/>
-          <a:ln>
-            <a:noFill/>
-          </a:ln>
-        </p:spPr>
-        <p:style>
-          <a:lnRef idx="0">
-            <a:scrgbClr r="0" g="0" b="0"/>
-          </a:lnRef>
-          <a:fillRef idx="0">
-            <a:scrgbClr r="0" g="0" b="0"/>
-          </a:fillRef>
-          <a:effectRef idx="0">
-            <a:scrgbClr r="0" g="0" b="0"/>
-          </a:effectRef>
-          <a:fontRef idx="minor"/>
-        </p:style>
-        <p:txBody>
-          <a:bodyPr lIns="90000" tIns="45000" rIns="90000" bIns="45000">
-            <a:spAutoFit/>
-          </a:bodyPr>
-          <a:lstStyle/>
-          <a:p>
-            <a:pPr>
-              <a:lnSpc>
-                <a:spcPct val="100000"/>
-              </a:lnSpc>
-            </a:pPr>
-            <a:r>
-              <a:rPr lang="de-DE" sz="2400" b="0" strike="noStrike" spc="-1" dirty="0">
-                <a:solidFill>
-                  <a:srgbClr val="000000"/>
-                </a:solidFill>
-                <a:latin typeface="Arial"/>
-                <a:ea typeface="DejaVu Sans"/>
-              </a:rPr>
-              <a:t>Die Vorverarbeitung extrahiert geografische Daten aus den OSM-Quelldateien, vereinfacht deren Grenzen für verschiedene Zoomstufen und berechnet die Position und Form von gebogenen Beschriftungen. Die Ergebnisse werden anschließend in eine </a:t>
-            </a:r>
-            <a:r>
-              <a:rPr lang="de-DE" sz="2400" b="0" strike="noStrike" spc="-1" dirty="0" err="1">
-                <a:solidFill>
-                  <a:srgbClr val="000000"/>
-                </a:solidFill>
-                <a:latin typeface="Arial"/>
-                <a:ea typeface="DejaVu Sans"/>
-              </a:rPr>
-              <a:t>spatiale</a:t>
-            </a:r>
-            <a:r>
-              <a:rPr lang="de-DE" sz="2400" b="0" strike="noStrike" spc="-1" dirty="0">
-                <a:solidFill>
-                  <a:srgbClr val="000000"/>
-                </a:solidFill>
-                <a:latin typeface="Arial"/>
-                <a:ea typeface="DejaVu Sans"/>
-              </a:rPr>
-              <a:t> Datenbank geschrieben, sodass sie vom Gebietsserver auf Anfrage des Clients bereitgestellt werden können.</a:t>
-            </a:r>
-            <a:endParaRPr lang="de-DE" sz="2400" b="0" strike="noStrike" spc="-1" dirty="0">
-              <a:latin typeface="Arial"/>
-            </a:endParaRPr>
-          </a:p>
-        </p:txBody>
-      </p:sp>
-      <p:sp>
-        <p:nvSpPr>
-          <p:cNvPr id="70" name="CustomShape 22"/>
-          <p:cNvSpPr/>
-          <p:nvPr/>
-        </p:nvSpPr>
-        <p:spPr>
-          <a:xfrm>
             <a:off x="2065320" y="34865280"/>
-            <a:ext cx="12706920" cy="3981600"/>
+            <a:ext cx="12706200" cy="3980880"/>
           </a:xfrm>
           <a:prstGeom prst="rect">
             <a:avLst/>
@@ -4409,30 +3559,7 @@
       </p:sp>
       <p:pic>
         <p:nvPicPr>
-          <p:cNvPr id="72" name="Grafik 9"/>
-          <p:cNvPicPr/>
-          <p:nvPr/>
-        </p:nvPicPr>
-        <p:blipFill>
-          <a:blip r:embed="rId10"/>
-          <a:stretch/>
-        </p:blipFill>
-        <p:spPr>
-          <a:xfrm>
-            <a:off x="16092720" y="14883840"/>
-            <a:ext cx="11734560" cy="3171600"/>
-          </a:xfrm>
-          <a:prstGeom prst="rect">
-            <a:avLst/>
-          </a:prstGeom>
-          <a:ln>
-            <a:noFill/>
-          </a:ln>
-        </p:spPr>
-      </p:pic>
-      <p:pic>
-        <p:nvPicPr>
-          <p:cNvPr id="73" name="Grafik 33"/>
+          <p:cNvPr id="70" name="Grafik 9" descr=""/>
           <p:cNvPicPr/>
           <p:nvPr/>
         </p:nvPicPr>
@@ -4442,8 +3569,8 @@
         </p:blipFill>
         <p:spPr>
           <a:xfrm>
-            <a:off x="17012880" y="32470560"/>
-            <a:ext cx="4619880" cy="3419640"/>
+            <a:off x="16092720" y="14883840"/>
+            <a:ext cx="11733840" cy="3170880"/>
           </a:xfrm>
           <a:prstGeom prst="rect">
             <a:avLst/>
@@ -4455,38 +3582,61 @@
       </p:pic>
       <p:pic>
         <p:nvPicPr>
-          <p:cNvPr id="3" name="Grafik 2">
-            <a:extLst>
-              <a:ext uri="{FF2B5EF4-FFF2-40B4-BE49-F238E27FC236}">
-                <a16:creationId xmlns:a16="http://schemas.microsoft.com/office/drawing/2014/main" id="{E3F6BDF5-EC19-4F10-A961-E75A027F3267}"/>
-              </a:ext>
-            </a:extLst>
-          </p:cNvPr>
-          <p:cNvPicPr>
-            <a:picLocks noChangeAspect="1"/>
-          </p:cNvPicPr>
+          <p:cNvPr id="71" name="Grafik 33" descr=""/>
+          <p:cNvPicPr/>
           <p:nvPr/>
         </p:nvPicPr>
-        <p:blipFill rotWithShape="1">
-          <a:blip r:embed="rId11"/>
-          <a:srcRect t="13479" b="22008"/>
+        <p:blipFill>
+          <a:blip r:embed="rId9"/>
           <a:stretch/>
         </p:blipFill>
         <p:spPr>
           <a:xfrm>
-            <a:off x="2169534" y="35006399"/>
-            <a:ext cx="12496162" cy="3672721"/>
-          </a:xfrm>
-          <a:prstGeom prst="rect">
-            <a:avLst/>
-          </a:prstGeom>
+            <a:off x="17012880" y="32470560"/>
+            <a:ext cx="4619160" cy="3418920"/>
+          </a:xfrm>
+          <a:prstGeom prst="rect">
+            <a:avLst/>
+          </a:prstGeom>
+          <a:ln>
+            <a:noFill/>
+          </a:ln>
+        </p:spPr>
+      </p:pic>
+      <p:pic>
+        <p:nvPicPr>
+          <p:cNvPr id="72" name="Grafik 2" descr=""/>
+          <p:cNvPicPr/>
+          <p:nvPr/>
+        </p:nvPicPr>
+        <p:blipFill>
+          <a:blip r:embed="rId10"/>
+          <a:srcRect l="0" t="13476" r="0" b="22010"/>
+          <a:stretch/>
+        </p:blipFill>
+        <p:spPr>
+          <a:xfrm>
+            <a:off x="2169360" y="35006400"/>
+            <a:ext cx="12495600" cy="3672000"/>
+          </a:xfrm>
+          <a:prstGeom prst="rect">
+            <a:avLst/>
+          </a:prstGeom>
+          <a:ln>
+            <a:noFill/>
+          </a:ln>
         </p:spPr>
       </p:pic>
     </p:spTree>
   </p:cSld>
-  <p:clrMapOvr>
-    <a:masterClrMapping/>
-  </p:clrMapOvr>
+  <mc:AlternateContent>
+    <mc:Choice Requires="p14">
+      <p:transition spd="slow" p14:dur="2000"/>
+    </mc:Choice>
+    <mc:Fallback>
+      <p:transition spd="slow"/>
+    </mc:Fallback>
+  </mc:AlternateContent>
 </p:sld>
 </file>
 
@@ -4501,31 +3651,31 @@
         <a:sysClr val="window" lastClr="FFFFFF"/>
       </a:lt1>
       <a:dk2>
-        <a:srgbClr val="7F7F7F"/>
+        <a:srgbClr val="7f7f7f"/>
       </a:dk2>
       <a:lt2>
-        <a:srgbClr val="FFFFFF"/>
+        <a:srgbClr val="ffffff"/>
       </a:lt2>
       <a:accent1>
-        <a:srgbClr val="1BBBE9"/>
+        <a:srgbClr val="1bbbe9"/>
       </a:accent1>
       <a:accent2>
-        <a:srgbClr val="00519E"/>
+        <a:srgbClr val="00519e"/>
       </a:accent2>
       <a:accent3>
-        <a:srgbClr val="3E444C"/>
+        <a:srgbClr val="3e444c"/>
       </a:accent3>
       <a:accent4>
-        <a:srgbClr val="BDDDF2"/>
+        <a:srgbClr val="bdddf2"/>
       </a:accent4>
       <a:accent5>
-        <a:srgbClr val="4BACC6"/>
+        <a:srgbClr val="4bacc6"/>
       </a:accent5>
       <a:accent6>
-        <a:srgbClr val="7F7F7F"/>
+        <a:srgbClr val="7f7f7f"/>
       </a:accent6>
       <a:hlink>
-        <a:srgbClr val="FFFF00"/>
+        <a:srgbClr val="ffff00"/>
       </a:hlink>
       <a:folHlink>
         <a:srgbClr val="800080"/>
@@ -4710,7 +3860,5 @@
       </a:bgFillStyleLst>
     </a:fmtScheme>
   </a:themeElements>
-  <a:objectDefaults/>
-  <a:extraClrSchemeLst/>
 </a:theme>
 </file>
--- a/EnPro_ALF_Poster_2.pptx
+++ b/EnPro_ALF_Poster_2.pptx
@@ -1,19 +1,114 @@
 
 <file path=ppt/presentation.xml><?xml version="1.0" encoding="utf-8"?>
-<p:presentation xmlns:a="http://schemas.openxmlformats.org/drawingml/2006/main" xmlns:p="http://schemas.openxmlformats.org/presentationml/2006/main" xmlns:r="http://schemas.openxmlformats.org/officeDocument/2006/relationships" xmlns:p14="http://schemas.microsoft.com/office/powerpoint/2010/main" xmlns:p15="http://schemas.microsoft.com/office/powerpoint/2012/main" xmlns:mc="http://schemas.openxmlformats.org/markup-compatibility/2006">
+<p:presentation xmlns:a="http://schemas.openxmlformats.org/drawingml/2006/main" xmlns:r="http://schemas.openxmlformats.org/officeDocument/2006/relationships" xmlns:p="http://schemas.openxmlformats.org/presentationml/2006/main">
   <p:sldMasterIdLst>
-    <p:sldMasterId id="2147483648" r:id="rId2"/>
+    <p:sldMasterId id="2147483648" r:id="rId1"/>
   </p:sldMasterIdLst>
   <p:sldIdLst>
-    <p:sldId id="256" r:id="rId3"/>
+    <p:sldId id="256" r:id="rId2"/>
   </p:sldIdLst>
   <p:sldSz cx="30279975" cy="42808525"/>
-  <p:notesSz cx="7559675" cy="10691812"/>
+  <p:notesSz cx="7559675" cy="10691813"/>
+  <p:defaultTextStyle>
+    <a:defPPr>
+      <a:defRPr lang="de-DE"/>
+    </a:defPPr>
+    <a:lvl1pPr marL="0" algn="l" defTabSz="914400" rtl="0" eaLnBrk="1" latinLnBrk="0" hangingPunct="1">
+      <a:defRPr sz="1800" kern="1200">
+        <a:solidFill>
+          <a:schemeClr val="tx1"/>
+        </a:solidFill>
+        <a:latin typeface="+mn-lt"/>
+        <a:ea typeface="+mn-ea"/>
+        <a:cs typeface="+mn-cs"/>
+      </a:defRPr>
+    </a:lvl1pPr>
+    <a:lvl2pPr marL="457200" algn="l" defTabSz="914400" rtl="0" eaLnBrk="1" latinLnBrk="0" hangingPunct="1">
+      <a:defRPr sz="1800" kern="1200">
+        <a:solidFill>
+          <a:schemeClr val="tx1"/>
+        </a:solidFill>
+        <a:latin typeface="+mn-lt"/>
+        <a:ea typeface="+mn-ea"/>
+        <a:cs typeface="+mn-cs"/>
+      </a:defRPr>
+    </a:lvl2pPr>
+    <a:lvl3pPr marL="914400" algn="l" defTabSz="914400" rtl="0" eaLnBrk="1" latinLnBrk="0" hangingPunct="1">
+      <a:defRPr sz="1800" kern="1200">
+        <a:solidFill>
+          <a:schemeClr val="tx1"/>
+        </a:solidFill>
+        <a:latin typeface="+mn-lt"/>
+        <a:ea typeface="+mn-ea"/>
+        <a:cs typeface="+mn-cs"/>
+      </a:defRPr>
+    </a:lvl3pPr>
+    <a:lvl4pPr marL="1371600" algn="l" defTabSz="914400" rtl="0" eaLnBrk="1" latinLnBrk="0" hangingPunct="1">
+      <a:defRPr sz="1800" kern="1200">
+        <a:solidFill>
+          <a:schemeClr val="tx1"/>
+        </a:solidFill>
+        <a:latin typeface="+mn-lt"/>
+        <a:ea typeface="+mn-ea"/>
+        <a:cs typeface="+mn-cs"/>
+      </a:defRPr>
+    </a:lvl4pPr>
+    <a:lvl5pPr marL="1828800" algn="l" defTabSz="914400" rtl="0" eaLnBrk="1" latinLnBrk="0" hangingPunct="1">
+      <a:defRPr sz="1800" kern="1200">
+        <a:solidFill>
+          <a:schemeClr val="tx1"/>
+        </a:solidFill>
+        <a:latin typeface="+mn-lt"/>
+        <a:ea typeface="+mn-ea"/>
+        <a:cs typeface="+mn-cs"/>
+      </a:defRPr>
+    </a:lvl5pPr>
+    <a:lvl6pPr marL="2286000" algn="l" defTabSz="914400" rtl="0" eaLnBrk="1" latinLnBrk="0" hangingPunct="1">
+      <a:defRPr sz="1800" kern="1200">
+        <a:solidFill>
+          <a:schemeClr val="tx1"/>
+        </a:solidFill>
+        <a:latin typeface="+mn-lt"/>
+        <a:ea typeface="+mn-ea"/>
+        <a:cs typeface="+mn-cs"/>
+      </a:defRPr>
+    </a:lvl6pPr>
+    <a:lvl7pPr marL="2743200" algn="l" defTabSz="914400" rtl="0" eaLnBrk="1" latinLnBrk="0" hangingPunct="1">
+      <a:defRPr sz="1800" kern="1200">
+        <a:solidFill>
+          <a:schemeClr val="tx1"/>
+        </a:solidFill>
+        <a:latin typeface="+mn-lt"/>
+        <a:ea typeface="+mn-ea"/>
+        <a:cs typeface="+mn-cs"/>
+      </a:defRPr>
+    </a:lvl7pPr>
+    <a:lvl8pPr marL="3200400" algn="l" defTabSz="914400" rtl="0" eaLnBrk="1" latinLnBrk="0" hangingPunct="1">
+      <a:defRPr sz="1800" kern="1200">
+        <a:solidFill>
+          <a:schemeClr val="tx1"/>
+        </a:solidFill>
+        <a:latin typeface="+mn-lt"/>
+        <a:ea typeface="+mn-ea"/>
+        <a:cs typeface="+mn-cs"/>
+      </a:defRPr>
+    </a:lvl8pPr>
+    <a:lvl9pPr marL="3657600" algn="l" defTabSz="914400" rtl="0" eaLnBrk="1" latinLnBrk="0" hangingPunct="1">
+      <a:defRPr sz="1800" kern="1200">
+        <a:solidFill>
+          <a:schemeClr val="tx1"/>
+        </a:solidFill>
+        <a:latin typeface="+mn-lt"/>
+        <a:ea typeface="+mn-ea"/>
+        <a:cs typeface="+mn-cs"/>
+      </a:defRPr>
+    </a:lvl9pPr>
+  </p:defaultTextStyle>
 </p:presentation>
 </file>
 
 <file path=ppt/slideLayouts/slideLayout1.xml><?xml version="1.0" encoding="utf-8"?>
-<p:sldLayout xmlns:a="http://schemas.openxmlformats.org/drawingml/2006/main" xmlns:p="http://schemas.openxmlformats.org/presentationml/2006/main" xmlns:r="http://schemas.openxmlformats.org/officeDocument/2006/relationships" xmlns:p14="http://schemas.microsoft.com/office/powerpoint/2010/main" xmlns:p15="http://schemas.microsoft.com/office/powerpoint/2012/main" xmlns:mc="http://schemas.openxmlformats.org/markup-compatibility/2006" type="blank" preserve="1">
+<p:sldLayout xmlns:a="http://schemas.openxmlformats.org/drawingml/2006/main" xmlns:r="http://schemas.openxmlformats.org/officeDocument/2006/relationships" xmlns:p="http://schemas.openxmlformats.org/presentationml/2006/main" type="blank" preserve="1">
   <p:cSld name="Blank Slide">
     <p:spTree>
       <p:nvGrpSpPr>
@@ -31,11 +126,14 @@
       </p:grpSpPr>
     </p:spTree>
   </p:cSld>
+  <p:clrMapOvr>
+    <a:masterClrMapping/>
+  </p:clrMapOvr>
 </p:sldLayout>
 </file>
 
 <file path=ppt/slideLayouts/slideLayout10.xml><?xml version="1.0" encoding="utf-8"?>
-<p:sldLayout xmlns:a="http://schemas.openxmlformats.org/drawingml/2006/main" xmlns:p="http://schemas.openxmlformats.org/presentationml/2006/main" xmlns:r="http://schemas.openxmlformats.org/officeDocument/2006/relationships" xmlns:p14="http://schemas.microsoft.com/office/powerpoint/2010/main" xmlns:p15="http://schemas.microsoft.com/office/powerpoint/2012/main" xmlns:mc="http://schemas.openxmlformats.org/markup-compatibility/2006" type="objOverTx" preserve="1">
+<p:sldLayout xmlns:a="http://schemas.openxmlformats.org/drawingml/2006/main" xmlns:r="http://schemas.openxmlformats.org/officeDocument/2006/relationships" xmlns:p="http://schemas.openxmlformats.org/presentationml/2006/main" type="objOverTx" preserve="1">
   <p:cSld name="Title, Content over Content">
     <p:spTree>
       <p:nvGrpSpPr>
@@ -71,12 +169,13 @@
           </a:prstGeom>
         </p:spPr>
         <p:txBody>
-          <a:bodyPr lIns="0" rIns="0" tIns="0" bIns="0" anchor="ctr">
+          <a:bodyPr lIns="0" tIns="0" rIns="0" bIns="0" anchor="ctr">
             <a:spAutoFit/>
           </a:bodyPr>
+          <a:lstStyle/>
           <a:p>
             <a:pPr algn="ctr"/>
-            <a:endParaRPr b="0" lang="de-DE" sz="4400" spc="-1" strike="noStrike">
+            <a:endParaRPr lang="de-DE" sz="4400" b="0" strike="noStrike" spc="-1">
               <a:latin typeface="Arial"/>
             </a:endParaRPr>
           </a:p>
@@ -102,11 +201,12 @@
           </a:prstGeom>
         </p:spPr>
         <p:txBody>
-          <a:bodyPr lIns="0" rIns="0" tIns="0" bIns="0">
+          <a:bodyPr lIns="0" tIns="0" rIns="0" bIns="0">
             <a:normAutofit/>
           </a:bodyPr>
-          <a:p>
-            <a:endParaRPr b="0" lang="de-DE" sz="3200" spc="-1" strike="noStrike">
+          <a:lstStyle/>
+          <a:p>
+            <a:endParaRPr lang="de-DE" sz="3200" b="0" strike="noStrike" spc="-1">
               <a:latin typeface="Arial"/>
             </a:endParaRPr>
           </a:p>
@@ -132,11 +232,12 @@
           </a:prstGeom>
         </p:spPr>
         <p:txBody>
-          <a:bodyPr lIns="0" rIns="0" tIns="0" bIns="0">
+          <a:bodyPr lIns="0" tIns="0" rIns="0" bIns="0">
             <a:normAutofit/>
           </a:bodyPr>
-          <a:p>
-            <a:endParaRPr b="0" lang="de-DE" sz="3200" spc="-1" strike="noStrike">
+          <a:lstStyle/>
+          <a:p>
+            <a:endParaRPr lang="de-DE" sz="3200" b="0" strike="noStrike" spc="-1">
               <a:latin typeface="Arial"/>
             </a:endParaRPr>
           </a:p>
@@ -144,11 +245,14 @@
       </p:sp>
     </p:spTree>
   </p:cSld>
+  <p:clrMapOvr>
+    <a:masterClrMapping/>
+  </p:clrMapOvr>
 </p:sldLayout>
 </file>
 
 <file path=ppt/slideLayouts/slideLayout11.xml><?xml version="1.0" encoding="utf-8"?>
-<p:sldLayout xmlns:a="http://schemas.openxmlformats.org/drawingml/2006/main" xmlns:p="http://schemas.openxmlformats.org/presentationml/2006/main" xmlns:r="http://schemas.openxmlformats.org/officeDocument/2006/relationships" xmlns:p14="http://schemas.microsoft.com/office/powerpoint/2010/main" xmlns:p15="http://schemas.microsoft.com/office/powerpoint/2012/main" xmlns:mc="http://schemas.openxmlformats.org/markup-compatibility/2006" type="fourObj" preserve="1">
+<p:sldLayout xmlns:a="http://schemas.openxmlformats.org/drawingml/2006/main" xmlns:r="http://schemas.openxmlformats.org/officeDocument/2006/relationships" xmlns:p="http://schemas.openxmlformats.org/presentationml/2006/main" type="fourObj" preserve="1">
   <p:cSld name="Title, 4 Content">
     <p:spTree>
       <p:nvGrpSpPr>
@@ -184,12 +288,13 @@
           </a:prstGeom>
         </p:spPr>
         <p:txBody>
-          <a:bodyPr lIns="0" rIns="0" tIns="0" bIns="0" anchor="ctr">
+          <a:bodyPr lIns="0" tIns="0" rIns="0" bIns="0" anchor="ctr">
             <a:spAutoFit/>
           </a:bodyPr>
+          <a:lstStyle/>
           <a:p>
             <a:pPr algn="ctr"/>
-            <a:endParaRPr b="0" lang="de-DE" sz="4400" spc="-1" strike="noStrike">
+            <a:endParaRPr lang="de-DE" sz="4400" b="0" strike="noStrike" spc="-1">
               <a:latin typeface="Arial"/>
             </a:endParaRPr>
           </a:p>
@@ -215,11 +320,12 @@
           </a:prstGeom>
         </p:spPr>
         <p:txBody>
-          <a:bodyPr lIns="0" rIns="0" tIns="0" bIns="0">
+          <a:bodyPr lIns="0" tIns="0" rIns="0" bIns="0">
             <a:normAutofit/>
           </a:bodyPr>
-          <a:p>
-            <a:endParaRPr b="0" lang="de-DE" sz="3200" spc="-1" strike="noStrike">
+          <a:lstStyle/>
+          <a:p>
+            <a:endParaRPr lang="de-DE" sz="3200" b="0" strike="noStrike" spc="-1">
               <a:latin typeface="Arial"/>
             </a:endParaRPr>
           </a:p>
@@ -245,11 +351,12 @@
           </a:prstGeom>
         </p:spPr>
         <p:txBody>
-          <a:bodyPr lIns="0" rIns="0" tIns="0" bIns="0">
+          <a:bodyPr lIns="0" tIns="0" rIns="0" bIns="0">
             <a:normAutofit/>
           </a:bodyPr>
-          <a:p>
-            <a:endParaRPr b="0" lang="de-DE" sz="3200" spc="-1" strike="noStrike">
+          <a:lstStyle/>
+          <a:p>
+            <a:endParaRPr lang="de-DE" sz="3200" b="0" strike="noStrike" spc="-1">
               <a:latin typeface="Arial"/>
             </a:endParaRPr>
           </a:p>
@@ -275,11 +382,12 @@
           </a:prstGeom>
         </p:spPr>
         <p:txBody>
-          <a:bodyPr lIns="0" rIns="0" tIns="0" bIns="0">
+          <a:bodyPr lIns="0" tIns="0" rIns="0" bIns="0">
             <a:normAutofit/>
           </a:bodyPr>
-          <a:p>
-            <a:endParaRPr b="0" lang="de-DE" sz="3200" spc="-1" strike="noStrike">
+          <a:lstStyle/>
+          <a:p>
+            <a:endParaRPr lang="de-DE" sz="3200" b="0" strike="noStrike" spc="-1">
               <a:latin typeface="Arial"/>
             </a:endParaRPr>
           </a:p>
@@ -305,11 +413,12 @@
           </a:prstGeom>
         </p:spPr>
         <p:txBody>
-          <a:bodyPr lIns="0" rIns="0" tIns="0" bIns="0">
+          <a:bodyPr lIns="0" tIns="0" rIns="0" bIns="0">
             <a:normAutofit/>
           </a:bodyPr>
-          <a:p>
-            <a:endParaRPr b="0" lang="de-DE" sz="3200" spc="-1" strike="noStrike">
+          <a:lstStyle/>
+          <a:p>
+            <a:endParaRPr lang="de-DE" sz="3200" b="0" strike="noStrike" spc="-1">
               <a:latin typeface="Arial"/>
             </a:endParaRPr>
           </a:p>
@@ -317,11 +426,14 @@
       </p:sp>
     </p:spTree>
   </p:cSld>
+  <p:clrMapOvr>
+    <a:masterClrMapping/>
+  </p:clrMapOvr>
 </p:sldLayout>
 </file>
 
 <file path=ppt/slideLayouts/slideLayout12.xml><?xml version="1.0" encoding="utf-8"?>
-<p:sldLayout xmlns:a="http://schemas.openxmlformats.org/drawingml/2006/main" xmlns:p="http://schemas.openxmlformats.org/presentationml/2006/main" xmlns:r="http://schemas.openxmlformats.org/officeDocument/2006/relationships" xmlns:p14="http://schemas.microsoft.com/office/powerpoint/2010/main" xmlns:p15="http://schemas.microsoft.com/office/powerpoint/2012/main" xmlns:mc="http://schemas.openxmlformats.org/markup-compatibility/2006" type="blank" preserve="1">
+<p:sldLayout xmlns:a="http://schemas.openxmlformats.org/drawingml/2006/main" xmlns:r="http://schemas.openxmlformats.org/officeDocument/2006/relationships" xmlns:p="http://schemas.openxmlformats.org/presentationml/2006/main" type="blank" preserve="1">
   <p:cSld name="Title, 6 Content">
     <p:spTree>
       <p:nvGrpSpPr>
@@ -357,12 +469,13 @@
           </a:prstGeom>
         </p:spPr>
         <p:txBody>
-          <a:bodyPr lIns="0" rIns="0" tIns="0" bIns="0" anchor="ctr">
+          <a:bodyPr lIns="0" tIns="0" rIns="0" bIns="0" anchor="ctr">
             <a:spAutoFit/>
           </a:bodyPr>
+          <a:lstStyle/>
           <a:p>
             <a:pPr algn="ctr"/>
-            <a:endParaRPr b="0" lang="de-DE" sz="4400" spc="-1" strike="noStrike">
+            <a:endParaRPr lang="de-DE" sz="4400" b="0" strike="noStrike" spc="-1">
               <a:latin typeface="Arial"/>
             </a:endParaRPr>
           </a:p>
@@ -388,11 +501,12 @@
           </a:prstGeom>
         </p:spPr>
         <p:txBody>
-          <a:bodyPr lIns="0" rIns="0" tIns="0" bIns="0">
+          <a:bodyPr lIns="0" tIns="0" rIns="0" bIns="0">
             <a:normAutofit/>
           </a:bodyPr>
-          <a:p>
-            <a:endParaRPr b="0" lang="de-DE" sz="3200" spc="-1" strike="noStrike">
+          <a:lstStyle/>
+          <a:p>
+            <a:endParaRPr lang="de-DE" sz="3200" b="0" strike="noStrike" spc="-1">
               <a:latin typeface="Arial"/>
             </a:endParaRPr>
           </a:p>
@@ -418,11 +532,12 @@
           </a:prstGeom>
         </p:spPr>
         <p:txBody>
-          <a:bodyPr lIns="0" rIns="0" tIns="0" bIns="0">
+          <a:bodyPr lIns="0" tIns="0" rIns="0" bIns="0">
             <a:normAutofit/>
           </a:bodyPr>
-          <a:p>
-            <a:endParaRPr b="0" lang="de-DE" sz="3200" spc="-1" strike="noStrike">
+          <a:lstStyle/>
+          <a:p>
+            <a:endParaRPr lang="de-DE" sz="3200" b="0" strike="noStrike" spc="-1">
               <a:latin typeface="Arial"/>
             </a:endParaRPr>
           </a:p>
@@ -448,11 +563,12 @@
           </a:prstGeom>
         </p:spPr>
         <p:txBody>
-          <a:bodyPr lIns="0" rIns="0" tIns="0" bIns="0">
+          <a:bodyPr lIns="0" tIns="0" rIns="0" bIns="0">
             <a:normAutofit/>
           </a:bodyPr>
-          <a:p>
-            <a:endParaRPr b="0" lang="de-DE" sz="3200" spc="-1" strike="noStrike">
+          <a:lstStyle/>
+          <a:p>
+            <a:endParaRPr lang="de-DE" sz="3200" b="0" strike="noStrike" spc="-1">
               <a:latin typeface="Arial"/>
             </a:endParaRPr>
           </a:p>
@@ -478,11 +594,12 @@
           </a:prstGeom>
         </p:spPr>
         <p:txBody>
-          <a:bodyPr lIns="0" rIns="0" tIns="0" bIns="0">
+          <a:bodyPr lIns="0" tIns="0" rIns="0" bIns="0">
             <a:normAutofit/>
           </a:bodyPr>
-          <a:p>
-            <a:endParaRPr b="0" lang="de-DE" sz="3200" spc="-1" strike="noStrike">
+          <a:lstStyle/>
+          <a:p>
+            <a:endParaRPr lang="de-DE" sz="3200" b="0" strike="noStrike" spc="-1">
               <a:latin typeface="Arial"/>
             </a:endParaRPr>
           </a:p>
@@ -508,11 +625,12 @@
           </a:prstGeom>
         </p:spPr>
         <p:txBody>
-          <a:bodyPr lIns="0" rIns="0" tIns="0" bIns="0">
+          <a:bodyPr lIns="0" tIns="0" rIns="0" bIns="0">
             <a:normAutofit/>
           </a:bodyPr>
-          <a:p>
-            <a:endParaRPr b="0" lang="de-DE" sz="3200" spc="-1" strike="noStrike">
+          <a:lstStyle/>
+          <a:p>
+            <a:endParaRPr lang="de-DE" sz="3200" b="0" strike="noStrike" spc="-1">
               <a:latin typeface="Arial"/>
             </a:endParaRPr>
           </a:p>
@@ -538,11 +656,12 @@
           </a:prstGeom>
         </p:spPr>
         <p:txBody>
-          <a:bodyPr lIns="0" rIns="0" tIns="0" bIns="0">
+          <a:bodyPr lIns="0" tIns="0" rIns="0" bIns="0">
             <a:normAutofit/>
           </a:bodyPr>
-          <a:p>
-            <a:endParaRPr b="0" lang="de-DE" sz="3200" spc="-1" strike="noStrike">
+          <a:lstStyle/>
+          <a:p>
+            <a:endParaRPr lang="de-DE" sz="3200" b="0" strike="noStrike" spc="-1">
               <a:latin typeface="Arial"/>
             </a:endParaRPr>
           </a:p>
@@ -550,11 +669,14 @@
       </p:sp>
     </p:spTree>
   </p:cSld>
+  <p:clrMapOvr>
+    <a:masterClrMapping/>
+  </p:clrMapOvr>
 </p:sldLayout>
 </file>
 
 <file path=ppt/slideLayouts/slideLayout2.xml><?xml version="1.0" encoding="utf-8"?>
-<p:sldLayout xmlns:a="http://schemas.openxmlformats.org/drawingml/2006/main" xmlns:p="http://schemas.openxmlformats.org/presentationml/2006/main" xmlns:r="http://schemas.openxmlformats.org/officeDocument/2006/relationships" xmlns:p14="http://schemas.microsoft.com/office/powerpoint/2010/main" xmlns:p15="http://schemas.microsoft.com/office/powerpoint/2012/main" xmlns:mc="http://schemas.openxmlformats.org/markup-compatibility/2006" type="tx" preserve="1">
+<p:sldLayout xmlns:a="http://schemas.openxmlformats.org/drawingml/2006/main" xmlns:r="http://schemas.openxmlformats.org/officeDocument/2006/relationships" xmlns:p="http://schemas.openxmlformats.org/presentationml/2006/main" type="tx" preserve="1">
   <p:cSld name="Title Slide">
     <p:spTree>
       <p:nvGrpSpPr>
@@ -590,12 +712,13 @@
           </a:prstGeom>
         </p:spPr>
         <p:txBody>
-          <a:bodyPr lIns="0" rIns="0" tIns="0" bIns="0" anchor="ctr">
+          <a:bodyPr lIns="0" tIns="0" rIns="0" bIns="0" anchor="ctr">
             <a:spAutoFit/>
           </a:bodyPr>
+          <a:lstStyle/>
           <a:p>
             <a:pPr algn="ctr"/>
-            <a:endParaRPr b="0" lang="de-DE" sz="4400" spc="-1" strike="noStrike">
+            <a:endParaRPr lang="de-DE" sz="4400" b="0" strike="noStrike" spc="-1">
               <a:latin typeface="Arial"/>
             </a:endParaRPr>
           </a:p>
@@ -621,12 +744,13 @@
           </a:prstGeom>
         </p:spPr>
         <p:txBody>
-          <a:bodyPr lIns="0" rIns="0" tIns="0" bIns="0" anchor="ctr">
+          <a:bodyPr lIns="0" tIns="0" rIns="0" bIns="0" anchor="ctr">
             <a:spAutoFit/>
           </a:bodyPr>
+          <a:lstStyle/>
           <a:p>
             <a:pPr algn="ctr"/>
-            <a:endParaRPr b="0" lang="de-DE" sz="3200" spc="-1" strike="noStrike">
+            <a:endParaRPr lang="de-DE" sz="3200" b="0" strike="noStrike" spc="-1">
               <a:latin typeface="Arial"/>
             </a:endParaRPr>
           </a:p>
@@ -634,11 +758,14 @@
       </p:sp>
     </p:spTree>
   </p:cSld>
+  <p:clrMapOvr>
+    <a:masterClrMapping/>
+  </p:clrMapOvr>
 </p:sldLayout>
 </file>
 
 <file path=ppt/slideLayouts/slideLayout3.xml><?xml version="1.0" encoding="utf-8"?>
-<p:sldLayout xmlns:a="http://schemas.openxmlformats.org/drawingml/2006/main" xmlns:p="http://schemas.openxmlformats.org/presentationml/2006/main" xmlns:r="http://schemas.openxmlformats.org/officeDocument/2006/relationships" xmlns:p14="http://schemas.microsoft.com/office/powerpoint/2010/main" xmlns:p15="http://schemas.microsoft.com/office/powerpoint/2012/main" xmlns:mc="http://schemas.openxmlformats.org/markup-compatibility/2006" type="obj" preserve="1">
+<p:sldLayout xmlns:a="http://schemas.openxmlformats.org/drawingml/2006/main" xmlns:r="http://schemas.openxmlformats.org/officeDocument/2006/relationships" xmlns:p="http://schemas.openxmlformats.org/presentationml/2006/main" type="obj" preserve="1">
   <p:cSld name="Title, Content">
     <p:spTree>
       <p:nvGrpSpPr>
@@ -674,12 +801,13 @@
           </a:prstGeom>
         </p:spPr>
         <p:txBody>
-          <a:bodyPr lIns="0" rIns="0" tIns="0" bIns="0" anchor="ctr">
+          <a:bodyPr lIns="0" tIns="0" rIns="0" bIns="0" anchor="ctr">
             <a:spAutoFit/>
           </a:bodyPr>
+          <a:lstStyle/>
           <a:p>
             <a:pPr algn="ctr"/>
-            <a:endParaRPr b="0" lang="de-DE" sz="4400" spc="-1" strike="noStrike">
+            <a:endParaRPr lang="de-DE" sz="4400" b="0" strike="noStrike" spc="-1">
               <a:latin typeface="Arial"/>
             </a:endParaRPr>
           </a:p>
@@ -705,11 +833,12 @@
           </a:prstGeom>
         </p:spPr>
         <p:txBody>
-          <a:bodyPr lIns="0" rIns="0" tIns="0" bIns="0">
+          <a:bodyPr lIns="0" tIns="0" rIns="0" bIns="0">
             <a:normAutofit/>
           </a:bodyPr>
-          <a:p>
-            <a:endParaRPr b="0" lang="de-DE" sz="3200" spc="-1" strike="noStrike">
+          <a:lstStyle/>
+          <a:p>
+            <a:endParaRPr lang="de-DE" sz="3200" b="0" strike="noStrike" spc="-1">
               <a:latin typeface="Arial"/>
             </a:endParaRPr>
           </a:p>
@@ -717,11 +846,14 @@
       </p:sp>
     </p:spTree>
   </p:cSld>
+  <p:clrMapOvr>
+    <a:masterClrMapping/>
+  </p:clrMapOvr>
 </p:sldLayout>
 </file>
 
 <file path=ppt/slideLayouts/slideLayout4.xml><?xml version="1.0" encoding="utf-8"?>
-<p:sldLayout xmlns:a="http://schemas.openxmlformats.org/drawingml/2006/main" xmlns:p="http://schemas.openxmlformats.org/presentationml/2006/main" xmlns:r="http://schemas.openxmlformats.org/officeDocument/2006/relationships" xmlns:p14="http://schemas.microsoft.com/office/powerpoint/2010/main" xmlns:p15="http://schemas.microsoft.com/office/powerpoint/2012/main" xmlns:mc="http://schemas.openxmlformats.org/markup-compatibility/2006" type="twoObj" preserve="1">
+<p:sldLayout xmlns:a="http://schemas.openxmlformats.org/drawingml/2006/main" xmlns:r="http://schemas.openxmlformats.org/officeDocument/2006/relationships" xmlns:p="http://schemas.openxmlformats.org/presentationml/2006/main" type="twoObj" preserve="1">
   <p:cSld name="Title, 2 Content">
     <p:spTree>
       <p:nvGrpSpPr>
@@ -757,12 +889,13 @@
           </a:prstGeom>
         </p:spPr>
         <p:txBody>
-          <a:bodyPr lIns="0" rIns="0" tIns="0" bIns="0" anchor="ctr">
+          <a:bodyPr lIns="0" tIns="0" rIns="0" bIns="0" anchor="ctr">
             <a:spAutoFit/>
           </a:bodyPr>
+          <a:lstStyle/>
           <a:p>
             <a:pPr algn="ctr"/>
-            <a:endParaRPr b="0" lang="de-DE" sz="4400" spc="-1" strike="noStrike">
+            <a:endParaRPr lang="de-DE" sz="4400" b="0" strike="noStrike" spc="-1">
               <a:latin typeface="Arial"/>
             </a:endParaRPr>
           </a:p>
@@ -788,11 +921,12 @@
           </a:prstGeom>
         </p:spPr>
         <p:txBody>
-          <a:bodyPr lIns="0" rIns="0" tIns="0" bIns="0">
+          <a:bodyPr lIns="0" tIns="0" rIns="0" bIns="0">
             <a:normAutofit/>
           </a:bodyPr>
-          <a:p>
-            <a:endParaRPr b="0" lang="de-DE" sz="3200" spc="-1" strike="noStrike">
+          <a:lstStyle/>
+          <a:p>
+            <a:endParaRPr lang="de-DE" sz="3200" b="0" strike="noStrike" spc="-1">
               <a:latin typeface="Arial"/>
             </a:endParaRPr>
           </a:p>
@@ -818,11 +952,12 @@
           </a:prstGeom>
         </p:spPr>
         <p:txBody>
-          <a:bodyPr lIns="0" rIns="0" tIns="0" bIns="0">
+          <a:bodyPr lIns="0" tIns="0" rIns="0" bIns="0">
             <a:normAutofit/>
           </a:bodyPr>
-          <a:p>
-            <a:endParaRPr b="0" lang="de-DE" sz="3200" spc="-1" strike="noStrike">
+          <a:lstStyle/>
+          <a:p>
+            <a:endParaRPr lang="de-DE" sz="3200" b="0" strike="noStrike" spc="-1">
               <a:latin typeface="Arial"/>
             </a:endParaRPr>
           </a:p>
@@ -830,11 +965,14 @@
       </p:sp>
     </p:spTree>
   </p:cSld>
+  <p:clrMapOvr>
+    <a:masterClrMapping/>
+  </p:clrMapOvr>
 </p:sldLayout>
 </file>
 
 <file path=ppt/slideLayouts/slideLayout5.xml><?xml version="1.0" encoding="utf-8"?>
-<p:sldLayout xmlns:a="http://schemas.openxmlformats.org/drawingml/2006/main" xmlns:p="http://schemas.openxmlformats.org/presentationml/2006/main" xmlns:r="http://schemas.openxmlformats.org/officeDocument/2006/relationships" xmlns:p14="http://schemas.microsoft.com/office/powerpoint/2010/main" xmlns:p15="http://schemas.microsoft.com/office/powerpoint/2012/main" xmlns:mc="http://schemas.openxmlformats.org/markup-compatibility/2006" type="titleOnly" preserve="1">
+<p:sldLayout xmlns:a="http://schemas.openxmlformats.org/drawingml/2006/main" xmlns:r="http://schemas.openxmlformats.org/officeDocument/2006/relationships" xmlns:p="http://schemas.openxmlformats.org/presentationml/2006/main" type="titleOnly" preserve="1">
   <p:cSld name="Title Only">
     <p:spTree>
       <p:nvGrpSpPr>
@@ -870,12 +1008,13 @@
           </a:prstGeom>
         </p:spPr>
         <p:txBody>
-          <a:bodyPr lIns="0" rIns="0" tIns="0" bIns="0" anchor="ctr">
+          <a:bodyPr lIns="0" tIns="0" rIns="0" bIns="0" anchor="ctr">
             <a:spAutoFit/>
           </a:bodyPr>
+          <a:lstStyle/>
           <a:p>
             <a:pPr algn="ctr"/>
-            <a:endParaRPr b="0" lang="de-DE" sz="4400" spc="-1" strike="noStrike">
+            <a:endParaRPr lang="de-DE" sz="4400" b="0" strike="noStrike" spc="-1">
               <a:latin typeface="Arial"/>
             </a:endParaRPr>
           </a:p>
@@ -883,11 +1022,14 @@
       </p:sp>
     </p:spTree>
   </p:cSld>
+  <p:clrMapOvr>
+    <a:masterClrMapping/>
+  </p:clrMapOvr>
 </p:sldLayout>
 </file>
 
 <file path=ppt/slideLayouts/slideLayout6.xml><?xml version="1.0" encoding="utf-8"?>
-<p:sldLayout xmlns:a="http://schemas.openxmlformats.org/drawingml/2006/main" xmlns:p="http://schemas.openxmlformats.org/presentationml/2006/main" xmlns:r="http://schemas.openxmlformats.org/officeDocument/2006/relationships" xmlns:p14="http://schemas.microsoft.com/office/powerpoint/2010/main" xmlns:p15="http://schemas.microsoft.com/office/powerpoint/2012/main" xmlns:mc="http://schemas.openxmlformats.org/markup-compatibility/2006" type="objOnly" preserve="1">
+<p:sldLayout xmlns:a="http://schemas.openxmlformats.org/drawingml/2006/main" xmlns:r="http://schemas.openxmlformats.org/officeDocument/2006/relationships" xmlns:p="http://schemas.openxmlformats.org/presentationml/2006/main" type="objOnly" preserve="1">
   <p:cSld name="Centered Text">
     <p:spTree>
       <p:nvGrpSpPr>
@@ -923,12 +1065,13 @@
           </a:prstGeom>
         </p:spPr>
         <p:txBody>
-          <a:bodyPr lIns="0" rIns="0" tIns="0" bIns="0" anchor="ctr">
+          <a:bodyPr lIns="0" tIns="0" rIns="0" bIns="0" anchor="ctr">
             <a:spAutoFit/>
           </a:bodyPr>
+          <a:lstStyle/>
           <a:p>
             <a:pPr algn="ctr"/>
-            <a:endParaRPr b="0" lang="de-DE" sz="3200" spc="-1" strike="noStrike">
+            <a:endParaRPr lang="de-DE" sz="3200" b="0" strike="noStrike" spc="-1">
               <a:latin typeface="Arial"/>
             </a:endParaRPr>
           </a:p>
@@ -936,11 +1079,14 @@
       </p:sp>
     </p:spTree>
   </p:cSld>
+  <p:clrMapOvr>
+    <a:masterClrMapping/>
+  </p:clrMapOvr>
 </p:sldLayout>
 </file>
 
 <file path=ppt/slideLayouts/slideLayout7.xml><?xml version="1.0" encoding="utf-8"?>
-<p:sldLayout xmlns:a="http://schemas.openxmlformats.org/drawingml/2006/main" xmlns:p="http://schemas.openxmlformats.org/presentationml/2006/main" xmlns:r="http://schemas.openxmlformats.org/officeDocument/2006/relationships" xmlns:p14="http://schemas.microsoft.com/office/powerpoint/2010/main" xmlns:p15="http://schemas.microsoft.com/office/powerpoint/2012/main" xmlns:mc="http://schemas.openxmlformats.org/markup-compatibility/2006" type="twoObjAndObj" preserve="1">
+<p:sldLayout xmlns:a="http://schemas.openxmlformats.org/drawingml/2006/main" xmlns:r="http://schemas.openxmlformats.org/officeDocument/2006/relationships" xmlns:p="http://schemas.openxmlformats.org/presentationml/2006/main" type="twoObjAndObj" preserve="1">
   <p:cSld name="Title, 2 Content and Content">
     <p:spTree>
       <p:nvGrpSpPr>
@@ -976,12 +1122,13 @@
           </a:prstGeom>
         </p:spPr>
         <p:txBody>
-          <a:bodyPr lIns="0" rIns="0" tIns="0" bIns="0" anchor="ctr">
+          <a:bodyPr lIns="0" tIns="0" rIns="0" bIns="0" anchor="ctr">
             <a:spAutoFit/>
           </a:bodyPr>
+          <a:lstStyle/>
           <a:p>
             <a:pPr algn="ctr"/>
-            <a:endParaRPr b="0" lang="de-DE" sz="4400" spc="-1" strike="noStrike">
+            <a:endParaRPr lang="de-DE" sz="4400" b="0" strike="noStrike" spc="-1">
               <a:latin typeface="Arial"/>
             </a:endParaRPr>
           </a:p>
@@ -1007,11 +1154,12 @@
           </a:prstGeom>
         </p:spPr>
         <p:txBody>
-          <a:bodyPr lIns="0" rIns="0" tIns="0" bIns="0">
+          <a:bodyPr lIns="0" tIns="0" rIns="0" bIns="0">
             <a:normAutofit/>
           </a:bodyPr>
-          <a:p>
-            <a:endParaRPr b="0" lang="de-DE" sz="3200" spc="-1" strike="noStrike">
+          <a:lstStyle/>
+          <a:p>
+            <a:endParaRPr lang="de-DE" sz="3200" b="0" strike="noStrike" spc="-1">
               <a:latin typeface="Arial"/>
             </a:endParaRPr>
           </a:p>
@@ -1037,11 +1185,12 @@
           </a:prstGeom>
         </p:spPr>
         <p:txBody>
-          <a:bodyPr lIns="0" rIns="0" tIns="0" bIns="0">
+          <a:bodyPr lIns="0" tIns="0" rIns="0" bIns="0">
             <a:normAutofit/>
           </a:bodyPr>
-          <a:p>
-            <a:endParaRPr b="0" lang="de-DE" sz="3200" spc="-1" strike="noStrike">
+          <a:lstStyle/>
+          <a:p>
+            <a:endParaRPr lang="de-DE" sz="3200" b="0" strike="noStrike" spc="-1">
               <a:latin typeface="Arial"/>
             </a:endParaRPr>
           </a:p>
@@ -1067,11 +1216,12 @@
           </a:prstGeom>
         </p:spPr>
         <p:txBody>
-          <a:bodyPr lIns="0" rIns="0" tIns="0" bIns="0">
+          <a:bodyPr lIns="0" tIns="0" rIns="0" bIns="0">
             <a:normAutofit/>
           </a:bodyPr>
-          <a:p>
-            <a:endParaRPr b="0" lang="de-DE" sz="3200" spc="-1" strike="noStrike">
+          <a:lstStyle/>
+          <a:p>
+            <a:endParaRPr lang="de-DE" sz="3200" b="0" strike="noStrike" spc="-1">
               <a:latin typeface="Arial"/>
             </a:endParaRPr>
           </a:p>
@@ -1079,11 +1229,14 @@
       </p:sp>
     </p:spTree>
   </p:cSld>
+  <p:clrMapOvr>
+    <a:masterClrMapping/>
+  </p:clrMapOvr>
 </p:sldLayout>
 </file>
 
 <file path=ppt/slideLayouts/slideLayout8.xml><?xml version="1.0" encoding="utf-8"?>
-<p:sldLayout xmlns:a="http://schemas.openxmlformats.org/drawingml/2006/main" xmlns:p="http://schemas.openxmlformats.org/presentationml/2006/main" xmlns:r="http://schemas.openxmlformats.org/officeDocument/2006/relationships" xmlns:p14="http://schemas.microsoft.com/office/powerpoint/2010/main" xmlns:p15="http://schemas.microsoft.com/office/powerpoint/2012/main" xmlns:mc="http://schemas.openxmlformats.org/markup-compatibility/2006" type="objAndTwoObj" preserve="1">
+<p:sldLayout xmlns:a="http://schemas.openxmlformats.org/drawingml/2006/main" xmlns:r="http://schemas.openxmlformats.org/officeDocument/2006/relationships" xmlns:p="http://schemas.openxmlformats.org/presentationml/2006/main" type="objAndTwoObj" preserve="1">
   <p:cSld name="Title Content and 2 Content">
     <p:spTree>
       <p:nvGrpSpPr>
@@ -1119,12 +1272,13 @@
           </a:prstGeom>
         </p:spPr>
         <p:txBody>
-          <a:bodyPr lIns="0" rIns="0" tIns="0" bIns="0" anchor="ctr">
+          <a:bodyPr lIns="0" tIns="0" rIns="0" bIns="0" anchor="ctr">
             <a:spAutoFit/>
           </a:bodyPr>
+          <a:lstStyle/>
           <a:p>
             <a:pPr algn="ctr"/>
-            <a:endParaRPr b="0" lang="de-DE" sz="4400" spc="-1" strike="noStrike">
+            <a:endParaRPr lang="de-DE" sz="4400" b="0" strike="noStrike" spc="-1">
               <a:latin typeface="Arial"/>
             </a:endParaRPr>
           </a:p>
@@ -1150,11 +1304,12 @@
           </a:prstGeom>
         </p:spPr>
         <p:txBody>
-          <a:bodyPr lIns="0" rIns="0" tIns="0" bIns="0">
+          <a:bodyPr lIns="0" tIns="0" rIns="0" bIns="0">
             <a:normAutofit/>
           </a:bodyPr>
-          <a:p>
-            <a:endParaRPr b="0" lang="de-DE" sz="3200" spc="-1" strike="noStrike">
+          <a:lstStyle/>
+          <a:p>
+            <a:endParaRPr lang="de-DE" sz="3200" b="0" strike="noStrike" spc="-1">
               <a:latin typeface="Arial"/>
             </a:endParaRPr>
           </a:p>
@@ -1180,11 +1335,12 @@
           </a:prstGeom>
         </p:spPr>
         <p:txBody>
-          <a:bodyPr lIns="0" rIns="0" tIns="0" bIns="0">
+          <a:bodyPr lIns="0" tIns="0" rIns="0" bIns="0">
             <a:normAutofit/>
           </a:bodyPr>
-          <a:p>
-            <a:endParaRPr b="0" lang="de-DE" sz="3200" spc="-1" strike="noStrike">
+          <a:lstStyle/>
+          <a:p>
+            <a:endParaRPr lang="de-DE" sz="3200" b="0" strike="noStrike" spc="-1">
               <a:latin typeface="Arial"/>
             </a:endParaRPr>
           </a:p>
@@ -1210,11 +1366,12 @@
           </a:prstGeom>
         </p:spPr>
         <p:txBody>
-          <a:bodyPr lIns="0" rIns="0" tIns="0" bIns="0">
+          <a:bodyPr lIns="0" tIns="0" rIns="0" bIns="0">
             <a:normAutofit/>
           </a:bodyPr>
-          <a:p>
-            <a:endParaRPr b="0" lang="de-DE" sz="3200" spc="-1" strike="noStrike">
+          <a:lstStyle/>
+          <a:p>
+            <a:endParaRPr lang="de-DE" sz="3200" b="0" strike="noStrike" spc="-1">
               <a:latin typeface="Arial"/>
             </a:endParaRPr>
           </a:p>
@@ -1222,11 +1379,14 @@
       </p:sp>
     </p:spTree>
   </p:cSld>
+  <p:clrMapOvr>
+    <a:masterClrMapping/>
+  </p:clrMapOvr>
 </p:sldLayout>
 </file>
 
 <file path=ppt/slideLayouts/slideLayout9.xml><?xml version="1.0" encoding="utf-8"?>
-<p:sldLayout xmlns:a="http://schemas.openxmlformats.org/drawingml/2006/main" xmlns:p="http://schemas.openxmlformats.org/presentationml/2006/main" xmlns:r="http://schemas.openxmlformats.org/officeDocument/2006/relationships" xmlns:p14="http://schemas.microsoft.com/office/powerpoint/2010/main" xmlns:p15="http://schemas.microsoft.com/office/powerpoint/2012/main" xmlns:mc="http://schemas.openxmlformats.org/markup-compatibility/2006" type="twoObjOverTx" preserve="1">
+<p:sldLayout xmlns:a="http://schemas.openxmlformats.org/drawingml/2006/main" xmlns:r="http://schemas.openxmlformats.org/officeDocument/2006/relationships" xmlns:p="http://schemas.openxmlformats.org/presentationml/2006/main" type="twoObjOverTx" preserve="1">
   <p:cSld name="Title, 2 Content over Content">
     <p:spTree>
       <p:nvGrpSpPr>
@@ -1262,12 +1422,13 @@
           </a:prstGeom>
         </p:spPr>
         <p:txBody>
-          <a:bodyPr lIns="0" rIns="0" tIns="0" bIns="0" anchor="ctr">
+          <a:bodyPr lIns="0" tIns="0" rIns="0" bIns="0" anchor="ctr">
             <a:spAutoFit/>
           </a:bodyPr>
+          <a:lstStyle/>
           <a:p>
             <a:pPr algn="ctr"/>
-            <a:endParaRPr b="0" lang="de-DE" sz="4400" spc="-1" strike="noStrike">
+            <a:endParaRPr lang="de-DE" sz="4400" b="0" strike="noStrike" spc="-1">
               <a:latin typeface="Arial"/>
             </a:endParaRPr>
           </a:p>
@@ -1293,11 +1454,12 @@
           </a:prstGeom>
         </p:spPr>
         <p:txBody>
-          <a:bodyPr lIns="0" rIns="0" tIns="0" bIns="0">
+          <a:bodyPr lIns="0" tIns="0" rIns="0" bIns="0">
             <a:normAutofit/>
           </a:bodyPr>
-          <a:p>
-            <a:endParaRPr b="0" lang="de-DE" sz="3200" spc="-1" strike="noStrike">
+          <a:lstStyle/>
+          <a:p>
+            <a:endParaRPr lang="de-DE" sz="3200" b="0" strike="noStrike" spc="-1">
               <a:latin typeface="Arial"/>
             </a:endParaRPr>
           </a:p>
@@ -1323,11 +1485,12 @@
           </a:prstGeom>
         </p:spPr>
         <p:txBody>
-          <a:bodyPr lIns="0" rIns="0" tIns="0" bIns="0">
+          <a:bodyPr lIns="0" tIns="0" rIns="0" bIns="0">
             <a:normAutofit/>
           </a:bodyPr>
-          <a:p>
-            <a:endParaRPr b="0" lang="de-DE" sz="3200" spc="-1" strike="noStrike">
+          <a:lstStyle/>
+          <a:p>
+            <a:endParaRPr lang="de-DE" sz="3200" b="0" strike="noStrike" spc="-1">
               <a:latin typeface="Arial"/>
             </a:endParaRPr>
           </a:p>
@@ -1353,11 +1516,12 @@
           </a:prstGeom>
         </p:spPr>
         <p:txBody>
-          <a:bodyPr lIns="0" rIns="0" tIns="0" bIns="0">
+          <a:bodyPr lIns="0" tIns="0" rIns="0" bIns="0">
             <a:normAutofit/>
           </a:bodyPr>
-          <a:p>
-            <a:endParaRPr b="0" lang="de-DE" sz="3200" spc="-1" strike="noStrike">
+          <a:lstStyle/>
+          <a:p>
+            <a:endParaRPr lang="de-DE" sz="3200" b="0" strike="noStrike" spc="-1">
               <a:latin typeface="Arial"/>
             </a:endParaRPr>
           </a:p>
@@ -1365,17 +1529,21 @@
       </p:sp>
     </p:spTree>
   </p:cSld>
+  <p:clrMapOvr>
+    <a:masterClrMapping/>
+  </p:clrMapOvr>
 </p:sldLayout>
 </file>
 
 <file path=ppt/slideMasters/slideMaster1.xml><?xml version="1.0" encoding="utf-8"?>
-<p:sldMaster xmlns:a="http://schemas.openxmlformats.org/drawingml/2006/main" xmlns:p="http://schemas.openxmlformats.org/presentationml/2006/main" xmlns:r="http://schemas.openxmlformats.org/officeDocument/2006/relationships" xmlns:p14="http://schemas.microsoft.com/office/powerpoint/2010/main" xmlns:p15="http://schemas.microsoft.com/office/powerpoint/2012/main" xmlns:mc="http://schemas.openxmlformats.org/markup-compatibility/2006">
+<p:sldMaster xmlns:a="http://schemas.openxmlformats.org/drawingml/2006/main" xmlns:r="http://schemas.openxmlformats.org/officeDocument/2006/relationships" xmlns:p="http://schemas.openxmlformats.org/presentationml/2006/main">
   <p:cSld>
     <p:bg>
       <p:bgPr>
         <a:solidFill>
-          <a:srgbClr val="ffffff"/>
+          <a:srgbClr val="FFFFFF"/>
         </a:solidFill>
+        <a:effectLst/>
       </p:bgPr>
     </p:bg>
     <p:spTree>
@@ -1394,12 +1562,12 @@
       </p:grpSpPr>
       <p:pic>
         <p:nvPicPr>
-          <p:cNvPr id="0" name="Grafik 4" descr=""/>
+          <p:cNvPr id="5" name="Grafik 4"/>
           <p:cNvPicPr/>
           <p:nvPr/>
         </p:nvPicPr>
         <p:blipFill>
-          <a:blip r:embed="rId2"/>
+          <a:blip r:embed="rId14"/>
           <a:stretch/>
         </p:blipFill>
         <p:spPr>
@@ -1417,7 +1585,7 @@
       </p:pic>
       <p:sp>
         <p:nvSpPr>
-          <p:cNvPr id="1" name="CustomShape 1"/>
+          <p:cNvPr id="6" name="CustomShape 1"/>
           <p:cNvSpPr/>
           <p:nvPr/>
         </p:nvSpPr>
@@ -1507,20 +1675,18 @@
           </a:prstGeom>
         </p:spPr>
         <p:txBody>
-          <a:bodyPr lIns="0" rIns="0" tIns="0" bIns="0" anchor="ctr">
+          <a:bodyPr lIns="0" tIns="0" rIns="0" bIns="0" anchor="ctr">
             <a:noAutofit/>
           </a:bodyPr>
+          <a:lstStyle/>
           <a:p>
             <a:pPr algn="ctr"/>
             <a:r>
-              <a:rPr b="0" lang="de-DE" sz="4400" spc="-1" strike="noStrike">
+              <a:rPr lang="de-DE" sz="4400" b="0" strike="noStrike" spc="-1">
                 <a:latin typeface="Arial"/>
               </a:rPr>
               <a:t>Click to edit the title text format</a:t>
             </a:r>
-            <a:endParaRPr b="0" lang="de-DE" sz="4400" spc="-1" strike="noStrike">
-              <a:latin typeface="Arial"/>
-            </a:endParaRPr>
           </a:p>
         </p:txBody>
       </p:sp>
@@ -1544,9 +1710,10 @@
           </a:prstGeom>
         </p:spPr>
         <p:txBody>
-          <a:bodyPr lIns="0" rIns="0" tIns="0" bIns="0">
+          <a:bodyPr lIns="0" tIns="0" rIns="0" bIns="0">
             <a:normAutofit/>
           </a:bodyPr>
+          <a:lstStyle/>
           <a:p>
             <a:pPr marL="432000" indent="-324000">
               <a:spcBef>
@@ -1560,17 +1727,14 @@
               <a:buChar char=""/>
             </a:pPr>
             <a:r>
-              <a:rPr b="0" lang="de-DE" sz="3200" spc="-1" strike="noStrike">
+              <a:rPr lang="de-DE" sz="3200" b="0" strike="noStrike" spc="-1">
                 <a:latin typeface="Arial"/>
               </a:rPr>
               <a:t>Click to edit the outline text format</a:t>
             </a:r>
-            <a:endParaRPr b="0" lang="de-DE" sz="3200" spc="-1" strike="noStrike">
-              <a:latin typeface="Arial"/>
-            </a:endParaRPr>
-          </a:p>
-          <a:p>
-            <a:pPr lvl="1" marL="864000" indent="-324000">
+          </a:p>
+          <a:p>
+            <a:pPr marL="864000" lvl="1" indent="-324000">
               <a:spcBef>
                 <a:spcPts val="1134"/>
               </a:spcBef>
@@ -1582,17 +1746,14 @@
               <a:buChar char=""/>
             </a:pPr>
             <a:r>
-              <a:rPr b="0" lang="de-DE" sz="2800" spc="-1" strike="noStrike">
+              <a:rPr lang="de-DE" sz="2800" b="0" strike="noStrike" spc="-1">
                 <a:latin typeface="Arial"/>
               </a:rPr>
               <a:t>Second Outline Level</a:t>
             </a:r>
-            <a:endParaRPr b="0" lang="de-DE" sz="2800" spc="-1" strike="noStrike">
-              <a:latin typeface="Arial"/>
-            </a:endParaRPr>
-          </a:p>
-          <a:p>
-            <a:pPr lvl="2" marL="1296000" indent="-288000">
+          </a:p>
+          <a:p>
+            <a:pPr marL="1296000" lvl="2" indent="-288000">
               <a:spcBef>
                 <a:spcPts val="850"/>
               </a:spcBef>
@@ -1604,17 +1765,14 @@
               <a:buChar char=""/>
             </a:pPr>
             <a:r>
-              <a:rPr b="0" lang="de-DE" sz="2400" spc="-1" strike="noStrike">
+              <a:rPr lang="de-DE" sz="2400" b="0" strike="noStrike" spc="-1">
                 <a:latin typeface="Arial"/>
               </a:rPr>
               <a:t>Third Outline Level</a:t>
             </a:r>
-            <a:endParaRPr b="0" lang="de-DE" sz="2400" spc="-1" strike="noStrike">
-              <a:latin typeface="Arial"/>
-            </a:endParaRPr>
-          </a:p>
-          <a:p>
-            <a:pPr lvl="3" marL="1728000" indent="-216000">
+          </a:p>
+          <a:p>
+            <a:pPr marL="1728000" lvl="3" indent="-216000">
               <a:spcBef>
                 <a:spcPts val="567"/>
               </a:spcBef>
@@ -1626,17 +1784,14 @@
               <a:buChar char=""/>
             </a:pPr>
             <a:r>
-              <a:rPr b="0" lang="de-DE" sz="2000" spc="-1" strike="noStrike">
+              <a:rPr lang="de-DE" sz="2000" b="0" strike="noStrike" spc="-1">
                 <a:latin typeface="Arial"/>
               </a:rPr>
               <a:t>Fourth Outline Level</a:t>
             </a:r>
-            <a:endParaRPr b="0" lang="de-DE" sz="2000" spc="-1" strike="noStrike">
-              <a:latin typeface="Arial"/>
-            </a:endParaRPr>
-          </a:p>
-          <a:p>
-            <a:pPr lvl="4" marL="2160000" indent="-216000">
+          </a:p>
+          <a:p>
+            <a:pPr marL="2160000" lvl="4" indent="-216000">
               <a:spcBef>
                 <a:spcPts val="283"/>
               </a:spcBef>
@@ -1648,17 +1803,14 @@
               <a:buChar char=""/>
             </a:pPr>
             <a:r>
-              <a:rPr b="0" lang="de-DE" sz="2000" spc="-1" strike="noStrike">
+              <a:rPr lang="de-DE" sz="2000" b="0" strike="noStrike" spc="-1">
                 <a:latin typeface="Arial"/>
               </a:rPr>
               <a:t>Fifth Outline Level</a:t>
             </a:r>
-            <a:endParaRPr b="0" lang="de-DE" sz="2000" spc="-1" strike="noStrike">
-              <a:latin typeface="Arial"/>
-            </a:endParaRPr>
-          </a:p>
-          <a:p>
-            <a:pPr lvl="5" marL="2592000" indent="-216000">
+          </a:p>
+          <a:p>
+            <a:pPr marL="2592000" lvl="5" indent="-216000">
               <a:spcBef>
                 <a:spcPts val="283"/>
               </a:spcBef>
@@ -1670,17 +1822,14 @@
               <a:buChar char=""/>
             </a:pPr>
             <a:r>
-              <a:rPr b="0" lang="de-DE" sz="2000" spc="-1" strike="noStrike">
+              <a:rPr lang="de-DE" sz="2000" b="0" strike="noStrike" spc="-1">
                 <a:latin typeface="Arial"/>
               </a:rPr>
               <a:t>Sixth Outline Level</a:t>
             </a:r>
-            <a:endParaRPr b="0" lang="de-DE" sz="2000" spc="-1" strike="noStrike">
-              <a:latin typeface="Arial"/>
-            </a:endParaRPr>
-          </a:p>
-          <a:p>
-            <a:pPr lvl="6" marL="3024000" indent="-216000">
+          </a:p>
+          <a:p>
+            <a:pPr marL="3024000" lvl="6" indent="-216000">
               <a:spcBef>
                 <a:spcPts val="283"/>
               </a:spcBef>
@@ -1692,39 +1841,316 @@
               <a:buChar char=""/>
             </a:pPr>
             <a:r>
-              <a:rPr b="0" lang="de-DE" sz="2000" spc="-1" strike="noStrike">
+              <a:rPr lang="de-DE" sz="2000" b="0" strike="noStrike" spc="-1">
                 <a:latin typeface="Arial"/>
               </a:rPr>
               <a:t>Seventh Outline Level</a:t>
             </a:r>
-            <a:endParaRPr b="0" lang="de-DE" sz="2000" spc="-1" strike="noStrike">
-              <a:latin typeface="Arial"/>
-            </a:endParaRPr>
           </a:p>
         </p:txBody>
       </p:sp>
     </p:spTree>
   </p:cSld>
-  <p:clrMap bg1="lt1" bg2="lt2" tx1="dk1" tx2="dk2" accent1="accent1" accent2="accent2" accent3="accent3" accent4="accent4" accent5="accent5" accent6="accent6" hlink="hlink" folHlink="folHlink"/>
+  <p:clrMap bg1="lt1" tx1="dk1" bg2="lt2" tx2="dk2" accent1="accent1" accent2="accent2" accent3="accent3" accent4="accent4" accent5="accent5" accent6="accent6" hlink="hlink" folHlink="folHlink"/>
   <p:sldLayoutIdLst>
-    <p:sldLayoutId id="2147483649" r:id="rId3"/>
-    <p:sldLayoutId id="2147483650" r:id="rId4"/>
-    <p:sldLayoutId id="2147483651" r:id="rId5"/>
-    <p:sldLayoutId id="2147483652" r:id="rId6"/>
-    <p:sldLayoutId id="2147483653" r:id="rId7"/>
-    <p:sldLayoutId id="2147483654" r:id="rId8"/>
-    <p:sldLayoutId id="2147483655" r:id="rId9"/>
-    <p:sldLayoutId id="2147483656" r:id="rId10"/>
-    <p:sldLayoutId id="2147483657" r:id="rId11"/>
-    <p:sldLayoutId id="2147483658" r:id="rId12"/>
-    <p:sldLayoutId id="2147483659" r:id="rId13"/>
-    <p:sldLayoutId id="2147483660" r:id="rId14"/>
+    <p:sldLayoutId id="2147483649" r:id="rId1"/>
+    <p:sldLayoutId id="2147483650" r:id="rId2"/>
+    <p:sldLayoutId id="2147483651" r:id="rId3"/>
+    <p:sldLayoutId id="2147483652" r:id="rId4"/>
+    <p:sldLayoutId id="2147483653" r:id="rId5"/>
+    <p:sldLayoutId id="2147483654" r:id="rId6"/>
+    <p:sldLayoutId id="2147483655" r:id="rId7"/>
+    <p:sldLayoutId id="2147483656" r:id="rId8"/>
+    <p:sldLayoutId id="2147483657" r:id="rId9"/>
+    <p:sldLayoutId id="2147483658" r:id="rId10"/>
+    <p:sldLayoutId id="2147483659" r:id="rId11"/>
+    <p:sldLayoutId id="2147483660" r:id="rId12"/>
   </p:sldLayoutIdLst>
+  <p:txStyles>
+    <p:titleStyle>
+      <a:lvl1pPr algn="l" defTabSz="914400" rtl="0" eaLnBrk="1" latinLnBrk="0" hangingPunct="1">
+        <a:lnSpc>
+          <a:spcPct val="90000"/>
+        </a:lnSpc>
+        <a:spcBef>
+          <a:spcPct val="0"/>
+        </a:spcBef>
+        <a:buNone/>
+        <a:defRPr sz="4400" kern="1200">
+          <a:solidFill>
+            <a:schemeClr val="tx1"/>
+          </a:solidFill>
+          <a:latin typeface="+mj-lt"/>
+          <a:ea typeface="+mj-ea"/>
+          <a:cs typeface="+mj-cs"/>
+        </a:defRPr>
+      </a:lvl1pPr>
+    </p:titleStyle>
+    <p:bodyStyle>
+      <a:lvl1pPr marL="228600" indent="-228600" algn="l" defTabSz="914400" rtl="0" eaLnBrk="1" latinLnBrk="0" hangingPunct="1">
+        <a:lnSpc>
+          <a:spcPct val="90000"/>
+        </a:lnSpc>
+        <a:spcBef>
+          <a:spcPts val="1000"/>
+        </a:spcBef>
+        <a:buFont typeface="Arial" panose="020B0604020202020204" pitchFamily="34" charset="0"/>
+        <a:buChar char="•"/>
+        <a:defRPr sz="2800" kern="1200">
+          <a:solidFill>
+            <a:schemeClr val="tx1"/>
+          </a:solidFill>
+          <a:latin typeface="+mn-lt"/>
+          <a:ea typeface="+mn-ea"/>
+          <a:cs typeface="+mn-cs"/>
+        </a:defRPr>
+      </a:lvl1pPr>
+      <a:lvl2pPr marL="685800" indent="-228600" algn="l" defTabSz="914400" rtl="0" eaLnBrk="1" latinLnBrk="0" hangingPunct="1">
+        <a:lnSpc>
+          <a:spcPct val="90000"/>
+        </a:lnSpc>
+        <a:spcBef>
+          <a:spcPts val="500"/>
+        </a:spcBef>
+        <a:buFont typeface="Arial" panose="020B0604020202020204" pitchFamily="34" charset="0"/>
+        <a:buChar char="•"/>
+        <a:defRPr sz="2400" kern="1200">
+          <a:solidFill>
+            <a:schemeClr val="tx1"/>
+          </a:solidFill>
+          <a:latin typeface="+mn-lt"/>
+          <a:ea typeface="+mn-ea"/>
+          <a:cs typeface="+mn-cs"/>
+        </a:defRPr>
+      </a:lvl2pPr>
+      <a:lvl3pPr marL="1143000" indent="-228600" algn="l" defTabSz="914400" rtl="0" eaLnBrk="1" latinLnBrk="0" hangingPunct="1">
+        <a:lnSpc>
+          <a:spcPct val="90000"/>
+        </a:lnSpc>
+        <a:spcBef>
+          <a:spcPts val="500"/>
+        </a:spcBef>
+        <a:buFont typeface="Arial" panose="020B0604020202020204" pitchFamily="34" charset="0"/>
+        <a:buChar char="•"/>
+        <a:defRPr sz="2000" kern="1200">
+          <a:solidFill>
+            <a:schemeClr val="tx1"/>
+          </a:solidFill>
+          <a:latin typeface="+mn-lt"/>
+          <a:ea typeface="+mn-ea"/>
+          <a:cs typeface="+mn-cs"/>
+        </a:defRPr>
+      </a:lvl3pPr>
+      <a:lvl4pPr marL="1600200" indent="-228600" algn="l" defTabSz="914400" rtl="0" eaLnBrk="1" latinLnBrk="0" hangingPunct="1">
+        <a:lnSpc>
+          <a:spcPct val="90000"/>
+        </a:lnSpc>
+        <a:spcBef>
+          <a:spcPts val="500"/>
+        </a:spcBef>
+        <a:buFont typeface="Arial" panose="020B0604020202020204" pitchFamily="34" charset="0"/>
+        <a:buChar char="•"/>
+        <a:defRPr sz="1800" kern="1200">
+          <a:solidFill>
+            <a:schemeClr val="tx1"/>
+          </a:solidFill>
+          <a:latin typeface="+mn-lt"/>
+          <a:ea typeface="+mn-ea"/>
+          <a:cs typeface="+mn-cs"/>
+        </a:defRPr>
+      </a:lvl4pPr>
+      <a:lvl5pPr marL="2057400" indent="-228600" algn="l" defTabSz="914400" rtl="0" eaLnBrk="1" latinLnBrk="0" hangingPunct="1">
+        <a:lnSpc>
+          <a:spcPct val="90000"/>
+        </a:lnSpc>
+        <a:spcBef>
+          <a:spcPts val="500"/>
+        </a:spcBef>
+        <a:buFont typeface="Arial" panose="020B0604020202020204" pitchFamily="34" charset="0"/>
+        <a:buChar char="•"/>
+        <a:defRPr sz="1800" kern="1200">
+          <a:solidFill>
+            <a:schemeClr val="tx1"/>
+          </a:solidFill>
+          <a:latin typeface="+mn-lt"/>
+          <a:ea typeface="+mn-ea"/>
+          <a:cs typeface="+mn-cs"/>
+        </a:defRPr>
+      </a:lvl5pPr>
+      <a:lvl6pPr marL="2514600" indent="-228600" algn="l" defTabSz="914400" rtl="0" eaLnBrk="1" latinLnBrk="0" hangingPunct="1">
+        <a:lnSpc>
+          <a:spcPct val="90000"/>
+        </a:lnSpc>
+        <a:spcBef>
+          <a:spcPts val="500"/>
+        </a:spcBef>
+        <a:buFont typeface="Arial" panose="020B0604020202020204" pitchFamily="34" charset="0"/>
+        <a:buChar char="•"/>
+        <a:defRPr sz="1800" kern="1200">
+          <a:solidFill>
+            <a:schemeClr val="tx1"/>
+          </a:solidFill>
+          <a:latin typeface="+mn-lt"/>
+          <a:ea typeface="+mn-ea"/>
+          <a:cs typeface="+mn-cs"/>
+        </a:defRPr>
+      </a:lvl6pPr>
+      <a:lvl7pPr marL="2971800" indent="-228600" algn="l" defTabSz="914400" rtl="0" eaLnBrk="1" latinLnBrk="0" hangingPunct="1">
+        <a:lnSpc>
+          <a:spcPct val="90000"/>
+        </a:lnSpc>
+        <a:spcBef>
+          <a:spcPts val="500"/>
+        </a:spcBef>
+        <a:buFont typeface="Arial" panose="020B0604020202020204" pitchFamily="34" charset="0"/>
+        <a:buChar char="•"/>
+        <a:defRPr sz="1800" kern="1200">
+          <a:solidFill>
+            <a:schemeClr val="tx1"/>
+          </a:solidFill>
+          <a:latin typeface="+mn-lt"/>
+          <a:ea typeface="+mn-ea"/>
+          <a:cs typeface="+mn-cs"/>
+        </a:defRPr>
+      </a:lvl7pPr>
+      <a:lvl8pPr marL="3429000" indent="-228600" algn="l" defTabSz="914400" rtl="0" eaLnBrk="1" latinLnBrk="0" hangingPunct="1">
+        <a:lnSpc>
+          <a:spcPct val="90000"/>
+        </a:lnSpc>
+        <a:spcBef>
+          <a:spcPts val="500"/>
+        </a:spcBef>
+        <a:buFont typeface="Arial" panose="020B0604020202020204" pitchFamily="34" charset="0"/>
+        <a:buChar char="•"/>
+        <a:defRPr sz="1800" kern="1200">
+          <a:solidFill>
+            <a:schemeClr val="tx1"/>
+          </a:solidFill>
+          <a:latin typeface="+mn-lt"/>
+          <a:ea typeface="+mn-ea"/>
+          <a:cs typeface="+mn-cs"/>
+        </a:defRPr>
+      </a:lvl8pPr>
+      <a:lvl9pPr marL="3886200" indent="-228600" algn="l" defTabSz="914400" rtl="0" eaLnBrk="1" latinLnBrk="0" hangingPunct="1">
+        <a:lnSpc>
+          <a:spcPct val="90000"/>
+        </a:lnSpc>
+        <a:spcBef>
+          <a:spcPts val="500"/>
+        </a:spcBef>
+        <a:buFont typeface="Arial" panose="020B0604020202020204" pitchFamily="34" charset="0"/>
+        <a:buChar char="•"/>
+        <a:defRPr sz="1800" kern="1200">
+          <a:solidFill>
+            <a:schemeClr val="tx1"/>
+          </a:solidFill>
+          <a:latin typeface="+mn-lt"/>
+          <a:ea typeface="+mn-ea"/>
+          <a:cs typeface="+mn-cs"/>
+        </a:defRPr>
+      </a:lvl9pPr>
+    </p:bodyStyle>
+    <p:otherStyle>
+      <a:defPPr>
+        <a:defRPr lang="de-DE"/>
+      </a:defPPr>
+      <a:lvl1pPr marL="0" algn="l" defTabSz="914400" rtl="0" eaLnBrk="1" latinLnBrk="0" hangingPunct="1">
+        <a:defRPr sz="1800" kern="1200">
+          <a:solidFill>
+            <a:schemeClr val="tx1"/>
+          </a:solidFill>
+          <a:latin typeface="+mn-lt"/>
+          <a:ea typeface="+mn-ea"/>
+          <a:cs typeface="+mn-cs"/>
+        </a:defRPr>
+      </a:lvl1pPr>
+      <a:lvl2pPr marL="457200" algn="l" defTabSz="914400" rtl="0" eaLnBrk="1" latinLnBrk="0" hangingPunct="1">
+        <a:defRPr sz="1800" kern="1200">
+          <a:solidFill>
+            <a:schemeClr val="tx1"/>
+          </a:solidFill>
+          <a:latin typeface="+mn-lt"/>
+          <a:ea typeface="+mn-ea"/>
+          <a:cs typeface="+mn-cs"/>
+        </a:defRPr>
+      </a:lvl2pPr>
+      <a:lvl3pPr marL="914400" algn="l" defTabSz="914400" rtl="0" eaLnBrk="1" latinLnBrk="0" hangingPunct="1">
+        <a:defRPr sz="1800" kern="1200">
+          <a:solidFill>
+            <a:schemeClr val="tx1"/>
+          </a:solidFill>
+          <a:latin typeface="+mn-lt"/>
+          <a:ea typeface="+mn-ea"/>
+          <a:cs typeface="+mn-cs"/>
+        </a:defRPr>
+      </a:lvl3pPr>
+      <a:lvl4pPr marL="1371600" algn="l" defTabSz="914400" rtl="0" eaLnBrk="1" latinLnBrk="0" hangingPunct="1">
+        <a:defRPr sz="1800" kern="1200">
+          <a:solidFill>
+            <a:schemeClr val="tx1"/>
+          </a:solidFill>
+          <a:latin typeface="+mn-lt"/>
+          <a:ea typeface="+mn-ea"/>
+          <a:cs typeface="+mn-cs"/>
+        </a:defRPr>
+      </a:lvl4pPr>
+      <a:lvl5pPr marL="1828800" algn="l" defTabSz="914400" rtl="0" eaLnBrk="1" latinLnBrk="0" hangingPunct="1">
+        <a:defRPr sz="1800" kern="1200">
+          <a:solidFill>
+            <a:schemeClr val="tx1"/>
+          </a:solidFill>
+          <a:latin typeface="+mn-lt"/>
+          <a:ea typeface="+mn-ea"/>
+          <a:cs typeface="+mn-cs"/>
+        </a:defRPr>
+      </a:lvl5pPr>
+      <a:lvl6pPr marL="2286000" algn="l" defTabSz="914400" rtl="0" eaLnBrk="1" latinLnBrk="0" hangingPunct="1">
+        <a:defRPr sz="1800" kern="1200">
+          <a:solidFill>
+            <a:schemeClr val="tx1"/>
+          </a:solidFill>
+          <a:latin typeface="+mn-lt"/>
+          <a:ea typeface="+mn-ea"/>
+          <a:cs typeface="+mn-cs"/>
+        </a:defRPr>
+      </a:lvl6pPr>
+      <a:lvl7pPr marL="2743200" algn="l" defTabSz="914400" rtl="0" eaLnBrk="1" latinLnBrk="0" hangingPunct="1">
+        <a:defRPr sz="1800" kern="1200">
+          <a:solidFill>
+            <a:schemeClr val="tx1"/>
+          </a:solidFill>
+          <a:latin typeface="+mn-lt"/>
+          <a:ea typeface="+mn-ea"/>
+          <a:cs typeface="+mn-cs"/>
+        </a:defRPr>
+      </a:lvl7pPr>
+      <a:lvl8pPr marL="3200400" algn="l" defTabSz="914400" rtl="0" eaLnBrk="1" latinLnBrk="0" hangingPunct="1">
+        <a:defRPr sz="1800" kern="1200">
+          <a:solidFill>
+            <a:schemeClr val="tx1"/>
+          </a:solidFill>
+          <a:latin typeface="+mn-lt"/>
+          <a:ea typeface="+mn-ea"/>
+          <a:cs typeface="+mn-cs"/>
+        </a:defRPr>
+      </a:lvl8pPr>
+      <a:lvl9pPr marL="3657600" algn="l" defTabSz="914400" rtl="0" eaLnBrk="1" latinLnBrk="0" hangingPunct="1">
+        <a:defRPr sz="1800" kern="1200">
+          <a:solidFill>
+            <a:schemeClr val="tx1"/>
+          </a:solidFill>
+          <a:latin typeface="+mn-lt"/>
+          <a:ea typeface="+mn-ea"/>
+          <a:cs typeface="+mn-cs"/>
+        </a:defRPr>
+      </a:lvl9pPr>
+    </p:otherStyle>
+  </p:txStyles>
 </p:sldMaster>
 </file>
 
 <file path=ppt/slides/slide1.xml><?xml version="1.0" encoding="utf-8"?>
-<p:sld xmlns:a="http://schemas.openxmlformats.org/drawingml/2006/main" xmlns:p="http://schemas.openxmlformats.org/presentationml/2006/main" xmlns:r="http://schemas.openxmlformats.org/officeDocument/2006/relationships" xmlns:p14="http://schemas.microsoft.com/office/powerpoint/2010/main" xmlns:p15="http://schemas.microsoft.com/office/powerpoint/2012/main" xmlns:mc="http://schemas.openxmlformats.org/markup-compatibility/2006">
+<p:sld xmlns:a="http://schemas.openxmlformats.org/drawingml/2006/main" xmlns:r="http://schemas.openxmlformats.org/officeDocument/2006/relationships" xmlns:p="http://schemas.openxmlformats.org/presentationml/2006/main">
   <p:cSld>
     <p:spTree>
       <p:nvGrpSpPr>
@@ -1799,15 +2225,22 @@
           </a:ln>
         </p:spPr>
         <p:style>
-          <a:lnRef idx="0"/>
-          <a:fillRef idx="0"/>
-          <a:effectRef idx="0"/>
+          <a:lnRef idx="0">
+            <a:scrgbClr r="0" g="0" b="0"/>
+          </a:lnRef>
+          <a:fillRef idx="0">
+            <a:scrgbClr r="0" g="0" b="0"/>
+          </a:fillRef>
+          <a:effectRef idx="0">
+            <a:scrgbClr r="0" g="0" b="0"/>
+          </a:effectRef>
           <a:fontRef idx="minor"/>
         </p:style>
         <p:txBody>
-          <a:bodyPr lIns="129240" rIns="129240" tIns="64800" bIns="64800">
+          <a:bodyPr lIns="129240" tIns="64800" rIns="129240" bIns="64800">
             <a:noAutofit/>
           </a:bodyPr>
+          <a:lstStyle/>
           <a:p>
             <a:pPr>
               <a:lnSpc>
@@ -1818,9 +2251,9 @@
               </a:spcBef>
             </a:pPr>
             <a:r>
-              <a:rPr b="0" lang="de-DE" sz="3200" spc="-1" strike="noStrike">
+              <a:rPr lang="de-DE" sz="3200" b="0" strike="noStrike" spc="-1">
                 <a:solidFill>
-                  <a:srgbClr val="3e444c"/>
+                  <a:srgbClr val="3E444C"/>
                 </a:solidFill>
                 <a:latin typeface="Univers for UniS 55 Roman Rg"/>
                 <a:ea typeface="DejaVu Sans"/>
@@ -1829,16 +2262,16 @@
             </a:r>
             <a:br/>
             <a:r>
-              <a:rPr b="0" lang="de-DE" sz="3200" spc="-1" strike="noStrike">
+              <a:rPr lang="de-DE" sz="3200" b="0" strike="noStrike" spc="-1">
                 <a:solidFill>
-                  <a:srgbClr val="3e444c"/>
+                  <a:srgbClr val="3E444C"/>
                 </a:solidFill>
                 <a:latin typeface="Univers for UniS 55 Roman Rg"/>
                 <a:ea typeface="DejaVu Sans"/>
               </a:rPr>
               <a:t>Betreuer: Florian Barth M. Sc., Dipl-Inf. Filip Krumpe, Dipl-Inf. Thomas Mendel</a:t>
             </a:r>
-            <a:endParaRPr b="0" lang="de-DE" sz="3200" spc="-1" strike="noStrike">
+            <a:endParaRPr lang="de-DE" sz="3200" b="0" strike="noStrike" spc="-1">
               <a:latin typeface="Arial"/>
             </a:endParaRPr>
           </a:p>
@@ -1864,15 +2297,22 @@
           </a:ln>
         </p:spPr>
         <p:style>
-          <a:lnRef idx="0"/>
-          <a:fillRef idx="0"/>
-          <a:effectRef idx="0"/>
+          <a:lnRef idx="0">
+            <a:scrgbClr r="0" g="0" b="0"/>
+          </a:lnRef>
+          <a:fillRef idx="0">
+            <a:scrgbClr r="0" g="0" b="0"/>
+          </a:fillRef>
+          <a:effectRef idx="0">
+            <a:scrgbClr r="0" g="0" b="0"/>
+          </a:effectRef>
           <a:fontRef idx="minor"/>
         </p:style>
         <p:txBody>
-          <a:bodyPr lIns="129240" rIns="129240" tIns="64800" bIns="64800">
+          <a:bodyPr lIns="129240" tIns="64800" rIns="129240" bIns="64800">
             <a:noAutofit/>
           </a:bodyPr>
+          <a:lstStyle/>
           <a:p>
             <a:pPr>
               <a:lnSpc>
@@ -1883,16 +2323,16 @@
               </a:spcBef>
             </a:pPr>
             <a:r>
-              <a:rPr b="0" lang="de-DE" sz="5200" spc="-1" strike="noStrike">
+              <a:rPr lang="de-DE" sz="5200" b="0" strike="noStrike" spc="-1">
                 <a:solidFill>
-                  <a:srgbClr val="ffffff"/>
+                  <a:srgbClr val="FFFFFF"/>
                 </a:solidFill>
                 <a:latin typeface="Univers for UniS 65 Bold Rg"/>
                 <a:ea typeface="DejaVu Sans"/>
               </a:rPr>
               <a:t>Institut für Formale Methoden der Informatik (FMI)</a:t>
             </a:r>
-            <a:endParaRPr b="0" lang="de-DE" sz="5200" spc="-1" strike="noStrike">
+            <a:endParaRPr lang="de-DE" sz="5200" b="0" strike="noStrike" spc="-1">
               <a:latin typeface="Arial"/>
             </a:endParaRPr>
           </a:p>
@@ -1918,15 +2358,22 @@
           </a:ln>
         </p:spPr>
         <p:style>
-          <a:lnRef idx="0"/>
-          <a:fillRef idx="0"/>
-          <a:effectRef idx="0"/>
+          <a:lnRef idx="0">
+            <a:scrgbClr r="0" g="0" b="0"/>
+          </a:lnRef>
+          <a:fillRef idx="0">
+            <a:scrgbClr r="0" g="0" b="0"/>
+          </a:fillRef>
+          <a:effectRef idx="0">
+            <a:scrgbClr r="0" g="0" b="0"/>
+          </a:effectRef>
           <a:fontRef idx="minor"/>
         </p:style>
         <p:txBody>
-          <a:bodyPr lIns="129240" rIns="129240" tIns="64800" bIns="64800">
+          <a:bodyPr lIns="129240" tIns="64800" rIns="129240" bIns="64800">
             <a:noAutofit/>
           </a:bodyPr>
+          <a:lstStyle/>
           <a:p>
             <a:pPr>
               <a:lnSpc>
@@ -1937,9 +2384,9 @@
               </a:spcBef>
             </a:pPr>
             <a:r>
-              <a:rPr b="0" lang="de-DE" sz="9120" spc="-1" strike="noStrike">
+              <a:rPr lang="de-DE" sz="9120" b="0" strike="noStrike" spc="-1">
                 <a:solidFill>
-                  <a:srgbClr val="7f7f7f"/>
+                  <a:srgbClr val="7F7F7F"/>
                 </a:solidFill>
                 <a:latin typeface="Calibri"/>
                 <a:ea typeface="DejaVu Sans"/>
@@ -1948,16 +2395,16 @@
             </a:r>
             <a:br/>
             <a:r>
-              <a:rPr b="0" lang="de-DE" sz="9120" spc="-1" strike="noStrike">
+              <a:rPr lang="de-DE" sz="9120" b="0" strike="noStrike" spc="-1">
                 <a:solidFill>
-                  <a:srgbClr val="7f7f7f"/>
+                  <a:srgbClr val="7F7F7F"/>
                 </a:solidFill>
                 <a:latin typeface="Calibri"/>
                 <a:ea typeface="DejaVu Sans"/>
               </a:rPr>
               <a:t>Area Label Fitting in OSM</a:t>
             </a:r>
-            <a:endParaRPr b="0" lang="de-DE" sz="9120" spc="-1" strike="noStrike">
+            <a:endParaRPr lang="de-DE" sz="9120" b="0" strike="noStrike" spc="-1">
               <a:latin typeface="Arial"/>
             </a:endParaRPr>
           </a:p>
@@ -1978,13 +2425,13 @@
             <a:avLst/>
           </a:prstGeom>
           <a:solidFill>
-            <a:srgbClr val="00b0f0"/>
+            <a:srgbClr val="00B0F0"/>
           </a:solidFill>
           <a:ln>
             <a:noFill/>
           </a:ln>
           <a:effectLst>
-            <a:outerShdw algn="tl" blurRad="50800" dir="2700000" dist="37674" rotWithShape="0">
+            <a:outerShdw blurRad="50800" dist="37674" dir="2700000" algn="tl" rotWithShape="0">
               <a:srgbClr val="000000">
                 <a:alpha val="40000"/>
               </a:srgbClr>
@@ -1992,15 +2439,22 @@
           </a:effectLst>
         </p:spPr>
         <p:style>
-          <a:lnRef idx="0"/>
-          <a:fillRef idx="0"/>
-          <a:effectRef idx="0"/>
+          <a:lnRef idx="0">
+            <a:scrgbClr r="0" g="0" b="0"/>
+          </a:lnRef>
+          <a:fillRef idx="0">
+            <a:scrgbClr r="0" g="0" b="0"/>
+          </a:fillRef>
+          <a:effectRef idx="0">
+            <a:scrgbClr r="0" g="0" b="0"/>
+          </a:effectRef>
           <a:fontRef idx="minor"/>
         </p:style>
         <p:txBody>
-          <a:bodyPr lIns="129240" rIns="129240" tIns="64800" bIns="64800">
+          <a:bodyPr lIns="129240" tIns="64800" rIns="129240" bIns="64800">
             <a:noAutofit/>
           </a:bodyPr>
+          <a:lstStyle/>
           <a:p>
             <a:pPr>
               <a:lnSpc>
@@ -2008,26 +2462,16 @@
               </a:lnSpc>
             </a:pPr>
             <a:r>
-              <a:rPr b="0" lang="de-DE" sz="2800" spc="-1" strike="noStrike">
+              <a:rPr lang="de-DE" sz="2800" b="0" strike="noStrike" spc="-1">
                 <a:solidFill>
-                  <a:srgbClr val="ffffff"/>
+                  <a:srgbClr val="FFFFFF"/>
                 </a:solidFill>
                 <a:latin typeface="Arial"/>
                 <a:ea typeface="DejaVu Sans"/>
               </a:rPr>
-              <a:t>                                                 </a:t>
-            </a:r>
-            <a:r>
-              <a:rPr b="0" lang="de-DE" sz="2800" spc="-1" strike="noStrike">
-                <a:solidFill>
-                  <a:srgbClr val="ffffff"/>
-                </a:solidFill>
-                <a:latin typeface="Arial"/>
-                <a:ea typeface="DejaVu Sans"/>
-              </a:rPr>
-              <a:t>Problemstellung</a:t>
-            </a:r>
-            <a:endParaRPr b="0" lang="de-DE" sz="2800" spc="-1" strike="noStrike">
+              <a:t>                                                 Problemstellung</a:t>
+            </a:r>
+            <a:endParaRPr lang="de-DE" sz="2800" b="0" strike="noStrike" spc="-1">
               <a:latin typeface="Arial"/>
             </a:endParaRPr>
           </a:p>
@@ -2037,7 +2481,7 @@
                 <a:spcPct val="100000"/>
               </a:lnSpc>
             </a:pPr>
-            <a:endParaRPr b="0" lang="de-DE" sz="2800" spc="-1" strike="noStrike">
+            <a:endParaRPr lang="de-DE" sz="2800" b="0" strike="noStrike" spc="-1">
               <a:latin typeface="Arial"/>
             </a:endParaRPr>
           </a:p>
@@ -2063,15 +2507,22 @@
           </a:ln>
         </p:spPr>
         <p:style>
-          <a:lnRef idx="0"/>
-          <a:fillRef idx="0"/>
-          <a:effectRef idx="0"/>
+          <a:lnRef idx="0">
+            <a:scrgbClr r="0" g="0" b="0"/>
+          </a:lnRef>
+          <a:fillRef idx="0">
+            <a:scrgbClr r="0" g="0" b="0"/>
+          </a:fillRef>
+          <a:effectRef idx="0">
+            <a:scrgbClr r="0" g="0" b="0"/>
+          </a:effectRef>
           <a:fontRef idx="minor"/>
         </p:style>
         <p:txBody>
-          <a:bodyPr lIns="129240" rIns="129240" tIns="64800" bIns="64800">
+          <a:bodyPr lIns="129240" tIns="64800" rIns="129240" bIns="64800">
             <a:noAutofit/>
           </a:bodyPr>
+          <a:lstStyle/>
           <a:p>
             <a:pPr marL="108360">
               <a:lnSpc>
@@ -2082,9 +2533,9 @@
               </a:spcBef>
             </a:pPr>
             <a:r>
-              <a:rPr b="0" lang="de-DE" sz="3200" spc="-1" strike="noStrike">
+              <a:rPr lang="de-DE" sz="3200" b="0" strike="noStrike" spc="-1">
                 <a:solidFill>
-                  <a:srgbClr val="ffffff"/>
+                  <a:srgbClr val="FFFFFF"/>
                 </a:solidFill>
                 <a:latin typeface="Calibri"/>
                 <a:ea typeface="DejaVu Sans"/>
@@ -2093,9 +2544,9 @@
             </a:r>
             <a:br/>
             <a:r>
-              <a:rPr b="0" lang="de-DE" sz="3200" spc="-1" strike="noStrike">
+              <a:rPr lang="de-DE" sz="3200" b="0" strike="noStrike" spc="-1">
                 <a:solidFill>
-                  <a:srgbClr val="ffffff"/>
+                  <a:srgbClr val="FFFFFF"/>
                 </a:solidFill>
                 <a:latin typeface="Calibri"/>
                 <a:ea typeface="DejaVu Sans"/>
@@ -2104,9 +2555,9 @@
             </a:r>
             <a:br/>
             <a:r>
-              <a:rPr b="0" lang="de-DE" sz="3200" spc="-1" strike="noStrike">
+              <a:rPr lang="de-DE" sz="3200" b="0" strike="noStrike" spc="-1">
                 <a:solidFill>
-                  <a:srgbClr val="ffffff"/>
+                  <a:srgbClr val="FFFFFF"/>
                 </a:solidFill>
                 <a:latin typeface="Calibri"/>
                 <a:ea typeface="DejaVu Sans"/>
@@ -2115,16 +2566,16 @@
             </a:r>
             <a:br/>
             <a:r>
-              <a:rPr b="0" lang="de-DE" sz="3200" spc="-1" strike="noStrike">
+              <a:rPr lang="de-DE" sz="3200" b="0" strike="noStrike" spc="-1">
                 <a:solidFill>
-                  <a:srgbClr val="ffffff"/>
+                  <a:srgbClr val="FFFFFF"/>
                 </a:solidFill>
                 <a:latin typeface="Calibri"/>
                 <a:ea typeface="DejaVu Sans"/>
               </a:rPr>
               <a:t>Michel Weitbrecht</a:t>
             </a:r>
-            <a:endParaRPr b="0" lang="de-DE" sz="3200" spc="-1" strike="noStrike">
+            <a:endParaRPr lang="de-DE" sz="3200" b="0" strike="noStrike" spc="-1">
               <a:latin typeface="Arial"/>
             </a:endParaRPr>
           </a:p>
@@ -2132,12 +2583,12 @@
       </p:sp>
       <p:pic>
         <p:nvPicPr>
-          <p:cNvPr id="47" name="Grafik 126" descr=""/>
+          <p:cNvPr id="47" name="Grafik 126"/>
           <p:cNvPicPr/>
           <p:nvPr/>
         </p:nvPicPr>
         <p:blipFill>
-          <a:blip r:embed="rId1"/>
+          <a:blip r:embed="rId2"/>
           <a:stretch/>
         </p:blipFill>
         <p:spPr>
@@ -2176,9 +2627,15 @@
           </a:ln>
         </p:spPr>
         <p:style>
-          <a:lnRef idx="0"/>
-          <a:fillRef idx="0"/>
-          <a:effectRef idx="0"/>
+          <a:lnRef idx="0">
+            <a:scrgbClr r="0" g="0" b="0"/>
+          </a:lnRef>
+          <a:fillRef idx="0">
+            <a:scrgbClr r="0" g="0" b="0"/>
+          </a:fillRef>
+          <a:effectRef idx="0">
+            <a:scrgbClr r="0" g="0" b="0"/>
+          </a:effectRef>
           <a:fontRef idx="minor"/>
         </p:style>
       </p:sp>
@@ -2197,13 +2654,13 @@
             <a:avLst/>
           </a:prstGeom>
           <a:solidFill>
-            <a:srgbClr val="00b0f0"/>
+            <a:srgbClr val="00B0F0"/>
           </a:solidFill>
           <a:ln>
             <a:noFill/>
           </a:ln>
           <a:effectLst>
-            <a:outerShdw algn="tl" blurRad="50800" dir="2700000" dist="37674" rotWithShape="0">
+            <a:outerShdw blurRad="50800" dist="37674" dir="2700000" algn="tl" rotWithShape="0">
               <a:srgbClr val="000000">
                 <a:alpha val="40000"/>
               </a:srgbClr>
@@ -2211,15 +2668,22 @@
           </a:effectLst>
         </p:spPr>
         <p:style>
-          <a:lnRef idx="0"/>
-          <a:fillRef idx="0"/>
-          <a:effectRef idx="0"/>
+          <a:lnRef idx="0">
+            <a:scrgbClr r="0" g="0" b="0"/>
+          </a:lnRef>
+          <a:fillRef idx="0">
+            <a:scrgbClr r="0" g="0" b="0"/>
+          </a:fillRef>
+          <a:effectRef idx="0">
+            <a:scrgbClr r="0" g="0" b="0"/>
+          </a:effectRef>
           <a:fontRef idx="minor"/>
         </p:style>
         <p:txBody>
-          <a:bodyPr lIns="129240" rIns="129240" tIns="64800" bIns="64800">
+          <a:bodyPr lIns="129240" tIns="64800" rIns="129240" bIns="64800">
             <a:noAutofit/>
           </a:bodyPr>
+          <a:lstStyle/>
           <a:p>
             <a:pPr>
               <a:lnSpc>
@@ -2227,26 +2691,16 @@
               </a:lnSpc>
             </a:pPr>
             <a:r>
-              <a:rPr b="0" lang="de-DE" sz="2800" spc="-1" strike="noStrike">
+              <a:rPr lang="de-DE" sz="2800" b="0" strike="noStrike" spc="-1">
                 <a:solidFill>
-                  <a:srgbClr val="ffffff"/>
+                  <a:srgbClr val="FFFFFF"/>
                 </a:solidFill>
                 <a:latin typeface="Arial"/>
                 <a:ea typeface="DejaVu Sans"/>
               </a:rPr>
-              <a:t>                                                     </a:t>
-            </a:r>
-            <a:r>
-              <a:rPr b="0" lang="de-DE" sz="2800" spc="-1" strike="noStrike">
-                <a:solidFill>
-                  <a:srgbClr val="ffffff"/>
-                </a:solidFill>
-                <a:latin typeface="Arial"/>
-                <a:ea typeface="DejaVu Sans"/>
-              </a:rPr>
-              <a:t>Architektur</a:t>
-            </a:r>
-            <a:endParaRPr b="0" lang="de-DE" sz="2800" spc="-1" strike="noStrike">
+              <a:t>                                                     Architektur</a:t>
+            </a:r>
+            <a:endParaRPr lang="de-DE" sz="2800" b="0" strike="noStrike" spc="-1">
               <a:latin typeface="Arial"/>
             </a:endParaRPr>
           </a:p>
@@ -2256,7 +2710,7 @@
                 <a:spcPct val="100000"/>
               </a:lnSpc>
             </a:pPr>
-            <a:endParaRPr b="0" lang="de-DE" sz="2800" spc="-1" strike="noStrike">
+            <a:endParaRPr lang="de-DE" sz="2800" b="0" strike="noStrike" spc="-1">
               <a:latin typeface="Arial"/>
             </a:endParaRPr>
           </a:p>
@@ -2293,16 +2747,17 @@
           <a:fontRef idx="minor"/>
         </p:style>
         <p:txBody>
-          <a:bodyPr lIns="90000" rIns="90000" tIns="45000" bIns="45000" anchor="ctr">
+          <a:bodyPr lIns="90000" tIns="45000" rIns="90000" bIns="45000" anchor="ctr">
             <a:noAutofit/>
           </a:bodyPr>
+          <a:lstStyle/>
           <a:p>
             <a:pPr>
               <a:lnSpc>
                 <a:spcPct val="100000"/>
               </a:lnSpc>
             </a:pPr>
-            <a:endParaRPr b="0" lang="de-DE" sz="1800" spc="-1" strike="noStrike">
+            <a:endParaRPr lang="de-DE" sz="1800" b="0" strike="noStrike" spc="-1">
               <a:latin typeface="Arial"/>
             </a:endParaRPr>
           </a:p>
@@ -2312,7 +2767,7 @@
                 <a:spcPct val="100000"/>
               </a:lnSpc>
             </a:pPr>
-            <a:endParaRPr b="0" lang="de-DE" sz="1800" spc="-1" strike="noStrike">
+            <a:endParaRPr lang="de-DE" sz="1800" b="0" strike="noStrike" spc="-1">
               <a:latin typeface="Arial"/>
             </a:endParaRPr>
           </a:p>
@@ -2322,7 +2777,7 @@
                 <a:spcPct val="100000"/>
               </a:lnSpc>
             </a:pPr>
-            <a:endParaRPr b="0" lang="de-DE" sz="1800" spc="-1" strike="noStrike">
+            <a:endParaRPr lang="de-DE" sz="1800" b="0" strike="noStrike" spc="-1">
               <a:latin typeface="Arial"/>
             </a:endParaRPr>
           </a:p>
@@ -2332,7 +2787,7 @@
                 <a:spcPct val="100000"/>
               </a:lnSpc>
             </a:pPr>
-            <a:endParaRPr b="0" lang="de-DE" sz="1800" spc="-1" strike="noStrike">
+            <a:endParaRPr lang="de-DE" sz="1800" b="0" strike="noStrike" spc="-1">
               <a:latin typeface="Arial"/>
             </a:endParaRPr>
           </a:p>
@@ -2342,7 +2797,7 @@
                 <a:spcPct val="100000"/>
               </a:lnSpc>
             </a:pPr>
-            <a:endParaRPr b="0" lang="de-DE" sz="1800" spc="-1" strike="noStrike">
+            <a:endParaRPr lang="de-DE" sz="1800" b="0" strike="noStrike" spc="-1">
               <a:latin typeface="Arial"/>
             </a:endParaRPr>
           </a:p>
@@ -2352,7 +2807,7 @@
                 <a:spcPct val="100000"/>
               </a:lnSpc>
             </a:pPr>
-            <a:endParaRPr b="0" lang="de-DE" sz="1800" spc="-1" strike="noStrike">
+            <a:endParaRPr lang="de-DE" sz="1800" b="0" strike="noStrike" spc="-1">
               <a:latin typeface="Arial"/>
             </a:endParaRPr>
           </a:p>
@@ -2362,7 +2817,7 @@
                 <a:spcPct val="100000"/>
               </a:lnSpc>
             </a:pPr>
-            <a:endParaRPr b="0" lang="de-DE" sz="1800" spc="-1" strike="noStrike">
+            <a:endParaRPr lang="de-DE" sz="1800" b="0" strike="noStrike" spc="-1">
               <a:latin typeface="Arial"/>
             </a:endParaRPr>
           </a:p>
@@ -2372,7 +2827,7 @@
                 <a:spcPct val="100000"/>
               </a:lnSpc>
             </a:pPr>
-            <a:endParaRPr b="0" lang="de-DE" sz="1800" spc="-1" strike="noStrike">
+            <a:endParaRPr lang="de-DE" sz="1800" b="0" strike="noStrike" spc="-1">
               <a:latin typeface="Arial"/>
             </a:endParaRPr>
           </a:p>
@@ -2382,7 +2837,7 @@
                 <a:spcPct val="100000"/>
               </a:lnSpc>
             </a:pPr>
-            <a:endParaRPr b="0" lang="de-DE" sz="1800" spc="-1" strike="noStrike">
+            <a:endParaRPr lang="de-DE" sz="1800" b="0" strike="noStrike" spc="-1">
               <a:latin typeface="Arial"/>
             </a:endParaRPr>
           </a:p>
@@ -2392,7 +2847,7 @@
                 <a:spcPct val="100000"/>
               </a:lnSpc>
             </a:pPr>
-            <a:endParaRPr b="0" lang="de-DE" sz="1800" spc="-1" strike="noStrike">
+            <a:endParaRPr lang="de-DE" sz="1800" b="0" strike="noStrike" spc="-1">
               <a:latin typeface="Arial"/>
             </a:endParaRPr>
           </a:p>
@@ -2402,7 +2857,7 @@
                 <a:spcPct val="100000"/>
               </a:lnSpc>
             </a:pPr>
-            <a:endParaRPr b="0" lang="de-DE" sz="1800" spc="-1" strike="noStrike">
+            <a:endParaRPr lang="de-DE" sz="1800" b="0" strike="noStrike" spc="-1">
               <a:latin typeface="Arial"/>
             </a:endParaRPr>
           </a:p>
@@ -2410,36 +2865,36 @@
       </p:sp>
       <p:pic>
         <p:nvPicPr>
-          <p:cNvPr id="51" name="Grafik 2" descr=""/>
-          <p:cNvPicPr/>
-          <p:nvPr/>
-        </p:nvPicPr>
-        <p:blipFill>
-          <a:blip r:embed="rId2"/>
-          <a:stretch/>
-        </p:blipFill>
-        <p:spPr>
-          <a:xfrm>
-            <a:off x="2300400" y="25221240"/>
-            <a:ext cx="12230280" cy="6089400"/>
-          </a:xfrm>
-          <a:prstGeom prst="rect">
-            <a:avLst/>
-          </a:prstGeom>
-          <a:ln>
-            <a:noFill/>
-          </a:ln>
-        </p:spPr>
-      </p:pic>
-      <p:pic>
-        <p:nvPicPr>
-          <p:cNvPr id="52" name="Grafik 13" descr=""/>
+          <p:cNvPr id="51" name="Grafik 2"/>
           <p:cNvPicPr/>
           <p:nvPr/>
         </p:nvPicPr>
         <p:blipFill>
           <a:blip r:embed="rId3"/>
-          <a:srcRect l="0" t="5088" r="0" b="0"/>
+          <a:stretch/>
+        </p:blipFill>
+        <p:spPr>
+          <a:xfrm>
+            <a:off x="2300400" y="25221240"/>
+            <a:ext cx="12230280" cy="6089400"/>
+          </a:xfrm>
+          <a:prstGeom prst="rect">
+            <a:avLst/>
+          </a:prstGeom>
+          <a:ln>
+            <a:noFill/>
+          </a:ln>
+        </p:spPr>
+      </p:pic>
+      <p:pic>
+        <p:nvPicPr>
+          <p:cNvPr id="52" name="Grafik 13"/>
+          <p:cNvPicPr/>
+          <p:nvPr/>
+        </p:nvPicPr>
+        <p:blipFill>
+          <a:blip r:embed="rId4"/>
+          <a:srcRect t="5088"/>
           <a:stretch/>
         </p:blipFill>
         <p:spPr>
@@ -2475,15 +2930,22 @@
           </a:ln>
         </p:spPr>
         <p:style>
-          <a:lnRef idx="0"/>
-          <a:fillRef idx="0"/>
-          <a:effectRef idx="0"/>
+          <a:lnRef idx="0">
+            <a:scrgbClr r="0" g="0" b="0"/>
+          </a:lnRef>
+          <a:fillRef idx="0">
+            <a:scrgbClr r="0" g="0" b="0"/>
+          </a:fillRef>
+          <a:effectRef idx="0">
+            <a:scrgbClr r="0" g="0" b="0"/>
+          </a:effectRef>
           <a:fontRef idx="minor"/>
         </p:style>
         <p:txBody>
-          <a:bodyPr lIns="90000" rIns="90000" tIns="45000" bIns="45000">
+          <a:bodyPr lIns="90000" tIns="45000" rIns="90000" bIns="45000">
             <a:spAutoFit/>
           </a:bodyPr>
+          <a:lstStyle/>
           <a:p>
             <a:pPr>
               <a:lnSpc>
@@ -2491,7 +2953,7 @@
               </a:lnSpc>
             </a:pPr>
             <a:r>
-              <a:rPr b="0" lang="de-DE" sz="2400" spc="-1" strike="noStrike">
+              <a:rPr lang="de-DE" sz="2400" b="0" strike="noStrike" spc="-1">
                 <a:solidFill>
                   <a:srgbClr val="000000"/>
                 </a:solidFill>
@@ -2500,7 +2962,7 @@
               </a:rPr>
               <a:t>Herkömmliche Kartensysteme laden ihre Daten in Form vorgerendeter Grafiken (Tiles).</a:t>
             </a:r>
-            <a:endParaRPr b="0" lang="de-DE" sz="2400" spc="-1" strike="noStrike">
+            <a:endParaRPr lang="de-DE" sz="2400" b="0" strike="noStrike" spc="-1">
               <a:latin typeface="Arial"/>
             </a:endParaRPr>
           </a:p>
@@ -2512,7 +2974,7 @@
             </a:pPr>
             <a:br/>
             <a:r>
-              <a:rPr b="0" i="1" lang="de-DE" sz="2400" spc="-1" strike="noStrike">
+              <a:rPr lang="de-DE" sz="2400" b="0" i="1" strike="noStrike" spc="-1">
                 <a:solidFill>
                   <a:srgbClr val="000000"/>
                 </a:solidFill>
@@ -2523,7 +2985,7 @@
             </a:r>
             <a:br/>
             <a:r>
-              <a:rPr b="0" lang="de-DE" sz="2400" spc="-1" strike="noStrike">
+              <a:rPr lang="de-DE" sz="2400" b="0" strike="noStrike" spc="-1">
                 <a:solidFill>
                   <a:srgbClr val="000000"/>
                 </a:solidFill>
@@ -2534,7 +2996,7 @@
             </a:r>
             <a:br/>
             <a:r>
-              <a:rPr b="0" lang="de-DE" sz="2400" spc="-1" strike="noStrike">
+              <a:rPr lang="de-DE" sz="2400" b="0" strike="noStrike" spc="-1">
                 <a:solidFill>
                   <a:srgbClr val="000000"/>
                 </a:solidFill>
@@ -2545,7 +3007,7 @@
             </a:r>
             <a:br/>
             <a:r>
-              <a:rPr b="0" lang="de-DE" sz="2400" spc="-1" strike="noStrike">
+              <a:rPr lang="de-DE" sz="2400" b="0" strike="noStrike" spc="-1">
                 <a:solidFill>
                   <a:srgbClr val="000000"/>
                 </a:solidFill>
@@ -2554,7 +3016,7 @@
               </a:rPr>
               <a:t>- Labels drehen sich bei Rotation der Karte mit</a:t>
             </a:r>
-            <a:endParaRPr b="0" lang="de-DE" sz="2400" spc="-1" strike="noStrike">
+            <a:endParaRPr lang="de-DE" sz="2400" b="0" strike="noStrike" spc="-1">
               <a:latin typeface="Arial"/>
             </a:endParaRPr>
           </a:p>
@@ -2564,7 +3026,7 @@
                 <a:spcPct val="100000"/>
               </a:lnSpc>
             </a:pPr>
-            <a:endParaRPr b="0" lang="de-DE" sz="2400" spc="-1" strike="noStrike">
+            <a:endParaRPr lang="de-DE" sz="2400" b="0" strike="noStrike" spc="-1">
               <a:latin typeface="Arial"/>
             </a:endParaRPr>
           </a:p>
@@ -2575,7 +3037,7 @@
               </a:lnSpc>
             </a:pPr>
             <a:r>
-              <a:rPr b="0" i="1" lang="de-DE" sz="2400" spc="-1" strike="noStrike">
+              <a:rPr lang="de-DE" sz="2400" b="0" i="1" strike="noStrike" spc="-1">
                 <a:solidFill>
                   <a:srgbClr val="000000"/>
                 </a:solidFill>
@@ -2586,7 +3048,7 @@
             </a:r>
             <a:br/>
             <a:r>
-              <a:rPr b="0" lang="de-DE" sz="2400" spc="-1" strike="noStrike">
+              <a:rPr lang="de-DE" sz="2400" b="0" strike="noStrike" spc="-1">
                 <a:solidFill>
                   <a:srgbClr val="000000"/>
                 </a:solidFill>
@@ -2597,7 +3059,7 @@
             </a:r>
             <a:br/>
             <a:r>
-              <a:rPr b="0" lang="de-DE" sz="2400" spc="-1" strike="noStrike">
+              <a:rPr lang="de-DE" sz="2400" b="0" strike="noStrike" spc="-1">
                 <a:solidFill>
                   <a:srgbClr val="000000"/>
                 </a:solidFill>
@@ -2608,7 +3070,7 @@
             </a:r>
             <a:br/>
             <a:r>
-              <a:rPr b="0" lang="de-DE" sz="2400" spc="-1" strike="noStrike">
+              <a:rPr lang="de-DE" sz="2400" b="0" strike="noStrike" spc="-1">
                 <a:solidFill>
                   <a:srgbClr val="000000"/>
                 </a:solidFill>
@@ -2619,7 +3081,7 @@
             </a:r>
             <a:br/>
             <a:r>
-              <a:rPr b="0" lang="de-DE" sz="2400" spc="-1" strike="noStrike">
+              <a:rPr lang="de-DE" sz="2400" b="0" strike="noStrike" spc="-1">
                 <a:solidFill>
                   <a:srgbClr val="000000"/>
                 </a:solidFill>
@@ -2628,7 +3090,7 @@
               </a:rPr>
               <a:t>- Vorverarbeitung der Daten für höhere Effizienz</a:t>
             </a:r>
-            <a:endParaRPr b="0" lang="de-DE" sz="2400" spc="-1" strike="noStrike">
+            <a:endParaRPr lang="de-DE" sz="2400" b="0" strike="noStrike" spc="-1">
               <a:latin typeface="Arial"/>
             </a:endParaRPr>
           </a:p>
@@ -2649,13 +3111,13 @@
             <a:avLst/>
           </a:prstGeom>
           <a:solidFill>
-            <a:srgbClr val="00b0f0"/>
+            <a:srgbClr val="00B0F0"/>
           </a:solidFill>
           <a:ln>
             <a:noFill/>
           </a:ln>
           <a:effectLst>
-            <a:outerShdw algn="tl" blurRad="50800" dir="2700000" dist="37674" rotWithShape="0">
+            <a:outerShdw blurRad="50800" dist="37674" dir="2700000" algn="tl" rotWithShape="0">
               <a:srgbClr val="000000">
                 <a:alpha val="40000"/>
               </a:srgbClr>
@@ -2663,15 +3125,22 @@
           </a:effectLst>
         </p:spPr>
         <p:style>
-          <a:lnRef idx="0"/>
-          <a:fillRef idx="0"/>
-          <a:effectRef idx="0"/>
+          <a:lnRef idx="0">
+            <a:scrgbClr r="0" g="0" b="0"/>
+          </a:lnRef>
+          <a:fillRef idx="0">
+            <a:scrgbClr r="0" g="0" b="0"/>
+          </a:fillRef>
+          <a:effectRef idx="0">
+            <a:scrgbClr r="0" g="0" b="0"/>
+          </a:effectRef>
           <a:fontRef idx="minor"/>
         </p:style>
         <p:txBody>
-          <a:bodyPr lIns="129240" rIns="129240" tIns="64800" bIns="64800">
+          <a:bodyPr lIns="129240" tIns="64800" rIns="129240" bIns="64800">
             <a:noAutofit/>
           </a:bodyPr>
+          <a:lstStyle/>
           <a:p>
             <a:pPr>
               <a:lnSpc>
@@ -2679,26 +3148,16 @@
               </a:lnSpc>
             </a:pPr>
             <a:r>
-              <a:rPr b="0" lang="de-DE" sz="2800" spc="-1" strike="noStrike">
+              <a:rPr lang="de-DE" sz="2800" b="0" strike="noStrike" spc="-1">
                 <a:solidFill>
-                  <a:srgbClr val="ffffff"/>
+                  <a:srgbClr val="FFFFFF"/>
                 </a:solidFill>
                 <a:latin typeface="Arial"/>
                 <a:ea typeface="DejaVu Sans"/>
               </a:rPr>
-              <a:t>                                                 </a:t>
-            </a:r>
-            <a:r>
-              <a:rPr b="0" lang="de-DE" sz="2800" spc="-1" strike="noStrike">
-                <a:solidFill>
-                  <a:srgbClr val="ffffff"/>
-                </a:solidFill>
-                <a:latin typeface="Arial"/>
-                <a:ea typeface="DejaVu Sans"/>
-              </a:rPr>
-              <a:t>Vorverarbeitung</a:t>
-            </a:r>
-            <a:endParaRPr b="0" lang="de-DE" sz="2800" spc="-1" strike="noStrike">
+              <a:t>                                                 Vorverarbeitung</a:t>
+            </a:r>
+            <a:endParaRPr lang="de-DE" sz="2800" b="0" strike="noStrike" spc="-1">
               <a:latin typeface="Arial"/>
             </a:endParaRPr>
           </a:p>
@@ -2708,7 +3167,7 @@
                 <a:spcPct val="100000"/>
               </a:lnSpc>
             </a:pPr>
-            <a:endParaRPr b="0" lang="de-DE" sz="2800" spc="-1" strike="noStrike">
+            <a:endParaRPr lang="de-DE" sz="2800" b="0" strike="noStrike" spc="-1">
               <a:latin typeface="Arial"/>
             </a:endParaRPr>
           </a:p>
@@ -2716,12 +3175,12 @@
       </p:sp>
       <p:pic>
         <p:nvPicPr>
-          <p:cNvPr id="55" name="Grafik 4" descr=""/>
+          <p:cNvPr id="55" name="Grafik 4"/>
           <p:cNvPicPr/>
           <p:nvPr/>
         </p:nvPicPr>
         <p:blipFill>
-          <a:blip r:embed="rId4"/>
+          <a:blip r:embed="rId5"/>
           <a:stretch/>
         </p:blipFill>
         <p:spPr>
@@ -2760,38 +3219,21 @@
           </a:ln>
         </p:spPr>
         <p:style>
-          <a:lnRef idx="0"/>
-          <a:fillRef idx="0"/>
-          <a:effectRef idx="0"/>
+          <a:lnRef idx="0">
+            <a:scrgbClr r="0" g="0" b="0"/>
+          </a:lnRef>
+          <a:fillRef idx="0">
+            <a:scrgbClr r="0" g="0" b="0"/>
+          </a:fillRef>
+          <a:effectRef idx="0">
+            <a:scrgbClr r="0" g="0" b="0"/>
+          </a:effectRef>
           <a:fontRef idx="minor"/>
         </p:style>
       </p:sp>
       <p:pic>
         <p:nvPicPr>
-          <p:cNvPr id="57" name="Grafik 15" descr=""/>
-          <p:cNvPicPr/>
-          <p:nvPr/>
-        </p:nvPicPr>
-        <p:blipFill>
-          <a:blip r:embed="rId5"/>
-          <a:stretch/>
-        </p:blipFill>
-        <p:spPr>
-          <a:xfrm>
-            <a:off x="21047040" y="21413160"/>
-            <a:ext cx="6329880" cy="4512960"/>
-          </a:xfrm>
-          <a:prstGeom prst="rect">
-            <a:avLst/>
-          </a:prstGeom>
-          <a:ln>
-            <a:noFill/>
-          </a:ln>
-        </p:spPr>
-      </p:pic>
-      <p:pic>
-        <p:nvPicPr>
-          <p:cNvPr id="58" name="Grafik 19" descr=""/>
+          <p:cNvPr id="57" name="Grafik 15"/>
           <p:cNvPicPr/>
           <p:nvPr/>
         </p:nvPicPr>
@@ -2801,6 +3243,29 @@
         </p:blipFill>
         <p:spPr>
           <a:xfrm>
+            <a:off x="21047040" y="21413160"/>
+            <a:ext cx="6329880" cy="4512960"/>
+          </a:xfrm>
+          <a:prstGeom prst="rect">
+            <a:avLst/>
+          </a:prstGeom>
+          <a:ln>
+            <a:noFill/>
+          </a:ln>
+        </p:spPr>
+      </p:pic>
+      <p:pic>
+        <p:nvPicPr>
+          <p:cNvPr id="58" name="Grafik 19"/>
+          <p:cNvPicPr/>
+          <p:nvPr/>
+        </p:nvPicPr>
+        <p:blipFill>
+          <a:blip r:embed="rId7"/>
+          <a:stretch/>
+        </p:blipFill>
+        <p:spPr>
+          <a:xfrm>
             <a:off x="8642160" y="18182160"/>
             <a:ext cx="5876280" cy="4619160"/>
           </a:xfrm>
@@ -2835,9 +3300,15 @@
           </a:ln>
         </p:spPr>
         <p:style>
-          <a:lnRef idx="0"/>
-          <a:fillRef idx="0"/>
-          <a:effectRef idx="0"/>
+          <a:lnRef idx="0">
+            <a:scrgbClr r="0" g="0" b="0"/>
+          </a:lnRef>
+          <a:fillRef idx="0">
+            <a:scrgbClr r="0" g="0" b="0"/>
+          </a:fillRef>
+          <a:effectRef idx="0">
+            <a:scrgbClr r="0" g="0" b="0"/>
+          </a:effectRef>
           <a:fontRef idx="minor"/>
         </p:style>
       </p:sp>
@@ -2856,13 +3327,13 @@
             <a:avLst/>
           </a:prstGeom>
           <a:solidFill>
-            <a:srgbClr val="00b0f0"/>
+            <a:srgbClr val="00B0F0"/>
           </a:solidFill>
           <a:ln>
             <a:noFill/>
           </a:ln>
           <a:effectLst>
-            <a:outerShdw algn="tl" blurRad="50800" dir="2700000" dist="37674" rotWithShape="0">
+            <a:outerShdw blurRad="50800" dist="37674" dir="2700000" algn="tl" rotWithShape="0">
               <a:srgbClr val="000000">
                 <a:alpha val="40000"/>
               </a:srgbClr>
@@ -2870,15 +3341,22 @@
           </a:effectLst>
         </p:spPr>
         <p:style>
-          <a:lnRef idx="0"/>
-          <a:fillRef idx="0"/>
-          <a:effectRef idx="0"/>
+          <a:lnRef idx="0">
+            <a:scrgbClr r="0" g="0" b="0"/>
+          </a:lnRef>
+          <a:fillRef idx="0">
+            <a:scrgbClr r="0" g="0" b="0"/>
+          </a:fillRef>
+          <a:effectRef idx="0">
+            <a:scrgbClr r="0" g="0" b="0"/>
+          </a:effectRef>
           <a:fontRef idx="minor"/>
         </p:style>
         <p:txBody>
-          <a:bodyPr lIns="129240" rIns="129240" tIns="64800" bIns="64800">
+          <a:bodyPr lIns="129240" tIns="64800" rIns="129240" bIns="64800">
             <a:noAutofit/>
           </a:bodyPr>
+          <a:lstStyle/>
           <a:p>
             <a:pPr>
               <a:lnSpc>
@@ -2886,26 +3364,16 @@
               </a:lnSpc>
             </a:pPr>
             <a:r>
-              <a:rPr b="0" lang="de-DE" sz="2800" spc="-1" strike="noStrike">
+              <a:rPr lang="de-DE" sz="2800" b="0" strike="noStrike" spc="-1">
                 <a:solidFill>
-                  <a:srgbClr val="ffffff"/>
+                  <a:srgbClr val="FFFFFF"/>
                 </a:solidFill>
                 <a:latin typeface="Arial"/>
                 <a:ea typeface="DejaVu Sans"/>
               </a:rPr>
-              <a:t>                                                     </a:t>
-            </a:r>
-            <a:r>
-              <a:rPr b="0" lang="de-DE" sz="2800" spc="-1" strike="noStrike">
-                <a:solidFill>
-                  <a:srgbClr val="ffffff"/>
-                </a:solidFill>
-                <a:latin typeface="Arial"/>
-                <a:ea typeface="DejaVu Sans"/>
-              </a:rPr>
-              <a:t>Gebogene Beschriftungen</a:t>
-            </a:r>
-            <a:endParaRPr b="0" lang="de-DE" sz="2800" spc="-1" strike="noStrike">
+              <a:t>                                                     Gebogene Beschriftungen</a:t>
+            </a:r>
+            <a:endParaRPr lang="de-DE" sz="2800" b="0" strike="noStrike" spc="-1">
               <a:latin typeface="Arial"/>
             </a:endParaRPr>
           </a:p>
@@ -2915,7 +3383,7 @@
                 <a:spcPct val="100000"/>
               </a:lnSpc>
             </a:pPr>
-            <a:endParaRPr b="0" lang="de-DE" sz="2800" spc="-1" strike="noStrike">
+            <a:endParaRPr lang="de-DE" sz="2800" b="0" strike="noStrike" spc="-1">
               <a:latin typeface="Arial"/>
             </a:endParaRPr>
           </a:p>
@@ -2936,13 +3404,13 @@
             <a:avLst/>
           </a:prstGeom>
           <a:solidFill>
-            <a:srgbClr val="00b0f0"/>
+            <a:srgbClr val="00B0F0"/>
           </a:solidFill>
           <a:ln>
             <a:noFill/>
           </a:ln>
           <a:effectLst>
-            <a:outerShdw algn="tl" blurRad="50800" dir="2700000" dist="37674" rotWithShape="0">
+            <a:outerShdw blurRad="50800" dist="37674" dir="2700000" algn="tl" rotWithShape="0">
               <a:srgbClr val="000000">
                 <a:alpha val="40000"/>
               </a:srgbClr>
@@ -2950,15 +3418,22 @@
           </a:effectLst>
         </p:spPr>
         <p:style>
-          <a:lnRef idx="0"/>
-          <a:fillRef idx="0"/>
-          <a:effectRef idx="0"/>
+          <a:lnRef idx="0">
+            <a:scrgbClr r="0" g="0" b="0"/>
+          </a:lnRef>
+          <a:fillRef idx="0">
+            <a:scrgbClr r="0" g="0" b="0"/>
+          </a:fillRef>
+          <a:effectRef idx="0">
+            <a:scrgbClr r="0" g="0" b="0"/>
+          </a:effectRef>
           <a:fontRef idx="minor"/>
         </p:style>
         <p:txBody>
-          <a:bodyPr lIns="129240" rIns="129240" tIns="64800" bIns="64800">
+          <a:bodyPr lIns="129240" tIns="64800" rIns="129240" bIns="64800">
             <a:noAutofit/>
           </a:bodyPr>
+          <a:lstStyle/>
           <a:p>
             <a:pPr>
               <a:lnSpc>
@@ -2966,26 +3441,16 @@
               </a:lnSpc>
             </a:pPr>
             <a:r>
-              <a:rPr b="0" lang="de-DE" sz="2800" spc="-1" strike="noStrike">
+              <a:rPr lang="de-DE" sz="2800" b="0" strike="noStrike" spc="-1">
                 <a:solidFill>
-                  <a:srgbClr val="ffffff"/>
+                  <a:srgbClr val="FFFFFF"/>
                 </a:solidFill>
                 <a:latin typeface="Arial"/>
                 <a:ea typeface="DejaVu Sans"/>
               </a:rPr>
-              <a:t>                                                    </a:t>
-            </a:r>
-            <a:r>
-              <a:rPr b="0" lang="de-DE" sz="2800" spc="-1" strike="noStrike">
-                <a:solidFill>
-                  <a:srgbClr val="ffffff"/>
-                </a:solidFill>
-                <a:latin typeface="Arial"/>
-                <a:ea typeface="DejaVu Sans"/>
-              </a:rPr>
-              <a:t>Grenzvereinfachung</a:t>
-            </a:r>
-            <a:endParaRPr b="0" lang="de-DE" sz="2800" spc="-1" strike="noStrike">
+              <a:t>                                                    Grenzvereinfachung</a:t>
+            </a:r>
+            <a:endParaRPr lang="de-DE" sz="2800" b="0" strike="noStrike" spc="-1">
               <a:latin typeface="Arial"/>
             </a:endParaRPr>
           </a:p>
@@ -2995,7 +3460,7 @@
                 <a:spcPct val="100000"/>
               </a:lnSpc>
             </a:pPr>
-            <a:endParaRPr b="0" lang="de-DE" sz="2800" spc="-1" strike="noStrike">
+            <a:endParaRPr lang="de-DE" sz="2800" b="0" strike="noStrike" spc="-1">
               <a:latin typeface="Arial"/>
             </a:endParaRPr>
           </a:p>
@@ -3024,9 +3489,15 @@
           </a:ln>
         </p:spPr>
         <p:style>
-          <a:lnRef idx="0"/>
-          <a:fillRef idx="0"/>
-          <a:effectRef idx="0"/>
+          <a:lnRef idx="0">
+            <a:scrgbClr r="0" g="0" b="0"/>
+          </a:lnRef>
+          <a:fillRef idx="0">
+            <a:scrgbClr r="0" g="0" b="0"/>
+          </a:fillRef>
+          <a:effectRef idx="0">
+            <a:scrgbClr r="0" g="0" b="0"/>
+          </a:effectRef>
           <a:fontRef idx="minor"/>
         </p:style>
       </p:sp>
@@ -3050,15 +3521,22 @@
           </a:ln>
         </p:spPr>
         <p:style>
-          <a:lnRef idx="0"/>
-          <a:fillRef idx="0"/>
-          <a:effectRef idx="0"/>
+          <a:lnRef idx="0">
+            <a:scrgbClr r="0" g="0" b="0"/>
+          </a:lnRef>
+          <a:fillRef idx="0">
+            <a:scrgbClr r="0" g="0" b="0"/>
+          </a:fillRef>
+          <a:effectRef idx="0">
+            <a:scrgbClr r="0" g="0" b="0"/>
+          </a:effectRef>
           <a:fontRef idx="minor"/>
         </p:style>
         <p:txBody>
-          <a:bodyPr lIns="90000" rIns="90000" tIns="45000" bIns="45000">
+          <a:bodyPr lIns="90000" tIns="45000" rIns="90000" bIns="45000">
             <a:spAutoFit/>
           </a:bodyPr>
+          <a:lstStyle/>
           <a:p>
             <a:pPr>
               <a:lnSpc>
@@ -3066,7 +3544,7 @@
               </a:lnSpc>
             </a:pPr>
             <a:r>
-              <a:rPr b="0" lang="de-DE" sz="2400" spc="-1" strike="noStrike">
+              <a:rPr lang="de-DE" sz="2400" b="0" strike="noStrike" spc="-1">
                 <a:solidFill>
                   <a:srgbClr val="000000"/>
                 </a:solidFill>
@@ -3075,7 +3553,7 @@
               </a:rPr>
               <a:t>Um den Netzwerkverkehr und die zum clientseitigen Rendering benötigte Rechenleistung gering zu halten, werden die Gebiete in Abhängigkeit von der Zoomstufe der Karte mit unterschiedlichem Detailgrad ausgeliefert.</a:t>
             </a:r>
-            <a:endParaRPr b="0" lang="de-DE" sz="2400" spc="-1" strike="noStrike">
+            <a:endParaRPr lang="de-DE" sz="2400" b="0" strike="noStrike" spc="-1">
               <a:latin typeface="Arial"/>
             </a:endParaRPr>
           </a:p>
@@ -3085,7 +3563,7 @@
                 <a:spcPct val="100000"/>
               </a:lnSpc>
             </a:pPr>
-            <a:endParaRPr b="0" lang="de-DE" sz="2400" spc="-1" strike="noStrike">
+            <a:endParaRPr lang="de-DE" sz="2400" b="0" strike="noStrike" spc="-1">
               <a:latin typeface="Arial"/>
             </a:endParaRPr>
           </a:p>
@@ -3096,7 +3574,7 @@
               </a:lnSpc>
             </a:pPr>
             <a:r>
-              <a:rPr b="0" lang="de-DE" sz="2400" spc="-1" strike="noStrike">
+              <a:rPr lang="de-DE" sz="2400" b="0" strike="noStrike" spc="-1">
                 <a:solidFill>
                   <a:srgbClr val="000000"/>
                 </a:solidFill>
@@ -3105,7 +3583,7 @@
               </a:rPr>
               <a:t>Dafür werden während der Vorverarbeitung zunächst überscheidungsfreie Linienzüge für die Grenzen berechnet. Dies verhindert, dass ein Teilstück, das zu zwei Gebieten gehört, für beide unterschiedlich vereinfacht wird und somit Überlappungen oder Lücken entstehen. Anschließend werden die Linienzüge unter Erhaltung der ursprünglichen Topologie für unterschiedliche Zoomstufen vereinfacht und in der Datenbank gespeichert.</a:t>
             </a:r>
-            <a:endParaRPr b="0" lang="de-DE" sz="2400" spc="-1" strike="noStrike">
+            <a:endParaRPr lang="de-DE" sz="2400" b="0" strike="noStrike" spc="-1">
               <a:latin typeface="Arial"/>
             </a:endParaRPr>
           </a:p>
@@ -3115,7 +3593,7 @@
                 <a:spcPct val="100000"/>
               </a:lnSpc>
             </a:pPr>
-            <a:endParaRPr b="0" lang="de-DE" sz="2400" spc="-1" strike="noStrike">
+            <a:endParaRPr lang="de-DE" sz="2400" b="0" strike="noStrike" spc="-1">
               <a:latin typeface="Arial"/>
             </a:endParaRPr>
           </a:p>
@@ -3125,7 +3603,7 @@
                 <a:spcPct val="100000"/>
               </a:lnSpc>
             </a:pPr>
-            <a:endParaRPr b="0" lang="de-DE" sz="2400" spc="-1" strike="noStrike">
+            <a:endParaRPr lang="de-DE" sz="2400" b="0" strike="noStrike" spc="-1">
               <a:latin typeface="Arial"/>
             </a:endParaRPr>
           </a:p>
@@ -3151,15 +3629,22 @@
           </a:ln>
         </p:spPr>
         <p:style>
-          <a:lnRef idx="0"/>
-          <a:fillRef idx="0"/>
-          <a:effectRef idx="0"/>
+          <a:lnRef idx="0">
+            <a:scrgbClr r="0" g="0" b="0"/>
+          </a:lnRef>
+          <a:fillRef idx="0">
+            <a:scrgbClr r="0" g="0" b="0"/>
+          </a:fillRef>
+          <a:effectRef idx="0">
+            <a:scrgbClr r="0" g="0" b="0"/>
+          </a:effectRef>
           <a:fontRef idx="minor"/>
         </p:style>
         <p:txBody>
-          <a:bodyPr lIns="90000" rIns="90000" tIns="45000" bIns="45000">
+          <a:bodyPr lIns="90000" tIns="45000" rIns="90000" bIns="45000">
             <a:spAutoFit/>
           </a:bodyPr>
+          <a:lstStyle/>
           <a:p>
             <a:pPr>
               <a:lnSpc>
@@ -3167,7 +3652,7 @@
               </a:lnSpc>
             </a:pPr>
             <a:r>
-              <a:rPr b="1" lang="de-DE" sz="2400" spc="-1" strike="noStrike">
+              <a:rPr lang="de-DE" sz="2400" b="1" strike="noStrike" spc="-1">
                 <a:solidFill>
                   <a:srgbClr val="000000"/>
                 </a:solidFill>
@@ -3177,7 +3662,7 @@
               <a:t>Trump-client</a:t>
             </a:r>
             <a:r>
-              <a:rPr b="0" lang="de-DE" sz="2400" spc="-1" strike="noStrike">
+              <a:rPr lang="de-DE" sz="2400" b="0" strike="noStrike" spc="-1">
                 <a:solidFill>
                   <a:srgbClr val="000000"/>
                 </a:solidFill>
@@ -3186,7 +3671,7 @@
               </a:rPr>
               <a:t>: Fordert Daten für einen gegebenen Kartenausschnitt an</a:t>
             </a:r>
-            <a:endParaRPr b="0" lang="de-DE" sz="2400" spc="-1" strike="noStrike">
+            <a:endParaRPr lang="de-DE" sz="2400" b="0" strike="noStrike" spc="-1">
               <a:latin typeface="Arial"/>
             </a:endParaRPr>
           </a:p>
@@ -3197,7 +3682,7 @@
               </a:lnSpc>
             </a:pPr>
             <a:r>
-              <a:rPr b="1" lang="de-DE" sz="2400" spc="-1" strike="noStrike">
+              <a:rPr lang="de-DE" sz="2400" b="1" strike="noStrike" spc="-1">
                 <a:solidFill>
                   <a:srgbClr val="000000"/>
                 </a:solidFill>
@@ -3207,7 +3692,7 @@
               <a:t>Trump-mapnik</a:t>
             </a:r>
             <a:r>
-              <a:rPr b="0" lang="de-DE" sz="2400" spc="-1" strike="noStrike">
+              <a:rPr lang="de-DE" sz="2400" b="0" strike="noStrike" spc="-1">
                 <a:solidFill>
                   <a:srgbClr val="000000"/>
                 </a:solidFill>
@@ -3216,7 +3701,7 @@
               </a:rPr>
               <a:t>: Stellt dem Client vor-gerenderte Tiles bereit, sofern gewünscht</a:t>
             </a:r>
-            <a:endParaRPr b="0" lang="de-DE" sz="2400" spc="-1" strike="noStrike">
+            <a:endParaRPr lang="de-DE" sz="2400" b="0" strike="noStrike" spc="-1">
               <a:latin typeface="Arial"/>
             </a:endParaRPr>
           </a:p>
@@ -3227,7 +3712,7 @@
               </a:lnSpc>
             </a:pPr>
             <a:r>
-              <a:rPr b="1" lang="de-DE" sz="2400" spc="-1" strike="noStrike">
+              <a:rPr lang="de-DE" sz="2400" b="1" strike="noStrike" spc="-1">
                 <a:solidFill>
                   <a:srgbClr val="000000"/>
                 </a:solidFill>
@@ -3237,7 +3722,7 @@
               <a:t>Trump-area</a:t>
             </a:r>
             <a:r>
-              <a:rPr b="0" lang="de-DE" sz="2400" spc="-1" strike="noStrike">
+              <a:rPr lang="de-DE" sz="2400" b="0" strike="noStrike" spc="-1">
                 <a:solidFill>
                   <a:srgbClr val="000000"/>
                 </a:solidFill>
@@ -3246,7 +3731,7 @@
               </a:rPr>
               <a:t>: Server, der dem Client Grenzen und gebogene Beschriftungen bereitstellt</a:t>
             </a:r>
-            <a:endParaRPr b="0" lang="de-DE" sz="2400" spc="-1" strike="noStrike">
+            <a:endParaRPr lang="de-DE" sz="2400" b="0" strike="noStrike" spc="-1">
               <a:latin typeface="Arial"/>
             </a:endParaRPr>
           </a:p>
@@ -3257,7 +3742,7 @@
               </a:lnSpc>
             </a:pPr>
             <a:r>
-              <a:rPr b="1" lang="de-DE" sz="2400" spc="-1" strike="noStrike">
+              <a:rPr lang="de-DE" sz="2400" b="1" strike="noStrike" spc="-1">
                 <a:solidFill>
                   <a:srgbClr val="000000"/>
                 </a:solidFill>
@@ -3267,7 +3752,7 @@
               <a:t>Trump-label</a:t>
             </a:r>
             <a:r>
-              <a:rPr b="0" lang="de-DE" sz="2400" spc="-1" strike="noStrike">
+              <a:rPr lang="de-DE" sz="2400" b="0" strike="noStrike" spc="-1">
                 <a:solidFill>
                   <a:srgbClr val="000000"/>
                 </a:solidFill>
@@ -3276,7 +3761,7 @@
               </a:rPr>
               <a:t>: Stellt überschneidungsfreie Punktbeschriftungen bereit</a:t>
             </a:r>
-            <a:endParaRPr b="0" lang="de-DE" sz="2400" spc="-1" strike="noStrike">
+            <a:endParaRPr lang="de-DE" sz="2400" b="0" strike="noStrike" spc="-1">
               <a:latin typeface="Arial"/>
             </a:endParaRPr>
           </a:p>
@@ -3287,7 +3772,7 @@
               </a:lnSpc>
             </a:pPr>
             <a:r>
-              <a:rPr b="1" lang="de-DE" sz="2400" spc="-1" strike="noStrike">
+              <a:rPr lang="de-DE" sz="2400" b="1" strike="noStrike" spc="-1">
                 <a:solidFill>
                   <a:srgbClr val="000000"/>
                 </a:solidFill>
@@ -3297,7 +3782,7 @@
               <a:t>Trump-preprocessing</a:t>
             </a:r>
             <a:r>
-              <a:rPr b="0" lang="de-DE" sz="2400" spc="-1" strike="noStrike">
+              <a:rPr lang="de-DE" sz="2400" b="0" strike="noStrike" spc="-1">
                 <a:solidFill>
                   <a:srgbClr val="000000"/>
                 </a:solidFill>
@@ -3306,7 +3791,7 @@
               </a:rPr>
               <a:t>: Vereinfacht Grenzen für verschiedene Zoomstufen und berechnet die Position und Form der gebogenen Beschriftungen</a:t>
             </a:r>
-            <a:endParaRPr b="0" lang="de-DE" sz="2400" spc="-1" strike="noStrike">
+            <a:endParaRPr lang="de-DE" sz="2400" b="0" strike="noStrike" spc="-1">
               <a:latin typeface="Arial"/>
             </a:endParaRPr>
           </a:p>
@@ -3317,7 +3802,7 @@
               </a:lnSpc>
             </a:pPr>
             <a:r>
-              <a:rPr b="1" lang="de-DE" sz="2400" spc="-1" strike="noStrike">
+              <a:rPr lang="de-DE" sz="2400" b="1" strike="noStrike" spc="-1">
                 <a:solidFill>
                   <a:srgbClr val="000000"/>
                 </a:solidFill>
@@ -3327,7 +3812,7 @@
               <a:t>Trump-postgis: </a:t>
             </a:r>
             <a:r>
-              <a:rPr b="0" lang="de-DE" sz="2400" spc="-1" strike="noStrike">
+              <a:rPr lang="de-DE" sz="2400" b="0" strike="noStrike" spc="-1">
                 <a:solidFill>
                   <a:srgbClr val="000000"/>
                 </a:solidFill>
@@ -3336,7 +3821,7 @@
               </a:rPr>
               <a:t>Datenbank, die die vorverarbeiteten Daten enthält</a:t>
             </a:r>
-            <a:endParaRPr b="0" lang="de-DE" sz="2400" spc="-1" strike="noStrike">
+            <a:endParaRPr lang="de-DE" sz="2400" b="0" strike="noStrike" spc="-1">
               <a:latin typeface="Arial"/>
             </a:endParaRPr>
           </a:p>
@@ -3344,12 +3829,12 @@
       </p:sp>
       <p:pic>
         <p:nvPicPr>
-          <p:cNvPr id="65" name="Grafik 10" descr=""/>
+          <p:cNvPr id="65" name="Grafik 10"/>
           <p:cNvPicPr/>
           <p:nvPr/>
         </p:nvPicPr>
         <p:blipFill>
-          <a:blip r:embed="rId7"/>
+          <a:blip r:embed="rId8"/>
           <a:stretch/>
         </p:blipFill>
         <p:spPr>
@@ -3373,8 +3858,8 @@
         </p:nvSpPr>
         <p:spPr>
           <a:xfrm>
-            <a:off x="15940800" y="36781920"/>
-            <a:ext cx="12103920" cy="1187280"/>
+            <a:off x="15940800" y="36627462"/>
+            <a:ext cx="12103920" cy="1937538"/>
           </a:xfrm>
           <a:prstGeom prst="rect">
             <a:avLst/>
@@ -3385,15 +3870,22 @@
           </a:ln>
         </p:spPr>
         <p:style>
-          <a:lnRef idx="0"/>
-          <a:fillRef idx="0"/>
-          <a:effectRef idx="0"/>
+          <a:lnRef idx="0">
+            <a:scrgbClr r="0" g="0" b="0"/>
+          </a:lnRef>
+          <a:fillRef idx="0">
+            <a:scrgbClr r="0" g="0" b="0"/>
+          </a:fillRef>
+          <a:effectRef idx="0">
+            <a:scrgbClr r="0" g="0" b="0"/>
+          </a:effectRef>
           <a:fontRef idx="minor"/>
         </p:style>
         <p:txBody>
-          <a:bodyPr lIns="90000" rIns="90000" tIns="45000" bIns="45000">
+          <a:bodyPr lIns="90000" tIns="45000" rIns="90000" bIns="45000">
             <a:spAutoFit/>
           </a:bodyPr>
+          <a:lstStyle/>
           <a:p>
             <a:pPr>
               <a:lnSpc>
@@ -3401,82 +3893,41 @@
               </a:lnSpc>
             </a:pPr>
             <a:r>
-              <a:rPr b="0" lang="de-DE" sz="2400" spc="-1" strike="noStrike">
+              <a:rPr lang="de-DE" sz="2400" b="0" strike="noStrike" spc="-1" dirty="0">
                 <a:solidFill>
                   <a:srgbClr val="000000"/>
                 </a:solidFill>
                 <a:latin typeface="Arial"/>
                 <a:ea typeface="DejaVu Sans"/>
               </a:rPr>
-              <a:t>In der Abbildung sind die Gebiete Waiblingen, Kernen im Remstal und Fellbach ohne Vereinfachung (links), sowie mit Vereinfachung für Zoomstufe 11 (rechts) dargestellt. Der Detailgrad der vereinfachten Geometrien ist deutlich geringer.</a:t>
-            </a:r>
-            <a:endParaRPr b="0" lang="de-DE" sz="2400" spc="-1" strike="noStrike">
-              <a:latin typeface="Arial"/>
-            </a:endParaRPr>
-          </a:p>
-        </p:txBody>
-      </p:sp>
-      <p:sp>
-        <p:nvSpPr>
-          <p:cNvPr id="67" name="CustomShape 20"/>
-          <p:cNvSpPr/>
-          <p:nvPr/>
-        </p:nvSpPr>
-        <p:spPr>
-          <a:xfrm>
-            <a:off x="15940800" y="19851840"/>
-            <a:ext cx="12115440" cy="1187280"/>
-          </a:xfrm>
-          <a:prstGeom prst="rect">
-            <a:avLst/>
-          </a:prstGeom>
-          <a:noFill/>
-          <a:ln>
-            <a:noFill/>
-          </a:ln>
-        </p:spPr>
-        <p:style>
-          <a:lnRef idx="0"/>
-          <a:fillRef idx="0"/>
-          <a:effectRef idx="0"/>
-          <a:fontRef idx="minor"/>
-        </p:style>
-        <p:txBody>
-          <a:bodyPr lIns="90000" rIns="90000" tIns="45000" bIns="45000">
-            <a:spAutoFit/>
-          </a:bodyPr>
-          <a:p>
-            <a:pPr>
-              <a:lnSpc>
-                <a:spcPct val="100000"/>
-              </a:lnSpc>
-            </a:pPr>
-            <a:r>
-              <a:rPr b="0" lang="de-DE" sz="2400" spc="-1" strike="noStrike">
+              <a:t>In der Abbildung sind die Gebiete Waiblingen, Kernen im Remstal und Fellbach ohne Vereinfachung (links), sowie mit Vereinfachung für Zoomstufe 11 (rechts) dargestellt. Der Detailgrad der vereinfachten Geometrien ist deutlich geringer. So besteht der Grenzverlauf von Waiblingen (grün) in diesem Beispiel vor Vereinfachung aus 690 Punkten, nach Vereinfachung für Zoomstufe 11 nur noch aus </a:t>
+            </a:r>
+            <a:r>
+              <a:rPr lang="de-DE" sz="2400" b="0" strike="noStrike" spc="-1">
                 <a:solidFill>
                   <a:srgbClr val="000000"/>
                 </a:solidFill>
                 <a:latin typeface="Arial"/>
                 <a:ea typeface="DejaVu Sans"/>
               </a:rPr>
-              <a:t>Damit Benutzer Beschriftungen einfach mit den betreffenden Gebieten in Verbindung bringen können, werden anhand der Grenzverläufe die Position und Form gebogener Beschriftungen berechnet, die in die Gebiete gelegt werden können.</a:t>
-            </a:r>
-            <a:endParaRPr b="0" lang="de-DE" sz="2400" spc="-1" strike="noStrike">
-              <a:latin typeface="Arial"/>
-            </a:endParaRPr>
-          </a:p>
-        </p:txBody>
-      </p:sp>
-      <p:sp>
-        <p:nvSpPr>
-          <p:cNvPr id="68" name="CustomShape 21"/>
+              <a:t>55 Punkten.</a:t>
+            </a:r>
+            <a:endParaRPr lang="de-DE" sz="2400" b="0" strike="noStrike" spc="-1" dirty="0">
+              <a:latin typeface="Arial"/>
+            </a:endParaRPr>
+          </a:p>
+        </p:txBody>
+      </p:sp>
+      <p:sp>
+        <p:nvSpPr>
+          <p:cNvPr id="67" name="CustomShape 20"/>
           <p:cNvSpPr/>
           <p:nvPr/>
         </p:nvSpPr>
         <p:spPr>
           <a:xfrm>
-            <a:off x="15939360" y="12939480"/>
-            <a:ext cx="11623680" cy="1918800"/>
+            <a:off x="15940800" y="19851840"/>
+            <a:ext cx="12115440" cy="1187280"/>
           </a:xfrm>
           <a:prstGeom prst="rect">
             <a:avLst/>
@@ -3487,15 +3938,22 @@
           </a:ln>
         </p:spPr>
         <p:style>
-          <a:lnRef idx="0"/>
-          <a:fillRef idx="0"/>
-          <a:effectRef idx="0"/>
+          <a:lnRef idx="0">
+            <a:scrgbClr r="0" g="0" b="0"/>
+          </a:lnRef>
+          <a:fillRef idx="0">
+            <a:scrgbClr r="0" g="0" b="0"/>
+          </a:fillRef>
+          <a:effectRef idx="0">
+            <a:scrgbClr r="0" g="0" b="0"/>
+          </a:effectRef>
           <a:fontRef idx="minor"/>
         </p:style>
         <p:txBody>
-          <a:bodyPr lIns="90000" rIns="90000" tIns="45000" bIns="45000">
+          <a:bodyPr lIns="90000" tIns="45000" rIns="90000" bIns="45000">
             <a:spAutoFit/>
           </a:bodyPr>
+          <a:lstStyle/>
           <a:p>
             <a:pPr>
               <a:lnSpc>
@@ -3503,16 +3961,74 @@
               </a:lnSpc>
             </a:pPr>
             <a:r>
-              <a:rPr b="0" lang="de-DE" sz="2400" spc="-1" strike="noStrike">
+              <a:rPr lang="de-DE" sz="2400" b="0" strike="noStrike" spc="-1">
                 <a:solidFill>
                   <a:srgbClr val="000000"/>
                 </a:solidFill>
                 <a:latin typeface="Arial"/>
                 <a:ea typeface="DejaVu Sans"/>
               </a:rPr>
+              <a:t>Damit Benutzer Beschriftungen einfach mit den betreffenden Gebieten in Verbindung bringen können, werden anhand der Grenzverläufe die Position und Form gebogener Beschriftungen berechnet, die in die Gebiete gelegt werden können.</a:t>
+            </a:r>
+            <a:endParaRPr lang="de-DE" sz="2400" b="0" strike="noStrike" spc="-1">
+              <a:latin typeface="Arial"/>
+            </a:endParaRPr>
+          </a:p>
+        </p:txBody>
+      </p:sp>
+      <p:sp>
+        <p:nvSpPr>
+          <p:cNvPr id="68" name="CustomShape 21"/>
+          <p:cNvSpPr/>
+          <p:nvPr/>
+        </p:nvSpPr>
+        <p:spPr>
+          <a:xfrm>
+            <a:off x="15939360" y="12939480"/>
+            <a:ext cx="11623680" cy="1918800"/>
+          </a:xfrm>
+          <a:prstGeom prst="rect">
+            <a:avLst/>
+          </a:prstGeom>
+          <a:noFill/>
+          <a:ln>
+            <a:noFill/>
+          </a:ln>
+        </p:spPr>
+        <p:style>
+          <a:lnRef idx="0">
+            <a:scrgbClr r="0" g="0" b="0"/>
+          </a:lnRef>
+          <a:fillRef idx="0">
+            <a:scrgbClr r="0" g="0" b="0"/>
+          </a:fillRef>
+          <a:effectRef idx="0">
+            <a:scrgbClr r="0" g="0" b="0"/>
+          </a:effectRef>
+          <a:fontRef idx="minor"/>
+        </p:style>
+        <p:txBody>
+          <a:bodyPr lIns="90000" tIns="45000" rIns="90000" bIns="45000">
+            <a:spAutoFit/>
+          </a:bodyPr>
+          <a:lstStyle/>
+          <a:p>
+            <a:pPr>
+              <a:lnSpc>
+                <a:spcPct val="100000"/>
+              </a:lnSpc>
+            </a:pPr>
+            <a:r>
+              <a:rPr lang="de-DE" sz="2400" b="0" strike="noStrike" spc="-1">
+                <a:solidFill>
+                  <a:srgbClr val="000000"/>
+                </a:solidFill>
+                <a:latin typeface="Arial"/>
+                <a:ea typeface="DejaVu Sans"/>
+              </a:rPr>
               <a:t>Die Vorverarbeitung extrahiert geografische Daten aus den OSM-Quelldateien, vereinfacht deren Grenzen für verschiedene Zoomstufen und berechnet die Position und Form von gebogenen Beschriftungen. Die Ergebnisse werden anschließend in eine spatiale Datenbank geschrieben, sodass sie vom Gebietsserver auf Anfrage des Clients bereitgestellt werden können.</a:t>
             </a:r>
-            <a:endParaRPr b="0" lang="de-DE" sz="2400" spc="-1" strike="noStrike">
+            <a:endParaRPr lang="de-DE" sz="2400" b="0" strike="noStrike" spc="-1">
               <a:latin typeface="Arial"/>
             </a:endParaRPr>
           </a:p>
@@ -3559,30 +4075,7 @@
       </p:sp>
       <p:pic>
         <p:nvPicPr>
-          <p:cNvPr id="70" name="Grafik 9" descr=""/>
-          <p:cNvPicPr/>
-          <p:nvPr/>
-        </p:nvPicPr>
-        <p:blipFill>
-          <a:blip r:embed="rId8"/>
-          <a:stretch/>
-        </p:blipFill>
-        <p:spPr>
-          <a:xfrm>
-            <a:off x="16092720" y="14883840"/>
-            <a:ext cx="11733840" cy="3170880"/>
-          </a:xfrm>
-          <a:prstGeom prst="rect">
-            <a:avLst/>
-          </a:prstGeom>
-          <a:ln>
-            <a:noFill/>
-          </a:ln>
-        </p:spPr>
-      </p:pic>
-      <p:pic>
-        <p:nvPicPr>
-          <p:cNvPr id="71" name="Grafik 33" descr=""/>
+          <p:cNvPr id="70" name="Grafik 9"/>
           <p:cNvPicPr/>
           <p:nvPr/>
         </p:nvPicPr>
@@ -3592,8 +4085,8 @@
         </p:blipFill>
         <p:spPr>
           <a:xfrm>
-            <a:off x="17012880" y="32470560"/>
-            <a:ext cx="4619160" cy="3418920"/>
+            <a:off x="16092720" y="14883840"/>
+            <a:ext cx="11733840" cy="3170880"/>
           </a:xfrm>
           <a:prstGeom prst="rect">
             <a:avLst/>
@@ -3605,19 +4098,18 @@
       </p:pic>
       <p:pic>
         <p:nvPicPr>
-          <p:cNvPr id="72" name="Grafik 2" descr=""/>
+          <p:cNvPr id="71" name="Grafik 33"/>
           <p:cNvPicPr/>
           <p:nvPr/>
         </p:nvPicPr>
         <p:blipFill>
           <a:blip r:embed="rId10"/>
-          <a:srcRect l="0" t="13476" r="0" b="22010"/>
           <a:stretch/>
         </p:blipFill>
         <p:spPr>
           <a:xfrm>
-            <a:off x="2169360" y="35006400"/>
-            <a:ext cx="12495600" cy="3672000"/>
+            <a:off x="17012880" y="32470560"/>
+            <a:ext cx="4619160" cy="3418920"/>
           </a:xfrm>
           <a:prstGeom prst="rect">
             <a:avLst/>
@@ -3627,16 +4119,35 @@
           </a:ln>
         </p:spPr>
       </p:pic>
+      <p:pic>
+        <p:nvPicPr>
+          <p:cNvPr id="72" name="Grafik 2"/>
+          <p:cNvPicPr/>
+          <p:nvPr/>
+        </p:nvPicPr>
+        <p:blipFill>
+          <a:blip r:embed="rId11"/>
+          <a:srcRect t="13476" b="22010"/>
+          <a:stretch/>
+        </p:blipFill>
+        <p:spPr>
+          <a:xfrm>
+            <a:off x="2169360" y="35006400"/>
+            <a:ext cx="12495600" cy="3672000"/>
+          </a:xfrm>
+          <a:prstGeom prst="rect">
+            <a:avLst/>
+          </a:prstGeom>
+          <a:ln>
+            <a:noFill/>
+          </a:ln>
+        </p:spPr>
+      </p:pic>
     </p:spTree>
   </p:cSld>
-  <mc:AlternateContent>
-    <mc:Choice Requires="p14">
-      <p:transition spd="slow" p14:dur="2000"/>
-    </mc:Choice>
-    <mc:Fallback>
-      <p:transition spd="slow"/>
-    </mc:Fallback>
-  </mc:AlternateContent>
+  <p:clrMapOvr>
+    <a:masterClrMapping/>
+  </p:clrMapOvr>
 </p:sld>
 </file>
 
@@ -3651,31 +4162,31 @@
         <a:sysClr val="window" lastClr="FFFFFF"/>
       </a:lt1>
       <a:dk2>
-        <a:srgbClr val="7f7f7f"/>
+        <a:srgbClr val="7F7F7F"/>
       </a:dk2>
       <a:lt2>
-        <a:srgbClr val="ffffff"/>
+        <a:srgbClr val="FFFFFF"/>
       </a:lt2>
       <a:accent1>
-        <a:srgbClr val="1bbbe9"/>
+        <a:srgbClr val="1BBBE9"/>
       </a:accent1>
       <a:accent2>
-        <a:srgbClr val="00519e"/>
+        <a:srgbClr val="00519E"/>
       </a:accent2>
       <a:accent3>
-        <a:srgbClr val="3e444c"/>
+        <a:srgbClr val="3E444C"/>
       </a:accent3>
       <a:accent4>
-        <a:srgbClr val="bdddf2"/>
+        <a:srgbClr val="BDDDF2"/>
       </a:accent4>
       <a:accent5>
-        <a:srgbClr val="4bacc6"/>
+        <a:srgbClr val="4BACC6"/>
       </a:accent5>
       <a:accent6>
-        <a:srgbClr val="7f7f7f"/>
+        <a:srgbClr val="7F7F7F"/>
       </a:accent6>
       <a:hlink>
-        <a:srgbClr val="ffff00"/>
+        <a:srgbClr val="FFFF00"/>
       </a:hlink>
       <a:folHlink>
         <a:srgbClr val="800080"/>
@@ -3860,5 +4371,7 @@
       </a:bgFillStyleLst>
     </a:fmtScheme>
   </a:themeElements>
+  <a:objectDefaults/>
+  <a:extraClrSchemeLst/>
 </a:theme>
 </file>
--- a/EnPro_ALF_Poster_2.pptx
+++ b/EnPro_ALF_Poster_2.pptx
@@ -104,6 +104,11 @@
       </a:defRPr>
     </a:lvl9pPr>
   </p:defaultTextStyle>
+  <p:extLst>
+    <p:ext uri="{EFAFB233-063F-42B5-8137-9DF3F51BA10A}">
+      <p15:sldGuideLst xmlns:p15="http://schemas.microsoft.com/office/powerpoint/2012/main"/>
+    </p:ext>
+  </p:extLst>
 </p:presentation>
 </file>
 
@@ -2698,7 +2703,7 @@
                 <a:latin typeface="Arial"/>
                 <a:ea typeface="DejaVu Sans"/>
               </a:rPr>
-              <a:t>                                                     Architektur</a:t>
+              <a:t>                                                      Architektur</a:t>
             </a:r>
             <a:endParaRPr lang="de-DE" sz="2800" b="0" strike="noStrike" spc="-1">
               <a:latin typeface="Arial"/>
@@ -2710,7 +2715,7 @@
                 <a:spcPct val="100000"/>
               </a:lnSpc>
             </a:pPr>
-            <a:endParaRPr lang="de-DE" sz="2800" b="0" strike="noStrike" spc="-1">
+            <a:endParaRPr lang="de-DE" sz="2800" b="0" strike="noStrike" spc="-1" dirty="0">
               <a:latin typeface="Arial"/>
             </a:endParaRPr>
           </a:p>
@@ -3364,16 +3369,16 @@
               </a:lnSpc>
             </a:pPr>
             <a:r>
-              <a:rPr lang="de-DE" sz="2800" b="0" strike="noStrike" spc="-1">
+              <a:rPr lang="de-DE" sz="2800" b="0" strike="noStrike" spc="-1" dirty="0">
                 <a:solidFill>
                   <a:srgbClr val="FFFFFF"/>
                 </a:solidFill>
                 <a:latin typeface="Arial"/>
                 <a:ea typeface="DejaVu Sans"/>
               </a:rPr>
-              <a:t>                                                     Gebogene Beschriftungen</a:t>
-            </a:r>
-            <a:endParaRPr lang="de-DE" sz="2800" b="0" strike="noStrike" spc="-1">
+              <a:t>                                         Gebogene Beschriftungen</a:t>
+            </a:r>
+            <a:endParaRPr lang="de-DE" sz="2800" b="0" strike="noStrike" spc="-1" dirty="0">
               <a:latin typeface="Arial"/>
             </a:endParaRPr>
           </a:p>
@@ -3383,7 +3388,7 @@
                 <a:spcPct val="100000"/>
               </a:lnSpc>
             </a:pPr>
-            <a:endParaRPr lang="de-DE" sz="2800" b="0" strike="noStrike" spc="-1">
+            <a:endParaRPr lang="de-DE" sz="2800" b="0" strike="noStrike" spc="-1" dirty="0">
               <a:latin typeface="Arial"/>
             </a:endParaRPr>
           </a:p>
@@ -3441,16 +3446,16 @@
               </a:lnSpc>
             </a:pPr>
             <a:r>
-              <a:rPr lang="de-DE" sz="2800" b="0" strike="noStrike" spc="-1">
+              <a:rPr lang="de-DE" sz="2800" b="0" strike="noStrike" spc="-1" dirty="0">
                 <a:solidFill>
                   <a:srgbClr val="FFFFFF"/>
                 </a:solidFill>
                 <a:latin typeface="Arial"/>
                 <a:ea typeface="DejaVu Sans"/>
               </a:rPr>
-              <a:t>                                                    Grenzvereinfachung</a:t>
-            </a:r>
-            <a:endParaRPr lang="de-DE" sz="2800" b="0" strike="noStrike" spc="-1">
+              <a:t>                                              Grenzvereinfachung</a:t>
+            </a:r>
+            <a:endParaRPr lang="de-DE" sz="2800" b="0" strike="noStrike" spc="-1" dirty="0">
               <a:latin typeface="Arial"/>
             </a:endParaRPr>
           </a:p>
@@ -3460,7 +3465,7 @@
                 <a:spcPct val="100000"/>
               </a:lnSpc>
             </a:pPr>
-            <a:endParaRPr lang="de-DE" sz="2800" b="0" strike="noStrike" spc="-1">
+            <a:endParaRPr lang="de-DE" sz="2800" b="0" strike="noStrike" spc="-1" dirty="0">
               <a:latin typeface="Arial"/>
             </a:endParaRPr>
           </a:p>
